--- a/01.MODELO PERSEPOLIS/02.Ejecucion/02.Frente Operacion/07.Tecnología/SIPOC Vertical Tecnología & Innovación v0.03.pptx
+++ b/01.MODELO PERSEPOLIS/02.Ejecucion/02.Frente Operacion/07.Tecnología/SIPOC Vertical Tecnología & Innovación v0.03.pptx
@@ -7147,7 +7147,7 @@
       </dgm:t>
     </dgm:pt>
     <dgm:pt modelId="{A9C73D77-02B4-4C50-9D8C-F3FF29FCC85C}">
-      <dgm:prSet phldrT="[Texto]">
+      <dgm:prSet phldrT="[Texto]" custT="1">
         <dgm:style>
           <a:lnRef idx="1">
             <a:schemeClr val="dk1"/>
@@ -7169,18 +7169,29 @@
         <a:lstStyle/>
         <a:p>
           <a:r>
-            <a:rPr lang="es-CO" dirty="0" smtClean="0"/>
-            <a:t>ANE - Agencia </a:t>
+            <a:rPr lang="es-CO" sz="2000" dirty="0" smtClean="0"/>
+            <a:t>ANE </a:t>
           </a:r>
           <a:r>
-            <a:rPr lang="es-CO" dirty="0" err="1" smtClean="0"/>
+            <a:rPr lang="es-CO" sz="2000" dirty="0" smtClean="0"/>
+            <a:t/>
+          </a:r>
+          <a:br>
+            <a:rPr lang="es-CO" sz="2000" dirty="0" smtClean="0"/>
+          </a:br>
+          <a:r>
+            <a:rPr lang="es-CO" sz="1600" dirty="0" smtClean="0"/>
+            <a:t>Agencia </a:t>
+          </a:r>
+          <a:r>
+            <a:rPr lang="es-CO" sz="1600" dirty="0" err="1" smtClean="0"/>
             <a:t>Nac</a:t>
           </a:r>
           <a:r>
-            <a:rPr lang="es-CO" dirty="0" smtClean="0"/>
+            <a:rPr lang="es-CO" sz="1600" dirty="0" smtClean="0"/>
             <a:t>. Espectro</a:t>
           </a:r>
-          <a:endParaRPr lang="es-CO" dirty="0"/>
+          <a:endParaRPr lang="es-CO" sz="1600" dirty="0"/>
         </a:p>
       </dgm:t>
     </dgm:pt>
@@ -7207,7 +7218,7 @@
       </dgm:t>
     </dgm:pt>
     <dgm:pt modelId="{F8A1AC3F-351C-4FB3-9CAF-4A8382709C7F}">
-      <dgm:prSet phldrT="[Texto]">
+      <dgm:prSet phldrT="[Texto]" custT="1">
         <dgm:style>
           <a:lnRef idx="1">
             <a:schemeClr val="dk1"/>
@@ -7229,10 +7240,18 @@
         <a:lstStyle/>
         <a:p>
           <a:r>
-            <a:rPr lang="es-CO" dirty="0" smtClean="0"/>
-            <a:t>Industriales y Comerciales</a:t>
+            <a:rPr lang="es-CO" sz="2000" dirty="0" err="1" smtClean="0"/>
+            <a:t>Empr</a:t>
           </a:r>
-          <a:endParaRPr lang="es-CO" dirty="0"/>
+          <a:r>
+            <a:rPr lang="es-CO" sz="2000" dirty="0" smtClean="0"/>
+            <a:t>. Industriales </a:t>
+          </a:r>
+          <a:r>
+            <a:rPr lang="es-CO" sz="2000" dirty="0" smtClean="0"/>
+            <a:t>y Comerciales</a:t>
+          </a:r>
+          <a:endParaRPr lang="es-CO" sz="2000" dirty="0"/>
         </a:p>
       </dgm:t>
     </dgm:pt>
@@ -7259,7 +7278,7 @@
       </dgm:t>
     </dgm:pt>
     <dgm:pt modelId="{4FBD5EEE-1022-4EB3-9F05-737069F46B6F}">
-      <dgm:prSet phldrT="[Texto]">
+      <dgm:prSet phldrT="[Texto]" custT="1">
         <dgm:style>
           <a:lnRef idx="1">
             <a:schemeClr val="dk1"/>
@@ -7281,14 +7300,14 @@
         <a:lstStyle/>
         <a:p>
           <a:r>
-            <a:rPr lang="es-CO" dirty="0" smtClean="0"/>
-            <a:t>Tele-Comunica-</a:t>
+            <a:rPr lang="es-CO" sz="2000" dirty="0" err="1" smtClean="0"/>
+            <a:t>Empr</a:t>
           </a:r>
           <a:r>
-            <a:rPr lang="es-CO" dirty="0" err="1" smtClean="0"/>
-            <a:t>ciones</a:t>
+            <a:rPr lang="es-CO" sz="2000" dirty="0" smtClean="0"/>
+            <a:t>. SS. Públicos</a:t>
           </a:r>
-          <a:endParaRPr lang="es-CO" dirty="0"/>
+          <a:endParaRPr lang="es-CO" sz="2000" dirty="0"/>
         </a:p>
       </dgm:t>
     </dgm:pt>
@@ -7338,7 +7357,7 @@
         <a:p>
           <a:r>
             <a:rPr lang="es-CO" dirty="0" smtClean="0"/>
-            <a:t>Fondo TIC</a:t>
+            <a:t>Colciencias</a:t>
           </a:r>
           <a:endParaRPr lang="es-CO" dirty="0"/>
         </a:p>
@@ -7390,7 +7409,7 @@
         <a:p>
           <a:r>
             <a:rPr lang="es-CO" dirty="0" smtClean="0"/>
-            <a:t>GEL</a:t>
+            <a:t>Dir. GEL</a:t>
           </a:r>
           <a:endParaRPr lang="es-CO" dirty="0"/>
         </a:p>
@@ -7419,7 +7438,7 @@
       </dgm:t>
     </dgm:pt>
     <dgm:pt modelId="{17181E8E-FA86-449C-AA12-C1BBCA09412D}">
-      <dgm:prSet phldrT="[Texto]">
+      <dgm:prSet phldrT="[Texto]" custT="1">
         <dgm:style>
           <a:lnRef idx="3">
             <a:schemeClr val="lt1"/>
@@ -7441,10 +7460,14 @@
         <a:lstStyle/>
         <a:p>
           <a:r>
-            <a:rPr lang="es-CO" dirty="0" smtClean="0"/>
-            <a:t>Dir. y Promoción</a:t>
+            <a:rPr lang="es-CO" sz="1800" dirty="0" smtClean="0"/>
+            <a:t>Dir. </a:t>
           </a:r>
-          <a:endParaRPr lang="es-CO" dirty="0"/>
+          <a:r>
+            <a:rPr lang="es-CO" sz="1800" dirty="0" smtClean="0"/>
+            <a:t>Promoción</a:t>
+          </a:r>
+          <a:endParaRPr lang="es-CO" sz="1800" dirty="0"/>
         </a:p>
       </dgm:t>
     </dgm:pt>
@@ -7494,7 +7517,7 @@
         <a:p>
           <a:r>
             <a:rPr lang="es-CO" dirty="0" smtClean="0"/>
-            <a:t>E&amp;A</a:t>
+            <a:t>Dir. E&amp;A</a:t>
           </a:r>
           <a:endParaRPr lang="es-CO" dirty="0"/>
         </a:p>
@@ -7512,6 +7535,58 @@
       </dgm:t>
     </dgm:pt>
     <dgm:pt modelId="{127C294C-4879-4387-93AB-A943CA989C39}" type="sibTrans" cxnId="{8831A52F-1303-4677-A562-0F0D73FFE220}">
+      <dgm:prSet/>
+      <dgm:spPr/>
+      <dgm:t>
+        <a:bodyPr/>
+        <a:lstStyle/>
+        <a:p>
+          <a:endParaRPr lang="es-CO"/>
+        </a:p>
+      </dgm:t>
+    </dgm:pt>
+    <dgm:pt modelId="{62BA119B-B283-4E24-A3A2-EB4C8009821D}">
+      <dgm:prSet phldrT="[Texto]">
+        <dgm:style>
+          <a:lnRef idx="1">
+            <a:schemeClr val="dk1"/>
+          </a:lnRef>
+          <a:fillRef idx="2">
+            <a:schemeClr val="dk1"/>
+          </a:fillRef>
+          <a:effectRef idx="1">
+            <a:schemeClr val="dk1"/>
+          </a:effectRef>
+          <a:fontRef idx="minor">
+            <a:schemeClr val="dk1"/>
+          </a:fontRef>
+        </dgm:style>
+      </dgm:prSet>
+      <dgm:spPr/>
+      <dgm:t>
+        <a:bodyPr/>
+        <a:lstStyle/>
+        <a:p>
+          <a:r>
+            <a:rPr lang="es-CO" dirty="0" smtClean="0"/>
+            <a:t>FONTIC</a:t>
+          </a:r>
+          <a:endParaRPr lang="es-CO" dirty="0"/>
+        </a:p>
+      </dgm:t>
+    </dgm:pt>
+    <dgm:pt modelId="{0CF04592-7A17-4F8B-9A48-721447641C7E}" type="parTrans" cxnId="{599FE745-174D-4685-A0E1-3AA26E876313}">
+      <dgm:prSet/>
+      <dgm:spPr/>
+      <dgm:t>
+        <a:bodyPr/>
+        <a:lstStyle/>
+        <a:p>
+          <a:endParaRPr lang="es-CO"/>
+        </a:p>
+      </dgm:t>
+    </dgm:pt>
+    <dgm:pt modelId="{5423E64B-C49A-4472-8AC1-ECA28894F746}" type="sibTrans" cxnId="{599FE745-174D-4685-A0E1-3AA26E876313}">
       <dgm:prSet/>
       <dgm:spPr/>
       <dgm:t>
@@ -7638,7 +7713,7 @@
       <dgm:spPr/>
     </dgm:pt>
     <dgm:pt modelId="{1EAE2C85-0649-4956-A520-B7E6CCD12230}" type="pres">
-      <dgm:prSet presAssocID="{B048EAA3-1712-42F5-951D-549499783C5F}" presName="Name37" presStyleLbl="parChTrans1D3" presStyleIdx="0" presStyleCnt="8"/>
+      <dgm:prSet presAssocID="{B048EAA3-1712-42F5-951D-549499783C5F}" presName="Name37" presStyleLbl="parChTrans1D3" presStyleIdx="0" presStyleCnt="9"/>
       <dgm:spPr/>
       <dgm:t>
         <a:bodyPr/>
@@ -7661,7 +7736,7 @@
       <dgm:spPr/>
     </dgm:pt>
     <dgm:pt modelId="{D409ED21-A91F-4BD6-B5B6-F8F1E49516A5}" type="pres">
-      <dgm:prSet presAssocID="{E2B55CFB-6C9E-4D42-B909-F7A11BA20938}" presName="rootText" presStyleLbl="node3" presStyleIdx="0" presStyleCnt="8">
+      <dgm:prSet presAssocID="{E2B55CFB-6C9E-4D42-B909-F7A11BA20938}" presName="rootText" presStyleLbl="node3" presStyleIdx="0" presStyleCnt="9">
         <dgm:presLayoutVars>
           <dgm:chPref val="3"/>
         </dgm:presLayoutVars>
@@ -7676,7 +7751,7 @@
       </dgm:t>
     </dgm:pt>
     <dgm:pt modelId="{6826E63E-4E4F-4B31-99EA-CC9C68633372}" type="pres">
-      <dgm:prSet presAssocID="{E2B55CFB-6C9E-4D42-B909-F7A11BA20938}" presName="rootConnector" presStyleLbl="node3" presStyleIdx="0" presStyleCnt="8"/>
+      <dgm:prSet presAssocID="{E2B55CFB-6C9E-4D42-B909-F7A11BA20938}" presName="rootConnector" presStyleLbl="node3" presStyleIdx="0" presStyleCnt="9"/>
       <dgm:spPr/>
       <dgm:t>
         <a:bodyPr/>
@@ -7695,7 +7770,7 @@
       <dgm:spPr/>
     </dgm:pt>
     <dgm:pt modelId="{7ECF3B26-FC3B-4BC4-8D44-FFF321E11D16}" type="pres">
-      <dgm:prSet presAssocID="{B6997472-3F83-44B3-A9F7-A04DC8A37FAB}" presName="Name37" presStyleLbl="parChTrans1D3" presStyleIdx="1" presStyleCnt="8"/>
+      <dgm:prSet presAssocID="{B6997472-3F83-44B3-A9F7-A04DC8A37FAB}" presName="Name37" presStyleLbl="parChTrans1D3" presStyleIdx="1" presStyleCnt="9"/>
       <dgm:spPr/>
       <dgm:t>
         <a:bodyPr/>
@@ -7718,7 +7793,7 @@
       <dgm:spPr/>
     </dgm:pt>
     <dgm:pt modelId="{FCA5EF3D-E4EE-4E45-8A5F-11386708CEAC}" type="pres">
-      <dgm:prSet presAssocID="{A9844CEF-1615-4F52-841F-30D38FF77D55}" presName="rootText" presStyleLbl="node3" presStyleIdx="1" presStyleCnt="8">
+      <dgm:prSet presAssocID="{A9844CEF-1615-4F52-841F-30D38FF77D55}" presName="rootText" presStyleLbl="node3" presStyleIdx="1" presStyleCnt="9">
         <dgm:presLayoutVars>
           <dgm:chPref val="3"/>
         </dgm:presLayoutVars>
@@ -7733,7 +7808,7 @@
       </dgm:t>
     </dgm:pt>
     <dgm:pt modelId="{3D58521C-DCCB-408B-BB20-9BE7E9B96B4D}" type="pres">
-      <dgm:prSet presAssocID="{A9844CEF-1615-4F52-841F-30D38FF77D55}" presName="rootConnector" presStyleLbl="node3" presStyleIdx="1" presStyleCnt="8"/>
+      <dgm:prSet presAssocID="{A9844CEF-1615-4F52-841F-30D38FF77D55}" presName="rootConnector" presStyleLbl="node3" presStyleIdx="1" presStyleCnt="9"/>
       <dgm:spPr/>
       <dgm:t>
         <a:bodyPr/>
@@ -7752,7 +7827,7 @@
       <dgm:spPr/>
     </dgm:pt>
     <dgm:pt modelId="{B810F8F3-A1F5-4729-937E-96499068C2ED}" type="pres">
-      <dgm:prSet presAssocID="{C54DEF59-FA37-4FAD-A654-049B9F592E99}" presName="Name37" presStyleLbl="parChTrans1D3" presStyleIdx="2" presStyleCnt="8"/>
+      <dgm:prSet presAssocID="{C54DEF59-FA37-4FAD-A654-049B9F592E99}" presName="Name37" presStyleLbl="parChTrans1D3" presStyleIdx="2" presStyleCnt="9"/>
       <dgm:spPr/>
       <dgm:t>
         <a:bodyPr/>
@@ -7775,7 +7850,7 @@
       <dgm:spPr/>
     </dgm:pt>
     <dgm:pt modelId="{93707EDE-68F6-42AB-BF84-37F0123A99CE}" type="pres">
-      <dgm:prSet presAssocID="{17181E8E-FA86-449C-AA12-C1BBCA09412D}" presName="rootText" presStyleLbl="node3" presStyleIdx="2" presStyleCnt="8">
+      <dgm:prSet presAssocID="{17181E8E-FA86-449C-AA12-C1BBCA09412D}" presName="rootText" presStyleLbl="node3" presStyleIdx="2" presStyleCnt="9">
         <dgm:presLayoutVars>
           <dgm:chPref val="3"/>
         </dgm:presLayoutVars>
@@ -7790,7 +7865,7 @@
       </dgm:t>
     </dgm:pt>
     <dgm:pt modelId="{D7F39829-A859-45E2-9D6B-BC596226D823}" type="pres">
-      <dgm:prSet presAssocID="{17181E8E-FA86-449C-AA12-C1BBCA09412D}" presName="rootConnector" presStyleLbl="node3" presStyleIdx="2" presStyleCnt="8"/>
+      <dgm:prSet presAssocID="{17181E8E-FA86-449C-AA12-C1BBCA09412D}" presName="rootConnector" presStyleLbl="node3" presStyleIdx="2" presStyleCnt="9"/>
       <dgm:spPr/>
       <dgm:t>
         <a:bodyPr/>
@@ -7866,7 +7941,7 @@
       <dgm:spPr/>
     </dgm:pt>
     <dgm:pt modelId="{03A27186-51E3-4703-89C3-8077E59EACFF}" type="pres">
-      <dgm:prSet presAssocID="{C11BE22B-13C1-49F2-A391-62A161667660}" presName="Name37" presStyleLbl="parChTrans1D3" presStyleIdx="3" presStyleCnt="8"/>
+      <dgm:prSet presAssocID="{C11BE22B-13C1-49F2-A391-62A161667660}" presName="Name37" presStyleLbl="parChTrans1D3" presStyleIdx="3" presStyleCnt="9"/>
       <dgm:spPr/>
       <dgm:t>
         <a:bodyPr/>
@@ -7889,7 +7964,7 @@
       <dgm:spPr/>
     </dgm:pt>
     <dgm:pt modelId="{64D5F939-7760-474B-848E-1FD9B87EBDD7}" type="pres">
-      <dgm:prSet presAssocID="{CE821B12-F629-447D-96E2-C408ACDE5545}" presName="rootText" presStyleLbl="node3" presStyleIdx="3" presStyleCnt="8">
+      <dgm:prSet presAssocID="{CE821B12-F629-447D-96E2-C408ACDE5545}" presName="rootText" presStyleLbl="node3" presStyleIdx="3" presStyleCnt="9">
         <dgm:presLayoutVars>
           <dgm:chPref val="3"/>
         </dgm:presLayoutVars>
@@ -7904,7 +7979,7 @@
       </dgm:t>
     </dgm:pt>
     <dgm:pt modelId="{B726B676-5C27-4B31-BCF2-DD8924C98F98}" type="pres">
-      <dgm:prSet presAssocID="{CE821B12-F629-447D-96E2-C408ACDE5545}" presName="rootConnector" presStyleLbl="node3" presStyleIdx="3" presStyleCnt="8"/>
+      <dgm:prSet presAssocID="{CE821B12-F629-447D-96E2-C408ACDE5545}" presName="rootConnector" presStyleLbl="node3" presStyleIdx="3" presStyleCnt="9"/>
       <dgm:spPr/>
       <dgm:t>
         <a:bodyPr/>
@@ -7923,7 +7998,7 @@
       <dgm:spPr/>
     </dgm:pt>
     <dgm:pt modelId="{5809865A-6B2F-4CC9-9C20-B37698268A5F}" type="pres">
-      <dgm:prSet presAssocID="{B4B87C53-16C1-4DD3-9E46-7ABC6F3F3927}" presName="Name37" presStyleLbl="parChTrans1D3" presStyleIdx="4" presStyleCnt="8"/>
+      <dgm:prSet presAssocID="{B4B87C53-16C1-4DD3-9E46-7ABC6F3F3927}" presName="Name37" presStyleLbl="parChTrans1D3" presStyleIdx="4" presStyleCnt="9"/>
       <dgm:spPr/>
       <dgm:t>
         <a:bodyPr/>
@@ -7946,7 +8021,7 @@
       <dgm:spPr/>
     </dgm:pt>
     <dgm:pt modelId="{0F10D009-B913-4BAF-83F3-091A5EF4EFA4}" type="pres">
-      <dgm:prSet presAssocID="{A9C73D77-02B4-4C50-9D8C-F3FF29FCC85C}" presName="rootText" presStyleLbl="node3" presStyleIdx="4" presStyleCnt="8">
+      <dgm:prSet presAssocID="{A9C73D77-02B4-4C50-9D8C-F3FF29FCC85C}" presName="rootText" presStyleLbl="node3" presStyleIdx="4" presStyleCnt="9">
         <dgm:presLayoutVars>
           <dgm:chPref val="3"/>
         </dgm:presLayoutVars>
@@ -7961,7 +8036,7 @@
       </dgm:t>
     </dgm:pt>
     <dgm:pt modelId="{33831762-EEAB-4A4F-A754-EBA474FB9458}" type="pres">
-      <dgm:prSet presAssocID="{A9C73D77-02B4-4C50-9D8C-F3FF29FCC85C}" presName="rootConnector" presStyleLbl="node3" presStyleIdx="4" presStyleCnt="8"/>
+      <dgm:prSet presAssocID="{A9C73D77-02B4-4C50-9D8C-F3FF29FCC85C}" presName="rootConnector" presStyleLbl="node3" presStyleIdx="4" presStyleCnt="9"/>
       <dgm:spPr/>
       <dgm:t>
         <a:bodyPr/>
@@ -8037,7 +8112,7 @@
       <dgm:spPr/>
     </dgm:pt>
     <dgm:pt modelId="{A0EC57C2-E092-4ACD-AAA4-AFDF3CE0FD3F}" type="pres">
-      <dgm:prSet presAssocID="{6FA32B43-C2F1-4911-8931-FC0235B77403}" presName="Name37" presStyleLbl="parChTrans1D3" presStyleIdx="5" presStyleCnt="8"/>
+      <dgm:prSet presAssocID="{6FA32B43-C2F1-4911-8931-FC0235B77403}" presName="Name37" presStyleLbl="parChTrans1D3" presStyleIdx="5" presStyleCnt="9"/>
       <dgm:spPr/>
       <dgm:t>
         <a:bodyPr/>
@@ -8060,7 +8135,7 @@
       <dgm:spPr/>
     </dgm:pt>
     <dgm:pt modelId="{22FD02E8-EAAB-4D2F-B137-9D8F58C7511C}" type="pres">
-      <dgm:prSet presAssocID="{F8A1AC3F-351C-4FB3-9CAF-4A8382709C7F}" presName="rootText" presStyleLbl="node3" presStyleIdx="5" presStyleCnt="8">
+      <dgm:prSet presAssocID="{F8A1AC3F-351C-4FB3-9CAF-4A8382709C7F}" presName="rootText" presStyleLbl="node3" presStyleIdx="5" presStyleCnt="9">
         <dgm:presLayoutVars>
           <dgm:chPref val="3"/>
         </dgm:presLayoutVars>
@@ -8075,7 +8150,7 @@
       </dgm:t>
     </dgm:pt>
     <dgm:pt modelId="{8A8ABF11-2259-4437-A118-476C667E23DB}" type="pres">
-      <dgm:prSet presAssocID="{F8A1AC3F-351C-4FB3-9CAF-4A8382709C7F}" presName="rootConnector" presStyleLbl="node3" presStyleIdx="5" presStyleCnt="8"/>
+      <dgm:prSet presAssocID="{F8A1AC3F-351C-4FB3-9CAF-4A8382709C7F}" presName="rootConnector" presStyleLbl="node3" presStyleIdx="5" presStyleCnt="9"/>
       <dgm:spPr/>
       <dgm:t>
         <a:bodyPr/>
@@ -8094,7 +8169,7 @@
       <dgm:spPr/>
     </dgm:pt>
     <dgm:pt modelId="{EF30D283-6731-42D4-A8B6-9F3F07ECE861}" type="pres">
-      <dgm:prSet presAssocID="{0910E51F-859E-4197-827F-9887FA7890E4}" presName="Name37" presStyleLbl="parChTrans1D3" presStyleIdx="6" presStyleCnt="8"/>
+      <dgm:prSet presAssocID="{0910E51F-859E-4197-827F-9887FA7890E4}" presName="Name37" presStyleLbl="parChTrans1D3" presStyleIdx="6" presStyleCnt="9"/>
       <dgm:spPr/>
       <dgm:t>
         <a:bodyPr/>
@@ -8117,7 +8192,7 @@
       <dgm:spPr/>
     </dgm:pt>
     <dgm:pt modelId="{9B8E68A8-D46F-49C5-B8CD-93CF88D11123}" type="pres">
-      <dgm:prSet presAssocID="{4FBD5EEE-1022-4EB3-9F05-737069F46B6F}" presName="rootText" presStyleLbl="node3" presStyleIdx="6" presStyleCnt="8">
+      <dgm:prSet presAssocID="{4FBD5EEE-1022-4EB3-9F05-737069F46B6F}" presName="rootText" presStyleLbl="node3" presStyleIdx="6" presStyleCnt="9">
         <dgm:presLayoutVars>
           <dgm:chPref val="3"/>
         </dgm:presLayoutVars>
@@ -8132,7 +8207,7 @@
       </dgm:t>
     </dgm:pt>
     <dgm:pt modelId="{78EDA908-4306-4412-A9F8-2C5C50F73A47}" type="pres">
-      <dgm:prSet presAssocID="{4FBD5EEE-1022-4EB3-9F05-737069F46B6F}" presName="rootConnector" presStyleLbl="node3" presStyleIdx="6" presStyleCnt="8"/>
+      <dgm:prSet presAssocID="{4FBD5EEE-1022-4EB3-9F05-737069F46B6F}" presName="rootConnector" presStyleLbl="node3" presStyleIdx="6" presStyleCnt="9"/>
       <dgm:spPr/>
       <dgm:t>
         <a:bodyPr/>
@@ -8208,7 +8283,7 @@
       <dgm:spPr/>
     </dgm:pt>
     <dgm:pt modelId="{2282654E-9A56-4184-AE5C-96E07106ABFB}" type="pres">
-      <dgm:prSet presAssocID="{DD526EED-7B2F-4A59-A46D-676D8D6AF7B2}" presName="Name37" presStyleLbl="parChTrans1D3" presStyleIdx="7" presStyleCnt="8"/>
+      <dgm:prSet presAssocID="{DD526EED-7B2F-4A59-A46D-676D8D6AF7B2}" presName="Name37" presStyleLbl="parChTrans1D3" presStyleIdx="7" presStyleCnt="9"/>
       <dgm:spPr/>
       <dgm:t>
         <a:bodyPr/>
@@ -8231,7 +8306,7 @@
       <dgm:spPr/>
     </dgm:pt>
     <dgm:pt modelId="{024A984C-6D4F-409A-AF7C-C53253DA0B55}" type="pres">
-      <dgm:prSet presAssocID="{C80BBA20-F5AA-41D2-AEC8-7D9A7D65DC9A}" presName="rootText" presStyleLbl="node3" presStyleIdx="7" presStyleCnt="8">
+      <dgm:prSet presAssocID="{C80BBA20-F5AA-41D2-AEC8-7D9A7D65DC9A}" presName="rootText" presStyleLbl="node3" presStyleIdx="7" presStyleCnt="9">
         <dgm:presLayoutVars>
           <dgm:chPref val="3"/>
         </dgm:presLayoutVars>
@@ -8246,7 +8321,7 @@
       </dgm:t>
     </dgm:pt>
     <dgm:pt modelId="{CBF24B3D-A25D-41AC-8391-73C3FF7493A7}" type="pres">
-      <dgm:prSet presAssocID="{C80BBA20-F5AA-41D2-AEC8-7D9A7D65DC9A}" presName="rootConnector" presStyleLbl="node3" presStyleIdx="7" presStyleCnt="8"/>
+      <dgm:prSet presAssocID="{C80BBA20-F5AA-41D2-AEC8-7D9A7D65DC9A}" presName="rootConnector" presStyleLbl="node3" presStyleIdx="7" presStyleCnt="9"/>
       <dgm:spPr/>
       <dgm:t>
         <a:bodyPr/>
@@ -8262,6 +8337,56 @@
     </dgm:pt>
     <dgm:pt modelId="{29F51574-3EEA-470C-BE35-6E2241DE38C2}" type="pres">
       <dgm:prSet presAssocID="{C80BBA20-F5AA-41D2-AEC8-7D9A7D65DC9A}" presName="hierChild5" presStyleCnt="0"/>
+      <dgm:spPr/>
+    </dgm:pt>
+    <dgm:pt modelId="{0B6CA0C2-0FC9-45B5-A6FA-88D240BA6E2D}" type="pres">
+      <dgm:prSet presAssocID="{0CF04592-7A17-4F8B-9A48-721447641C7E}" presName="Name37" presStyleLbl="parChTrans1D3" presStyleIdx="8" presStyleCnt="9"/>
+      <dgm:spPr/>
+    </dgm:pt>
+    <dgm:pt modelId="{9231C71B-720C-44E9-896E-8983172BAB51}" type="pres">
+      <dgm:prSet presAssocID="{62BA119B-B283-4E24-A3A2-EB4C8009821D}" presName="hierRoot2" presStyleCnt="0">
+        <dgm:presLayoutVars>
+          <dgm:hierBranch val="init"/>
+        </dgm:presLayoutVars>
+      </dgm:prSet>
+      <dgm:spPr/>
+    </dgm:pt>
+    <dgm:pt modelId="{4B7A3690-F7B7-4608-A2A1-D573B81C538A}" type="pres">
+      <dgm:prSet presAssocID="{62BA119B-B283-4E24-A3A2-EB4C8009821D}" presName="rootComposite" presStyleCnt="0"/>
+      <dgm:spPr/>
+    </dgm:pt>
+    <dgm:pt modelId="{E08646EF-1FEA-41E2-8C13-72E8F0B816B8}" type="pres">
+      <dgm:prSet presAssocID="{62BA119B-B283-4E24-A3A2-EB4C8009821D}" presName="rootText" presStyleLbl="node3" presStyleIdx="8" presStyleCnt="9">
+        <dgm:presLayoutVars>
+          <dgm:chPref val="3"/>
+        </dgm:presLayoutVars>
+      </dgm:prSet>
+      <dgm:spPr/>
+      <dgm:t>
+        <a:bodyPr/>
+        <a:lstStyle/>
+        <a:p>
+          <a:endParaRPr lang="es-CO"/>
+        </a:p>
+      </dgm:t>
+    </dgm:pt>
+    <dgm:pt modelId="{C84AF8F6-49A4-4E00-8089-46ABCED923E9}" type="pres">
+      <dgm:prSet presAssocID="{62BA119B-B283-4E24-A3A2-EB4C8009821D}" presName="rootConnector" presStyleLbl="node3" presStyleIdx="8" presStyleCnt="9"/>
+      <dgm:spPr/>
+      <dgm:t>
+        <a:bodyPr/>
+        <a:lstStyle/>
+        <a:p>
+          <a:endParaRPr lang="es-CO"/>
+        </a:p>
+      </dgm:t>
+    </dgm:pt>
+    <dgm:pt modelId="{B3A60CDE-B6E7-460C-837B-686E6A4D21C1}" type="pres">
+      <dgm:prSet presAssocID="{62BA119B-B283-4E24-A3A2-EB4C8009821D}" presName="hierChild4" presStyleCnt="0"/>
+      <dgm:spPr/>
+    </dgm:pt>
+    <dgm:pt modelId="{EB86DB82-BCB8-44CC-84C7-5A86FD2C50F9}" type="pres">
+      <dgm:prSet presAssocID="{62BA119B-B283-4E24-A3A2-EB4C8009821D}" presName="hierChild5" presStyleCnt="0"/>
       <dgm:spPr/>
     </dgm:pt>
     <dgm:pt modelId="{A0FA1FA6-245B-408E-A40E-695F7BDFB0D3}" type="pres">
@@ -8281,6 +8406,7 @@
     <dgm:cxn modelId="{FE3ABA9C-E747-43B2-9644-E0844ED81635}" type="presOf" srcId="{C80BBA20-F5AA-41D2-AEC8-7D9A7D65DC9A}" destId="{CBF24B3D-A25D-41AC-8391-73C3FF7493A7}" srcOrd="1" destOrd="0" presId="urn:microsoft.com/office/officeart/2005/8/layout/orgChart1"/>
     <dgm:cxn modelId="{294EA2EE-B8B4-4A42-B2F6-0193868739AE}" type="presOf" srcId="{D4920221-6CE9-45F4-8A53-E76330E6B8D0}" destId="{E9DDE661-DEE1-42DD-981D-FB2CDFEA0576}" srcOrd="0" destOrd="0" presId="urn:microsoft.com/office/officeart/2005/8/layout/orgChart1"/>
     <dgm:cxn modelId="{CFF65E5D-4387-4540-9AC0-B9078A33B6C1}" srcId="{B99FC698-A739-4B10-99BD-06E02DBE4B50}" destId="{4FBD5EEE-1022-4EB3-9F05-737069F46B6F}" srcOrd="1" destOrd="0" parTransId="{0910E51F-859E-4197-827F-9887FA7890E4}" sibTransId="{E5AB55F9-8F08-4E4B-95A0-90390F8994D3}"/>
+    <dgm:cxn modelId="{189E4688-3636-450C-AC10-76EE32D9EBD7}" type="presOf" srcId="{62BA119B-B283-4E24-A3A2-EB4C8009821D}" destId="{E08646EF-1FEA-41E2-8C13-72E8F0B816B8}" srcOrd="0" destOrd="0" presId="urn:microsoft.com/office/officeart/2005/8/layout/orgChart1"/>
     <dgm:cxn modelId="{2EC8FA7C-60A1-420C-B595-41C904081DA9}" type="presOf" srcId="{A0757B24-EB98-4190-A227-80E7743D69BB}" destId="{3EF4824D-EC5C-4056-93C7-D6937B198C34}" srcOrd="0" destOrd="0" presId="urn:microsoft.com/office/officeart/2005/8/layout/orgChart1"/>
     <dgm:cxn modelId="{35699C49-792C-44A4-B40F-1E9D4F81F629}" srcId="{12760B78-A9A6-4215-8BE9-77972F4B2BF7}" destId="{A0757B24-EB98-4190-A227-80E7743D69BB}" srcOrd="0" destOrd="0" parTransId="{A8F21504-0155-4EA3-9FC2-4BE17775A523}" sibTransId="{30F4263A-3EE0-4FFE-9D80-56858FFE516D}"/>
     <dgm:cxn modelId="{E146361C-BF75-4B68-AD46-0DBEE7E6F6A7}" srcId="{A0757B24-EB98-4190-A227-80E7743D69BB}" destId="{17181E8E-FA86-449C-AA12-C1BBCA09412D}" srcOrd="2" destOrd="0" parTransId="{C54DEF59-FA37-4FAD-A654-049B9F592E99}" sibTransId="{E649F41F-6AA1-4273-8C70-8B8F4A1D1461}"/>
@@ -8294,12 +8420,15 @@
     <dgm:cxn modelId="{654F9DD5-F674-449F-8723-CA1CFD95A423}" type="presOf" srcId="{C54DEF59-FA37-4FAD-A654-049B9F592E99}" destId="{B810F8F3-A1F5-4729-937E-96499068C2ED}" srcOrd="0" destOrd="0" presId="urn:microsoft.com/office/officeart/2005/8/layout/orgChart1"/>
     <dgm:cxn modelId="{D7EF279B-29E8-4CAF-8FA3-D1F6BD7E34B8}" type="presOf" srcId="{C80BBA20-F5AA-41D2-AEC8-7D9A7D65DC9A}" destId="{024A984C-6D4F-409A-AF7C-C53253DA0B55}" srcOrd="0" destOrd="0" presId="urn:microsoft.com/office/officeart/2005/8/layout/orgChart1"/>
     <dgm:cxn modelId="{7F01E29F-41AD-44C9-92BD-9B88A48B7002}" type="presOf" srcId="{B6997472-3F83-44B3-A9F7-A04DC8A37FAB}" destId="{7ECF3B26-FC3B-4BC4-8D44-FFF321E11D16}" srcOrd="0" destOrd="0" presId="urn:microsoft.com/office/officeart/2005/8/layout/orgChart1"/>
+    <dgm:cxn modelId="{DB6AA33B-CC6B-4524-8032-C2B8B0AF2806}" type="presOf" srcId="{62BA119B-B283-4E24-A3A2-EB4C8009821D}" destId="{C84AF8F6-49A4-4E00-8089-46ABCED923E9}" srcOrd="1" destOrd="0" presId="urn:microsoft.com/office/officeart/2005/8/layout/orgChart1"/>
     <dgm:cxn modelId="{B70E769B-3005-4A64-B753-A90B29F781AB}" type="presOf" srcId="{C73175B0-C86C-4A23-8FF9-D10140129471}" destId="{01D3EB87-6925-4545-AD0F-F21DC76BFCD8}" srcOrd="1" destOrd="0" presId="urn:microsoft.com/office/officeart/2005/8/layout/orgChart1"/>
     <dgm:cxn modelId="{9751E955-E95C-439A-8400-B2306E55A094}" srcId="{C73175B0-C86C-4A23-8FF9-D10140129471}" destId="{C80BBA20-F5AA-41D2-AEC8-7D9A7D65DC9A}" srcOrd="0" destOrd="0" parTransId="{DD526EED-7B2F-4A59-A46D-676D8D6AF7B2}" sibTransId="{5A8EFCCF-978C-4E75-86FF-E84D59EDBF33}"/>
     <dgm:cxn modelId="{F5822CA4-8632-4414-AED4-A0F86D85CFF2}" srcId="{B99FC698-A739-4B10-99BD-06E02DBE4B50}" destId="{F8A1AC3F-351C-4FB3-9CAF-4A8382709C7F}" srcOrd="0" destOrd="0" parTransId="{6FA32B43-C2F1-4911-8931-FC0235B77403}" sibTransId="{EDFCBA7C-9E8C-4561-AEEE-99FEBA3BA5FE}"/>
+    <dgm:cxn modelId="{CA8DDF18-6BBA-4AEC-B2B3-B3D64C168024}" type="presOf" srcId="{0CF04592-7A17-4F8B-9A48-721447641C7E}" destId="{0B6CA0C2-0FC9-45B5-A6FA-88D240BA6E2D}" srcOrd="0" destOrd="0" presId="urn:microsoft.com/office/officeart/2005/8/layout/orgChart1"/>
     <dgm:cxn modelId="{04B783BC-50FE-4220-B43A-8F4DFC2A88C6}" type="presOf" srcId="{D4920221-6CE9-45F4-8A53-E76330E6B8D0}" destId="{4AC3231A-3462-4248-8A98-1241668500AA}" srcOrd="1" destOrd="0" presId="urn:microsoft.com/office/officeart/2005/8/layout/orgChart1"/>
     <dgm:cxn modelId="{FFCA4DAF-51DB-4D93-ACCA-7CE2BBD367BC}" type="presOf" srcId="{89AA531E-4A55-429F-B40B-9BAB111EBD4D}" destId="{16B34BCC-5A44-4233-960F-D9FEF9CC06E5}" srcOrd="0" destOrd="0" presId="urn:microsoft.com/office/officeart/2005/8/layout/orgChart1"/>
     <dgm:cxn modelId="{928BA967-D8B6-4057-B9C4-5D716B745F42}" type="presOf" srcId="{A9844CEF-1615-4F52-841F-30D38FF77D55}" destId="{3D58521C-DCCB-408B-BB20-9BE7E9B96B4D}" srcOrd="1" destOrd="0" presId="urn:microsoft.com/office/officeart/2005/8/layout/orgChart1"/>
+    <dgm:cxn modelId="{599FE745-174D-4685-A0E1-3AA26E876313}" srcId="{C73175B0-C86C-4A23-8FF9-D10140129471}" destId="{62BA119B-B283-4E24-A3A2-EB4C8009821D}" srcOrd="1" destOrd="0" parTransId="{0CF04592-7A17-4F8B-9A48-721447641C7E}" sibTransId="{5423E64B-C49A-4472-8AC1-ECA28894F746}"/>
     <dgm:cxn modelId="{15B8F2E1-0BA8-4E67-917B-129A605BC0B0}" type="presOf" srcId="{CE821B12-F629-447D-96E2-C408ACDE5545}" destId="{B726B676-5C27-4B31-BCF2-DD8924C98F98}" srcOrd="1" destOrd="0" presId="urn:microsoft.com/office/officeart/2005/8/layout/orgChart1"/>
     <dgm:cxn modelId="{D0D3BE4E-A283-4DD8-AAD8-17A31D88EED2}" type="presOf" srcId="{A9844CEF-1615-4F52-841F-30D38FF77D55}" destId="{FCA5EF3D-E4EE-4E45-8A5F-11386708CEAC}" srcOrd="0" destOrd="0" presId="urn:microsoft.com/office/officeart/2005/8/layout/orgChart1"/>
     <dgm:cxn modelId="{E031DFFF-DC11-4B6B-B32F-AAB3942BD7DC}" type="presOf" srcId="{12760B78-A9A6-4215-8BE9-77972F4B2BF7}" destId="{722D3AB2-3D52-4522-B84A-20E828AD838B}" srcOrd="1" destOrd="0" presId="urn:microsoft.com/office/officeart/2005/8/layout/orgChart1"/>
@@ -8414,6 +8543,13 @@
     <dgm:cxn modelId="{D8FA8D6D-D978-40CC-9D03-3E0E08C4E810}" type="presParOf" srcId="{5B8F4E94-F882-4EC9-A31C-B46B28BA2E14}" destId="{CBF24B3D-A25D-41AC-8391-73C3FF7493A7}" srcOrd="1" destOrd="0" presId="urn:microsoft.com/office/officeart/2005/8/layout/orgChart1"/>
     <dgm:cxn modelId="{5CF718F0-1B3A-44BA-88E9-96047749DCC6}" type="presParOf" srcId="{4C489931-9E50-4FA9-B6AF-9143163103D9}" destId="{DA184C91-634F-4BDF-AB39-4D90B6ABE154}" srcOrd="1" destOrd="0" presId="urn:microsoft.com/office/officeart/2005/8/layout/orgChart1"/>
     <dgm:cxn modelId="{2ECFDF98-2ABC-473F-8506-C53CF387E471}" type="presParOf" srcId="{4C489931-9E50-4FA9-B6AF-9143163103D9}" destId="{29F51574-3EEA-470C-BE35-6E2241DE38C2}" srcOrd="2" destOrd="0" presId="urn:microsoft.com/office/officeart/2005/8/layout/orgChart1"/>
+    <dgm:cxn modelId="{453090D6-2383-40F8-8886-753C03CC96F5}" type="presParOf" srcId="{F33C6013-3CAD-424C-86A3-0D46BBC41CF1}" destId="{0B6CA0C2-0FC9-45B5-A6FA-88D240BA6E2D}" srcOrd="2" destOrd="0" presId="urn:microsoft.com/office/officeart/2005/8/layout/orgChart1"/>
+    <dgm:cxn modelId="{7754C77C-054C-450D-8D22-6B2F02FA965E}" type="presParOf" srcId="{F33C6013-3CAD-424C-86A3-0D46BBC41CF1}" destId="{9231C71B-720C-44E9-896E-8983172BAB51}" srcOrd="3" destOrd="0" presId="urn:microsoft.com/office/officeart/2005/8/layout/orgChart1"/>
+    <dgm:cxn modelId="{2CCDAF49-4B33-417D-8627-BE72C21E16AB}" type="presParOf" srcId="{9231C71B-720C-44E9-896E-8983172BAB51}" destId="{4B7A3690-F7B7-4608-A2A1-D573B81C538A}" srcOrd="0" destOrd="0" presId="urn:microsoft.com/office/officeart/2005/8/layout/orgChart1"/>
+    <dgm:cxn modelId="{C5B99F6C-C4A9-455B-9851-20C7ABEA2989}" type="presParOf" srcId="{4B7A3690-F7B7-4608-A2A1-D573B81C538A}" destId="{E08646EF-1FEA-41E2-8C13-72E8F0B816B8}" srcOrd="0" destOrd="0" presId="urn:microsoft.com/office/officeart/2005/8/layout/orgChart1"/>
+    <dgm:cxn modelId="{9ED56C40-0C09-4B7C-9CF4-E21EC09ADC84}" type="presParOf" srcId="{4B7A3690-F7B7-4608-A2A1-D573B81C538A}" destId="{C84AF8F6-49A4-4E00-8089-46ABCED923E9}" srcOrd="1" destOrd="0" presId="urn:microsoft.com/office/officeart/2005/8/layout/orgChart1"/>
+    <dgm:cxn modelId="{87200D51-F066-41BB-A878-85C0E3D2F41D}" type="presParOf" srcId="{9231C71B-720C-44E9-896E-8983172BAB51}" destId="{B3A60CDE-B6E7-460C-837B-686E6A4D21C1}" srcOrd="1" destOrd="0" presId="urn:microsoft.com/office/officeart/2005/8/layout/orgChart1"/>
+    <dgm:cxn modelId="{58D6B256-057C-4406-8536-B25EAB07C202}" type="presParOf" srcId="{9231C71B-720C-44E9-896E-8983172BAB51}" destId="{EB86DB82-BCB8-44CC-84C7-5A86FD2C50F9}" srcOrd="2" destOrd="0" presId="urn:microsoft.com/office/officeart/2005/8/layout/orgChart1"/>
     <dgm:cxn modelId="{C807D720-D209-4115-A16E-809917D6C16E}" type="presParOf" srcId="{8DBD34BA-4D6C-4175-91C0-B929837F9290}" destId="{A0FA1FA6-245B-408E-A40E-695F7BDFB0D3}" srcOrd="2" destOrd="0" presId="urn:microsoft.com/office/officeart/2005/8/layout/orgChart1"/>
     <dgm:cxn modelId="{6015B725-D5C5-4D27-8A01-C9E70CDD41DA}" type="presParOf" srcId="{8D6CCF10-265C-4B49-A5A6-515D3A3C1490}" destId="{A782F703-19B1-44FD-9A24-E6A0D69BB958}" srcOrd="2" destOrd="0" presId="urn:microsoft.com/office/officeart/2005/8/layout/orgChart1"/>
   </dgm:cxnLst>
@@ -8561,14 +8697,6 @@
               </a:solidFill>
             </a:rPr>
             <a:t>Impacto:</a:t>
-          </a:r>
-          <a:r>
-            <a:rPr lang="es-CO" sz="1200" dirty="0" smtClean="0">
-              <a:solidFill>
-                <a:schemeClr val="bg1"/>
-              </a:solidFill>
-            </a:rPr>
-            <a:t/>
           </a:r>
           <a:br>
             <a:rPr lang="es-CO" sz="1200" dirty="0" smtClean="0">
@@ -10743,11 +10871,7 @@
         <a:p>
           <a:r>
             <a:rPr lang="es-CO" b="0" i="0" dirty="0" smtClean="0"/>
-            <a:t>Acopio y gestión de información de </a:t>
-          </a:r>
-          <a:r>
-            <a:rPr lang="es-CO" b="0" i="0" dirty="0" smtClean="0"/>
-            <a:t>trámites (Ruta de la Excelencia)</a:t>
+            <a:t>Acopio y gestión de información de trámites (Ruta de la Excelencia)</a:t>
           </a:r>
           <a:endParaRPr lang="es-CO" dirty="0"/>
         </a:p>
@@ -13746,6 +13870,64 @@
       <dsp:cNvGrpSpPr/>
     </dsp:nvGrpSpPr>
     <dsp:grpSpPr/>
+    <dsp:sp modelId="{0B6CA0C2-0FC9-45B5-A6FA-88D240BA6E2D}">
+      <dsp:nvSpPr>
+        <dsp:cNvPr id="0" name=""/>
+        <dsp:cNvSpPr/>
+      </dsp:nvSpPr>
+      <dsp:spPr>
+        <a:xfrm>
+          <a:off x="6835329" y="2469701"/>
+          <a:ext cx="274751" cy="2143064"/>
+        </a:xfrm>
+        <a:custGeom>
+          <a:avLst/>
+          <a:gdLst/>
+          <a:ahLst/>
+          <a:cxnLst/>
+          <a:rect l="0" t="0" r="0" b="0"/>
+          <a:pathLst>
+            <a:path>
+              <a:moveTo>
+                <a:pt x="0" y="0"/>
+              </a:moveTo>
+              <a:lnTo>
+                <a:pt x="0" y="2143064"/>
+              </a:lnTo>
+              <a:lnTo>
+                <a:pt x="274751" y="2143064"/>
+              </a:lnTo>
+            </a:path>
+          </a:pathLst>
+        </a:custGeom>
+        <a:noFill/>
+        <a:ln w="15875" cap="rnd" cmpd="sng" algn="ctr">
+          <a:solidFill>
+            <a:schemeClr val="accent1">
+              <a:shade val="80000"/>
+              <a:hueOff val="0"/>
+              <a:satOff val="0"/>
+              <a:lumOff val="0"/>
+              <a:alphaOff val="0"/>
+            </a:schemeClr>
+          </a:solidFill>
+          <a:prstDash val="solid"/>
+        </a:ln>
+        <a:effectLst/>
+      </dsp:spPr>
+      <dsp:style>
+        <a:lnRef idx="2">
+          <a:scrgbClr r="0" g="0" b="0"/>
+        </a:lnRef>
+        <a:fillRef idx="0">
+          <a:scrgbClr r="0" g="0" b="0"/>
+        </a:fillRef>
+        <a:effectRef idx="0">
+          <a:scrgbClr r="0" g="0" b="0"/>
+        </a:effectRef>
+        <a:fontRef idx="minor"/>
+      </dsp:style>
+    </dsp:sp>
     <dsp:sp modelId="{2282654E-9A56-4184-AE5C-96E07106ABFB}">
       <dsp:nvSpPr>
         <dsp:cNvPr id="0" name=""/>
@@ -14503,12 +14685,12 @@
         </a:fontRef>
       </dsp:style>
       <dsp:txBody>
-        <a:bodyPr spcFirstLastPara="0" vert="horz" wrap="square" lIns="12700" tIns="12700" rIns="12700" bIns="12700" numCol="1" spcCol="1270" anchor="ctr" anchorCtr="0">
+        <a:bodyPr spcFirstLastPara="0" vert="horz" wrap="square" lIns="15240" tIns="15240" rIns="15240" bIns="15240" numCol="1" spcCol="1270" anchor="ctr" anchorCtr="0">
           <a:noAutofit/>
         </a:bodyPr>
         <a:lstStyle/>
         <a:p>
-          <a:pPr lvl="0" algn="ctr" defTabSz="889000">
+          <a:pPr lvl="0" algn="ctr" defTabSz="1066800">
             <a:lnSpc>
               <a:spcPct val="90000"/>
             </a:lnSpc>
@@ -14520,10 +14702,10 @@
             </a:spcAft>
           </a:pPr>
           <a:r>
-            <a:rPr lang="es-CO" sz="2000" kern="1200" dirty="0" smtClean="0"/>
+            <a:rPr lang="es-CO" sz="2400" kern="1200" dirty="0" smtClean="0"/>
             <a:t>Sector TIC</a:t>
           </a:r>
-          <a:endParaRPr lang="es-CO" sz="2000" kern="1200" dirty="0"/>
+          <a:endParaRPr lang="es-CO" sz="2400" kern="1200" dirty="0"/>
         </a:p>
       </dsp:txBody>
       <dsp:txXfrm>
@@ -14580,12 +14762,12 @@
         </a:fontRef>
       </dsp:style>
       <dsp:txBody>
-        <a:bodyPr spcFirstLastPara="0" vert="horz" wrap="square" lIns="12700" tIns="12700" rIns="12700" bIns="12700" numCol="1" spcCol="1270" anchor="ctr" anchorCtr="0">
+        <a:bodyPr spcFirstLastPara="0" vert="horz" wrap="square" lIns="15240" tIns="15240" rIns="15240" bIns="15240" numCol="1" spcCol="1270" anchor="ctr" anchorCtr="0">
           <a:noAutofit/>
         </a:bodyPr>
         <a:lstStyle/>
         <a:p>
-          <a:pPr lvl="0" algn="ctr" defTabSz="889000">
+          <a:pPr lvl="0" algn="ctr" defTabSz="1066800">
             <a:lnSpc>
               <a:spcPct val="90000"/>
             </a:lnSpc>
@@ -14597,10 +14779,10 @@
             </a:spcAft>
           </a:pPr>
           <a:r>
-            <a:rPr lang="es-CO" sz="2000" kern="1200" dirty="0" err="1" smtClean="0"/>
+            <a:rPr lang="es-CO" sz="2400" kern="1200" dirty="0" err="1" smtClean="0"/>
             <a:t>MinTIC</a:t>
           </a:r>
-          <a:endParaRPr lang="es-CO" sz="2000" kern="1200" dirty="0"/>
+          <a:endParaRPr lang="es-CO" sz="2400" kern="1200" dirty="0"/>
         </a:p>
       </dsp:txBody>
       <dsp:txXfrm>
@@ -14647,12 +14829,12 @@
         </a:fontRef>
       </dsp:style>
       <dsp:txBody>
-        <a:bodyPr spcFirstLastPara="0" vert="horz" wrap="square" lIns="12700" tIns="12700" rIns="12700" bIns="12700" numCol="1" spcCol="1270" anchor="ctr" anchorCtr="0">
+        <a:bodyPr spcFirstLastPara="0" vert="horz" wrap="square" lIns="15240" tIns="15240" rIns="15240" bIns="15240" numCol="1" spcCol="1270" anchor="ctr" anchorCtr="0">
           <a:noAutofit/>
         </a:bodyPr>
         <a:lstStyle/>
         <a:p>
-          <a:pPr lvl="0" algn="ctr" defTabSz="889000">
+          <a:pPr lvl="0" algn="ctr" defTabSz="1066800">
             <a:lnSpc>
               <a:spcPct val="90000"/>
             </a:lnSpc>
@@ -14664,10 +14846,10 @@
             </a:spcAft>
           </a:pPr>
           <a:r>
-            <a:rPr lang="es-CO" sz="2000" kern="1200" dirty="0" smtClean="0"/>
-            <a:t>GEL</a:t>
+            <a:rPr lang="es-CO" sz="2400" kern="1200" dirty="0" smtClean="0"/>
+            <a:t>Dir. GEL</a:t>
           </a:r>
-          <a:endParaRPr lang="es-CO" sz="2000" kern="1200" dirty="0"/>
+          <a:endParaRPr lang="es-CO" sz="2400" kern="1200" dirty="0"/>
         </a:p>
       </dsp:txBody>
       <dsp:txXfrm>
@@ -14714,12 +14896,12 @@
         </a:fontRef>
       </dsp:style>
       <dsp:txBody>
-        <a:bodyPr spcFirstLastPara="0" vert="horz" wrap="square" lIns="12700" tIns="12700" rIns="12700" bIns="12700" numCol="1" spcCol="1270" anchor="ctr" anchorCtr="0">
+        <a:bodyPr spcFirstLastPara="0" vert="horz" wrap="square" lIns="15240" tIns="15240" rIns="15240" bIns="15240" numCol="1" spcCol="1270" anchor="ctr" anchorCtr="0">
           <a:noAutofit/>
         </a:bodyPr>
         <a:lstStyle/>
         <a:p>
-          <a:pPr lvl="0" algn="ctr" defTabSz="889000">
+          <a:pPr lvl="0" algn="ctr" defTabSz="1066800">
             <a:lnSpc>
               <a:spcPct val="90000"/>
             </a:lnSpc>
@@ -14731,10 +14913,10 @@
             </a:spcAft>
           </a:pPr>
           <a:r>
-            <a:rPr lang="es-CO" sz="2000" kern="1200" dirty="0" smtClean="0"/>
-            <a:t>E&amp;A</a:t>
+            <a:rPr lang="es-CO" sz="2400" kern="1200" dirty="0" smtClean="0"/>
+            <a:t>Dir. E&amp;A</a:t>
           </a:r>
-          <a:endParaRPr lang="es-CO" sz="2000" kern="1200" dirty="0"/>
+          <a:endParaRPr lang="es-CO" sz="2400" kern="1200" dirty="0"/>
         </a:p>
       </dsp:txBody>
       <dsp:txXfrm>
@@ -14781,12 +14963,12 @@
         </a:fontRef>
       </dsp:style>
       <dsp:txBody>
-        <a:bodyPr spcFirstLastPara="0" vert="horz" wrap="square" lIns="12700" tIns="12700" rIns="12700" bIns="12700" numCol="1" spcCol="1270" anchor="ctr" anchorCtr="0">
+        <a:bodyPr spcFirstLastPara="0" vert="horz" wrap="square" lIns="11430" tIns="11430" rIns="11430" bIns="11430" numCol="1" spcCol="1270" anchor="ctr" anchorCtr="0">
           <a:noAutofit/>
         </a:bodyPr>
         <a:lstStyle/>
         <a:p>
-          <a:pPr lvl="0" algn="ctr" defTabSz="889000">
+          <a:pPr lvl="0" algn="ctr" defTabSz="800100">
             <a:lnSpc>
               <a:spcPct val="90000"/>
             </a:lnSpc>
@@ -14798,10 +14980,14 @@
             </a:spcAft>
           </a:pPr>
           <a:r>
-            <a:rPr lang="es-CO" sz="2000" kern="1200" dirty="0" smtClean="0"/>
-            <a:t>Dir. y Promoción</a:t>
+            <a:rPr lang="es-CO" sz="1800" kern="1200" dirty="0" smtClean="0"/>
+            <a:t>Dir. </a:t>
           </a:r>
-          <a:endParaRPr lang="es-CO" sz="2000" kern="1200" dirty="0"/>
+          <a:r>
+            <a:rPr lang="es-CO" sz="1800" kern="1200" dirty="0" smtClean="0"/>
+            <a:t>Promoción</a:t>
+          </a:r>
+          <a:endParaRPr lang="es-CO" sz="1800" kern="1200" dirty="0"/>
         </a:p>
       </dsp:txBody>
       <dsp:txXfrm>
@@ -14858,12 +15044,12 @@
         </a:fontRef>
       </dsp:style>
       <dsp:txBody>
-        <a:bodyPr spcFirstLastPara="0" vert="horz" wrap="square" lIns="12700" tIns="12700" rIns="12700" bIns="12700" numCol="1" spcCol="1270" anchor="ctr" anchorCtr="0">
+        <a:bodyPr spcFirstLastPara="0" vert="horz" wrap="square" lIns="15240" tIns="15240" rIns="15240" bIns="15240" numCol="1" spcCol="1270" anchor="ctr" anchorCtr="0">
           <a:noAutofit/>
         </a:bodyPr>
         <a:lstStyle/>
         <a:p>
-          <a:pPr lvl="0" algn="ctr" defTabSz="889000">
+          <a:pPr lvl="0" algn="ctr" defTabSz="1066800">
             <a:lnSpc>
               <a:spcPct val="90000"/>
             </a:lnSpc>
@@ -14875,18 +15061,18 @@
             </a:spcAft>
           </a:pPr>
           <a:r>
-            <a:rPr lang="es-CO" sz="2000" kern="1200" dirty="0" smtClean="0"/>
+            <a:rPr lang="es-CO" sz="2400" kern="1200" dirty="0" smtClean="0"/>
             <a:t>U. </a:t>
           </a:r>
           <a:r>
-            <a:rPr lang="es-CO" sz="2000" kern="1200" dirty="0" err="1" smtClean="0"/>
+            <a:rPr lang="es-CO" sz="2400" kern="1200" dirty="0" err="1" smtClean="0"/>
             <a:t>Admin</a:t>
           </a:r>
           <a:r>
-            <a:rPr lang="es-CO" sz="2000" kern="1200" dirty="0" smtClean="0"/>
+            <a:rPr lang="es-CO" sz="2400" kern="1200" dirty="0" smtClean="0"/>
             <a:t>.</a:t>
           </a:r>
-          <a:endParaRPr lang="es-CO" sz="2000" kern="1200" dirty="0"/>
+          <a:endParaRPr lang="es-CO" sz="2400" kern="1200" dirty="0"/>
         </a:p>
       </dsp:txBody>
       <dsp:txXfrm>
@@ -14946,12 +15132,12 @@
         </a:fontRef>
       </dsp:style>
       <dsp:txBody>
-        <a:bodyPr spcFirstLastPara="0" vert="horz" wrap="square" lIns="12700" tIns="12700" rIns="12700" bIns="12700" numCol="1" spcCol="1270" anchor="ctr" anchorCtr="0">
+        <a:bodyPr spcFirstLastPara="0" vert="horz" wrap="square" lIns="15240" tIns="15240" rIns="15240" bIns="15240" numCol="1" spcCol="1270" anchor="ctr" anchorCtr="0">
           <a:noAutofit/>
         </a:bodyPr>
         <a:lstStyle/>
         <a:p>
-          <a:pPr lvl="0" algn="ctr" defTabSz="889000">
+          <a:pPr lvl="0" algn="ctr" defTabSz="1066800">
             <a:lnSpc>
               <a:spcPct val="90000"/>
             </a:lnSpc>
@@ -14963,10 +15149,10 @@
             </a:spcAft>
           </a:pPr>
           <a:r>
-            <a:rPr lang="es-CO" sz="2000" kern="1200" dirty="0" smtClean="0"/>
+            <a:rPr lang="es-CO" sz="2400" kern="1200" dirty="0" smtClean="0"/>
             <a:t>CRC</a:t>
           </a:r>
-          <a:endParaRPr lang="es-CO" sz="2000" kern="1200" dirty="0"/>
+          <a:endParaRPr lang="es-CO" sz="2400" kern="1200" dirty="0"/>
         </a:p>
       </dsp:txBody>
       <dsp:txXfrm>
@@ -15044,17 +15230,28 @@
           </a:pPr>
           <a:r>
             <a:rPr lang="es-CO" sz="2000" kern="1200" dirty="0" smtClean="0"/>
-            <a:t>ANE - Agencia </a:t>
+            <a:t>ANE </a:t>
           </a:r>
           <a:r>
-            <a:rPr lang="es-CO" sz="2000" kern="1200" dirty="0" err="1" smtClean="0"/>
+            <a:rPr lang="es-CO" sz="2000" kern="1200" dirty="0" smtClean="0"/>
+            <a:t/>
+          </a:r>
+          <a:br>
+            <a:rPr lang="es-CO" sz="2000" kern="1200" dirty="0" smtClean="0"/>
+          </a:br>
+          <a:r>
+            <a:rPr lang="es-CO" sz="1600" kern="1200" dirty="0" smtClean="0"/>
+            <a:t>Agencia </a:t>
+          </a:r>
+          <a:r>
+            <a:rPr lang="es-CO" sz="1600" kern="1200" dirty="0" err="1" smtClean="0"/>
             <a:t>Nac</a:t>
           </a:r>
           <a:r>
-            <a:rPr lang="es-CO" sz="2000" kern="1200" dirty="0" smtClean="0"/>
+            <a:rPr lang="es-CO" sz="1600" kern="1200" dirty="0" smtClean="0"/>
             <a:t>. Espectro</a:t>
           </a:r>
-          <a:endParaRPr lang="es-CO" sz="2000" kern="1200" dirty="0"/>
+          <a:endParaRPr lang="es-CO" sz="1600" kern="1200" dirty="0"/>
         </a:p>
       </dsp:txBody>
       <dsp:txXfrm>
@@ -15111,12 +15308,12 @@
         </a:fontRef>
       </dsp:style>
       <dsp:txBody>
-        <a:bodyPr spcFirstLastPara="0" vert="horz" wrap="square" lIns="12700" tIns="12700" rIns="12700" bIns="12700" numCol="1" spcCol="1270" anchor="ctr" anchorCtr="0">
+        <a:bodyPr spcFirstLastPara="0" vert="horz" wrap="square" lIns="15240" tIns="15240" rIns="15240" bIns="15240" numCol="1" spcCol="1270" anchor="ctr" anchorCtr="0">
           <a:noAutofit/>
         </a:bodyPr>
         <a:lstStyle/>
         <a:p>
-          <a:pPr lvl="0" algn="ctr" defTabSz="889000">
+          <a:pPr lvl="0" algn="ctr" defTabSz="1066800">
             <a:lnSpc>
               <a:spcPct val="90000"/>
             </a:lnSpc>
@@ -15128,10 +15325,10 @@
             </a:spcAft>
           </a:pPr>
           <a:r>
-            <a:rPr lang="es-CO" sz="2000" kern="1200" dirty="0" smtClean="0"/>
+            <a:rPr lang="es-CO" sz="2400" kern="1200" dirty="0" smtClean="0"/>
             <a:t>Vinculadas</a:t>
           </a:r>
-          <a:endParaRPr lang="es-CO" sz="2000" kern="1200" dirty="0"/>
+          <a:endParaRPr lang="es-CO" sz="2400" kern="1200" dirty="0"/>
         </a:p>
       </dsp:txBody>
       <dsp:txXfrm>
@@ -15208,8 +15405,16 @@
             </a:spcAft>
           </a:pPr>
           <a:r>
+            <a:rPr lang="es-CO" sz="2000" kern="1200" dirty="0" err="1" smtClean="0"/>
+            <a:t>Empr</a:t>
+          </a:r>
+          <a:r>
             <a:rPr lang="es-CO" sz="2000" kern="1200" dirty="0" smtClean="0"/>
-            <a:t>Industriales y Comerciales</a:t>
+            <a:t>. Industriales </a:t>
+          </a:r>
+          <a:r>
+            <a:rPr lang="es-CO" sz="2000" kern="1200" dirty="0" smtClean="0"/>
+            <a:t>y Comerciales</a:t>
           </a:r>
           <a:endParaRPr lang="es-CO" sz="2000" kern="1200" dirty="0"/>
         </a:p>
@@ -15288,12 +15493,12 @@
             </a:spcAft>
           </a:pPr>
           <a:r>
-            <a:rPr lang="es-CO" sz="2000" kern="1200" dirty="0" smtClean="0"/>
-            <a:t>Tele-Comunica-</a:t>
+            <a:rPr lang="es-CO" sz="2000" kern="1200" dirty="0" err="1" smtClean="0"/>
+            <a:t>Empr</a:t>
           </a:r>
           <a:r>
-            <a:rPr lang="es-CO" sz="2000" kern="1200" dirty="0" err="1" smtClean="0"/>
-            <a:t>ciones</a:t>
+            <a:rPr lang="es-CO" sz="2000" kern="1200" dirty="0" smtClean="0"/>
+            <a:t>. SS. Públicos</a:t>
           </a:r>
           <a:endParaRPr lang="es-CO" sz="2000" kern="1200" dirty="0"/>
         </a:p>
@@ -15352,12 +15557,12 @@
         </a:fontRef>
       </dsp:style>
       <dsp:txBody>
-        <a:bodyPr spcFirstLastPara="0" vert="horz" wrap="square" lIns="12700" tIns="12700" rIns="12700" bIns="12700" numCol="1" spcCol="1270" anchor="ctr" anchorCtr="0">
+        <a:bodyPr spcFirstLastPara="0" vert="horz" wrap="square" lIns="15240" tIns="15240" rIns="15240" bIns="15240" numCol="1" spcCol="1270" anchor="ctr" anchorCtr="0">
           <a:noAutofit/>
         </a:bodyPr>
         <a:lstStyle/>
         <a:p>
-          <a:pPr lvl="0" algn="ctr" defTabSz="889000">
+          <a:pPr lvl="0" algn="ctr" defTabSz="1066800">
             <a:lnSpc>
               <a:spcPct val="90000"/>
             </a:lnSpc>
@@ -15369,10 +15574,10 @@
             </a:spcAft>
           </a:pPr>
           <a:r>
-            <a:rPr lang="es-CO" sz="2000" kern="1200" dirty="0" smtClean="0"/>
+            <a:rPr lang="es-CO" sz="2400" kern="1200" dirty="0" smtClean="0"/>
             <a:t>Adscritas</a:t>
           </a:r>
-          <a:endParaRPr lang="es-CO" sz="2000" kern="1200" dirty="0"/>
+          <a:endParaRPr lang="es-CO" sz="2400" kern="1200" dirty="0"/>
         </a:p>
       </dsp:txBody>
       <dsp:txXfrm>
@@ -15432,12 +15637,12 @@
         </a:fontRef>
       </dsp:style>
       <dsp:txBody>
-        <a:bodyPr spcFirstLastPara="0" vert="horz" wrap="square" lIns="12700" tIns="12700" rIns="12700" bIns="12700" numCol="1" spcCol="1270" anchor="ctr" anchorCtr="0">
+        <a:bodyPr spcFirstLastPara="0" vert="horz" wrap="square" lIns="15240" tIns="15240" rIns="15240" bIns="15240" numCol="1" spcCol="1270" anchor="ctr" anchorCtr="0">
           <a:noAutofit/>
         </a:bodyPr>
         <a:lstStyle/>
         <a:p>
-          <a:pPr lvl="0" algn="ctr" defTabSz="889000">
+          <a:pPr lvl="0" algn="ctr" defTabSz="1066800">
             <a:lnSpc>
               <a:spcPct val="90000"/>
             </a:lnSpc>
@@ -15449,14 +15654,94 @@
             </a:spcAft>
           </a:pPr>
           <a:r>
-            <a:rPr lang="es-CO" sz="2000" kern="1200" dirty="0" smtClean="0"/>
-            <a:t>Fondo TIC</a:t>
+            <a:rPr lang="es-CO" sz="2400" kern="1200" dirty="0" smtClean="0"/>
+            <a:t>Colciencias</a:t>
           </a:r>
-          <a:endParaRPr lang="es-CO" sz="2000" kern="1200" dirty="0"/>
+          <a:endParaRPr lang="es-CO" sz="2400" kern="1200" dirty="0"/>
         </a:p>
       </dsp:txBody>
       <dsp:txXfrm>
         <a:off x="7110081" y="2854354"/>
+        <a:ext cx="1831679" cy="915839"/>
+      </dsp:txXfrm>
+    </dsp:sp>
+    <dsp:sp modelId="{E08646EF-1FEA-41E2-8C13-72E8F0B816B8}">
+      <dsp:nvSpPr>
+        <dsp:cNvPr id="0" name=""/>
+        <dsp:cNvSpPr/>
+      </dsp:nvSpPr>
+      <dsp:spPr>
+        <a:xfrm>
+          <a:off x="7110081" y="4154846"/>
+          <a:ext cx="1831679" cy="915839"/>
+        </a:xfrm>
+        <a:prstGeom prst="rect">
+          <a:avLst/>
+        </a:prstGeom>
+        <a:gradFill rotWithShape="1">
+          <a:gsLst>
+            <a:gs pos="0">
+              <a:schemeClr val="dk1">
+                <a:tint val="80000"/>
+                <a:lumMod val="105000"/>
+              </a:schemeClr>
+            </a:gs>
+            <a:gs pos="100000">
+              <a:schemeClr val="dk1">
+                <a:tint val="90000"/>
+              </a:schemeClr>
+            </a:gs>
+          </a:gsLst>
+          <a:lin ang="5400000" scaled="0"/>
+        </a:gradFill>
+        <a:ln w="9525" cap="rnd" cmpd="sng" algn="ctr">
+          <a:solidFill>
+            <a:schemeClr val="dk1"/>
+          </a:solidFill>
+          <a:prstDash val="solid"/>
+        </a:ln>
+        <a:effectLst/>
+      </dsp:spPr>
+      <dsp:style>
+        <a:lnRef idx="1">
+          <a:schemeClr val="dk1"/>
+        </a:lnRef>
+        <a:fillRef idx="2">
+          <a:schemeClr val="dk1"/>
+        </a:fillRef>
+        <a:effectRef idx="1">
+          <a:schemeClr val="dk1"/>
+        </a:effectRef>
+        <a:fontRef idx="minor">
+          <a:schemeClr val="dk1"/>
+        </a:fontRef>
+      </dsp:style>
+      <dsp:txBody>
+        <a:bodyPr spcFirstLastPara="0" vert="horz" wrap="square" lIns="15240" tIns="15240" rIns="15240" bIns="15240" numCol="1" spcCol="1270" anchor="ctr" anchorCtr="0">
+          <a:noAutofit/>
+        </a:bodyPr>
+        <a:lstStyle/>
+        <a:p>
+          <a:pPr lvl="0" algn="ctr" defTabSz="1066800">
+            <a:lnSpc>
+              <a:spcPct val="90000"/>
+            </a:lnSpc>
+            <a:spcBef>
+              <a:spcPct val="0"/>
+            </a:spcBef>
+            <a:spcAft>
+              <a:spcPct val="35000"/>
+            </a:spcAft>
+          </a:pPr>
+          <a:r>
+            <a:rPr lang="es-CO" sz="2400" kern="1200" dirty="0" smtClean="0"/>
+            <a:t>FONTIC</a:t>
+          </a:r>
+          <a:endParaRPr lang="es-CO" sz="2400" kern="1200" dirty="0"/>
+        </a:p>
+      </dsp:txBody>
+      <dsp:txXfrm>
+        <a:off x="7110081" y="4154846"/>
         <a:ext cx="1831679" cy="915839"/>
       </dsp:txXfrm>
     </dsp:sp>
@@ -15800,14 +16085,6 @@
             </a:rPr>
             <a:t>Impacto:</a:t>
           </a:r>
-          <a:r>
-            <a:rPr lang="es-CO" sz="1200" kern="1200" dirty="0" smtClean="0">
-              <a:solidFill>
-                <a:schemeClr val="bg1"/>
-              </a:solidFill>
-            </a:rPr>
-            <a:t/>
-          </a:r>
           <a:br>
             <a:rPr lang="es-CO" sz="1200" kern="1200" dirty="0" smtClean="0">
               <a:solidFill>
@@ -15847,1342 +16124,6 @@
       <dsp:cNvGrpSpPr/>
     </dsp:nvGrpSpPr>
     <dsp:grpSpPr/>
-    <dsp:sp modelId="{C888AFAB-61A5-40B2-958C-1E5A179C85C1}">
-      <dsp:nvSpPr>
-        <dsp:cNvPr id="0" name=""/>
-        <dsp:cNvSpPr/>
-      </dsp:nvSpPr>
-      <dsp:spPr>
-        <a:xfrm>
-          <a:off x="2759521" y="3303269"/>
-          <a:ext cx="443885" cy="2960362"/>
-        </a:xfrm>
-        <a:custGeom>
-          <a:avLst/>
-          <a:gdLst/>
-          <a:ahLst/>
-          <a:cxnLst/>
-          <a:rect l="0" t="0" r="0" b="0"/>
-          <a:pathLst>
-            <a:path>
-              <a:moveTo>
-                <a:pt x="0" y="0"/>
-              </a:moveTo>
-              <a:lnTo>
-                <a:pt x="221942" y="0"/>
-              </a:lnTo>
-              <a:lnTo>
-                <a:pt x="221942" y="2960362"/>
-              </a:lnTo>
-              <a:lnTo>
-                <a:pt x="443885" y="2960362"/>
-              </a:lnTo>
-            </a:path>
-          </a:pathLst>
-        </a:custGeom>
-        <a:noFill/>
-        <a:ln w="15875" cap="rnd" cmpd="sng" algn="ctr">
-          <a:solidFill>
-            <a:schemeClr val="accent1">
-              <a:shade val="60000"/>
-              <a:hueOff val="0"/>
-              <a:satOff val="0"/>
-              <a:lumOff val="0"/>
-              <a:alphaOff val="0"/>
-            </a:schemeClr>
-          </a:solidFill>
-          <a:prstDash val="solid"/>
-        </a:ln>
-        <a:effectLst/>
-      </dsp:spPr>
-      <dsp:style>
-        <a:lnRef idx="2">
-          <a:scrgbClr r="0" g="0" b="0"/>
-        </a:lnRef>
-        <a:fillRef idx="0">
-          <a:scrgbClr r="0" g="0" b="0"/>
-        </a:fillRef>
-        <a:effectRef idx="0">
-          <a:scrgbClr r="0" g="0" b="0"/>
-        </a:effectRef>
-        <a:fontRef idx="minor"/>
-      </dsp:style>
-      <dsp:txBody>
-        <a:bodyPr spcFirstLastPara="0" vert="horz" wrap="square" lIns="12700" tIns="0" rIns="12700" bIns="0" numCol="1" spcCol="1270" anchor="ctr" anchorCtr="0">
-          <a:noAutofit/>
-        </a:bodyPr>
-        <a:lstStyle/>
-        <a:p>
-          <a:pPr lvl="0" algn="ctr" defTabSz="444500">
-            <a:lnSpc>
-              <a:spcPct val="90000"/>
-            </a:lnSpc>
-            <a:spcBef>
-              <a:spcPct val="0"/>
-            </a:spcBef>
-            <a:spcAft>
-              <a:spcPct val="35000"/>
-            </a:spcAft>
-          </a:pPr>
-          <a:endParaRPr lang="es-CO" sz="1000" kern="1200"/>
-        </a:p>
-      </dsp:txBody>
-      <dsp:txXfrm>
-        <a:off x="2906627" y="4708614"/>
-        <a:ext cx="149672" cy="149672"/>
-      </dsp:txXfrm>
-    </dsp:sp>
-    <dsp:sp modelId="{CD8FDC24-FF3B-40B4-8449-B1A1452EADE6}">
-      <dsp:nvSpPr>
-        <dsp:cNvPr id="0" name=""/>
-        <dsp:cNvSpPr/>
-      </dsp:nvSpPr>
-      <dsp:spPr>
-        <a:xfrm>
-          <a:off x="2759521" y="3303269"/>
-          <a:ext cx="443885" cy="2114544"/>
-        </a:xfrm>
-        <a:custGeom>
-          <a:avLst/>
-          <a:gdLst/>
-          <a:ahLst/>
-          <a:cxnLst/>
-          <a:rect l="0" t="0" r="0" b="0"/>
-          <a:pathLst>
-            <a:path>
-              <a:moveTo>
-                <a:pt x="0" y="0"/>
-              </a:moveTo>
-              <a:lnTo>
-                <a:pt x="221942" y="0"/>
-              </a:lnTo>
-              <a:lnTo>
-                <a:pt x="221942" y="2114544"/>
-              </a:lnTo>
-              <a:lnTo>
-                <a:pt x="443885" y="2114544"/>
-              </a:lnTo>
-            </a:path>
-          </a:pathLst>
-        </a:custGeom>
-        <a:noFill/>
-        <a:ln w="15875" cap="rnd" cmpd="sng" algn="ctr">
-          <a:solidFill>
-            <a:schemeClr val="accent1">
-              <a:shade val="60000"/>
-              <a:hueOff val="0"/>
-              <a:satOff val="0"/>
-              <a:lumOff val="0"/>
-              <a:alphaOff val="0"/>
-            </a:schemeClr>
-          </a:solidFill>
-          <a:prstDash val="solid"/>
-        </a:ln>
-        <a:effectLst/>
-      </dsp:spPr>
-      <dsp:style>
-        <a:lnRef idx="2">
-          <a:scrgbClr r="0" g="0" b="0"/>
-        </a:lnRef>
-        <a:fillRef idx="0">
-          <a:scrgbClr r="0" g="0" b="0"/>
-        </a:fillRef>
-        <a:effectRef idx="0">
-          <a:scrgbClr r="0" g="0" b="0"/>
-        </a:effectRef>
-        <a:fontRef idx="minor"/>
-      </dsp:style>
-      <dsp:txBody>
-        <a:bodyPr spcFirstLastPara="0" vert="horz" wrap="square" lIns="12700" tIns="0" rIns="12700" bIns="0" numCol="1" spcCol="1270" anchor="ctr" anchorCtr="0">
-          <a:noAutofit/>
-        </a:bodyPr>
-        <a:lstStyle/>
-        <a:p>
-          <a:pPr lvl="0" algn="ctr" defTabSz="311150">
-            <a:lnSpc>
-              <a:spcPct val="90000"/>
-            </a:lnSpc>
-            <a:spcBef>
-              <a:spcPct val="0"/>
-            </a:spcBef>
-            <a:spcAft>
-              <a:spcPct val="35000"/>
-            </a:spcAft>
-          </a:pPr>
-          <a:endParaRPr lang="es-CO" sz="700" kern="1200"/>
-        </a:p>
-      </dsp:txBody>
-      <dsp:txXfrm>
-        <a:off x="2927448" y="4306526"/>
-        <a:ext cx="108031" cy="108031"/>
-      </dsp:txXfrm>
-    </dsp:sp>
-    <dsp:sp modelId="{D4467E1C-47A3-4DB4-8782-896A5A108CF7}">
-      <dsp:nvSpPr>
-        <dsp:cNvPr id="0" name=""/>
-        <dsp:cNvSpPr/>
-      </dsp:nvSpPr>
-      <dsp:spPr>
-        <a:xfrm>
-          <a:off x="2759521" y="3303269"/>
-          <a:ext cx="443885" cy="1268726"/>
-        </a:xfrm>
-        <a:custGeom>
-          <a:avLst/>
-          <a:gdLst/>
-          <a:ahLst/>
-          <a:cxnLst/>
-          <a:rect l="0" t="0" r="0" b="0"/>
-          <a:pathLst>
-            <a:path>
-              <a:moveTo>
-                <a:pt x="0" y="0"/>
-              </a:moveTo>
-              <a:lnTo>
-                <a:pt x="221942" y="0"/>
-              </a:lnTo>
-              <a:lnTo>
-                <a:pt x="221942" y="1268726"/>
-              </a:lnTo>
-              <a:lnTo>
-                <a:pt x="443885" y="1268726"/>
-              </a:lnTo>
-            </a:path>
-          </a:pathLst>
-        </a:custGeom>
-        <a:noFill/>
-        <a:ln w="15875" cap="rnd" cmpd="sng" algn="ctr">
-          <a:solidFill>
-            <a:schemeClr val="accent1">
-              <a:shade val="60000"/>
-              <a:hueOff val="0"/>
-              <a:satOff val="0"/>
-              <a:lumOff val="0"/>
-              <a:alphaOff val="0"/>
-            </a:schemeClr>
-          </a:solidFill>
-          <a:prstDash val="solid"/>
-        </a:ln>
-        <a:effectLst/>
-      </dsp:spPr>
-      <dsp:style>
-        <a:lnRef idx="2">
-          <a:scrgbClr r="0" g="0" b="0"/>
-        </a:lnRef>
-        <a:fillRef idx="0">
-          <a:scrgbClr r="0" g="0" b="0"/>
-        </a:fillRef>
-        <a:effectRef idx="0">
-          <a:scrgbClr r="0" g="0" b="0"/>
-        </a:effectRef>
-        <a:fontRef idx="minor"/>
-      </dsp:style>
-      <dsp:txBody>
-        <a:bodyPr spcFirstLastPara="0" vert="horz" wrap="square" lIns="12700" tIns="0" rIns="12700" bIns="0" numCol="1" spcCol="1270" anchor="ctr" anchorCtr="0">
-          <a:noAutofit/>
-        </a:bodyPr>
-        <a:lstStyle/>
-        <a:p>
-          <a:pPr lvl="0" algn="ctr" defTabSz="222250">
-            <a:lnSpc>
-              <a:spcPct val="90000"/>
-            </a:lnSpc>
-            <a:spcBef>
-              <a:spcPct val="0"/>
-            </a:spcBef>
-            <a:spcAft>
-              <a:spcPct val="35000"/>
-            </a:spcAft>
-          </a:pPr>
-          <a:endParaRPr lang="es-CO" sz="500" kern="1200"/>
-        </a:p>
-      </dsp:txBody>
-      <dsp:txXfrm>
-        <a:off x="2947860" y="3904029"/>
-        <a:ext cx="67206" cy="67206"/>
-      </dsp:txXfrm>
-    </dsp:sp>
-    <dsp:sp modelId="{2C0C1060-5094-4E3E-A399-330AE5D67416}">
-      <dsp:nvSpPr>
-        <dsp:cNvPr id="0" name=""/>
-        <dsp:cNvSpPr/>
-      </dsp:nvSpPr>
-      <dsp:spPr>
-        <a:xfrm>
-          <a:off x="2759521" y="3303269"/>
-          <a:ext cx="443885" cy="422908"/>
-        </a:xfrm>
-        <a:custGeom>
-          <a:avLst/>
-          <a:gdLst/>
-          <a:ahLst/>
-          <a:cxnLst/>
-          <a:rect l="0" t="0" r="0" b="0"/>
-          <a:pathLst>
-            <a:path>
-              <a:moveTo>
-                <a:pt x="0" y="0"/>
-              </a:moveTo>
-              <a:lnTo>
-                <a:pt x="221942" y="0"/>
-              </a:lnTo>
-              <a:lnTo>
-                <a:pt x="221942" y="422908"/>
-              </a:lnTo>
-              <a:lnTo>
-                <a:pt x="443885" y="422908"/>
-              </a:lnTo>
-            </a:path>
-          </a:pathLst>
-        </a:custGeom>
-        <a:noFill/>
-        <a:ln w="15875" cap="rnd" cmpd="sng" algn="ctr">
-          <a:solidFill>
-            <a:schemeClr val="accent1">
-              <a:shade val="60000"/>
-              <a:hueOff val="0"/>
-              <a:satOff val="0"/>
-              <a:lumOff val="0"/>
-              <a:alphaOff val="0"/>
-            </a:schemeClr>
-          </a:solidFill>
-          <a:prstDash val="solid"/>
-        </a:ln>
-        <a:effectLst/>
-      </dsp:spPr>
-      <dsp:style>
-        <a:lnRef idx="2">
-          <a:scrgbClr r="0" g="0" b="0"/>
-        </a:lnRef>
-        <a:fillRef idx="0">
-          <a:scrgbClr r="0" g="0" b="0"/>
-        </a:fillRef>
-        <a:effectRef idx="0">
-          <a:scrgbClr r="0" g="0" b="0"/>
-        </a:effectRef>
-        <a:fontRef idx="minor"/>
-      </dsp:style>
-      <dsp:txBody>
-        <a:bodyPr spcFirstLastPara="0" vert="horz" wrap="square" lIns="12700" tIns="0" rIns="12700" bIns="0" numCol="1" spcCol="1270" anchor="ctr" anchorCtr="0">
-          <a:noAutofit/>
-        </a:bodyPr>
-        <a:lstStyle/>
-        <a:p>
-          <a:pPr lvl="0" algn="ctr" defTabSz="222250">
-            <a:lnSpc>
-              <a:spcPct val="90000"/>
-            </a:lnSpc>
-            <a:spcBef>
-              <a:spcPct val="0"/>
-            </a:spcBef>
-            <a:spcAft>
-              <a:spcPct val="35000"/>
-            </a:spcAft>
-          </a:pPr>
-          <a:endParaRPr lang="es-CO" sz="500" kern="1200"/>
-        </a:p>
-      </dsp:txBody>
-      <dsp:txXfrm>
-        <a:off x="2966136" y="3499397"/>
-        <a:ext cx="30654" cy="30654"/>
-      </dsp:txXfrm>
-    </dsp:sp>
-    <dsp:sp modelId="{84625C4B-DB69-40BA-A54E-7F7425AB167D}">
-      <dsp:nvSpPr>
-        <dsp:cNvPr id="0" name=""/>
-        <dsp:cNvSpPr/>
-      </dsp:nvSpPr>
-      <dsp:spPr>
-        <a:xfrm>
-          <a:off x="2759521" y="2880361"/>
-          <a:ext cx="443885" cy="422908"/>
-        </a:xfrm>
-        <a:custGeom>
-          <a:avLst/>
-          <a:gdLst/>
-          <a:ahLst/>
-          <a:cxnLst/>
-          <a:rect l="0" t="0" r="0" b="0"/>
-          <a:pathLst>
-            <a:path>
-              <a:moveTo>
-                <a:pt x="0" y="422908"/>
-              </a:moveTo>
-              <a:lnTo>
-                <a:pt x="221942" y="422908"/>
-              </a:lnTo>
-              <a:lnTo>
-                <a:pt x="221942" y="0"/>
-              </a:lnTo>
-              <a:lnTo>
-                <a:pt x="443885" y="0"/>
-              </a:lnTo>
-            </a:path>
-          </a:pathLst>
-        </a:custGeom>
-        <a:noFill/>
-        <a:ln w="15875" cap="rnd" cmpd="sng" algn="ctr">
-          <a:solidFill>
-            <a:schemeClr val="accent1">
-              <a:shade val="60000"/>
-              <a:hueOff val="0"/>
-              <a:satOff val="0"/>
-              <a:lumOff val="0"/>
-              <a:alphaOff val="0"/>
-            </a:schemeClr>
-          </a:solidFill>
-          <a:prstDash val="solid"/>
-        </a:ln>
-        <a:effectLst/>
-      </dsp:spPr>
-      <dsp:style>
-        <a:lnRef idx="2">
-          <a:scrgbClr r="0" g="0" b="0"/>
-        </a:lnRef>
-        <a:fillRef idx="0">
-          <a:scrgbClr r="0" g="0" b="0"/>
-        </a:fillRef>
-        <a:effectRef idx="0">
-          <a:scrgbClr r="0" g="0" b="0"/>
-        </a:effectRef>
-        <a:fontRef idx="minor"/>
-      </dsp:style>
-      <dsp:txBody>
-        <a:bodyPr spcFirstLastPara="0" vert="horz" wrap="square" lIns="12700" tIns="0" rIns="12700" bIns="0" numCol="1" spcCol="1270" anchor="ctr" anchorCtr="0">
-          <a:noAutofit/>
-        </a:bodyPr>
-        <a:lstStyle/>
-        <a:p>
-          <a:pPr lvl="0" algn="ctr" defTabSz="222250">
-            <a:lnSpc>
-              <a:spcPct val="90000"/>
-            </a:lnSpc>
-            <a:spcBef>
-              <a:spcPct val="0"/>
-            </a:spcBef>
-            <a:spcAft>
-              <a:spcPct val="35000"/>
-            </a:spcAft>
-          </a:pPr>
-          <a:endParaRPr lang="es-CO" sz="500" kern="1200"/>
-        </a:p>
-      </dsp:txBody>
-      <dsp:txXfrm>
-        <a:off x="2966136" y="3076488"/>
-        <a:ext cx="30654" cy="30654"/>
-      </dsp:txXfrm>
-    </dsp:sp>
-    <dsp:sp modelId="{9DA08EE1-7718-48CE-9063-7B551362549C}">
-      <dsp:nvSpPr>
-        <dsp:cNvPr id="0" name=""/>
-        <dsp:cNvSpPr/>
-      </dsp:nvSpPr>
-      <dsp:spPr>
-        <a:xfrm>
-          <a:off x="2759521" y="2034543"/>
-          <a:ext cx="443885" cy="1268726"/>
-        </a:xfrm>
-        <a:custGeom>
-          <a:avLst/>
-          <a:gdLst/>
-          <a:ahLst/>
-          <a:cxnLst/>
-          <a:rect l="0" t="0" r="0" b="0"/>
-          <a:pathLst>
-            <a:path>
-              <a:moveTo>
-                <a:pt x="0" y="1268726"/>
-              </a:moveTo>
-              <a:lnTo>
-                <a:pt x="221942" y="1268726"/>
-              </a:lnTo>
-              <a:lnTo>
-                <a:pt x="221942" y="0"/>
-              </a:lnTo>
-              <a:lnTo>
-                <a:pt x="443885" y="0"/>
-              </a:lnTo>
-            </a:path>
-          </a:pathLst>
-        </a:custGeom>
-        <a:noFill/>
-        <a:ln w="15875" cap="rnd" cmpd="sng" algn="ctr">
-          <a:solidFill>
-            <a:schemeClr val="accent1">
-              <a:shade val="60000"/>
-              <a:hueOff val="0"/>
-              <a:satOff val="0"/>
-              <a:lumOff val="0"/>
-              <a:alphaOff val="0"/>
-            </a:schemeClr>
-          </a:solidFill>
-          <a:prstDash val="solid"/>
-        </a:ln>
-        <a:effectLst/>
-      </dsp:spPr>
-      <dsp:style>
-        <a:lnRef idx="2">
-          <a:scrgbClr r="0" g="0" b="0"/>
-        </a:lnRef>
-        <a:fillRef idx="0">
-          <a:scrgbClr r="0" g="0" b="0"/>
-        </a:fillRef>
-        <a:effectRef idx="0">
-          <a:scrgbClr r="0" g="0" b="0"/>
-        </a:effectRef>
-        <a:fontRef idx="minor"/>
-      </dsp:style>
-      <dsp:txBody>
-        <a:bodyPr spcFirstLastPara="0" vert="horz" wrap="square" lIns="12700" tIns="0" rIns="12700" bIns="0" numCol="1" spcCol="1270" anchor="ctr" anchorCtr="0">
-          <a:noAutofit/>
-        </a:bodyPr>
-        <a:lstStyle/>
-        <a:p>
-          <a:pPr lvl="0" algn="ctr" defTabSz="222250">
-            <a:lnSpc>
-              <a:spcPct val="90000"/>
-            </a:lnSpc>
-            <a:spcBef>
-              <a:spcPct val="0"/>
-            </a:spcBef>
-            <a:spcAft>
-              <a:spcPct val="35000"/>
-            </a:spcAft>
-          </a:pPr>
-          <a:endParaRPr lang="es-CO" sz="500" kern="1200"/>
-        </a:p>
-      </dsp:txBody>
-      <dsp:txXfrm>
-        <a:off x="2947860" y="2635303"/>
-        <a:ext cx="67206" cy="67206"/>
-      </dsp:txXfrm>
-    </dsp:sp>
-    <dsp:sp modelId="{E31A40CB-F2AF-4C0C-8078-2A77F20863A0}">
-      <dsp:nvSpPr>
-        <dsp:cNvPr id="0" name=""/>
-        <dsp:cNvSpPr/>
-      </dsp:nvSpPr>
-      <dsp:spPr>
-        <a:xfrm>
-          <a:off x="2759521" y="1188725"/>
-          <a:ext cx="443885" cy="2114544"/>
-        </a:xfrm>
-        <a:custGeom>
-          <a:avLst/>
-          <a:gdLst/>
-          <a:ahLst/>
-          <a:cxnLst/>
-          <a:rect l="0" t="0" r="0" b="0"/>
-          <a:pathLst>
-            <a:path>
-              <a:moveTo>
-                <a:pt x="0" y="2114544"/>
-              </a:moveTo>
-              <a:lnTo>
-                <a:pt x="221942" y="2114544"/>
-              </a:lnTo>
-              <a:lnTo>
-                <a:pt x="221942" y="0"/>
-              </a:lnTo>
-              <a:lnTo>
-                <a:pt x="443885" y="0"/>
-              </a:lnTo>
-            </a:path>
-          </a:pathLst>
-        </a:custGeom>
-        <a:noFill/>
-        <a:ln w="15875" cap="rnd" cmpd="sng" algn="ctr">
-          <a:solidFill>
-            <a:schemeClr val="accent1">
-              <a:shade val="60000"/>
-              <a:hueOff val="0"/>
-              <a:satOff val="0"/>
-              <a:lumOff val="0"/>
-              <a:alphaOff val="0"/>
-            </a:schemeClr>
-          </a:solidFill>
-          <a:prstDash val="solid"/>
-        </a:ln>
-        <a:effectLst/>
-      </dsp:spPr>
-      <dsp:style>
-        <a:lnRef idx="2">
-          <a:scrgbClr r="0" g="0" b="0"/>
-        </a:lnRef>
-        <a:fillRef idx="0">
-          <a:scrgbClr r="0" g="0" b="0"/>
-        </a:fillRef>
-        <a:effectRef idx="0">
-          <a:scrgbClr r="0" g="0" b="0"/>
-        </a:effectRef>
-        <a:fontRef idx="minor"/>
-      </dsp:style>
-      <dsp:txBody>
-        <a:bodyPr spcFirstLastPara="0" vert="horz" wrap="square" lIns="12700" tIns="0" rIns="12700" bIns="0" numCol="1" spcCol="1270" anchor="ctr" anchorCtr="0">
-          <a:noAutofit/>
-        </a:bodyPr>
-        <a:lstStyle/>
-        <a:p>
-          <a:pPr lvl="0" algn="ctr" defTabSz="311150">
-            <a:lnSpc>
-              <a:spcPct val="90000"/>
-            </a:lnSpc>
-            <a:spcBef>
-              <a:spcPct val="0"/>
-            </a:spcBef>
-            <a:spcAft>
-              <a:spcPct val="35000"/>
-            </a:spcAft>
-          </a:pPr>
-          <a:endParaRPr lang="es-CO" sz="700" kern="1200"/>
-        </a:p>
-      </dsp:txBody>
-      <dsp:txXfrm>
-        <a:off x="2927448" y="2191981"/>
-        <a:ext cx="108031" cy="108031"/>
-      </dsp:txXfrm>
-    </dsp:sp>
-    <dsp:sp modelId="{5E19730A-927D-448E-AB2D-38D470EBAF05}">
-      <dsp:nvSpPr>
-        <dsp:cNvPr id="0" name=""/>
-        <dsp:cNvSpPr/>
-      </dsp:nvSpPr>
-      <dsp:spPr>
-        <a:xfrm>
-          <a:off x="2759521" y="342907"/>
-          <a:ext cx="443885" cy="2960362"/>
-        </a:xfrm>
-        <a:custGeom>
-          <a:avLst/>
-          <a:gdLst/>
-          <a:ahLst/>
-          <a:cxnLst/>
-          <a:rect l="0" t="0" r="0" b="0"/>
-          <a:pathLst>
-            <a:path>
-              <a:moveTo>
-                <a:pt x="0" y="2960362"/>
-              </a:moveTo>
-              <a:lnTo>
-                <a:pt x="221942" y="2960362"/>
-              </a:lnTo>
-              <a:lnTo>
-                <a:pt x="221942" y="0"/>
-              </a:lnTo>
-              <a:lnTo>
-                <a:pt x="443885" y="0"/>
-              </a:lnTo>
-            </a:path>
-          </a:pathLst>
-        </a:custGeom>
-        <a:noFill/>
-        <a:ln w="15875" cap="rnd" cmpd="sng" algn="ctr">
-          <a:solidFill>
-            <a:schemeClr val="accent1">
-              <a:shade val="60000"/>
-              <a:hueOff val="0"/>
-              <a:satOff val="0"/>
-              <a:lumOff val="0"/>
-              <a:alphaOff val="0"/>
-            </a:schemeClr>
-          </a:solidFill>
-          <a:prstDash val="solid"/>
-        </a:ln>
-        <a:effectLst/>
-      </dsp:spPr>
-      <dsp:style>
-        <a:lnRef idx="2">
-          <a:scrgbClr r="0" g="0" b="0"/>
-        </a:lnRef>
-        <a:fillRef idx="0">
-          <a:scrgbClr r="0" g="0" b="0"/>
-        </a:fillRef>
-        <a:effectRef idx="0">
-          <a:scrgbClr r="0" g="0" b="0"/>
-        </a:effectRef>
-        <a:fontRef idx="minor"/>
-      </dsp:style>
-      <dsp:txBody>
-        <a:bodyPr spcFirstLastPara="0" vert="horz" wrap="square" lIns="12700" tIns="0" rIns="12700" bIns="0" numCol="1" spcCol="1270" anchor="ctr" anchorCtr="0">
-          <a:noAutofit/>
-        </a:bodyPr>
-        <a:lstStyle/>
-        <a:p>
-          <a:pPr lvl="0" algn="ctr" defTabSz="444500">
-            <a:lnSpc>
-              <a:spcPct val="90000"/>
-            </a:lnSpc>
-            <a:spcBef>
-              <a:spcPct val="0"/>
-            </a:spcBef>
-            <a:spcAft>
-              <a:spcPct val="35000"/>
-            </a:spcAft>
-          </a:pPr>
-          <a:endParaRPr lang="es-CO" sz="1000" kern="1200"/>
-        </a:p>
-      </dsp:txBody>
-      <dsp:txXfrm>
-        <a:off x="2906627" y="1748252"/>
-        <a:ext cx="149672" cy="149672"/>
-      </dsp:txXfrm>
-    </dsp:sp>
-    <dsp:sp modelId="{F3915EC6-42C8-43D3-B4F5-10DEFAAE1C5B}">
-      <dsp:nvSpPr>
-        <dsp:cNvPr id="0" name=""/>
-        <dsp:cNvSpPr/>
-      </dsp:nvSpPr>
-      <dsp:spPr>
-        <a:xfrm rot="16200000">
-          <a:off x="640525" y="2964942"/>
-          <a:ext cx="3561337" cy="676654"/>
-        </a:xfrm>
-        <a:prstGeom prst="rect">
-          <a:avLst/>
-        </a:prstGeom>
-        <a:solidFill>
-          <a:schemeClr val="accent1">
-            <a:hueOff val="0"/>
-            <a:satOff val="0"/>
-            <a:lumOff val="0"/>
-            <a:alphaOff val="0"/>
-          </a:schemeClr>
-        </a:solidFill>
-        <a:ln w="15875" cap="rnd" cmpd="sng" algn="ctr">
-          <a:solidFill>
-            <a:schemeClr val="lt1">
-              <a:hueOff val="0"/>
-              <a:satOff val="0"/>
-              <a:lumOff val="0"/>
-              <a:alphaOff val="0"/>
-            </a:schemeClr>
-          </a:solidFill>
-          <a:prstDash val="solid"/>
-        </a:ln>
-        <a:effectLst/>
-      </dsp:spPr>
-      <dsp:style>
-        <a:lnRef idx="2">
-          <a:scrgbClr r="0" g="0" b="0"/>
-        </a:lnRef>
-        <a:fillRef idx="1">
-          <a:scrgbClr r="0" g="0" b="0"/>
-        </a:fillRef>
-        <a:effectRef idx="0">
-          <a:scrgbClr r="0" g="0" b="0"/>
-        </a:effectRef>
-        <a:fontRef idx="minor">
-          <a:schemeClr val="lt1"/>
-        </a:fontRef>
-      </dsp:style>
-      <dsp:txBody>
-        <a:bodyPr spcFirstLastPara="0" vert="horz" wrap="square" lIns="14605" tIns="14605" rIns="14605" bIns="14605" numCol="1" spcCol="1270" anchor="ctr" anchorCtr="0">
-          <a:noAutofit/>
-        </a:bodyPr>
-        <a:lstStyle/>
-        <a:p>
-          <a:pPr lvl="0" algn="ctr" defTabSz="1022350">
-            <a:lnSpc>
-              <a:spcPct val="90000"/>
-            </a:lnSpc>
-            <a:spcBef>
-              <a:spcPct val="0"/>
-            </a:spcBef>
-            <a:spcAft>
-              <a:spcPct val="35000"/>
-            </a:spcAft>
-          </a:pPr>
-          <a:r>
-            <a:rPr lang="es-CO" sz="2300" kern="1200" dirty="0" smtClean="0"/>
-            <a:t>Problemas y Oportunidades</a:t>
-          </a:r>
-          <a:endParaRPr lang="es-CO" sz="2300" kern="1200" dirty="0"/>
-        </a:p>
-      </dsp:txBody>
-      <dsp:txXfrm>
-        <a:off x="640525" y="2964942"/>
-        <a:ext cx="3561337" cy="676654"/>
-      </dsp:txXfrm>
-    </dsp:sp>
-    <dsp:sp modelId="{230549B9-3477-4774-9D68-8FA8F3901799}">
-      <dsp:nvSpPr>
-        <dsp:cNvPr id="0" name=""/>
-        <dsp:cNvSpPr/>
-      </dsp:nvSpPr>
-      <dsp:spPr>
-        <a:xfrm>
-          <a:off x="3203406" y="4580"/>
-          <a:ext cx="2219425" cy="676654"/>
-        </a:xfrm>
-        <a:prstGeom prst="rect">
-          <a:avLst/>
-        </a:prstGeom>
-        <a:solidFill>
-          <a:schemeClr val="accent5"/>
-        </a:solidFill>
-        <a:ln w="25400" cap="rnd" cmpd="sng" algn="ctr">
-          <a:solidFill>
-            <a:schemeClr val="lt1"/>
-          </a:solidFill>
-          <a:prstDash val="solid"/>
-        </a:ln>
-        <a:effectLst/>
-      </dsp:spPr>
-      <dsp:style>
-        <a:lnRef idx="3">
-          <a:schemeClr val="lt1"/>
-        </a:lnRef>
-        <a:fillRef idx="1">
-          <a:schemeClr val="accent5"/>
-        </a:fillRef>
-        <a:effectRef idx="1">
-          <a:schemeClr val="accent5"/>
-        </a:effectRef>
-        <a:fontRef idx="minor">
-          <a:schemeClr val="lt1"/>
-        </a:fontRef>
-      </dsp:style>
-      <dsp:txBody>
-        <a:bodyPr spcFirstLastPara="0" vert="horz" wrap="square" lIns="9525" tIns="9525" rIns="9525" bIns="9525" numCol="1" spcCol="1270" anchor="ctr" anchorCtr="0">
-          <a:noAutofit/>
-        </a:bodyPr>
-        <a:lstStyle/>
-        <a:p>
-          <a:pPr lvl="0" algn="ctr" defTabSz="666750">
-            <a:lnSpc>
-              <a:spcPct val="90000"/>
-            </a:lnSpc>
-            <a:spcBef>
-              <a:spcPct val="0"/>
-            </a:spcBef>
-            <a:spcAft>
-              <a:spcPct val="35000"/>
-            </a:spcAft>
-          </a:pPr>
-          <a:r>
-            <a:rPr lang="es-CO" sz="1500" kern="1200" dirty="0" smtClean="0"/>
-            <a:t>Talento TI</a:t>
-          </a:r>
-          <a:endParaRPr lang="es-CO" sz="1500" kern="1200" dirty="0"/>
-        </a:p>
-      </dsp:txBody>
-      <dsp:txXfrm>
-        <a:off x="3203406" y="4580"/>
-        <a:ext cx="2219425" cy="676654"/>
-      </dsp:txXfrm>
-    </dsp:sp>
-    <dsp:sp modelId="{DBEE37AF-EBD0-439A-93D6-95D6C4BB8E8B}">
-      <dsp:nvSpPr>
-        <dsp:cNvPr id="0" name=""/>
-        <dsp:cNvSpPr/>
-      </dsp:nvSpPr>
-      <dsp:spPr>
-        <a:xfrm>
-          <a:off x="3203406" y="850398"/>
-          <a:ext cx="2219425" cy="676654"/>
-        </a:xfrm>
-        <a:prstGeom prst="rect">
-          <a:avLst/>
-        </a:prstGeom>
-        <a:solidFill>
-          <a:schemeClr val="accent5"/>
-        </a:solidFill>
-        <a:ln w="25400" cap="rnd" cmpd="sng" algn="ctr">
-          <a:solidFill>
-            <a:schemeClr val="lt1"/>
-          </a:solidFill>
-          <a:prstDash val="solid"/>
-        </a:ln>
-        <a:effectLst/>
-      </dsp:spPr>
-      <dsp:style>
-        <a:lnRef idx="3">
-          <a:schemeClr val="lt1"/>
-        </a:lnRef>
-        <a:fillRef idx="1">
-          <a:schemeClr val="accent5"/>
-        </a:fillRef>
-        <a:effectRef idx="1">
-          <a:schemeClr val="accent5"/>
-        </a:effectRef>
-        <a:fontRef idx="minor">
-          <a:schemeClr val="lt1"/>
-        </a:fontRef>
-      </dsp:style>
-      <dsp:txBody>
-        <a:bodyPr spcFirstLastPara="0" vert="horz" wrap="square" lIns="9525" tIns="9525" rIns="9525" bIns="9525" numCol="1" spcCol="1270" anchor="ctr" anchorCtr="0">
-          <a:noAutofit/>
-        </a:bodyPr>
-        <a:lstStyle/>
-        <a:p>
-          <a:pPr lvl="0" algn="ctr" defTabSz="666750">
-            <a:lnSpc>
-              <a:spcPct val="90000"/>
-            </a:lnSpc>
-            <a:spcBef>
-              <a:spcPct val="0"/>
-            </a:spcBef>
-            <a:spcAft>
-              <a:spcPct val="35000"/>
-            </a:spcAft>
-          </a:pPr>
-          <a:r>
-            <a:rPr lang="es-CO" sz="1500" kern="1200" dirty="0" smtClean="0"/>
-            <a:t>Ecosistema Digita (Oferta y Demanda)</a:t>
-          </a:r>
-          <a:endParaRPr lang="es-CO" sz="1500" kern="1200" dirty="0"/>
-        </a:p>
-      </dsp:txBody>
-      <dsp:txXfrm>
-        <a:off x="3203406" y="850398"/>
-        <a:ext cx="2219425" cy="676654"/>
-      </dsp:txXfrm>
-    </dsp:sp>
-    <dsp:sp modelId="{4AB51E04-DC7D-4E7F-AAB2-A6960E8BB498}">
-      <dsp:nvSpPr>
-        <dsp:cNvPr id="0" name=""/>
-        <dsp:cNvSpPr/>
-      </dsp:nvSpPr>
-      <dsp:spPr>
-        <a:xfrm>
-          <a:off x="3203406" y="1696216"/>
-          <a:ext cx="2219425" cy="676654"/>
-        </a:xfrm>
-        <a:prstGeom prst="rect">
-          <a:avLst/>
-        </a:prstGeom>
-        <a:solidFill>
-          <a:schemeClr val="accent5"/>
-        </a:solidFill>
-        <a:ln w="25400" cap="rnd" cmpd="sng" algn="ctr">
-          <a:solidFill>
-            <a:schemeClr val="lt1"/>
-          </a:solidFill>
-          <a:prstDash val="solid"/>
-        </a:ln>
-        <a:effectLst/>
-      </dsp:spPr>
-      <dsp:style>
-        <a:lnRef idx="3">
-          <a:schemeClr val="lt1"/>
-        </a:lnRef>
-        <a:fillRef idx="1">
-          <a:schemeClr val="accent5"/>
-        </a:fillRef>
-        <a:effectRef idx="1">
-          <a:schemeClr val="accent5"/>
-        </a:effectRef>
-        <a:fontRef idx="minor">
-          <a:schemeClr val="lt1"/>
-        </a:fontRef>
-      </dsp:style>
-      <dsp:txBody>
-        <a:bodyPr spcFirstLastPara="0" vert="horz" wrap="square" lIns="9525" tIns="9525" rIns="9525" bIns="9525" numCol="1" spcCol="1270" anchor="ctr" anchorCtr="0">
-          <a:noAutofit/>
-        </a:bodyPr>
-        <a:lstStyle/>
-        <a:p>
-          <a:pPr lvl="0" algn="ctr" defTabSz="666750">
-            <a:lnSpc>
-              <a:spcPct val="90000"/>
-            </a:lnSpc>
-            <a:spcBef>
-              <a:spcPct val="0"/>
-            </a:spcBef>
-            <a:spcAft>
-              <a:spcPct val="35000"/>
-            </a:spcAft>
-          </a:pPr>
-          <a:r>
-            <a:rPr lang="es-CO" sz="1500" kern="1200" dirty="0" smtClean="0"/>
-            <a:t>Mapa (catálogo) Sectorial</a:t>
-          </a:r>
-          <a:endParaRPr lang="es-CO" sz="1500" kern="1200" dirty="0"/>
-        </a:p>
-      </dsp:txBody>
-      <dsp:txXfrm>
-        <a:off x="3203406" y="1696216"/>
-        <a:ext cx="2219425" cy="676654"/>
-      </dsp:txXfrm>
-    </dsp:sp>
-    <dsp:sp modelId="{81688BB0-4D38-4300-875A-93944FB2B992}">
-      <dsp:nvSpPr>
-        <dsp:cNvPr id="0" name=""/>
-        <dsp:cNvSpPr/>
-      </dsp:nvSpPr>
-      <dsp:spPr>
-        <a:xfrm>
-          <a:off x="3203406" y="2542034"/>
-          <a:ext cx="2219425" cy="676654"/>
-        </a:xfrm>
-        <a:prstGeom prst="rect">
-          <a:avLst/>
-        </a:prstGeom>
-        <a:solidFill>
-          <a:schemeClr val="accent5"/>
-        </a:solidFill>
-        <a:ln w="25400" cap="rnd" cmpd="sng" algn="ctr">
-          <a:solidFill>
-            <a:schemeClr val="lt1"/>
-          </a:solidFill>
-          <a:prstDash val="solid"/>
-        </a:ln>
-        <a:effectLst/>
-      </dsp:spPr>
-      <dsp:style>
-        <a:lnRef idx="3">
-          <a:schemeClr val="lt1"/>
-        </a:lnRef>
-        <a:fillRef idx="1">
-          <a:schemeClr val="accent5"/>
-        </a:fillRef>
-        <a:effectRef idx="1">
-          <a:schemeClr val="accent5"/>
-        </a:effectRef>
-        <a:fontRef idx="minor">
-          <a:schemeClr val="lt1"/>
-        </a:fontRef>
-      </dsp:style>
-      <dsp:txBody>
-        <a:bodyPr spcFirstLastPara="0" vert="horz" wrap="square" lIns="9525" tIns="9525" rIns="9525" bIns="9525" numCol="1" spcCol="1270" anchor="ctr" anchorCtr="0">
-          <a:noAutofit/>
-        </a:bodyPr>
-        <a:lstStyle/>
-        <a:p>
-          <a:pPr lvl="0" algn="ctr" defTabSz="666750">
-            <a:lnSpc>
-              <a:spcPct val="90000"/>
-            </a:lnSpc>
-            <a:spcBef>
-              <a:spcPct val="0"/>
-            </a:spcBef>
-            <a:spcAft>
-              <a:spcPct val="35000"/>
-            </a:spcAft>
-          </a:pPr>
-          <a:r>
-            <a:rPr lang="es-CO" sz="1500" kern="1200" dirty="0" smtClean="0"/>
-            <a:t>Interoperación entre entidades</a:t>
-          </a:r>
-          <a:endParaRPr lang="es-CO" sz="1500" kern="1200" dirty="0"/>
-        </a:p>
-      </dsp:txBody>
-      <dsp:txXfrm>
-        <a:off x="3203406" y="2542034"/>
-        <a:ext cx="2219425" cy="676654"/>
-      </dsp:txXfrm>
-    </dsp:sp>
-    <dsp:sp modelId="{88C2005E-A566-4250-A8C6-4C3FCE857375}">
-      <dsp:nvSpPr>
-        <dsp:cNvPr id="0" name=""/>
-        <dsp:cNvSpPr/>
-      </dsp:nvSpPr>
-      <dsp:spPr>
-        <a:xfrm>
-          <a:off x="3203406" y="3387851"/>
-          <a:ext cx="2219425" cy="676654"/>
-        </a:xfrm>
-        <a:prstGeom prst="rect">
-          <a:avLst/>
-        </a:prstGeom>
-        <a:solidFill>
-          <a:schemeClr val="accent1">
-            <a:hueOff val="0"/>
-            <a:satOff val="0"/>
-            <a:lumOff val="0"/>
-            <a:alphaOff val="0"/>
-          </a:schemeClr>
-        </a:solidFill>
-        <a:ln w="15875" cap="rnd" cmpd="sng" algn="ctr">
-          <a:solidFill>
-            <a:schemeClr val="lt1">
-              <a:hueOff val="0"/>
-              <a:satOff val="0"/>
-              <a:lumOff val="0"/>
-              <a:alphaOff val="0"/>
-            </a:schemeClr>
-          </a:solidFill>
-          <a:prstDash val="solid"/>
-        </a:ln>
-        <a:effectLst/>
-      </dsp:spPr>
-      <dsp:style>
-        <a:lnRef idx="2">
-          <a:scrgbClr r="0" g="0" b="0"/>
-        </a:lnRef>
-        <a:fillRef idx="1">
-          <a:scrgbClr r="0" g="0" b="0"/>
-        </a:fillRef>
-        <a:effectRef idx="0">
-          <a:scrgbClr r="0" g="0" b="0"/>
-        </a:effectRef>
-        <a:fontRef idx="minor">
-          <a:schemeClr val="lt1"/>
-        </a:fontRef>
-      </dsp:style>
-      <dsp:txBody>
-        <a:bodyPr spcFirstLastPara="0" vert="horz" wrap="square" lIns="9525" tIns="9525" rIns="9525" bIns="9525" numCol="1" spcCol="1270" anchor="ctr" anchorCtr="0">
-          <a:noAutofit/>
-        </a:bodyPr>
-        <a:lstStyle/>
-        <a:p>
-          <a:pPr lvl="0" algn="ctr" defTabSz="666750">
-            <a:lnSpc>
-              <a:spcPct val="90000"/>
-            </a:lnSpc>
-            <a:spcBef>
-              <a:spcPct val="0"/>
-            </a:spcBef>
-            <a:spcAft>
-              <a:spcPct val="35000"/>
-            </a:spcAft>
-          </a:pPr>
-          <a:r>
-            <a:rPr lang="es-CO" sz="1500" kern="1200" dirty="0" smtClean="0"/>
-            <a:t>Comunicación interna y externa (ciudadano)</a:t>
-          </a:r>
-        </a:p>
-      </dsp:txBody>
-      <dsp:txXfrm>
-        <a:off x="3203406" y="3387851"/>
-        <a:ext cx="2219425" cy="676654"/>
-      </dsp:txXfrm>
-    </dsp:sp>
-    <dsp:sp modelId="{ED00B2AD-000A-4444-AD30-C556FBB709DA}">
-      <dsp:nvSpPr>
-        <dsp:cNvPr id="0" name=""/>
-        <dsp:cNvSpPr/>
-      </dsp:nvSpPr>
-      <dsp:spPr>
-        <a:xfrm>
-          <a:off x="3203406" y="4233669"/>
-          <a:ext cx="2219425" cy="676654"/>
-        </a:xfrm>
-        <a:prstGeom prst="rect">
-          <a:avLst/>
-        </a:prstGeom>
-        <a:solidFill>
-          <a:schemeClr val="accent1">
-            <a:hueOff val="0"/>
-            <a:satOff val="0"/>
-            <a:lumOff val="0"/>
-            <a:alphaOff val="0"/>
-          </a:schemeClr>
-        </a:solidFill>
-        <a:ln w="15875" cap="rnd" cmpd="sng" algn="ctr">
-          <a:solidFill>
-            <a:schemeClr val="lt1">
-              <a:hueOff val="0"/>
-              <a:satOff val="0"/>
-              <a:lumOff val="0"/>
-              <a:alphaOff val="0"/>
-            </a:schemeClr>
-          </a:solidFill>
-          <a:prstDash val="solid"/>
-        </a:ln>
-        <a:effectLst/>
-      </dsp:spPr>
-      <dsp:style>
-        <a:lnRef idx="2">
-          <a:scrgbClr r="0" g="0" b="0"/>
-        </a:lnRef>
-        <a:fillRef idx="1">
-          <a:scrgbClr r="0" g="0" b="0"/>
-        </a:fillRef>
-        <a:effectRef idx="0">
-          <a:scrgbClr r="0" g="0" b="0"/>
-        </a:effectRef>
-        <a:fontRef idx="minor">
-          <a:schemeClr val="lt1"/>
-        </a:fontRef>
-      </dsp:style>
-      <dsp:txBody>
-        <a:bodyPr spcFirstLastPara="0" vert="horz" wrap="square" lIns="9525" tIns="9525" rIns="9525" bIns="9525" numCol="1" spcCol="1270" anchor="ctr" anchorCtr="0">
-          <a:noAutofit/>
-        </a:bodyPr>
-        <a:lstStyle/>
-        <a:p>
-          <a:pPr lvl="0" algn="ctr" defTabSz="666750">
-            <a:lnSpc>
-              <a:spcPct val="90000"/>
-            </a:lnSpc>
-            <a:spcBef>
-              <a:spcPct val="0"/>
-            </a:spcBef>
-            <a:spcAft>
-              <a:spcPct val="35000"/>
-            </a:spcAft>
-          </a:pPr>
-          <a:r>
-            <a:rPr lang="es-CO" sz="1500" kern="1200" dirty="0" smtClean="0"/>
-            <a:t>Nivel de Funcionarios Públicos</a:t>
-          </a:r>
-        </a:p>
-      </dsp:txBody>
-      <dsp:txXfrm>
-        <a:off x="3203406" y="4233669"/>
-        <a:ext cx="2219425" cy="676654"/>
-      </dsp:txXfrm>
-    </dsp:sp>
-    <dsp:sp modelId="{8069BFE1-8777-49AB-A822-AFB1AFE81ED1}">
-      <dsp:nvSpPr>
-        <dsp:cNvPr id="0" name=""/>
-        <dsp:cNvSpPr/>
-      </dsp:nvSpPr>
-      <dsp:spPr>
-        <a:xfrm>
-          <a:off x="3203406" y="5079487"/>
-          <a:ext cx="2219425" cy="676654"/>
-        </a:xfrm>
-        <a:prstGeom prst="rect">
-          <a:avLst/>
-        </a:prstGeom>
-        <a:solidFill>
-          <a:schemeClr val="accent1">
-            <a:hueOff val="0"/>
-            <a:satOff val="0"/>
-            <a:lumOff val="0"/>
-            <a:alphaOff val="0"/>
-          </a:schemeClr>
-        </a:solidFill>
-        <a:ln w="15875" cap="rnd" cmpd="sng" algn="ctr">
-          <a:solidFill>
-            <a:schemeClr val="lt1">
-              <a:hueOff val="0"/>
-              <a:satOff val="0"/>
-              <a:lumOff val="0"/>
-              <a:alphaOff val="0"/>
-            </a:schemeClr>
-          </a:solidFill>
-          <a:prstDash val="solid"/>
-        </a:ln>
-        <a:effectLst/>
-      </dsp:spPr>
-      <dsp:style>
-        <a:lnRef idx="2">
-          <a:scrgbClr r="0" g="0" b="0"/>
-        </a:lnRef>
-        <a:fillRef idx="1">
-          <a:scrgbClr r="0" g="0" b="0"/>
-        </a:fillRef>
-        <a:effectRef idx="0">
-          <a:scrgbClr r="0" g="0" b="0"/>
-        </a:effectRef>
-        <a:fontRef idx="minor">
-          <a:schemeClr val="lt1"/>
-        </a:fontRef>
-      </dsp:style>
-      <dsp:txBody>
-        <a:bodyPr spcFirstLastPara="0" vert="horz" wrap="square" lIns="9525" tIns="9525" rIns="9525" bIns="9525" numCol="1" spcCol="1270" anchor="ctr" anchorCtr="0">
-          <a:noAutofit/>
-        </a:bodyPr>
-        <a:lstStyle/>
-        <a:p>
-          <a:pPr lvl="0" algn="ctr" defTabSz="666750">
-            <a:lnSpc>
-              <a:spcPct val="90000"/>
-            </a:lnSpc>
-            <a:spcBef>
-              <a:spcPct val="0"/>
-            </a:spcBef>
-            <a:spcAft>
-              <a:spcPct val="35000"/>
-            </a:spcAft>
-          </a:pPr>
-          <a:r>
-            <a:rPr lang="es-CO" sz="1500" kern="1200" dirty="0" smtClean="0"/>
-            <a:t>Indicadores de Procesos claves</a:t>
-          </a:r>
-        </a:p>
-      </dsp:txBody>
-      <dsp:txXfrm>
-        <a:off x="3203406" y="5079487"/>
-        <a:ext cx="2219425" cy="676654"/>
-      </dsp:txXfrm>
-    </dsp:sp>
-    <dsp:sp modelId="{F831DC8B-9E9E-4ADE-8D96-38FE4362186B}">
-      <dsp:nvSpPr>
-        <dsp:cNvPr id="0" name=""/>
-        <dsp:cNvSpPr/>
-      </dsp:nvSpPr>
-      <dsp:spPr>
-        <a:xfrm>
-          <a:off x="3203406" y="5925305"/>
-          <a:ext cx="2219425" cy="676654"/>
-        </a:xfrm>
-        <a:prstGeom prst="rect">
-          <a:avLst/>
-        </a:prstGeom>
-        <a:solidFill>
-          <a:schemeClr val="accent1">
-            <a:hueOff val="0"/>
-            <a:satOff val="0"/>
-            <a:lumOff val="0"/>
-            <a:alphaOff val="0"/>
-          </a:schemeClr>
-        </a:solidFill>
-        <a:ln w="15875" cap="rnd" cmpd="sng" algn="ctr">
-          <a:solidFill>
-            <a:schemeClr val="lt1">
-              <a:hueOff val="0"/>
-              <a:satOff val="0"/>
-              <a:lumOff val="0"/>
-              <a:alphaOff val="0"/>
-            </a:schemeClr>
-          </a:solidFill>
-          <a:prstDash val="solid"/>
-        </a:ln>
-        <a:effectLst/>
-      </dsp:spPr>
-      <dsp:style>
-        <a:lnRef idx="2">
-          <a:scrgbClr r="0" g="0" b="0"/>
-        </a:lnRef>
-        <a:fillRef idx="1">
-          <a:scrgbClr r="0" g="0" b="0"/>
-        </a:fillRef>
-        <a:effectRef idx="0">
-          <a:scrgbClr r="0" g="0" b="0"/>
-        </a:effectRef>
-        <a:fontRef idx="minor">
-          <a:schemeClr val="lt1"/>
-        </a:fontRef>
-      </dsp:style>
-      <dsp:txBody>
-        <a:bodyPr spcFirstLastPara="0" vert="horz" wrap="square" lIns="9525" tIns="9525" rIns="9525" bIns="9525" numCol="1" spcCol="1270" anchor="ctr" anchorCtr="0">
-          <a:noAutofit/>
-        </a:bodyPr>
-        <a:lstStyle/>
-        <a:p>
-          <a:pPr lvl="0" algn="ctr" defTabSz="666750">
-            <a:lnSpc>
-              <a:spcPct val="90000"/>
-            </a:lnSpc>
-            <a:spcBef>
-              <a:spcPct val="0"/>
-            </a:spcBef>
-            <a:spcAft>
-              <a:spcPct val="35000"/>
-            </a:spcAft>
-          </a:pPr>
-          <a:r>
-            <a:rPr lang="es-CO" sz="1500" kern="1200" dirty="0" smtClean="0"/>
-            <a:t>Seguimiento</a:t>
-          </a:r>
-          <a:br>
-            <a:rPr lang="es-CO" sz="1500" kern="1200" dirty="0" smtClean="0"/>
-          </a:br>
-          <a:r>
-            <a:rPr lang="es-CO" sz="1500" kern="1200" dirty="0" smtClean="0"/>
-            <a:t>(Datos)</a:t>
-          </a:r>
-        </a:p>
-      </dsp:txBody>
-      <dsp:txXfrm>
-        <a:off x="3203406" y="5925305"/>
-        <a:ext cx="2219425" cy="676654"/>
-      </dsp:txXfrm>
-    </dsp:sp>
   </dsp:spTree>
 </dsp:drawing>
 </file>
@@ -17195,1138 +16136,6 @@
       <dsp:cNvGrpSpPr/>
     </dsp:nvGrpSpPr>
     <dsp:grpSpPr/>
-    <dsp:sp modelId="{D92DDBA8-F4FE-4937-89A1-7E9D55A6F4ED}">
-      <dsp:nvSpPr>
-        <dsp:cNvPr id="0" name=""/>
-        <dsp:cNvSpPr/>
-      </dsp:nvSpPr>
-      <dsp:spPr>
-        <a:xfrm>
-          <a:off x="4019" y="2466299"/>
-          <a:ext cx="2136832" cy="1068416"/>
-        </a:xfrm>
-        <a:prstGeom prst="roundRect">
-          <a:avLst>
-            <a:gd name="adj" fmla="val 10000"/>
-          </a:avLst>
-        </a:prstGeom>
-        <a:gradFill rotWithShape="0">
-          <a:gsLst>
-            <a:gs pos="0">
-              <a:schemeClr val="accent1">
-                <a:hueOff val="0"/>
-                <a:satOff val="0"/>
-                <a:lumOff val="0"/>
-                <a:alphaOff val="0"/>
-                <a:tint val="80000"/>
-                <a:lumMod val="105000"/>
-              </a:schemeClr>
-            </a:gs>
-            <a:gs pos="100000">
-              <a:schemeClr val="accent1">
-                <a:hueOff val="0"/>
-                <a:satOff val="0"/>
-                <a:lumOff val="0"/>
-                <a:alphaOff val="0"/>
-                <a:tint val="90000"/>
-              </a:schemeClr>
-            </a:gs>
-          </a:gsLst>
-          <a:lin ang="5400000" scaled="0"/>
-        </a:gradFill>
-        <a:ln>
-          <a:noFill/>
-        </a:ln>
-        <a:effectLst/>
-        <a:scene3d>
-          <a:camera prst="orthographicFront"/>
-          <a:lightRig rig="flat" dir="t"/>
-        </a:scene3d>
-        <a:sp3d prstMaterial="dkEdge">
-          <a:bevelT w="8200" h="38100"/>
-        </a:sp3d>
-      </dsp:spPr>
-      <dsp:style>
-        <a:lnRef idx="0">
-          <a:scrgbClr r="0" g="0" b="0"/>
-        </a:lnRef>
-        <a:fillRef idx="2">
-          <a:scrgbClr r="0" g="0" b="0"/>
-        </a:fillRef>
-        <a:effectRef idx="1">
-          <a:scrgbClr r="0" g="0" b="0"/>
-        </a:effectRef>
-        <a:fontRef idx="minor">
-          <a:schemeClr val="dk1"/>
-        </a:fontRef>
-      </dsp:style>
-      <dsp:txBody>
-        <a:bodyPr spcFirstLastPara="0" vert="horz" wrap="square" lIns="10795" tIns="10795" rIns="10795" bIns="10795" numCol="1" spcCol="1270" anchor="ctr" anchorCtr="0">
-          <a:noAutofit/>
-        </a:bodyPr>
-        <a:lstStyle/>
-        <a:p>
-          <a:pPr lvl="0" algn="ctr" defTabSz="755650">
-            <a:lnSpc>
-              <a:spcPct val="90000"/>
-            </a:lnSpc>
-            <a:spcBef>
-              <a:spcPct val="0"/>
-            </a:spcBef>
-            <a:spcAft>
-              <a:spcPct val="35000"/>
-            </a:spcAft>
-          </a:pPr>
-          <a:r>
-            <a:rPr lang="es-CO" sz="1700" kern="1200" dirty="0" smtClean="0"/>
-            <a:t>Tecnología</a:t>
-          </a:r>
-          <a:endParaRPr lang="es-CO" sz="1700" kern="1200" dirty="0"/>
-        </a:p>
-      </dsp:txBody>
-      <dsp:txXfrm>
-        <a:off x="35312" y="2497592"/>
-        <a:ext cx="2074246" cy="1005830"/>
-      </dsp:txXfrm>
-    </dsp:sp>
-    <dsp:sp modelId="{CE08125B-C286-46FE-BBE8-6B846F681671}">
-      <dsp:nvSpPr>
-        <dsp:cNvPr id="0" name=""/>
-        <dsp:cNvSpPr/>
-      </dsp:nvSpPr>
-      <dsp:spPr>
-        <a:xfrm rot="18289469">
-          <a:off x="1819849" y="2366019"/>
-          <a:ext cx="1496736" cy="40297"/>
-        </a:xfrm>
-        <a:custGeom>
-          <a:avLst/>
-          <a:gdLst/>
-          <a:ahLst/>
-          <a:cxnLst/>
-          <a:rect l="0" t="0" r="0" b="0"/>
-          <a:pathLst>
-            <a:path>
-              <a:moveTo>
-                <a:pt x="0" y="20148"/>
-              </a:moveTo>
-              <a:lnTo>
-                <a:pt x="1496736" y="20148"/>
-              </a:lnTo>
-            </a:path>
-          </a:pathLst>
-        </a:custGeom>
-        <a:noFill/>
-        <a:ln w="15875" cap="rnd" cmpd="sng" algn="ctr">
-          <a:solidFill>
-            <a:schemeClr val="accent1">
-              <a:shade val="60000"/>
-              <a:hueOff val="0"/>
-              <a:satOff val="0"/>
-              <a:lumOff val="0"/>
-              <a:alphaOff val="0"/>
-            </a:schemeClr>
-          </a:solidFill>
-          <a:prstDash val="solid"/>
-        </a:ln>
-        <a:effectLst/>
-      </dsp:spPr>
-      <dsp:style>
-        <a:lnRef idx="2">
-          <a:scrgbClr r="0" g="0" b="0"/>
-        </a:lnRef>
-        <a:fillRef idx="0">
-          <a:scrgbClr r="0" g="0" b="0"/>
-        </a:fillRef>
-        <a:effectRef idx="0">
-          <a:scrgbClr r="0" g="0" b="0"/>
-        </a:effectRef>
-        <a:fontRef idx="minor"/>
-      </dsp:style>
-      <dsp:txBody>
-        <a:bodyPr spcFirstLastPara="0" vert="horz" wrap="square" lIns="12700" tIns="0" rIns="12700" bIns="0" numCol="1" spcCol="1270" anchor="ctr" anchorCtr="0">
-          <a:noAutofit/>
-        </a:bodyPr>
-        <a:lstStyle/>
-        <a:p>
-          <a:pPr lvl="0" algn="ctr" defTabSz="222250">
-            <a:lnSpc>
-              <a:spcPct val="90000"/>
-            </a:lnSpc>
-            <a:spcBef>
-              <a:spcPct val="0"/>
-            </a:spcBef>
-            <a:spcAft>
-              <a:spcPct val="35000"/>
-            </a:spcAft>
-          </a:pPr>
-          <a:endParaRPr lang="es-CO" sz="500" kern="1200"/>
-        </a:p>
-      </dsp:txBody>
-      <dsp:txXfrm>
-        <a:off x="2530799" y="2348749"/>
-        <a:ext cx="74836" cy="74836"/>
-      </dsp:txXfrm>
-    </dsp:sp>
-    <dsp:sp modelId="{066DB53C-5FCE-4F56-8F4C-A3292C306081}">
-      <dsp:nvSpPr>
-        <dsp:cNvPr id="0" name=""/>
-        <dsp:cNvSpPr/>
-      </dsp:nvSpPr>
-      <dsp:spPr>
-        <a:xfrm>
-          <a:off x="2995583" y="1237620"/>
-          <a:ext cx="2136832" cy="1068416"/>
-        </a:xfrm>
-        <a:prstGeom prst="roundRect">
-          <a:avLst>
-            <a:gd name="adj" fmla="val 10000"/>
-          </a:avLst>
-        </a:prstGeom>
-        <a:gradFill rotWithShape="0">
-          <a:gsLst>
-            <a:gs pos="0">
-              <a:schemeClr val="accent1">
-                <a:hueOff val="0"/>
-                <a:satOff val="0"/>
-                <a:lumOff val="0"/>
-                <a:alphaOff val="0"/>
-                <a:tint val="80000"/>
-                <a:lumMod val="105000"/>
-              </a:schemeClr>
-            </a:gs>
-            <a:gs pos="100000">
-              <a:schemeClr val="accent1">
-                <a:hueOff val="0"/>
-                <a:satOff val="0"/>
-                <a:lumOff val="0"/>
-                <a:alphaOff val="0"/>
-                <a:tint val="90000"/>
-              </a:schemeClr>
-            </a:gs>
-          </a:gsLst>
-          <a:lin ang="5400000" scaled="0"/>
-        </a:gradFill>
-        <a:ln>
-          <a:noFill/>
-        </a:ln>
-        <a:effectLst/>
-        <a:scene3d>
-          <a:camera prst="orthographicFront"/>
-          <a:lightRig rig="flat" dir="t"/>
-        </a:scene3d>
-        <a:sp3d prstMaterial="dkEdge">
-          <a:bevelT w="8200" h="38100"/>
-        </a:sp3d>
-      </dsp:spPr>
-      <dsp:style>
-        <a:lnRef idx="0">
-          <a:scrgbClr r="0" g="0" b="0"/>
-        </a:lnRef>
-        <a:fillRef idx="2">
-          <a:scrgbClr r="0" g="0" b="0"/>
-        </a:fillRef>
-        <a:effectRef idx="1">
-          <a:scrgbClr r="0" g="0" b="0"/>
-        </a:effectRef>
-        <a:fontRef idx="minor">
-          <a:schemeClr val="dk1"/>
-        </a:fontRef>
-      </dsp:style>
-      <dsp:txBody>
-        <a:bodyPr spcFirstLastPara="0" vert="horz" wrap="square" lIns="10795" tIns="10795" rIns="10795" bIns="10795" numCol="1" spcCol="1270" anchor="ctr" anchorCtr="0">
-          <a:noAutofit/>
-        </a:bodyPr>
-        <a:lstStyle/>
-        <a:p>
-          <a:pPr lvl="0" algn="ctr" defTabSz="755650">
-            <a:lnSpc>
-              <a:spcPct val="90000"/>
-            </a:lnSpc>
-            <a:spcBef>
-              <a:spcPct val="0"/>
-            </a:spcBef>
-            <a:spcAft>
-              <a:spcPct val="35000"/>
-            </a:spcAft>
-          </a:pPr>
-          <a:r>
-            <a:rPr lang="es-CO" sz="1700" b="0" i="0" kern="1200" dirty="0" smtClean="0"/>
-            <a:t>Gestión General y Cumplimiento</a:t>
-          </a:r>
-          <a:endParaRPr lang="es-CO" sz="1700" kern="1200" dirty="0"/>
-        </a:p>
-      </dsp:txBody>
-      <dsp:txXfrm>
-        <a:off x="3026876" y="1268913"/>
-        <a:ext cx="2074246" cy="1005830"/>
-      </dsp:txXfrm>
-    </dsp:sp>
-    <dsp:sp modelId="{13757ABE-23C5-4629-B686-1A01712DB1ED}">
-      <dsp:nvSpPr>
-        <dsp:cNvPr id="0" name=""/>
-        <dsp:cNvSpPr/>
-      </dsp:nvSpPr>
-      <dsp:spPr>
-        <a:xfrm rot="18289469">
-          <a:off x="4811414" y="1137340"/>
-          <a:ext cx="1496736" cy="40297"/>
-        </a:xfrm>
-        <a:custGeom>
-          <a:avLst/>
-          <a:gdLst/>
-          <a:ahLst/>
-          <a:cxnLst/>
-          <a:rect l="0" t="0" r="0" b="0"/>
-          <a:pathLst>
-            <a:path>
-              <a:moveTo>
-                <a:pt x="0" y="20148"/>
-              </a:moveTo>
-              <a:lnTo>
-                <a:pt x="1496736" y="20148"/>
-              </a:lnTo>
-            </a:path>
-          </a:pathLst>
-        </a:custGeom>
-        <a:noFill/>
-        <a:ln w="15875" cap="rnd" cmpd="sng" algn="ctr">
-          <a:solidFill>
-            <a:schemeClr val="accent1">
-              <a:shade val="80000"/>
-              <a:hueOff val="0"/>
-              <a:satOff val="0"/>
-              <a:lumOff val="0"/>
-              <a:alphaOff val="0"/>
-            </a:schemeClr>
-          </a:solidFill>
-          <a:prstDash val="solid"/>
-        </a:ln>
-        <a:effectLst/>
-      </dsp:spPr>
-      <dsp:style>
-        <a:lnRef idx="2">
-          <a:scrgbClr r="0" g="0" b="0"/>
-        </a:lnRef>
-        <a:fillRef idx="0">
-          <a:scrgbClr r="0" g="0" b="0"/>
-        </a:fillRef>
-        <a:effectRef idx="0">
-          <a:scrgbClr r="0" g="0" b="0"/>
-        </a:effectRef>
-        <a:fontRef idx="minor"/>
-      </dsp:style>
-      <dsp:txBody>
-        <a:bodyPr spcFirstLastPara="0" vert="horz" wrap="square" lIns="12700" tIns="0" rIns="12700" bIns="0" numCol="1" spcCol="1270" anchor="ctr" anchorCtr="0">
-          <a:noAutofit/>
-        </a:bodyPr>
-        <a:lstStyle/>
-        <a:p>
-          <a:pPr lvl="0" algn="ctr" defTabSz="222250">
-            <a:lnSpc>
-              <a:spcPct val="90000"/>
-            </a:lnSpc>
-            <a:spcBef>
-              <a:spcPct val="0"/>
-            </a:spcBef>
-            <a:spcAft>
-              <a:spcPct val="35000"/>
-            </a:spcAft>
-          </a:pPr>
-          <a:endParaRPr lang="es-CO" sz="500" kern="1200"/>
-        </a:p>
-      </dsp:txBody>
-      <dsp:txXfrm>
-        <a:off x="5522364" y="1120071"/>
-        <a:ext cx="74836" cy="74836"/>
-      </dsp:txXfrm>
-    </dsp:sp>
-    <dsp:sp modelId="{D4BD73A5-53EA-4D7E-83A7-989C2DF34EA0}">
-      <dsp:nvSpPr>
-        <dsp:cNvPr id="0" name=""/>
-        <dsp:cNvSpPr/>
-      </dsp:nvSpPr>
-      <dsp:spPr>
-        <a:xfrm>
-          <a:off x="5987148" y="8942"/>
-          <a:ext cx="2136832" cy="1068416"/>
-        </a:xfrm>
-        <a:prstGeom prst="roundRect">
-          <a:avLst>
-            <a:gd name="adj" fmla="val 10000"/>
-          </a:avLst>
-        </a:prstGeom>
-        <a:gradFill rotWithShape="0">
-          <a:gsLst>
-            <a:gs pos="0">
-              <a:schemeClr val="accent1">
-                <a:hueOff val="0"/>
-                <a:satOff val="0"/>
-                <a:lumOff val="0"/>
-                <a:alphaOff val="0"/>
-                <a:tint val="80000"/>
-                <a:lumMod val="105000"/>
-              </a:schemeClr>
-            </a:gs>
-            <a:gs pos="100000">
-              <a:schemeClr val="accent1">
-                <a:hueOff val="0"/>
-                <a:satOff val="0"/>
-                <a:lumOff val="0"/>
-                <a:alphaOff val="0"/>
-                <a:tint val="90000"/>
-              </a:schemeClr>
-            </a:gs>
-          </a:gsLst>
-          <a:lin ang="5400000" scaled="0"/>
-        </a:gradFill>
-        <a:ln>
-          <a:noFill/>
-        </a:ln>
-        <a:effectLst/>
-        <a:scene3d>
-          <a:camera prst="orthographicFront"/>
-          <a:lightRig rig="flat" dir="t"/>
-        </a:scene3d>
-        <a:sp3d prstMaterial="dkEdge">
-          <a:bevelT w="8200" h="38100"/>
-        </a:sp3d>
-      </dsp:spPr>
-      <dsp:style>
-        <a:lnRef idx="0">
-          <a:scrgbClr r="0" g="0" b="0"/>
-        </a:lnRef>
-        <a:fillRef idx="2">
-          <a:scrgbClr r="0" g="0" b="0"/>
-        </a:fillRef>
-        <a:effectRef idx="1">
-          <a:scrgbClr r="0" g="0" b="0"/>
-        </a:effectRef>
-        <a:fontRef idx="minor">
-          <a:schemeClr val="dk1"/>
-        </a:fontRef>
-      </dsp:style>
-      <dsp:txBody>
-        <a:bodyPr spcFirstLastPara="0" vert="horz" wrap="square" lIns="10795" tIns="10795" rIns="10795" bIns="10795" numCol="1" spcCol="1270" anchor="ctr" anchorCtr="0">
-          <a:noAutofit/>
-        </a:bodyPr>
-        <a:lstStyle/>
-        <a:p>
-          <a:pPr lvl="0" algn="ctr" defTabSz="755650">
-            <a:lnSpc>
-              <a:spcPct val="90000"/>
-            </a:lnSpc>
-            <a:spcBef>
-              <a:spcPct val="0"/>
-            </a:spcBef>
-            <a:spcAft>
-              <a:spcPct val="35000"/>
-            </a:spcAft>
-          </a:pPr>
-          <a:r>
-            <a:rPr lang="es-CO" sz="1700" b="0" i="0" kern="1200" dirty="0" smtClean="0"/>
-            <a:t>Aseguramiento financiero, recaudo y uso de recursos</a:t>
-          </a:r>
-          <a:endParaRPr lang="es-CO" sz="1700" kern="1200" dirty="0"/>
-        </a:p>
-      </dsp:txBody>
-      <dsp:txXfrm>
-        <a:off x="6018441" y="40235"/>
-        <a:ext cx="2074246" cy="1005830"/>
-      </dsp:txXfrm>
-    </dsp:sp>
-    <dsp:sp modelId="{362D6820-5FDB-4A5C-8E11-4A065B1C4891}">
-      <dsp:nvSpPr>
-        <dsp:cNvPr id="0" name=""/>
-        <dsp:cNvSpPr/>
-      </dsp:nvSpPr>
-      <dsp:spPr>
-        <a:xfrm>
-          <a:off x="5132416" y="1751679"/>
-          <a:ext cx="854732" cy="40297"/>
-        </a:xfrm>
-        <a:custGeom>
-          <a:avLst/>
-          <a:gdLst/>
-          <a:ahLst/>
-          <a:cxnLst/>
-          <a:rect l="0" t="0" r="0" b="0"/>
-          <a:pathLst>
-            <a:path>
-              <a:moveTo>
-                <a:pt x="0" y="20148"/>
-              </a:moveTo>
-              <a:lnTo>
-                <a:pt x="854732" y="20148"/>
-              </a:lnTo>
-            </a:path>
-          </a:pathLst>
-        </a:custGeom>
-        <a:noFill/>
-        <a:ln w="15875" cap="rnd" cmpd="sng" algn="ctr">
-          <a:solidFill>
-            <a:schemeClr val="accent1">
-              <a:shade val="80000"/>
-              <a:hueOff val="0"/>
-              <a:satOff val="0"/>
-              <a:lumOff val="0"/>
-              <a:alphaOff val="0"/>
-            </a:schemeClr>
-          </a:solidFill>
-          <a:prstDash val="solid"/>
-        </a:ln>
-        <a:effectLst/>
-      </dsp:spPr>
-      <dsp:style>
-        <a:lnRef idx="2">
-          <a:scrgbClr r="0" g="0" b="0"/>
-        </a:lnRef>
-        <a:fillRef idx="0">
-          <a:scrgbClr r="0" g="0" b="0"/>
-        </a:fillRef>
-        <a:effectRef idx="0">
-          <a:scrgbClr r="0" g="0" b="0"/>
-        </a:effectRef>
-        <a:fontRef idx="minor"/>
-      </dsp:style>
-      <dsp:txBody>
-        <a:bodyPr spcFirstLastPara="0" vert="horz" wrap="square" lIns="12700" tIns="0" rIns="12700" bIns="0" numCol="1" spcCol="1270" anchor="ctr" anchorCtr="0">
-          <a:noAutofit/>
-        </a:bodyPr>
-        <a:lstStyle/>
-        <a:p>
-          <a:pPr lvl="0" algn="ctr" defTabSz="222250">
-            <a:lnSpc>
-              <a:spcPct val="90000"/>
-            </a:lnSpc>
-            <a:spcBef>
-              <a:spcPct val="0"/>
-            </a:spcBef>
-            <a:spcAft>
-              <a:spcPct val="35000"/>
-            </a:spcAft>
-          </a:pPr>
-          <a:endParaRPr lang="es-CO" sz="500" kern="1200"/>
-        </a:p>
-      </dsp:txBody>
-      <dsp:txXfrm>
-        <a:off x="5538414" y="1750460"/>
-        <a:ext cx="42736" cy="42736"/>
-      </dsp:txXfrm>
-    </dsp:sp>
-    <dsp:sp modelId="{C07645B7-8BFA-40A2-BCDD-D4AFABBCF4C3}">
-      <dsp:nvSpPr>
-        <dsp:cNvPr id="0" name=""/>
-        <dsp:cNvSpPr/>
-      </dsp:nvSpPr>
-      <dsp:spPr>
-        <a:xfrm>
-          <a:off x="5987148" y="1237620"/>
-          <a:ext cx="2136832" cy="1068416"/>
-        </a:xfrm>
-        <a:prstGeom prst="roundRect">
-          <a:avLst>
-            <a:gd name="adj" fmla="val 10000"/>
-          </a:avLst>
-        </a:prstGeom>
-        <a:gradFill rotWithShape="0">
-          <a:gsLst>
-            <a:gs pos="0">
-              <a:schemeClr val="accent1">
-                <a:hueOff val="0"/>
-                <a:satOff val="0"/>
-                <a:lumOff val="0"/>
-                <a:alphaOff val="0"/>
-                <a:tint val="80000"/>
-                <a:lumMod val="105000"/>
-              </a:schemeClr>
-            </a:gs>
-            <a:gs pos="100000">
-              <a:schemeClr val="accent1">
-                <a:hueOff val="0"/>
-                <a:satOff val="0"/>
-                <a:lumOff val="0"/>
-                <a:alphaOff val="0"/>
-                <a:tint val="90000"/>
-              </a:schemeClr>
-            </a:gs>
-          </a:gsLst>
-          <a:lin ang="5400000" scaled="0"/>
-        </a:gradFill>
-        <a:ln>
-          <a:noFill/>
-        </a:ln>
-        <a:effectLst/>
-        <a:scene3d>
-          <a:camera prst="orthographicFront"/>
-          <a:lightRig rig="flat" dir="t"/>
-        </a:scene3d>
-        <a:sp3d prstMaterial="dkEdge">
-          <a:bevelT w="8200" h="38100"/>
-        </a:sp3d>
-      </dsp:spPr>
-      <dsp:style>
-        <a:lnRef idx="0">
-          <a:scrgbClr r="0" g="0" b="0"/>
-        </a:lnRef>
-        <a:fillRef idx="2">
-          <a:scrgbClr r="0" g="0" b="0"/>
-        </a:fillRef>
-        <a:effectRef idx="1">
-          <a:scrgbClr r="0" g="0" b="0"/>
-        </a:effectRef>
-        <a:fontRef idx="minor">
-          <a:schemeClr val="dk1"/>
-        </a:fontRef>
-      </dsp:style>
-      <dsp:txBody>
-        <a:bodyPr spcFirstLastPara="0" vert="horz" wrap="square" lIns="10795" tIns="10795" rIns="10795" bIns="10795" numCol="1" spcCol="1270" anchor="ctr" anchorCtr="0">
-          <a:noAutofit/>
-        </a:bodyPr>
-        <a:lstStyle/>
-        <a:p>
-          <a:pPr lvl="0" algn="ctr" defTabSz="755650">
-            <a:lnSpc>
-              <a:spcPct val="90000"/>
-            </a:lnSpc>
-            <a:spcBef>
-              <a:spcPct val="0"/>
-            </a:spcBef>
-            <a:spcAft>
-              <a:spcPct val="35000"/>
-            </a:spcAft>
-          </a:pPr>
-          <a:r>
-            <a:rPr lang="es-CO" sz="1700" b="0" i="0" kern="1200" dirty="0" smtClean="0"/>
-            <a:t>Gestión Ecosistema Digital</a:t>
-          </a:r>
-          <a:endParaRPr lang="es-CO" sz="1700" kern="1200" dirty="0"/>
-        </a:p>
-      </dsp:txBody>
-      <dsp:txXfrm>
-        <a:off x="6018441" y="1268913"/>
-        <a:ext cx="2074246" cy="1005830"/>
-      </dsp:txXfrm>
-    </dsp:sp>
-    <dsp:sp modelId="{404375F3-75C6-44C6-9317-4612DB4D9E5F}">
-      <dsp:nvSpPr>
-        <dsp:cNvPr id="0" name=""/>
-        <dsp:cNvSpPr/>
-      </dsp:nvSpPr>
-      <dsp:spPr>
-        <a:xfrm rot="3310531">
-          <a:off x="4811414" y="2366019"/>
-          <a:ext cx="1496736" cy="40297"/>
-        </a:xfrm>
-        <a:custGeom>
-          <a:avLst/>
-          <a:gdLst/>
-          <a:ahLst/>
-          <a:cxnLst/>
-          <a:rect l="0" t="0" r="0" b="0"/>
-          <a:pathLst>
-            <a:path>
-              <a:moveTo>
-                <a:pt x="0" y="20148"/>
-              </a:moveTo>
-              <a:lnTo>
-                <a:pt x="1496736" y="20148"/>
-              </a:lnTo>
-            </a:path>
-          </a:pathLst>
-        </a:custGeom>
-        <a:noFill/>
-        <a:ln w="15875" cap="rnd" cmpd="sng" algn="ctr">
-          <a:solidFill>
-            <a:schemeClr val="accent1">
-              <a:shade val="80000"/>
-              <a:hueOff val="0"/>
-              <a:satOff val="0"/>
-              <a:lumOff val="0"/>
-              <a:alphaOff val="0"/>
-            </a:schemeClr>
-          </a:solidFill>
-          <a:prstDash val="solid"/>
-        </a:ln>
-        <a:effectLst/>
-      </dsp:spPr>
-      <dsp:style>
-        <a:lnRef idx="2">
-          <a:scrgbClr r="0" g="0" b="0"/>
-        </a:lnRef>
-        <a:fillRef idx="0">
-          <a:scrgbClr r="0" g="0" b="0"/>
-        </a:fillRef>
-        <a:effectRef idx="0">
-          <a:scrgbClr r="0" g="0" b="0"/>
-        </a:effectRef>
-        <a:fontRef idx="minor"/>
-      </dsp:style>
-      <dsp:txBody>
-        <a:bodyPr spcFirstLastPara="0" vert="horz" wrap="square" lIns="12700" tIns="0" rIns="12700" bIns="0" numCol="1" spcCol="1270" anchor="ctr" anchorCtr="0">
-          <a:noAutofit/>
-        </a:bodyPr>
-        <a:lstStyle/>
-        <a:p>
-          <a:pPr lvl="0" algn="ctr" defTabSz="222250">
-            <a:lnSpc>
-              <a:spcPct val="90000"/>
-            </a:lnSpc>
-            <a:spcBef>
-              <a:spcPct val="0"/>
-            </a:spcBef>
-            <a:spcAft>
-              <a:spcPct val="35000"/>
-            </a:spcAft>
-          </a:pPr>
-          <a:endParaRPr lang="es-CO" sz="500" kern="1200"/>
-        </a:p>
-      </dsp:txBody>
-      <dsp:txXfrm>
-        <a:off x="5522364" y="2348749"/>
-        <a:ext cx="74836" cy="74836"/>
-      </dsp:txXfrm>
-    </dsp:sp>
-    <dsp:sp modelId="{D229D9A4-C628-4AFC-BF0A-9ABDA4242111}">
-      <dsp:nvSpPr>
-        <dsp:cNvPr id="0" name=""/>
-        <dsp:cNvSpPr/>
-      </dsp:nvSpPr>
-      <dsp:spPr>
-        <a:xfrm>
-          <a:off x="5987148" y="2466299"/>
-          <a:ext cx="2136832" cy="1068416"/>
-        </a:xfrm>
-        <a:prstGeom prst="roundRect">
-          <a:avLst>
-            <a:gd name="adj" fmla="val 10000"/>
-          </a:avLst>
-        </a:prstGeom>
-        <a:gradFill rotWithShape="0">
-          <a:gsLst>
-            <a:gs pos="0">
-              <a:schemeClr val="accent1">
-                <a:hueOff val="0"/>
-                <a:satOff val="0"/>
-                <a:lumOff val="0"/>
-                <a:alphaOff val="0"/>
-                <a:tint val="80000"/>
-                <a:lumMod val="105000"/>
-              </a:schemeClr>
-            </a:gs>
-            <a:gs pos="100000">
-              <a:schemeClr val="accent1">
-                <a:hueOff val="0"/>
-                <a:satOff val="0"/>
-                <a:lumOff val="0"/>
-                <a:alphaOff val="0"/>
-                <a:tint val="90000"/>
-              </a:schemeClr>
-            </a:gs>
-          </a:gsLst>
-          <a:lin ang="5400000" scaled="0"/>
-        </a:gradFill>
-        <a:ln>
-          <a:noFill/>
-        </a:ln>
-        <a:effectLst/>
-        <a:scene3d>
-          <a:camera prst="orthographicFront"/>
-          <a:lightRig rig="flat" dir="t"/>
-        </a:scene3d>
-        <a:sp3d prstMaterial="dkEdge">
-          <a:bevelT w="8200" h="38100"/>
-        </a:sp3d>
-      </dsp:spPr>
-      <dsp:style>
-        <a:lnRef idx="0">
-          <a:scrgbClr r="0" g="0" b="0"/>
-        </a:lnRef>
-        <a:fillRef idx="2">
-          <a:scrgbClr r="0" g="0" b="0"/>
-        </a:fillRef>
-        <a:effectRef idx="1">
-          <a:scrgbClr r="0" g="0" b="0"/>
-        </a:effectRef>
-        <a:fontRef idx="minor">
-          <a:schemeClr val="dk1"/>
-        </a:fontRef>
-      </dsp:style>
-      <dsp:txBody>
-        <a:bodyPr spcFirstLastPara="0" vert="horz" wrap="square" lIns="10795" tIns="10795" rIns="10795" bIns="10795" numCol="1" spcCol="1270" anchor="ctr" anchorCtr="0">
-          <a:noAutofit/>
-        </a:bodyPr>
-        <a:lstStyle/>
-        <a:p>
-          <a:pPr lvl="0" algn="ctr" defTabSz="755650">
-            <a:lnSpc>
-              <a:spcPct val="90000"/>
-            </a:lnSpc>
-            <a:spcBef>
-              <a:spcPct val="0"/>
-            </a:spcBef>
-            <a:spcAft>
-              <a:spcPct val="35000"/>
-            </a:spcAft>
-          </a:pPr>
-          <a:r>
-            <a:rPr lang="es-CO" sz="1700" b="0" i="0" kern="1200" dirty="0" smtClean="0"/>
-            <a:t>Indicadores de Cumplimiento y Estándares TIC</a:t>
-          </a:r>
-          <a:endParaRPr lang="es-CO" sz="1700" kern="1200" dirty="0"/>
-        </a:p>
-      </dsp:txBody>
-      <dsp:txXfrm>
-        <a:off x="6018441" y="2497592"/>
-        <a:ext cx="2074246" cy="1005830"/>
-      </dsp:txXfrm>
-    </dsp:sp>
-    <dsp:sp modelId="{FF8146E6-2FFC-4BF4-AF8F-8565293F6C1F}">
-      <dsp:nvSpPr>
-        <dsp:cNvPr id="0" name=""/>
-        <dsp:cNvSpPr/>
-      </dsp:nvSpPr>
-      <dsp:spPr>
-        <a:xfrm>
-          <a:off x="2140851" y="2980358"/>
-          <a:ext cx="854732" cy="40297"/>
-        </a:xfrm>
-        <a:custGeom>
-          <a:avLst/>
-          <a:gdLst/>
-          <a:ahLst/>
-          <a:cxnLst/>
-          <a:rect l="0" t="0" r="0" b="0"/>
-          <a:pathLst>
-            <a:path>
-              <a:moveTo>
-                <a:pt x="0" y="20148"/>
-              </a:moveTo>
-              <a:lnTo>
-                <a:pt x="854732" y="20148"/>
-              </a:lnTo>
-            </a:path>
-          </a:pathLst>
-        </a:custGeom>
-        <a:noFill/>
-        <a:ln w="15875" cap="rnd" cmpd="sng" algn="ctr">
-          <a:solidFill>
-            <a:schemeClr val="accent1">
-              <a:shade val="60000"/>
-              <a:hueOff val="0"/>
-              <a:satOff val="0"/>
-              <a:lumOff val="0"/>
-              <a:alphaOff val="0"/>
-            </a:schemeClr>
-          </a:solidFill>
-          <a:prstDash val="solid"/>
-        </a:ln>
-        <a:effectLst/>
-      </dsp:spPr>
-      <dsp:style>
-        <a:lnRef idx="2">
-          <a:scrgbClr r="0" g="0" b="0"/>
-        </a:lnRef>
-        <a:fillRef idx="0">
-          <a:scrgbClr r="0" g="0" b="0"/>
-        </a:fillRef>
-        <a:effectRef idx="0">
-          <a:scrgbClr r="0" g="0" b="0"/>
-        </a:effectRef>
-        <a:fontRef idx="minor"/>
-      </dsp:style>
-      <dsp:txBody>
-        <a:bodyPr spcFirstLastPara="0" vert="horz" wrap="square" lIns="12700" tIns="0" rIns="12700" bIns="0" numCol="1" spcCol="1270" anchor="ctr" anchorCtr="0">
-          <a:noAutofit/>
-        </a:bodyPr>
-        <a:lstStyle/>
-        <a:p>
-          <a:pPr lvl="0" algn="ctr" defTabSz="222250">
-            <a:lnSpc>
-              <a:spcPct val="90000"/>
-            </a:lnSpc>
-            <a:spcBef>
-              <a:spcPct val="0"/>
-            </a:spcBef>
-            <a:spcAft>
-              <a:spcPct val="35000"/>
-            </a:spcAft>
-          </a:pPr>
-          <a:endParaRPr lang="es-CO" sz="500" kern="1200"/>
-        </a:p>
-      </dsp:txBody>
-      <dsp:txXfrm>
-        <a:off x="2546849" y="2979138"/>
-        <a:ext cx="42736" cy="42736"/>
-      </dsp:txXfrm>
-    </dsp:sp>
-    <dsp:sp modelId="{1D290996-8D66-4EFC-AB7D-66B3B639557E}">
-      <dsp:nvSpPr>
-        <dsp:cNvPr id="0" name=""/>
-        <dsp:cNvSpPr/>
-      </dsp:nvSpPr>
-      <dsp:spPr>
-        <a:xfrm>
-          <a:off x="2995583" y="2466299"/>
-          <a:ext cx="2136832" cy="1068416"/>
-        </a:xfrm>
-        <a:prstGeom prst="roundRect">
-          <a:avLst>
-            <a:gd name="adj" fmla="val 10000"/>
-          </a:avLst>
-        </a:prstGeom>
-        <a:gradFill rotWithShape="0">
-          <a:gsLst>
-            <a:gs pos="0">
-              <a:schemeClr val="accent1">
-                <a:hueOff val="0"/>
-                <a:satOff val="0"/>
-                <a:lumOff val="0"/>
-                <a:alphaOff val="0"/>
-                <a:tint val="80000"/>
-                <a:lumMod val="105000"/>
-              </a:schemeClr>
-            </a:gs>
-            <a:gs pos="100000">
-              <a:schemeClr val="accent1">
-                <a:hueOff val="0"/>
-                <a:satOff val="0"/>
-                <a:lumOff val="0"/>
-                <a:alphaOff val="0"/>
-                <a:tint val="90000"/>
-              </a:schemeClr>
-            </a:gs>
-          </a:gsLst>
-          <a:lin ang="5400000" scaled="0"/>
-        </a:gradFill>
-        <a:ln>
-          <a:noFill/>
-        </a:ln>
-        <a:effectLst/>
-        <a:scene3d>
-          <a:camera prst="orthographicFront"/>
-          <a:lightRig rig="flat" dir="t"/>
-        </a:scene3d>
-        <a:sp3d prstMaterial="dkEdge">
-          <a:bevelT w="8200" h="38100"/>
-        </a:sp3d>
-      </dsp:spPr>
-      <dsp:style>
-        <a:lnRef idx="0">
-          <a:scrgbClr r="0" g="0" b="0"/>
-        </a:lnRef>
-        <a:fillRef idx="2">
-          <a:scrgbClr r="0" g="0" b="0"/>
-        </a:fillRef>
-        <a:effectRef idx="1">
-          <a:scrgbClr r="0" g="0" b="0"/>
-        </a:effectRef>
-        <a:fontRef idx="minor">
-          <a:schemeClr val="dk1"/>
-        </a:fontRef>
-      </dsp:style>
-      <dsp:txBody>
-        <a:bodyPr spcFirstLastPara="0" vert="horz" wrap="square" lIns="10795" tIns="10795" rIns="10795" bIns="10795" numCol="1" spcCol="1270" anchor="ctr" anchorCtr="0">
-          <a:noAutofit/>
-        </a:bodyPr>
-        <a:lstStyle/>
-        <a:p>
-          <a:pPr lvl="0" algn="ctr" defTabSz="755650">
-            <a:lnSpc>
-              <a:spcPct val="90000"/>
-            </a:lnSpc>
-            <a:spcBef>
-              <a:spcPct val="0"/>
-            </a:spcBef>
-            <a:spcAft>
-              <a:spcPct val="35000"/>
-            </a:spcAft>
-          </a:pPr>
-          <a:r>
-            <a:rPr lang="es-CO" sz="1700" b="0" i="0" kern="1200" dirty="0" smtClean="0"/>
-            <a:t>Servicios digitales</a:t>
-          </a:r>
-          <a:endParaRPr lang="es-CO" sz="1700" kern="1200" dirty="0"/>
-        </a:p>
-      </dsp:txBody>
-      <dsp:txXfrm>
-        <a:off x="3026876" y="2497592"/>
-        <a:ext cx="2074246" cy="1005830"/>
-      </dsp:txXfrm>
-    </dsp:sp>
-    <dsp:sp modelId="{3813577D-0877-4309-B997-6E51409B544B}">
-      <dsp:nvSpPr>
-        <dsp:cNvPr id="0" name=""/>
-        <dsp:cNvSpPr/>
-      </dsp:nvSpPr>
-      <dsp:spPr>
-        <a:xfrm rot="3310531">
-          <a:off x="1819849" y="3594697"/>
-          <a:ext cx="1496736" cy="40297"/>
-        </a:xfrm>
-        <a:custGeom>
-          <a:avLst/>
-          <a:gdLst/>
-          <a:ahLst/>
-          <a:cxnLst/>
-          <a:rect l="0" t="0" r="0" b="0"/>
-          <a:pathLst>
-            <a:path>
-              <a:moveTo>
-                <a:pt x="0" y="20148"/>
-              </a:moveTo>
-              <a:lnTo>
-                <a:pt x="1496736" y="20148"/>
-              </a:lnTo>
-            </a:path>
-          </a:pathLst>
-        </a:custGeom>
-        <a:noFill/>
-        <a:ln w="15875" cap="rnd" cmpd="sng" algn="ctr">
-          <a:solidFill>
-            <a:schemeClr val="accent1">
-              <a:shade val="60000"/>
-              <a:hueOff val="0"/>
-              <a:satOff val="0"/>
-              <a:lumOff val="0"/>
-              <a:alphaOff val="0"/>
-            </a:schemeClr>
-          </a:solidFill>
-          <a:prstDash val="solid"/>
-        </a:ln>
-        <a:effectLst/>
-      </dsp:spPr>
-      <dsp:style>
-        <a:lnRef idx="2">
-          <a:scrgbClr r="0" g="0" b="0"/>
-        </a:lnRef>
-        <a:fillRef idx="0">
-          <a:scrgbClr r="0" g="0" b="0"/>
-        </a:fillRef>
-        <a:effectRef idx="0">
-          <a:scrgbClr r="0" g="0" b="0"/>
-        </a:effectRef>
-        <a:fontRef idx="minor"/>
-      </dsp:style>
-      <dsp:txBody>
-        <a:bodyPr spcFirstLastPara="0" vert="horz" wrap="square" lIns="12700" tIns="0" rIns="12700" bIns="0" numCol="1" spcCol="1270" anchor="ctr" anchorCtr="0">
-          <a:noAutofit/>
-        </a:bodyPr>
-        <a:lstStyle/>
-        <a:p>
-          <a:pPr lvl="0" algn="ctr" defTabSz="222250">
-            <a:lnSpc>
-              <a:spcPct val="90000"/>
-            </a:lnSpc>
-            <a:spcBef>
-              <a:spcPct val="0"/>
-            </a:spcBef>
-            <a:spcAft>
-              <a:spcPct val="35000"/>
-            </a:spcAft>
-          </a:pPr>
-          <a:endParaRPr lang="es-CO" sz="500" kern="1200"/>
-        </a:p>
-      </dsp:txBody>
-      <dsp:txXfrm>
-        <a:off x="2530799" y="3577428"/>
-        <a:ext cx="74836" cy="74836"/>
-      </dsp:txXfrm>
-    </dsp:sp>
-    <dsp:sp modelId="{4A784C9E-2C69-4CB0-A199-656A609C6DCA}">
-      <dsp:nvSpPr>
-        <dsp:cNvPr id="0" name=""/>
-        <dsp:cNvSpPr/>
-      </dsp:nvSpPr>
-      <dsp:spPr>
-        <a:xfrm>
-          <a:off x="2995583" y="3694977"/>
-          <a:ext cx="2136832" cy="1068416"/>
-        </a:xfrm>
-        <a:prstGeom prst="roundRect">
-          <a:avLst>
-            <a:gd name="adj" fmla="val 10000"/>
-          </a:avLst>
-        </a:prstGeom>
-        <a:gradFill rotWithShape="0">
-          <a:gsLst>
-            <a:gs pos="0">
-              <a:schemeClr val="accent1">
-                <a:hueOff val="0"/>
-                <a:satOff val="0"/>
-                <a:lumOff val="0"/>
-                <a:alphaOff val="0"/>
-                <a:tint val="80000"/>
-                <a:lumMod val="105000"/>
-              </a:schemeClr>
-            </a:gs>
-            <a:gs pos="100000">
-              <a:schemeClr val="accent1">
-                <a:hueOff val="0"/>
-                <a:satOff val="0"/>
-                <a:lumOff val="0"/>
-                <a:alphaOff val="0"/>
-                <a:tint val="90000"/>
-              </a:schemeClr>
-            </a:gs>
-          </a:gsLst>
-          <a:lin ang="5400000" scaled="0"/>
-        </a:gradFill>
-        <a:ln>
-          <a:noFill/>
-        </a:ln>
-        <a:effectLst/>
-        <a:scene3d>
-          <a:camera prst="orthographicFront"/>
-          <a:lightRig rig="flat" dir="t"/>
-        </a:scene3d>
-        <a:sp3d prstMaterial="dkEdge">
-          <a:bevelT w="8200" h="38100"/>
-        </a:sp3d>
-      </dsp:spPr>
-      <dsp:style>
-        <a:lnRef idx="0">
-          <a:scrgbClr r="0" g="0" b="0"/>
-        </a:lnRef>
-        <a:fillRef idx="2">
-          <a:scrgbClr r="0" g="0" b="0"/>
-        </a:fillRef>
-        <a:effectRef idx="1">
-          <a:scrgbClr r="0" g="0" b="0"/>
-        </a:effectRef>
-        <a:fontRef idx="minor">
-          <a:schemeClr val="dk1"/>
-        </a:fontRef>
-      </dsp:style>
-      <dsp:txBody>
-        <a:bodyPr spcFirstLastPara="0" vert="horz" wrap="square" lIns="10795" tIns="10795" rIns="10795" bIns="10795" numCol="1" spcCol="1270" anchor="ctr" anchorCtr="0">
-          <a:noAutofit/>
-        </a:bodyPr>
-        <a:lstStyle/>
-        <a:p>
-          <a:pPr lvl="0" algn="ctr" defTabSz="755650">
-            <a:lnSpc>
-              <a:spcPct val="90000"/>
-            </a:lnSpc>
-            <a:spcBef>
-              <a:spcPct val="0"/>
-            </a:spcBef>
-            <a:spcAft>
-              <a:spcPct val="35000"/>
-            </a:spcAft>
-          </a:pPr>
-          <a:r>
-            <a:rPr lang="es-CO" sz="1700" b="0" i="0" kern="1200" dirty="0" smtClean="0"/>
-            <a:t>Participación ciudadana</a:t>
-          </a:r>
-          <a:endParaRPr lang="es-CO" sz="1700" kern="1200" dirty="0"/>
-        </a:p>
-      </dsp:txBody>
-      <dsp:txXfrm>
-        <a:off x="3026876" y="3726270"/>
-        <a:ext cx="2074246" cy="1005830"/>
-      </dsp:txXfrm>
-    </dsp:sp>
   </dsp:spTree>
 </dsp:drawing>
 </file>
@@ -18339,969 +16148,6 @@
       <dsp:cNvGrpSpPr/>
     </dsp:nvGrpSpPr>
     <dsp:grpSpPr/>
-    <dsp:sp modelId="{D92DDBA8-F4FE-4937-89A1-7E9D55A6F4ED}">
-      <dsp:nvSpPr>
-        <dsp:cNvPr id="0" name=""/>
-        <dsp:cNvSpPr/>
-      </dsp:nvSpPr>
-      <dsp:spPr>
-        <a:xfrm>
-          <a:off x="4019" y="1851959"/>
-          <a:ext cx="2136832" cy="1068416"/>
-        </a:xfrm>
-        <a:prstGeom prst="roundRect">
-          <a:avLst>
-            <a:gd name="adj" fmla="val 10000"/>
-          </a:avLst>
-        </a:prstGeom>
-        <a:gradFill rotWithShape="0">
-          <a:gsLst>
-            <a:gs pos="0">
-              <a:schemeClr val="accent1">
-                <a:hueOff val="0"/>
-                <a:satOff val="0"/>
-                <a:lumOff val="0"/>
-                <a:alphaOff val="0"/>
-                <a:tint val="80000"/>
-                <a:lumMod val="105000"/>
-              </a:schemeClr>
-            </a:gs>
-            <a:gs pos="100000">
-              <a:schemeClr val="accent1">
-                <a:hueOff val="0"/>
-                <a:satOff val="0"/>
-                <a:lumOff val="0"/>
-                <a:alphaOff val="0"/>
-                <a:tint val="90000"/>
-              </a:schemeClr>
-            </a:gs>
-          </a:gsLst>
-          <a:lin ang="5400000" scaled="0"/>
-        </a:gradFill>
-        <a:ln>
-          <a:noFill/>
-        </a:ln>
-        <a:effectLst/>
-        <a:scene3d>
-          <a:camera prst="orthographicFront"/>
-          <a:lightRig rig="flat" dir="t"/>
-        </a:scene3d>
-        <a:sp3d prstMaterial="dkEdge">
-          <a:bevelT w="8200" h="38100"/>
-        </a:sp3d>
-      </dsp:spPr>
-      <dsp:style>
-        <a:lnRef idx="0">
-          <a:scrgbClr r="0" g="0" b="0"/>
-        </a:lnRef>
-        <a:fillRef idx="2">
-          <a:scrgbClr r="0" g="0" b="0"/>
-        </a:fillRef>
-        <a:effectRef idx="1">
-          <a:scrgbClr r="0" g="0" b="0"/>
-        </a:effectRef>
-        <a:fontRef idx="minor">
-          <a:schemeClr val="dk1"/>
-        </a:fontRef>
-      </dsp:style>
-      <dsp:txBody>
-        <a:bodyPr spcFirstLastPara="0" vert="horz" wrap="square" lIns="8890" tIns="8890" rIns="8890" bIns="8890" numCol="1" spcCol="1270" anchor="ctr" anchorCtr="0">
-          <a:noAutofit/>
-        </a:bodyPr>
-        <a:lstStyle/>
-        <a:p>
-          <a:pPr lvl="0" algn="ctr" defTabSz="622300">
-            <a:lnSpc>
-              <a:spcPct val="90000"/>
-            </a:lnSpc>
-            <a:spcBef>
-              <a:spcPct val="0"/>
-            </a:spcBef>
-            <a:spcAft>
-              <a:spcPct val="35000"/>
-            </a:spcAft>
-          </a:pPr>
-          <a:r>
-            <a:rPr lang="es-CO" sz="1400" kern="1200" dirty="0" smtClean="0"/>
-            <a:t>Tecnología</a:t>
-          </a:r>
-          <a:endParaRPr lang="es-CO" sz="1400" kern="1200" dirty="0"/>
-        </a:p>
-      </dsp:txBody>
-      <dsp:txXfrm>
-        <a:off x="35312" y="1883252"/>
-        <a:ext cx="2074246" cy="1005830"/>
-      </dsp:txXfrm>
-    </dsp:sp>
-    <dsp:sp modelId="{CE08125B-C286-46FE-BBE8-6B846F681671}">
-      <dsp:nvSpPr>
-        <dsp:cNvPr id="0" name=""/>
-        <dsp:cNvSpPr/>
-      </dsp:nvSpPr>
-      <dsp:spPr>
-        <a:xfrm rot="18289469">
-          <a:off x="1819849" y="1751679"/>
-          <a:ext cx="1496736" cy="40297"/>
-        </a:xfrm>
-        <a:custGeom>
-          <a:avLst/>
-          <a:gdLst/>
-          <a:ahLst/>
-          <a:cxnLst/>
-          <a:rect l="0" t="0" r="0" b="0"/>
-          <a:pathLst>
-            <a:path>
-              <a:moveTo>
-                <a:pt x="0" y="20148"/>
-              </a:moveTo>
-              <a:lnTo>
-                <a:pt x="1496736" y="20148"/>
-              </a:lnTo>
-            </a:path>
-          </a:pathLst>
-        </a:custGeom>
-        <a:noFill/>
-        <a:ln w="15875" cap="rnd" cmpd="sng" algn="ctr">
-          <a:solidFill>
-            <a:schemeClr val="accent1">
-              <a:shade val="60000"/>
-              <a:hueOff val="0"/>
-              <a:satOff val="0"/>
-              <a:lumOff val="0"/>
-              <a:alphaOff val="0"/>
-            </a:schemeClr>
-          </a:solidFill>
-          <a:prstDash val="solid"/>
-        </a:ln>
-        <a:effectLst/>
-      </dsp:spPr>
-      <dsp:style>
-        <a:lnRef idx="2">
-          <a:scrgbClr r="0" g="0" b="0"/>
-        </a:lnRef>
-        <a:fillRef idx="0">
-          <a:scrgbClr r="0" g="0" b="0"/>
-        </a:fillRef>
-        <a:effectRef idx="0">
-          <a:scrgbClr r="0" g="0" b="0"/>
-        </a:effectRef>
-        <a:fontRef idx="minor"/>
-      </dsp:style>
-      <dsp:txBody>
-        <a:bodyPr spcFirstLastPara="0" vert="horz" wrap="square" lIns="12700" tIns="0" rIns="12700" bIns="0" numCol="1" spcCol="1270" anchor="ctr" anchorCtr="0">
-          <a:noAutofit/>
-        </a:bodyPr>
-        <a:lstStyle/>
-        <a:p>
-          <a:pPr lvl="0" algn="ctr" defTabSz="222250">
-            <a:lnSpc>
-              <a:spcPct val="90000"/>
-            </a:lnSpc>
-            <a:spcBef>
-              <a:spcPct val="0"/>
-            </a:spcBef>
-            <a:spcAft>
-              <a:spcPct val="35000"/>
-            </a:spcAft>
-          </a:pPr>
-          <a:endParaRPr lang="es-CO" sz="500" kern="1200"/>
-        </a:p>
-      </dsp:txBody>
-      <dsp:txXfrm>
-        <a:off x="2530799" y="1734410"/>
-        <a:ext cx="74836" cy="74836"/>
-      </dsp:txXfrm>
-    </dsp:sp>
-    <dsp:sp modelId="{066DB53C-5FCE-4F56-8F4C-A3292C306081}">
-      <dsp:nvSpPr>
-        <dsp:cNvPr id="0" name=""/>
-        <dsp:cNvSpPr/>
-      </dsp:nvSpPr>
-      <dsp:spPr>
-        <a:xfrm>
-          <a:off x="2995583" y="623281"/>
-          <a:ext cx="2136832" cy="1068416"/>
-        </a:xfrm>
-        <a:prstGeom prst="roundRect">
-          <a:avLst>
-            <a:gd name="adj" fmla="val 10000"/>
-          </a:avLst>
-        </a:prstGeom>
-        <a:gradFill rotWithShape="0">
-          <a:gsLst>
-            <a:gs pos="0">
-              <a:schemeClr val="accent1">
-                <a:hueOff val="0"/>
-                <a:satOff val="0"/>
-                <a:lumOff val="0"/>
-                <a:alphaOff val="0"/>
-                <a:tint val="80000"/>
-                <a:lumMod val="105000"/>
-              </a:schemeClr>
-            </a:gs>
-            <a:gs pos="100000">
-              <a:schemeClr val="accent1">
-                <a:hueOff val="0"/>
-                <a:satOff val="0"/>
-                <a:lumOff val="0"/>
-                <a:alphaOff val="0"/>
-                <a:tint val="90000"/>
-              </a:schemeClr>
-            </a:gs>
-          </a:gsLst>
-          <a:lin ang="5400000" scaled="0"/>
-        </a:gradFill>
-        <a:ln>
-          <a:noFill/>
-        </a:ln>
-        <a:effectLst/>
-        <a:scene3d>
-          <a:camera prst="orthographicFront"/>
-          <a:lightRig rig="flat" dir="t"/>
-        </a:scene3d>
-        <a:sp3d prstMaterial="dkEdge">
-          <a:bevelT w="8200" h="38100"/>
-        </a:sp3d>
-      </dsp:spPr>
-      <dsp:style>
-        <a:lnRef idx="0">
-          <a:scrgbClr r="0" g="0" b="0"/>
-        </a:lnRef>
-        <a:fillRef idx="2">
-          <a:scrgbClr r="0" g="0" b="0"/>
-        </a:fillRef>
-        <a:effectRef idx="1">
-          <a:scrgbClr r="0" g="0" b="0"/>
-        </a:effectRef>
-        <a:fontRef idx="minor">
-          <a:schemeClr val="dk1"/>
-        </a:fontRef>
-      </dsp:style>
-      <dsp:txBody>
-        <a:bodyPr spcFirstLastPara="0" vert="horz" wrap="square" lIns="8890" tIns="8890" rIns="8890" bIns="8890" numCol="1" spcCol="1270" anchor="ctr" anchorCtr="0">
-          <a:noAutofit/>
-        </a:bodyPr>
-        <a:lstStyle/>
-        <a:p>
-          <a:pPr lvl="0" algn="ctr" defTabSz="622300">
-            <a:lnSpc>
-              <a:spcPct val="90000"/>
-            </a:lnSpc>
-            <a:spcBef>
-              <a:spcPct val="0"/>
-            </a:spcBef>
-            <a:spcAft>
-              <a:spcPct val="35000"/>
-            </a:spcAft>
-          </a:pPr>
-          <a:r>
-            <a:rPr lang="es-CO" sz="1400" b="0" i="0" kern="1200" dirty="0" smtClean="0"/>
-            <a:t>Gestión General y Cumplimiento</a:t>
-          </a:r>
-          <a:endParaRPr lang="es-CO" sz="1400" kern="1200" dirty="0"/>
-        </a:p>
-      </dsp:txBody>
-      <dsp:txXfrm>
-        <a:off x="3026876" y="654574"/>
-        <a:ext cx="2074246" cy="1005830"/>
-      </dsp:txXfrm>
-    </dsp:sp>
-    <dsp:sp modelId="{FF8146E6-2FFC-4BF4-AF8F-8565293F6C1F}">
-      <dsp:nvSpPr>
-        <dsp:cNvPr id="0" name=""/>
-        <dsp:cNvSpPr/>
-      </dsp:nvSpPr>
-      <dsp:spPr>
-        <a:xfrm>
-          <a:off x="2140851" y="2366019"/>
-          <a:ext cx="854732" cy="40297"/>
-        </a:xfrm>
-        <a:custGeom>
-          <a:avLst/>
-          <a:gdLst/>
-          <a:ahLst/>
-          <a:cxnLst/>
-          <a:rect l="0" t="0" r="0" b="0"/>
-          <a:pathLst>
-            <a:path>
-              <a:moveTo>
-                <a:pt x="0" y="20148"/>
-              </a:moveTo>
-              <a:lnTo>
-                <a:pt x="854732" y="20148"/>
-              </a:lnTo>
-            </a:path>
-          </a:pathLst>
-        </a:custGeom>
-        <a:noFill/>
-        <a:ln w="15875" cap="rnd" cmpd="sng" algn="ctr">
-          <a:solidFill>
-            <a:schemeClr val="accent1">
-              <a:shade val="60000"/>
-              <a:hueOff val="0"/>
-              <a:satOff val="0"/>
-              <a:lumOff val="0"/>
-              <a:alphaOff val="0"/>
-            </a:schemeClr>
-          </a:solidFill>
-          <a:prstDash val="solid"/>
-        </a:ln>
-        <a:effectLst/>
-      </dsp:spPr>
-      <dsp:style>
-        <a:lnRef idx="2">
-          <a:scrgbClr r="0" g="0" b="0"/>
-        </a:lnRef>
-        <a:fillRef idx="0">
-          <a:scrgbClr r="0" g="0" b="0"/>
-        </a:fillRef>
-        <a:effectRef idx="0">
-          <a:scrgbClr r="0" g="0" b="0"/>
-        </a:effectRef>
-        <a:fontRef idx="minor"/>
-      </dsp:style>
-      <dsp:txBody>
-        <a:bodyPr spcFirstLastPara="0" vert="horz" wrap="square" lIns="12700" tIns="0" rIns="12700" bIns="0" numCol="1" spcCol="1270" anchor="ctr" anchorCtr="0">
-          <a:noAutofit/>
-        </a:bodyPr>
-        <a:lstStyle/>
-        <a:p>
-          <a:pPr lvl="0" algn="ctr" defTabSz="222250">
-            <a:lnSpc>
-              <a:spcPct val="90000"/>
-            </a:lnSpc>
-            <a:spcBef>
-              <a:spcPct val="0"/>
-            </a:spcBef>
-            <a:spcAft>
-              <a:spcPct val="35000"/>
-            </a:spcAft>
-          </a:pPr>
-          <a:endParaRPr lang="es-CO" sz="500" kern="1200"/>
-        </a:p>
-      </dsp:txBody>
-      <dsp:txXfrm>
-        <a:off x="2546849" y="2364799"/>
-        <a:ext cx="42736" cy="42736"/>
-      </dsp:txXfrm>
-    </dsp:sp>
-    <dsp:sp modelId="{1D290996-8D66-4EFC-AB7D-66B3B639557E}">
-      <dsp:nvSpPr>
-        <dsp:cNvPr id="0" name=""/>
-        <dsp:cNvSpPr/>
-      </dsp:nvSpPr>
-      <dsp:spPr>
-        <a:xfrm>
-          <a:off x="2995583" y="1851959"/>
-          <a:ext cx="2136832" cy="1068416"/>
-        </a:xfrm>
-        <a:prstGeom prst="roundRect">
-          <a:avLst>
-            <a:gd name="adj" fmla="val 10000"/>
-          </a:avLst>
-        </a:prstGeom>
-        <a:gradFill rotWithShape="0">
-          <a:gsLst>
-            <a:gs pos="0">
-              <a:schemeClr val="accent1">
-                <a:hueOff val="0"/>
-                <a:satOff val="0"/>
-                <a:lumOff val="0"/>
-                <a:alphaOff val="0"/>
-                <a:tint val="80000"/>
-                <a:lumMod val="105000"/>
-              </a:schemeClr>
-            </a:gs>
-            <a:gs pos="100000">
-              <a:schemeClr val="accent1">
-                <a:hueOff val="0"/>
-                <a:satOff val="0"/>
-                <a:lumOff val="0"/>
-                <a:alphaOff val="0"/>
-                <a:tint val="90000"/>
-              </a:schemeClr>
-            </a:gs>
-          </a:gsLst>
-          <a:lin ang="5400000" scaled="0"/>
-        </a:gradFill>
-        <a:ln>
-          <a:noFill/>
-        </a:ln>
-        <a:effectLst/>
-        <a:scene3d>
-          <a:camera prst="orthographicFront"/>
-          <a:lightRig rig="flat" dir="t"/>
-        </a:scene3d>
-        <a:sp3d prstMaterial="dkEdge">
-          <a:bevelT w="8200" h="38100"/>
-        </a:sp3d>
-      </dsp:spPr>
-      <dsp:style>
-        <a:lnRef idx="0">
-          <a:scrgbClr r="0" g="0" b="0"/>
-        </a:lnRef>
-        <a:fillRef idx="2">
-          <a:scrgbClr r="0" g="0" b="0"/>
-        </a:fillRef>
-        <a:effectRef idx="1">
-          <a:scrgbClr r="0" g="0" b="0"/>
-        </a:effectRef>
-        <a:fontRef idx="minor">
-          <a:schemeClr val="dk1"/>
-        </a:fontRef>
-      </dsp:style>
-      <dsp:txBody>
-        <a:bodyPr spcFirstLastPara="0" vert="horz" wrap="square" lIns="8890" tIns="8890" rIns="8890" bIns="8890" numCol="1" spcCol="1270" anchor="ctr" anchorCtr="0">
-          <a:noAutofit/>
-        </a:bodyPr>
-        <a:lstStyle/>
-        <a:p>
-          <a:pPr lvl="0" algn="ctr" defTabSz="622300">
-            <a:lnSpc>
-              <a:spcPct val="90000"/>
-            </a:lnSpc>
-            <a:spcBef>
-              <a:spcPct val="0"/>
-            </a:spcBef>
-            <a:spcAft>
-              <a:spcPct val="35000"/>
-            </a:spcAft>
-          </a:pPr>
-          <a:r>
-            <a:rPr lang="es-CO" sz="1400" b="0" i="0" kern="1200" dirty="0" smtClean="0"/>
-            <a:t>Servicios digitales</a:t>
-          </a:r>
-          <a:endParaRPr lang="es-CO" sz="1400" kern="1200" dirty="0"/>
-        </a:p>
-      </dsp:txBody>
-      <dsp:txXfrm>
-        <a:off x="3026876" y="1883252"/>
-        <a:ext cx="2074246" cy="1005830"/>
-      </dsp:txXfrm>
-    </dsp:sp>
-    <dsp:sp modelId="{ED2396F1-4597-4EFF-AB06-2D76DE109136}">
-      <dsp:nvSpPr>
-        <dsp:cNvPr id="0" name=""/>
-        <dsp:cNvSpPr/>
-      </dsp:nvSpPr>
-      <dsp:spPr>
-        <a:xfrm rot="19457599">
-          <a:off x="5033479" y="2058849"/>
-          <a:ext cx="1052606" cy="40297"/>
-        </a:xfrm>
-        <a:custGeom>
-          <a:avLst/>
-          <a:gdLst/>
-          <a:ahLst/>
-          <a:cxnLst/>
-          <a:rect l="0" t="0" r="0" b="0"/>
-          <a:pathLst>
-            <a:path>
-              <a:moveTo>
-                <a:pt x="0" y="20148"/>
-              </a:moveTo>
-              <a:lnTo>
-                <a:pt x="1052606" y="20148"/>
-              </a:lnTo>
-            </a:path>
-          </a:pathLst>
-        </a:custGeom>
-        <a:noFill/>
-        <a:ln w="15875" cap="rnd" cmpd="sng" algn="ctr">
-          <a:solidFill>
-            <a:schemeClr val="accent1">
-              <a:shade val="80000"/>
-              <a:hueOff val="0"/>
-              <a:satOff val="0"/>
-              <a:lumOff val="0"/>
-              <a:alphaOff val="0"/>
-            </a:schemeClr>
-          </a:solidFill>
-          <a:prstDash val="solid"/>
-        </a:ln>
-        <a:effectLst/>
-      </dsp:spPr>
-      <dsp:style>
-        <a:lnRef idx="2">
-          <a:scrgbClr r="0" g="0" b="0"/>
-        </a:lnRef>
-        <a:fillRef idx="0">
-          <a:scrgbClr r="0" g="0" b="0"/>
-        </a:fillRef>
-        <a:effectRef idx="0">
-          <a:scrgbClr r="0" g="0" b="0"/>
-        </a:effectRef>
-        <a:fontRef idx="minor"/>
-      </dsp:style>
-      <dsp:txBody>
-        <a:bodyPr spcFirstLastPara="0" vert="horz" wrap="square" lIns="12700" tIns="0" rIns="12700" bIns="0" numCol="1" spcCol="1270" anchor="ctr" anchorCtr="0">
-          <a:noAutofit/>
-        </a:bodyPr>
-        <a:lstStyle/>
-        <a:p>
-          <a:pPr lvl="0" algn="ctr" defTabSz="222250">
-            <a:lnSpc>
-              <a:spcPct val="90000"/>
-            </a:lnSpc>
-            <a:spcBef>
-              <a:spcPct val="0"/>
-            </a:spcBef>
-            <a:spcAft>
-              <a:spcPct val="35000"/>
-            </a:spcAft>
-          </a:pPr>
-          <a:endParaRPr lang="es-CO" sz="500" kern="1200"/>
-        </a:p>
-      </dsp:txBody>
-      <dsp:txXfrm>
-        <a:off x="5533467" y="2052683"/>
-        <a:ext cx="52630" cy="52630"/>
-      </dsp:txXfrm>
-    </dsp:sp>
-    <dsp:sp modelId="{46A1E098-6BB5-44A2-9DEF-FE29DF03962E}">
-      <dsp:nvSpPr>
-        <dsp:cNvPr id="0" name=""/>
-        <dsp:cNvSpPr/>
-      </dsp:nvSpPr>
-      <dsp:spPr>
-        <a:xfrm>
-          <a:off x="5987148" y="1237620"/>
-          <a:ext cx="2136832" cy="1068416"/>
-        </a:xfrm>
-        <a:prstGeom prst="roundRect">
-          <a:avLst>
-            <a:gd name="adj" fmla="val 10000"/>
-          </a:avLst>
-        </a:prstGeom>
-        <a:gradFill rotWithShape="0">
-          <a:gsLst>
-            <a:gs pos="0">
-              <a:schemeClr val="accent1">
-                <a:hueOff val="0"/>
-                <a:satOff val="0"/>
-                <a:lumOff val="0"/>
-                <a:alphaOff val="0"/>
-                <a:tint val="80000"/>
-                <a:lumMod val="105000"/>
-              </a:schemeClr>
-            </a:gs>
-            <a:gs pos="100000">
-              <a:schemeClr val="accent1">
-                <a:hueOff val="0"/>
-                <a:satOff val="0"/>
-                <a:lumOff val="0"/>
-                <a:alphaOff val="0"/>
-                <a:tint val="90000"/>
-              </a:schemeClr>
-            </a:gs>
-          </a:gsLst>
-          <a:lin ang="5400000" scaled="0"/>
-        </a:gradFill>
-        <a:ln>
-          <a:noFill/>
-        </a:ln>
-        <a:effectLst/>
-        <a:scene3d>
-          <a:camera prst="orthographicFront"/>
-          <a:lightRig rig="flat" dir="t"/>
-        </a:scene3d>
-        <a:sp3d prstMaterial="dkEdge">
-          <a:bevelT w="8200" h="38100"/>
-        </a:sp3d>
-      </dsp:spPr>
-      <dsp:style>
-        <a:lnRef idx="0">
-          <a:scrgbClr r="0" g="0" b="0"/>
-        </a:lnRef>
-        <a:fillRef idx="2">
-          <a:scrgbClr r="0" g="0" b="0"/>
-        </a:fillRef>
-        <a:effectRef idx="1">
-          <a:scrgbClr r="0" g="0" b="0"/>
-        </a:effectRef>
-        <a:fontRef idx="minor">
-          <a:schemeClr val="dk1"/>
-        </a:fontRef>
-      </dsp:style>
-      <dsp:txBody>
-        <a:bodyPr spcFirstLastPara="0" vert="horz" wrap="square" lIns="8890" tIns="8890" rIns="8890" bIns="8890" numCol="1" spcCol="1270" anchor="ctr" anchorCtr="0">
-          <a:noAutofit/>
-        </a:bodyPr>
-        <a:lstStyle/>
-        <a:p>
-          <a:pPr lvl="0" algn="ctr" defTabSz="622300">
-            <a:lnSpc>
-              <a:spcPct val="90000"/>
-            </a:lnSpc>
-            <a:spcBef>
-              <a:spcPct val="0"/>
-            </a:spcBef>
-            <a:spcAft>
-              <a:spcPct val="35000"/>
-            </a:spcAft>
-          </a:pPr>
-          <a:r>
-            <a:rPr lang="es-CO" sz="1400" b="0" i="0" kern="1200" dirty="0" smtClean="0"/>
-            <a:t>Rediseño, digitalización y difusión de mejoras en trámites ciudadanos</a:t>
-          </a:r>
-          <a:endParaRPr lang="es-CO" sz="1400" kern="1200" dirty="0"/>
-        </a:p>
-      </dsp:txBody>
-      <dsp:txXfrm>
-        <a:off x="6018441" y="1268913"/>
-        <a:ext cx="2074246" cy="1005830"/>
-      </dsp:txXfrm>
-    </dsp:sp>
-    <dsp:sp modelId="{F6385C50-E7D6-4C78-BE02-C98C34C447EF}">
-      <dsp:nvSpPr>
-        <dsp:cNvPr id="0" name=""/>
-        <dsp:cNvSpPr/>
-      </dsp:nvSpPr>
-      <dsp:spPr>
-        <a:xfrm rot="2142401">
-          <a:off x="5033479" y="2673188"/>
-          <a:ext cx="1052606" cy="40297"/>
-        </a:xfrm>
-        <a:custGeom>
-          <a:avLst/>
-          <a:gdLst/>
-          <a:ahLst/>
-          <a:cxnLst/>
-          <a:rect l="0" t="0" r="0" b="0"/>
-          <a:pathLst>
-            <a:path>
-              <a:moveTo>
-                <a:pt x="0" y="20148"/>
-              </a:moveTo>
-              <a:lnTo>
-                <a:pt x="1052606" y="20148"/>
-              </a:lnTo>
-            </a:path>
-          </a:pathLst>
-        </a:custGeom>
-        <a:noFill/>
-        <a:ln w="15875" cap="rnd" cmpd="sng" algn="ctr">
-          <a:solidFill>
-            <a:schemeClr val="accent1">
-              <a:shade val="80000"/>
-              <a:hueOff val="0"/>
-              <a:satOff val="0"/>
-              <a:lumOff val="0"/>
-              <a:alphaOff val="0"/>
-            </a:schemeClr>
-          </a:solidFill>
-          <a:prstDash val="solid"/>
-        </a:ln>
-        <a:effectLst/>
-      </dsp:spPr>
-      <dsp:style>
-        <a:lnRef idx="2">
-          <a:scrgbClr r="0" g="0" b="0"/>
-        </a:lnRef>
-        <a:fillRef idx="0">
-          <a:scrgbClr r="0" g="0" b="0"/>
-        </a:fillRef>
-        <a:effectRef idx="0">
-          <a:scrgbClr r="0" g="0" b="0"/>
-        </a:effectRef>
-        <a:fontRef idx="minor"/>
-      </dsp:style>
-      <dsp:txBody>
-        <a:bodyPr spcFirstLastPara="0" vert="horz" wrap="square" lIns="12700" tIns="0" rIns="12700" bIns="0" numCol="1" spcCol="1270" anchor="ctr" anchorCtr="0">
-          <a:noAutofit/>
-        </a:bodyPr>
-        <a:lstStyle/>
-        <a:p>
-          <a:pPr lvl="0" algn="ctr" defTabSz="222250">
-            <a:lnSpc>
-              <a:spcPct val="90000"/>
-            </a:lnSpc>
-            <a:spcBef>
-              <a:spcPct val="0"/>
-            </a:spcBef>
-            <a:spcAft>
-              <a:spcPct val="35000"/>
-            </a:spcAft>
-          </a:pPr>
-          <a:endParaRPr lang="es-CO" sz="500" kern="1200"/>
-        </a:p>
-      </dsp:txBody>
-      <dsp:txXfrm>
-        <a:off x="5533467" y="2667022"/>
-        <a:ext cx="52630" cy="52630"/>
-      </dsp:txXfrm>
-    </dsp:sp>
-    <dsp:sp modelId="{A86F4C86-A58D-4BED-B942-1F50D64A52D8}">
-      <dsp:nvSpPr>
-        <dsp:cNvPr id="0" name=""/>
-        <dsp:cNvSpPr/>
-      </dsp:nvSpPr>
-      <dsp:spPr>
-        <a:xfrm>
-          <a:off x="5987148" y="2466299"/>
-          <a:ext cx="2136832" cy="1068416"/>
-        </a:xfrm>
-        <a:prstGeom prst="roundRect">
-          <a:avLst>
-            <a:gd name="adj" fmla="val 10000"/>
-          </a:avLst>
-        </a:prstGeom>
-        <a:gradFill rotWithShape="0">
-          <a:gsLst>
-            <a:gs pos="0">
-              <a:schemeClr val="accent1">
-                <a:hueOff val="0"/>
-                <a:satOff val="0"/>
-                <a:lumOff val="0"/>
-                <a:alphaOff val="0"/>
-                <a:tint val="80000"/>
-                <a:lumMod val="105000"/>
-              </a:schemeClr>
-            </a:gs>
-            <a:gs pos="100000">
-              <a:schemeClr val="accent1">
-                <a:hueOff val="0"/>
-                <a:satOff val="0"/>
-                <a:lumOff val="0"/>
-                <a:alphaOff val="0"/>
-                <a:tint val="90000"/>
-              </a:schemeClr>
-            </a:gs>
-          </a:gsLst>
-          <a:lin ang="5400000" scaled="0"/>
-        </a:gradFill>
-        <a:ln>
-          <a:noFill/>
-        </a:ln>
-        <a:effectLst/>
-        <a:scene3d>
-          <a:camera prst="orthographicFront"/>
-          <a:lightRig rig="flat" dir="t"/>
-        </a:scene3d>
-        <a:sp3d prstMaterial="dkEdge">
-          <a:bevelT w="8200" h="38100"/>
-        </a:sp3d>
-      </dsp:spPr>
-      <dsp:style>
-        <a:lnRef idx="0">
-          <a:scrgbClr r="0" g="0" b="0"/>
-        </a:lnRef>
-        <a:fillRef idx="2">
-          <a:scrgbClr r="0" g="0" b="0"/>
-        </a:fillRef>
-        <a:effectRef idx="1">
-          <a:scrgbClr r="0" g="0" b="0"/>
-        </a:effectRef>
-        <a:fontRef idx="minor">
-          <a:schemeClr val="dk1"/>
-        </a:fontRef>
-      </dsp:style>
-      <dsp:txBody>
-        <a:bodyPr spcFirstLastPara="0" vert="horz" wrap="square" lIns="8890" tIns="8890" rIns="8890" bIns="8890" numCol="1" spcCol="1270" anchor="ctr" anchorCtr="0">
-          <a:noAutofit/>
-        </a:bodyPr>
-        <a:lstStyle/>
-        <a:p>
-          <a:pPr lvl="0" algn="ctr" defTabSz="622300">
-            <a:lnSpc>
-              <a:spcPct val="90000"/>
-            </a:lnSpc>
-            <a:spcBef>
-              <a:spcPct val="0"/>
-            </a:spcBef>
-            <a:spcAft>
-              <a:spcPct val="35000"/>
-            </a:spcAft>
-          </a:pPr>
-          <a:r>
-            <a:rPr lang="es-CO" sz="1400" b="0" i="0" kern="1200" dirty="0" smtClean="0"/>
-            <a:t>Acopio y gestión de información de </a:t>
-          </a:r>
-          <a:r>
-            <a:rPr lang="es-CO" sz="1400" b="0" i="0" kern="1200" dirty="0" smtClean="0"/>
-            <a:t>trámites (Ruta de la Excelencia)</a:t>
-          </a:r>
-          <a:endParaRPr lang="es-CO" sz="1400" kern="1200" dirty="0"/>
-        </a:p>
-      </dsp:txBody>
-      <dsp:txXfrm>
-        <a:off x="6018441" y="2497592"/>
-        <a:ext cx="2074246" cy="1005830"/>
-      </dsp:txXfrm>
-    </dsp:sp>
-    <dsp:sp modelId="{3813577D-0877-4309-B997-6E51409B544B}">
-      <dsp:nvSpPr>
-        <dsp:cNvPr id="0" name=""/>
-        <dsp:cNvSpPr/>
-      </dsp:nvSpPr>
-      <dsp:spPr>
-        <a:xfrm rot="3310531">
-          <a:off x="1819849" y="2980358"/>
-          <a:ext cx="1496736" cy="40297"/>
-        </a:xfrm>
-        <a:custGeom>
-          <a:avLst/>
-          <a:gdLst/>
-          <a:ahLst/>
-          <a:cxnLst/>
-          <a:rect l="0" t="0" r="0" b="0"/>
-          <a:pathLst>
-            <a:path>
-              <a:moveTo>
-                <a:pt x="0" y="20148"/>
-              </a:moveTo>
-              <a:lnTo>
-                <a:pt x="1496736" y="20148"/>
-              </a:lnTo>
-            </a:path>
-          </a:pathLst>
-        </a:custGeom>
-        <a:noFill/>
-        <a:ln w="15875" cap="rnd" cmpd="sng" algn="ctr">
-          <a:solidFill>
-            <a:schemeClr val="accent1">
-              <a:shade val="60000"/>
-              <a:hueOff val="0"/>
-              <a:satOff val="0"/>
-              <a:lumOff val="0"/>
-              <a:alphaOff val="0"/>
-            </a:schemeClr>
-          </a:solidFill>
-          <a:prstDash val="solid"/>
-        </a:ln>
-        <a:effectLst/>
-      </dsp:spPr>
-      <dsp:style>
-        <a:lnRef idx="2">
-          <a:scrgbClr r="0" g="0" b="0"/>
-        </a:lnRef>
-        <a:fillRef idx="0">
-          <a:scrgbClr r="0" g="0" b="0"/>
-        </a:fillRef>
-        <a:effectRef idx="0">
-          <a:scrgbClr r="0" g="0" b="0"/>
-        </a:effectRef>
-        <a:fontRef idx="minor"/>
-      </dsp:style>
-      <dsp:txBody>
-        <a:bodyPr spcFirstLastPara="0" vert="horz" wrap="square" lIns="12700" tIns="0" rIns="12700" bIns="0" numCol="1" spcCol="1270" anchor="ctr" anchorCtr="0">
-          <a:noAutofit/>
-        </a:bodyPr>
-        <a:lstStyle/>
-        <a:p>
-          <a:pPr lvl="0" algn="ctr" defTabSz="222250">
-            <a:lnSpc>
-              <a:spcPct val="90000"/>
-            </a:lnSpc>
-            <a:spcBef>
-              <a:spcPct val="0"/>
-            </a:spcBef>
-            <a:spcAft>
-              <a:spcPct val="35000"/>
-            </a:spcAft>
-          </a:pPr>
-          <a:endParaRPr lang="es-CO" sz="500" kern="1200"/>
-        </a:p>
-      </dsp:txBody>
-      <dsp:txXfrm>
-        <a:off x="2530799" y="2963088"/>
-        <a:ext cx="74836" cy="74836"/>
-      </dsp:txXfrm>
-    </dsp:sp>
-    <dsp:sp modelId="{4A784C9E-2C69-4CB0-A199-656A609C6DCA}">
-      <dsp:nvSpPr>
-        <dsp:cNvPr id="0" name=""/>
-        <dsp:cNvSpPr/>
-      </dsp:nvSpPr>
-      <dsp:spPr>
-        <a:xfrm>
-          <a:off x="2995583" y="3080638"/>
-          <a:ext cx="2136832" cy="1068416"/>
-        </a:xfrm>
-        <a:prstGeom prst="roundRect">
-          <a:avLst>
-            <a:gd name="adj" fmla="val 10000"/>
-          </a:avLst>
-        </a:prstGeom>
-        <a:gradFill rotWithShape="0">
-          <a:gsLst>
-            <a:gs pos="0">
-              <a:schemeClr val="accent1">
-                <a:hueOff val="0"/>
-                <a:satOff val="0"/>
-                <a:lumOff val="0"/>
-                <a:alphaOff val="0"/>
-                <a:tint val="80000"/>
-                <a:lumMod val="105000"/>
-              </a:schemeClr>
-            </a:gs>
-            <a:gs pos="100000">
-              <a:schemeClr val="accent1">
-                <a:hueOff val="0"/>
-                <a:satOff val="0"/>
-                <a:lumOff val="0"/>
-                <a:alphaOff val="0"/>
-                <a:tint val="90000"/>
-              </a:schemeClr>
-            </a:gs>
-          </a:gsLst>
-          <a:lin ang="5400000" scaled="0"/>
-        </a:gradFill>
-        <a:ln>
-          <a:noFill/>
-        </a:ln>
-        <a:effectLst/>
-        <a:scene3d>
-          <a:camera prst="orthographicFront"/>
-          <a:lightRig rig="flat" dir="t"/>
-        </a:scene3d>
-        <a:sp3d prstMaterial="dkEdge">
-          <a:bevelT w="8200" h="38100"/>
-        </a:sp3d>
-      </dsp:spPr>
-      <dsp:style>
-        <a:lnRef idx="0">
-          <a:scrgbClr r="0" g="0" b="0"/>
-        </a:lnRef>
-        <a:fillRef idx="2">
-          <a:scrgbClr r="0" g="0" b="0"/>
-        </a:fillRef>
-        <a:effectRef idx="1">
-          <a:scrgbClr r="0" g="0" b="0"/>
-        </a:effectRef>
-        <a:fontRef idx="minor">
-          <a:schemeClr val="dk1"/>
-        </a:fontRef>
-      </dsp:style>
-      <dsp:txBody>
-        <a:bodyPr spcFirstLastPara="0" vert="horz" wrap="square" lIns="8890" tIns="8890" rIns="8890" bIns="8890" numCol="1" spcCol="1270" anchor="ctr" anchorCtr="0">
-          <a:noAutofit/>
-        </a:bodyPr>
-        <a:lstStyle/>
-        <a:p>
-          <a:pPr lvl="0" algn="ctr" defTabSz="622300">
-            <a:lnSpc>
-              <a:spcPct val="90000"/>
-            </a:lnSpc>
-            <a:spcBef>
-              <a:spcPct val="0"/>
-            </a:spcBef>
-            <a:spcAft>
-              <a:spcPct val="35000"/>
-            </a:spcAft>
-          </a:pPr>
-          <a:r>
-            <a:rPr lang="es-CO" sz="1400" b="0" i="0" kern="1200" dirty="0" smtClean="0"/>
-            <a:t>Participación ciudadana</a:t>
-          </a:r>
-          <a:endParaRPr lang="es-CO" sz="1400" kern="1200" dirty="0"/>
-        </a:p>
-      </dsp:txBody>
-      <dsp:txXfrm>
-        <a:off x="3026876" y="3111931"/>
-        <a:ext cx="2074246" cy="1005830"/>
-      </dsp:txXfrm>
-    </dsp:sp>
   </dsp:spTree>
 </dsp:drawing>
 </file>
@@ -19314,1137 +16160,6 @@
       <dsp:cNvGrpSpPr/>
     </dsp:nvGrpSpPr>
     <dsp:grpSpPr/>
-    <dsp:sp modelId="{D92DDBA8-F4FE-4937-89A1-7E9D55A6F4ED}">
-      <dsp:nvSpPr>
-        <dsp:cNvPr id="0" name=""/>
-        <dsp:cNvSpPr/>
-      </dsp:nvSpPr>
-      <dsp:spPr>
-        <a:xfrm>
-          <a:off x="4019" y="1237620"/>
-          <a:ext cx="2136832" cy="1068416"/>
-        </a:xfrm>
-        <a:prstGeom prst="roundRect">
-          <a:avLst>
-            <a:gd name="adj" fmla="val 10000"/>
-          </a:avLst>
-        </a:prstGeom>
-        <a:gradFill rotWithShape="0">
-          <a:gsLst>
-            <a:gs pos="0">
-              <a:schemeClr val="accent1">
-                <a:hueOff val="0"/>
-                <a:satOff val="0"/>
-                <a:lumOff val="0"/>
-                <a:alphaOff val="0"/>
-                <a:tint val="80000"/>
-                <a:lumMod val="105000"/>
-              </a:schemeClr>
-            </a:gs>
-            <a:gs pos="100000">
-              <a:schemeClr val="accent1">
-                <a:hueOff val="0"/>
-                <a:satOff val="0"/>
-                <a:lumOff val="0"/>
-                <a:alphaOff val="0"/>
-                <a:tint val="90000"/>
-              </a:schemeClr>
-            </a:gs>
-          </a:gsLst>
-          <a:lin ang="5400000" scaled="0"/>
-        </a:gradFill>
-        <a:ln>
-          <a:noFill/>
-        </a:ln>
-        <a:effectLst/>
-        <a:scene3d>
-          <a:camera prst="orthographicFront"/>
-          <a:lightRig rig="flat" dir="t"/>
-        </a:scene3d>
-        <a:sp3d prstMaterial="dkEdge">
-          <a:bevelT w="8200" h="38100"/>
-        </a:sp3d>
-      </dsp:spPr>
-      <dsp:style>
-        <a:lnRef idx="0">
-          <a:scrgbClr r="0" g="0" b="0"/>
-        </a:lnRef>
-        <a:fillRef idx="2">
-          <a:scrgbClr r="0" g="0" b="0"/>
-        </a:fillRef>
-        <a:effectRef idx="1">
-          <a:scrgbClr r="0" g="0" b="0"/>
-        </a:effectRef>
-        <a:fontRef idx="minor">
-          <a:schemeClr val="dk1"/>
-        </a:fontRef>
-      </dsp:style>
-      <dsp:txBody>
-        <a:bodyPr spcFirstLastPara="0" vert="horz" wrap="square" lIns="9525" tIns="9525" rIns="9525" bIns="9525" numCol="1" spcCol="1270" anchor="ctr" anchorCtr="0">
-          <a:noAutofit/>
-        </a:bodyPr>
-        <a:lstStyle/>
-        <a:p>
-          <a:pPr lvl="0" algn="ctr" defTabSz="666750">
-            <a:lnSpc>
-              <a:spcPct val="90000"/>
-            </a:lnSpc>
-            <a:spcBef>
-              <a:spcPct val="0"/>
-            </a:spcBef>
-            <a:spcAft>
-              <a:spcPct val="35000"/>
-            </a:spcAft>
-          </a:pPr>
-          <a:r>
-            <a:rPr lang="es-CO" sz="1500" kern="1200" dirty="0" smtClean="0"/>
-            <a:t>Tecnología</a:t>
-          </a:r>
-          <a:endParaRPr lang="es-CO" sz="1500" kern="1200" dirty="0"/>
-        </a:p>
-      </dsp:txBody>
-      <dsp:txXfrm>
-        <a:off x="35312" y="1268913"/>
-        <a:ext cx="2074246" cy="1005830"/>
-      </dsp:txXfrm>
-    </dsp:sp>
-    <dsp:sp modelId="{CE08125B-C286-46FE-BBE8-6B846F681671}">
-      <dsp:nvSpPr>
-        <dsp:cNvPr id="0" name=""/>
-        <dsp:cNvSpPr/>
-      </dsp:nvSpPr>
-      <dsp:spPr>
-        <a:xfrm rot="18289469">
-          <a:off x="1819849" y="1137340"/>
-          <a:ext cx="1496736" cy="40297"/>
-        </a:xfrm>
-        <a:custGeom>
-          <a:avLst/>
-          <a:gdLst/>
-          <a:ahLst/>
-          <a:cxnLst/>
-          <a:rect l="0" t="0" r="0" b="0"/>
-          <a:pathLst>
-            <a:path>
-              <a:moveTo>
-                <a:pt x="0" y="20148"/>
-              </a:moveTo>
-              <a:lnTo>
-                <a:pt x="1496736" y="20148"/>
-              </a:lnTo>
-            </a:path>
-          </a:pathLst>
-        </a:custGeom>
-        <a:noFill/>
-        <a:ln w="15875" cap="rnd" cmpd="sng" algn="ctr">
-          <a:solidFill>
-            <a:schemeClr val="accent1">
-              <a:shade val="60000"/>
-              <a:hueOff val="0"/>
-              <a:satOff val="0"/>
-              <a:lumOff val="0"/>
-              <a:alphaOff val="0"/>
-            </a:schemeClr>
-          </a:solidFill>
-          <a:prstDash val="solid"/>
-        </a:ln>
-        <a:effectLst/>
-      </dsp:spPr>
-      <dsp:style>
-        <a:lnRef idx="2">
-          <a:scrgbClr r="0" g="0" b="0"/>
-        </a:lnRef>
-        <a:fillRef idx="0">
-          <a:scrgbClr r="0" g="0" b="0"/>
-        </a:fillRef>
-        <a:effectRef idx="0">
-          <a:scrgbClr r="0" g="0" b="0"/>
-        </a:effectRef>
-        <a:fontRef idx="minor"/>
-      </dsp:style>
-      <dsp:txBody>
-        <a:bodyPr spcFirstLastPara="0" vert="horz" wrap="square" lIns="12700" tIns="0" rIns="12700" bIns="0" numCol="1" spcCol="1270" anchor="ctr" anchorCtr="0">
-          <a:noAutofit/>
-        </a:bodyPr>
-        <a:lstStyle/>
-        <a:p>
-          <a:pPr lvl="0" algn="ctr" defTabSz="222250">
-            <a:lnSpc>
-              <a:spcPct val="90000"/>
-            </a:lnSpc>
-            <a:spcBef>
-              <a:spcPct val="0"/>
-            </a:spcBef>
-            <a:spcAft>
-              <a:spcPct val="35000"/>
-            </a:spcAft>
-          </a:pPr>
-          <a:endParaRPr lang="es-CO" sz="500" kern="1200"/>
-        </a:p>
-      </dsp:txBody>
-      <dsp:txXfrm>
-        <a:off x="2530799" y="1120071"/>
-        <a:ext cx="74836" cy="74836"/>
-      </dsp:txXfrm>
-    </dsp:sp>
-    <dsp:sp modelId="{066DB53C-5FCE-4F56-8F4C-A3292C306081}">
-      <dsp:nvSpPr>
-        <dsp:cNvPr id="0" name=""/>
-        <dsp:cNvSpPr/>
-      </dsp:nvSpPr>
-      <dsp:spPr>
-        <a:xfrm>
-          <a:off x="2995583" y="8942"/>
-          <a:ext cx="2136832" cy="1068416"/>
-        </a:xfrm>
-        <a:prstGeom prst="roundRect">
-          <a:avLst>
-            <a:gd name="adj" fmla="val 10000"/>
-          </a:avLst>
-        </a:prstGeom>
-        <a:gradFill rotWithShape="0">
-          <a:gsLst>
-            <a:gs pos="0">
-              <a:schemeClr val="accent1">
-                <a:hueOff val="0"/>
-                <a:satOff val="0"/>
-                <a:lumOff val="0"/>
-                <a:alphaOff val="0"/>
-                <a:tint val="80000"/>
-                <a:lumMod val="105000"/>
-              </a:schemeClr>
-            </a:gs>
-            <a:gs pos="100000">
-              <a:schemeClr val="accent1">
-                <a:hueOff val="0"/>
-                <a:satOff val="0"/>
-                <a:lumOff val="0"/>
-                <a:alphaOff val="0"/>
-                <a:tint val="90000"/>
-              </a:schemeClr>
-            </a:gs>
-          </a:gsLst>
-          <a:lin ang="5400000" scaled="0"/>
-        </a:gradFill>
-        <a:ln>
-          <a:noFill/>
-        </a:ln>
-        <a:effectLst/>
-        <a:scene3d>
-          <a:camera prst="orthographicFront"/>
-          <a:lightRig rig="flat" dir="t"/>
-        </a:scene3d>
-        <a:sp3d prstMaterial="dkEdge">
-          <a:bevelT w="8200" h="38100"/>
-        </a:sp3d>
-      </dsp:spPr>
-      <dsp:style>
-        <a:lnRef idx="0">
-          <a:scrgbClr r="0" g="0" b="0"/>
-        </a:lnRef>
-        <a:fillRef idx="2">
-          <a:scrgbClr r="0" g="0" b="0"/>
-        </a:fillRef>
-        <a:effectRef idx="1">
-          <a:scrgbClr r="0" g="0" b="0"/>
-        </a:effectRef>
-        <a:fontRef idx="minor">
-          <a:schemeClr val="dk1"/>
-        </a:fontRef>
-      </dsp:style>
-      <dsp:txBody>
-        <a:bodyPr spcFirstLastPara="0" vert="horz" wrap="square" lIns="9525" tIns="9525" rIns="9525" bIns="9525" numCol="1" spcCol="1270" anchor="ctr" anchorCtr="0">
-          <a:noAutofit/>
-        </a:bodyPr>
-        <a:lstStyle/>
-        <a:p>
-          <a:pPr lvl="0" algn="ctr" defTabSz="666750">
-            <a:lnSpc>
-              <a:spcPct val="90000"/>
-            </a:lnSpc>
-            <a:spcBef>
-              <a:spcPct val="0"/>
-            </a:spcBef>
-            <a:spcAft>
-              <a:spcPct val="35000"/>
-            </a:spcAft>
-          </a:pPr>
-          <a:r>
-            <a:rPr lang="es-CO" sz="1500" b="0" i="0" kern="1200" dirty="0" smtClean="0"/>
-            <a:t>Gestión General y Cumplimiento</a:t>
-          </a:r>
-          <a:endParaRPr lang="es-CO" sz="1500" kern="1200" dirty="0"/>
-        </a:p>
-      </dsp:txBody>
-      <dsp:txXfrm>
-        <a:off x="3026876" y="40235"/>
-        <a:ext cx="2074246" cy="1005830"/>
-      </dsp:txXfrm>
-    </dsp:sp>
-    <dsp:sp modelId="{FF8146E6-2FFC-4BF4-AF8F-8565293F6C1F}">
-      <dsp:nvSpPr>
-        <dsp:cNvPr id="0" name=""/>
-        <dsp:cNvSpPr/>
-      </dsp:nvSpPr>
-      <dsp:spPr>
-        <a:xfrm>
-          <a:off x="2140851" y="1751679"/>
-          <a:ext cx="854732" cy="40297"/>
-        </a:xfrm>
-        <a:custGeom>
-          <a:avLst/>
-          <a:gdLst/>
-          <a:ahLst/>
-          <a:cxnLst/>
-          <a:rect l="0" t="0" r="0" b="0"/>
-          <a:pathLst>
-            <a:path>
-              <a:moveTo>
-                <a:pt x="0" y="20148"/>
-              </a:moveTo>
-              <a:lnTo>
-                <a:pt x="854732" y="20148"/>
-              </a:lnTo>
-            </a:path>
-          </a:pathLst>
-        </a:custGeom>
-        <a:noFill/>
-        <a:ln w="15875" cap="rnd" cmpd="sng" algn="ctr">
-          <a:solidFill>
-            <a:schemeClr val="accent1">
-              <a:shade val="60000"/>
-              <a:hueOff val="0"/>
-              <a:satOff val="0"/>
-              <a:lumOff val="0"/>
-              <a:alphaOff val="0"/>
-            </a:schemeClr>
-          </a:solidFill>
-          <a:prstDash val="solid"/>
-        </a:ln>
-        <a:effectLst/>
-      </dsp:spPr>
-      <dsp:style>
-        <a:lnRef idx="2">
-          <a:scrgbClr r="0" g="0" b="0"/>
-        </a:lnRef>
-        <a:fillRef idx="0">
-          <a:scrgbClr r="0" g="0" b="0"/>
-        </a:fillRef>
-        <a:effectRef idx="0">
-          <a:scrgbClr r="0" g="0" b="0"/>
-        </a:effectRef>
-        <a:fontRef idx="minor"/>
-      </dsp:style>
-      <dsp:txBody>
-        <a:bodyPr spcFirstLastPara="0" vert="horz" wrap="square" lIns="12700" tIns="0" rIns="12700" bIns="0" numCol="1" spcCol="1270" anchor="ctr" anchorCtr="0">
-          <a:noAutofit/>
-        </a:bodyPr>
-        <a:lstStyle/>
-        <a:p>
-          <a:pPr lvl="0" algn="ctr" defTabSz="222250">
-            <a:lnSpc>
-              <a:spcPct val="90000"/>
-            </a:lnSpc>
-            <a:spcBef>
-              <a:spcPct val="0"/>
-            </a:spcBef>
-            <a:spcAft>
-              <a:spcPct val="35000"/>
-            </a:spcAft>
-          </a:pPr>
-          <a:endParaRPr lang="es-CO" sz="500" kern="1200"/>
-        </a:p>
-      </dsp:txBody>
-      <dsp:txXfrm>
-        <a:off x="2546849" y="1750460"/>
-        <a:ext cx="42736" cy="42736"/>
-      </dsp:txXfrm>
-    </dsp:sp>
-    <dsp:sp modelId="{1D290996-8D66-4EFC-AB7D-66B3B639557E}">
-      <dsp:nvSpPr>
-        <dsp:cNvPr id="0" name=""/>
-        <dsp:cNvSpPr/>
-      </dsp:nvSpPr>
-      <dsp:spPr>
-        <a:xfrm>
-          <a:off x="2995583" y="1237620"/>
-          <a:ext cx="2136832" cy="1068416"/>
-        </a:xfrm>
-        <a:prstGeom prst="roundRect">
-          <a:avLst>
-            <a:gd name="adj" fmla="val 10000"/>
-          </a:avLst>
-        </a:prstGeom>
-        <a:gradFill rotWithShape="0">
-          <a:gsLst>
-            <a:gs pos="0">
-              <a:schemeClr val="accent1">
-                <a:hueOff val="0"/>
-                <a:satOff val="0"/>
-                <a:lumOff val="0"/>
-                <a:alphaOff val="0"/>
-                <a:tint val="80000"/>
-                <a:lumMod val="105000"/>
-              </a:schemeClr>
-            </a:gs>
-            <a:gs pos="100000">
-              <a:schemeClr val="accent1">
-                <a:hueOff val="0"/>
-                <a:satOff val="0"/>
-                <a:lumOff val="0"/>
-                <a:alphaOff val="0"/>
-                <a:tint val="90000"/>
-              </a:schemeClr>
-            </a:gs>
-          </a:gsLst>
-          <a:lin ang="5400000" scaled="0"/>
-        </a:gradFill>
-        <a:ln>
-          <a:noFill/>
-        </a:ln>
-        <a:effectLst/>
-        <a:scene3d>
-          <a:camera prst="orthographicFront"/>
-          <a:lightRig rig="flat" dir="t"/>
-        </a:scene3d>
-        <a:sp3d prstMaterial="dkEdge">
-          <a:bevelT w="8200" h="38100"/>
-        </a:sp3d>
-      </dsp:spPr>
-      <dsp:style>
-        <a:lnRef idx="0">
-          <a:scrgbClr r="0" g="0" b="0"/>
-        </a:lnRef>
-        <a:fillRef idx="2">
-          <a:scrgbClr r="0" g="0" b="0"/>
-        </a:fillRef>
-        <a:effectRef idx="1">
-          <a:scrgbClr r="0" g="0" b="0"/>
-        </a:effectRef>
-        <a:fontRef idx="minor">
-          <a:schemeClr val="dk1"/>
-        </a:fontRef>
-      </dsp:style>
-      <dsp:txBody>
-        <a:bodyPr spcFirstLastPara="0" vert="horz" wrap="square" lIns="9525" tIns="9525" rIns="9525" bIns="9525" numCol="1" spcCol="1270" anchor="ctr" anchorCtr="0">
-          <a:noAutofit/>
-        </a:bodyPr>
-        <a:lstStyle/>
-        <a:p>
-          <a:pPr lvl="0" algn="ctr" defTabSz="666750">
-            <a:lnSpc>
-              <a:spcPct val="90000"/>
-            </a:lnSpc>
-            <a:spcBef>
-              <a:spcPct val="0"/>
-            </a:spcBef>
-            <a:spcAft>
-              <a:spcPct val="35000"/>
-            </a:spcAft>
-          </a:pPr>
-          <a:r>
-            <a:rPr lang="es-CO" sz="1500" b="0" i="0" kern="1200" dirty="0" smtClean="0"/>
-            <a:t>Servicios digitales</a:t>
-          </a:r>
-          <a:endParaRPr lang="es-CO" sz="1500" kern="1200" dirty="0"/>
-        </a:p>
-      </dsp:txBody>
-      <dsp:txXfrm>
-        <a:off x="3026876" y="1268913"/>
-        <a:ext cx="2074246" cy="1005830"/>
-      </dsp:txXfrm>
-    </dsp:sp>
-    <dsp:sp modelId="{3813577D-0877-4309-B997-6E51409B544B}">
-      <dsp:nvSpPr>
-        <dsp:cNvPr id="0" name=""/>
-        <dsp:cNvSpPr/>
-      </dsp:nvSpPr>
-      <dsp:spPr>
-        <a:xfrm rot="3310531">
-          <a:off x="1819849" y="2366019"/>
-          <a:ext cx="1496736" cy="40297"/>
-        </a:xfrm>
-        <a:custGeom>
-          <a:avLst/>
-          <a:gdLst/>
-          <a:ahLst/>
-          <a:cxnLst/>
-          <a:rect l="0" t="0" r="0" b="0"/>
-          <a:pathLst>
-            <a:path>
-              <a:moveTo>
-                <a:pt x="0" y="20148"/>
-              </a:moveTo>
-              <a:lnTo>
-                <a:pt x="1496736" y="20148"/>
-              </a:lnTo>
-            </a:path>
-          </a:pathLst>
-        </a:custGeom>
-        <a:noFill/>
-        <a:ln w="15875" cap="rnd" cmpd="sng" algn="ctr">
-          <a:solidFill>
-            <a:schemeClr val="accent1">
-              <a:shade val="60000"/>
-              <a:hueOff val="0"/>
-              <a:satOff val="0"/>
-              <a:lumOff val="0"/>
-              <a:alphaOff val="0"/>
-            </a:schemeClr>
-          </a:solidFill>
-          <a:prstDash val="solid"/>
-        </a:ln>
-        <a:effectLst/>
-      </dsp:spPr>
-      <dsp:style>
-        <a:lnRef idx="2">
-          <a:scrgbClr r="0" g="0" b="0"/>
-        </a:lnRef>
-        <a:fillRef idx="0">
-          <a:scrgbClr r="0" g="0" b="0"/>
-        </a:fillRef>
-        <a:effectRef idx="0">
-          <a:scrgbClr r="0" g="0" b="0"/>
-        </a:effectRef>
-        <a:fontRef idx="minor"/>
-      </dsp:style>
-      <dsp:txBody>
-        <a:bodyPr spcFirstLastPara="0" vert="horz" wrap="square" lIns="12700" tIns="0" rIns="12700" bIns="0" numCol="1" spcCol="1270" anchor="ctr" anchorCtr="0">
-          <a:noAutofit/>
-        </a:bodyPr>
-        <a:lstStyle/>
-        <a:p>
-          <a:pPr lvl="0" algn="ctr" defTabSz="222250">
-            <a:lnSpc>
-              <a:spcPct val="90000"/>
-            </a:lnSpc>
-            <a:spcBef>
-              <a:spcPct val="0"/>
-            </a:spcBef>
-            <a:spcAft>
-              <a:spcPct val="35000"/>
-            </a:spcAft>
-          </a:pPr>
-          <a:endParaRPr lang="es-CO" sz="500" kern="1200"/>
-        </a:p>
-      </dsp:txBody>
-      <dsp:txXfrm>
-        <a:off x="2530799" y="2348749"/>
-        <a:ext cx="74836" cy="74836"/>
-      </dsp:txXfrm>
-    </dsp:sp>
-    <dsp:sp modelId="{4A784C9E-2C69-4CB0-A199-656A609C6DCA}">
-      <dsp:nvSpPr>
-        <dsp:cNvPr id="0" name=""/>
-        <dsp:cNvSpPr/>
-      </dsp:nvSpPr>
-      <dsp:spPr>
-        <a:xfrm>
-          <a:off x="2995583" y="2466299"/>
-          <a:ext cx="2136832" cy="1068416"/>
-        </a:xfrm>
-        <a:prstGeom prst="roundRect">
-          <a:avLst>
-            <a:gd name="adj" fmla="val 10000"/>
-          </a:avLst>
-        </a:prstGeom>
-        <a:gradFill rotWithShape="0">
-          <a:gsLst>
-            <a:gs pos="0">
-              <a:schemeClr val="accent1">
-                <a:hueOff val="0"/>
-                <a:satOff val="0"/>
-                <a:lumOff val="0"/>
-                <a:alphaOff val="0"/>
-                <a:tint val="80000"/>
-                <a:lumMod val="105000"/>
-              </a:schemeClr>
-            </a:gs>
-            <a:gs pos="100000">
-              <a:schemeClr val="accent1">
-                <a:hueOff val="0"/>
-                <a:satOff val="0"/>
-                <a:lumOff val="0"/>
-                <a:alphaOff val="0"/>
-                <a:tint val="90000"/>
-              </a:schemeClr>
-            </a:gs>
-          </a:gsLst>
-          <a:lin ang="5400000" scaled="0"/>
-        </a:gradFill>
-        <a:ln>
-          <a:noFill/>
-        </a:ln>
-        <a:effectLst/>
-        <a:scene3d>
-          <a:camera prst="orthographicFront"/>
-          <a:lightRig rig="flat" dir="t"/>
-        </a:scene3d>
-        <a:sp3d prstMaterial="dkEdge">
-          <a:bevelT w="8200" h="38100"/>
-        </a:sp3d>
-      </dsp:spPr>
-      <dsp:style>
-        <a:lnRef idx="0">
-          <a:scrgbClr r="0" g="0" b="0"/>
-        </a:lnRef>
-        <a:fillRef idx="2">
-          <a:scrgbClr r="0" g="0" b="0"/>
-        </a:fillRef>
-        <a:effectRef idx="1">
-          <a:scrgbClr r="0" g="0" b="0"/>
-        </a:effectRef>
-        <a:fontRef idx="minor">
-          <a:schemeClr val="dk1"/>
-        </a:fontRef>
-      </dsp:style>
-      <dsp:txBody>
-        <a:bodyPr spcFirstLastPara="0" vert="horz" wrap="square" lIns="9525" tIns="9525" rIns="9525" bIns="9525" numCol="1" spcCol="1270" anchor="ctr" anchorCtr="0">
-          <a:noAutofit/>
-        </a:bodyPr>
-        <a:lstStyle/>
-        <a:p>
-          <a:pPr lvl="0" algn="ctr" defTabSz="666750">
-            <a:lnSpc>
-              <a:spcPct val="90000"/>
-            </a:lnSpc>
-            <a:spcBef>
-              <a:spcPct val="0"/>
-            </a:spcBef>
-            <a:spcAft>
-              <a:spcPct val="35000"/>
-            </a:spcAft>
-          </a:pPr>
-          <a:r>
-            <a:rPr lang="es-CO" sz="1500" b="0" i="0" kern="1200" dirty="0" smtClean="0"/>
-            <a:t>Participación ciudadana</a:t>
-          </a:r>
-          <a:endParaRPr lang="es-CO" sz="1500" kern="1200" dirty="0"/>
-        </a:p>
-      </dsp:txBody>
-      <dsp:txXfrm>
-        <a:off x="3026876" y="2497592"/>
-        <a:ext cx="2074246" cy="1005830"/>
-      </dsp:txXfrm>
-    </dsp:sp>
-    <dsp:sp modelId="{113B439A-5E28-4305-8DC5-51B662795C36}">
-      <dsp:nvSpPr>
-        <dsp:cNvPr id="0" name=""/>
-        <dsp:cNvSpPr/>
-      </dsp:nvSpPr>
-      <dsp:spPr>
-        <a:xfrm rot="18289469">
-          <a:off x="4811414" y="2366019"/>
-          <a:ext cx="1496736" cy="40297"/>
-        </a:xfrm>
-        <a:custGeom>
-          <a:avLst/>
-          <a:gdLst/>
-          <a:ahLst/>
-          <a:cxnLst/>
-          <a:rect l="0" t="0" r="0" b="0"/>
-          <a:pathLst>
-            <a:path>
-              <a:moveTo>
-                <a:pt x="0" y="20148"/>
-              </a:moveTo>
-              <a:lnTo>
-                <a:pt x="1496736" y="20148"/>
-              </a:lnTo>
-            </a:path>
-          </a:pathLst>
-        </a:custGeom>
-        <a:noFill/>
-        <a:ln w="15875" cap="rnd" cmpd="sng" algn="ctr">
-          <a:solidFill>
-            <a:schemeClr val="accent1">
-              <a:shade val="80000"/>
-              <a:hueOff val="0"/>
-              <a:satOff val="0"/>
-              <a:lumOff val="0"/>
-              <a:alphaOff val="0"/>
-            </a:schemeClr>
-          </a:solidFill>
-          <a:prstDash val="solid"/>
-        </a:ln>
-        <a:effectLst/>
-      </dsp:spPr>
-      <dsp:style>
-        <a:lnRef idx="2">
-          <a:scrgbClr r="0" g="0" b="0"/>
-        </a:lnRef>
-        <a:fillRef idx="0">
-          <a:scrgbClr r="0" g="0" b="0"/>
-        </a:fillRef>
-        <a:effectRef idx="0">
-          <a:scrgbClr r="0" g="0" b="0"/>
-        </a:effectRef>
-        <a:fontRef idx="minor"/>
-      </dsp:style>
-      <dsp:txBody>
-        <a:bodyPr spcFirstLastPara="0" vert="horz" wrap="square" lIns="12700" tIns="0" rIns="12700" bIns="0" numCol="1" spcCol="1270" anchor="ctr" anchorCtr="0">
-          <a:noAutofit/>
-        </a:bodyPr>
-        <a:lstStyle/>
-        <a:p>
-          <a:pPr lvl="0" algn="ctr" defTabSz="222250">
-            <a:lnSpc>
-              <a:spcPct val="90000"/>
-            </a:lnSpc>
-            <a:spcBef>
-              <a:spcPct val="0"/>
-            </a:spcBef>
-            <a:spcAft>
-              <a:spcPct val="35000"/>
-            </a:spcAft>
-          </a:pPr>
-          <a:endParaRPr lang="es-CO" sz="500" kern="1200"/>
-        </a:p>
-      </dsp:txBody>
-      <dsp:txXfrm>
-        <a:off x="5522364" y="2348749"/>
-        <a:ext cx="74836" cy="74836"/>
-      </dsp:txXfrm>
-    </dsp:sp>
-    <dsp:sp modelId="{D4A273A9-F42A-40DD-B69E-B2B3C9732105}">
-      <dsp:nvSpPr>
-        <dsp:cNvPr id="0" name=""/>
-        <dsp:cNvSpPr/>
-      </dsp:nvSpPr>
-      <dsp:spPr>
-        <a:xfrm>
-          <a:off x="5987148" y="1237620"/>
-          <a:ext cx="2136832" cy="1068416"/>
-        </a:xfrm>
-        <a:prstGeom prst="roundRect">
-          <a:avLst>
-            <a:gd name="adj" fmla="val 10000"/>
-          </a:avLst>
-        </a:prstGeom>
-        <a:gradFill rotWithShape="0">
-          <a:gsLst>
-            <a:gs pos="0">
-              <a:schemeClr val="accent1">
-                <a:hueOff val="0"/>
-                <a:satOff val="0"/>
-                <a:lumOff val="0"/>
-                <a:alphaOff val="0"/>
-                <a:tint val="80000"/>
-                <a:lumMod val="105000"/>
-              </a:schemeClr>
-            </a:gs>
-            <a:gs pos="100000">
-              <a:schemeClr val="accent1">
-                <a:hueOff val="0"/>
-                <a:satOff val="0"/>
-                <a:lumOff val="0"/>
-                <a:alphaOff val="0"/>
-                <a:tint val="90000"/>
-              </a:schemeClr>
-            </a:gs>
-          </a:gsLst>
-          <a:lin ang="5400000" scaled="0"/>
-        </a:gradFill>
-        <a:ln>
-          <a:noFill/>
-        </a:ln>
-        <a:effectLst/>
-        <a:scene3d>
-          <a:camera prst="orthographicFront"/>
-          <a:lightRig rig="flat" dir="t"/>
-        </a:scene3d>
-        <a:sp3d prstMaterial="dkEdge">
-          <a:bevelT w="8200" h="38100"/>
-        </a:sp3d>
-      </dsp:spPr>
-      <dsp:style>
-        <a:lnRef idx="0">
-          <a:scrgbClr r="0" g="0" b="0"/>
-        </a:lnRef>
-        <a:fillRef idx="2">
-          <a:scrgbClr r="0" g="0" b="0"/>
-        </a:fillRef>
-        <a:effectRef idx="1">
-          <a:scrgbClr r="0" g="0" b="0"/>
-        </a:effectRef>
-        <a:fontRef idx="minor">
-          <a:schemeClr val="dk1"/>
-        </a:fontRef>
-      </dsp:style>
-      <dsp:txBody>
-        <a:bodyPr spcFirstLastPara="0" vert="horz" wrap="square" lIns="9525" tIns="9525" rIns="9525" bIns="9525" numCol="1" spcCol="1270" anchor="ctr" anchorCtr="0">
-          <a:noAutofit/>
-        </a:bodyPr>
-        <a:lstStyle/>
-        <a:p>
-          <a:pPr lvl="0" algn="ctr" defTabSz="666750">
-            <a:lnSpc>
-              <a:spcPct val="90000"/>
-            </a:lnSpc>
-            <a:spcBef>
-              <a:spcPct val="0"/>
-            </a:spcBef>
-            <a:spcAft>
-              <a:spcPct val="35000"/>
-            </a:spcAft>
-          </a:pPr>
-          <a:r>
-            <a:rPr lang="es-CO" sz="1500" b="0" i="0" kern="1200" dirty="0" smtClean="0"/>
-            <a:t>Rediseño e incremento de los canales electrónicos para los ciudadanos</a:t>
-          </a:r>
-          <a:endParaRPr lang="es-CO" sz="1500" kern="1200" dirty="0"/>
-        </a:p>
-      </dsp:txBody>
-      <dsp:txXfrm>
-        <a:off x="6018441" y="1268913"/>
-        <a:ext cx="2074246" cy="1005830"/>
-      </dsp:txXfrm>
-    </dsp:sp>
-    <dsp:sp modelId="{2CA824B4-6663-4CBD-9EA1-93193158F4ED}">
-      <dsp:nvSpPr>
-        <dsp:cNvPr id="0" name=""/>
-        <dsp:cNvSpPr/>
-      </dsp:nvSpPr>
-      <dsp:spPr>
-        <a:xfrm>
-          <a:off x="5132416" y="2980358"/>
-          <a:ext cx="854732" cy="40297"/>
-        </a:xfrm>
-        <a:custGeom>
-          <a:avLst/>
-          <a:gdLst/>
-          <a:ahLst/>
-          <a:cxnLst/>
-          <a:rect l="0" t="0" r="0" b="0"/>
-          <a:pathLst>
-            <a:path>
-              <a:moveTo>
-                <a:pt x="0" y="20148"/>
-              </a:moveTo>
-              <a:lnTo>
-                <a:pt x="854732" y="20148"/>
-              </a:lnTo>
-            </a:path>
-          </a:pathLst>
-        </a:custGeom>
-        <a:noFill/>
-        <a:ln w="15875" cap="rnd" cmpd="sng" algn="ctr">
-          <a:solidFill>
-            <a:schemeClr val="accent1">
-              <a:shade val="80000"/>
-              <a:hueOff val="0"/>
-              <a:satOff val="0"/>
-              <a:lumOff val="0"/>
-              <a:alphaOff val="0"/>
-            </a:schemeClr>
-          </a:solidFill>
-          <a:prstDash val="solid"/>
-        </a:ln>
-        <a:effectLst/>
-      </dsp:spPr>
-      <dsp:style>
-        <a:lnRef idx="2">
-          <a:scrgbClr r="0" g="0" b="0"/>
-        </a:lnRef>
-        <a:fillRef idx="0">
-          <a:scrgbClr r="0" g="0" b="0"/>
-        </a:fillRef>
-        <a:effectRef idx="0">
-          <a:scrgbClr r="0" g="0" b="0"/>
-        </a:effectRef>
-        <a:fontRef idx="minor"/>
-      </dsp:style>
-      <dsp:txBody>
-        <a:bodyPr spcFirstLastPara="0" vert="horz" wrap="square" lIns="12700" tIns="0" rIns="12700" bIns="0" numCol="1" spcCol="1270" anchor="ctr" anchorCtr="0">
-          <a:noAutofit/>
-        </a:bodyPr>
-        <a:lstStyle/>
-        <a:p>
-          <a:pPr lvl="0" algn="ctr" defTabSz="222250">
-            <a:lnSpc>
-              <a:spcPct val="90000"/>
-            </a:lnSpc>
-            <a:spcBef>
-              <a:spcPct val="0"/>
-            </a:spcBef>
-            <a:spcAft>
-              <a:spcPct val="35000"/>
-            </a:spcAft>
-          </a:pPr>
-          <a:endParaRPr lang="es-CO" sz="500" kern="1200"/>
-        </a:p>
-      </dsp:txBody>
-      <dsp:txXfrm>
-        <a:off x="5538414" y="2979138"/>
-        <a:ext cx="42736" cy="42736"/>
-      </dsp:txXfrm>
-    </dsp:sp>
-    <dsp:sp modelId="{43B88865-2214-4485-8292-2950863A81CE}">
-      <dsp:nvSpPr>
-        <dsp:cNvPr id="0" name=""/>
-        <dsp:cNvSpPr/>
-      </dsp:nvSpPr>
-      <dsp:spPr>
-        <a:xfrm>
-          <a:off x="5987148" y="2466299"/>
-          <a:ext cx="2136832" cy="1068416"/>
-        </a:xfrm>
-        <a:prstGeom prst="roundRect">
-          <a:avLst>
-            <a:gd name="adj" fmla="val 10000"/>
-          </a:avLst>
-        </a:prstGeom>
-        <a:gradFill rotWithShape="0">
-          <a:gsLst>
-            <a:gs pos="0">
-              <a:schemeClr val="accent1">
-                <a:hueOff val="0"/>
-                <a:satOff val="0"/>
-                <a:lumOff val="0"/>
-                <a:alphaOff val="0"/>
-                <a:tint val="80000"/>
-                <a:lumMod val="105000"/>
-              </a:schemeClr>
-            </a:gs>
-            <a:gs pos="100000">
-              <a:schemeClr val="accent1">
-                <a:hueOff val="0"/>
-                <a:satOff val="0"/>
-                <a:lumOff val="0"/>
-                <a:alphaOff val="0"/>
-                <a:tint val="90000"/>
-              </a:schemeClr>
-            </a:gs>
-          </a:gsLst>
-          <a:lin ang="5400000" scaled="0"/>
-        </a:gradFill>
-        <a:ln>
-          <a:noFill/>
-        </a:ln>
-        <a:effectLst/>
-        <a:scene3d>
-          <a:camera prst="orthographicFront"/>
-          <a:lightRig rig="flat" dir="t"/>
-        </a:scene3d>
-        <a:sp3d prstMaterial="dkEdge">
-          <a:bevelT w="8200" h="38100"/>
-        </a:sp3d>
-      </dsp:spPr>
-      <dsp:style>
-        <a:lnRef idx="0">
-          <a:scrgbClr r="0" g="0" b="0"/>
-        </a:lnRef>
-        <a:fillRef idx="2">
-          <a:scrgbClr r="0" g="0" b="0"/>
-        </a:fillRef>
-        <a:effectRef idx="1">
-          <a:scrgbClr r="0" g="0" b="0"/>
-        </a:effectRef>
-        <a:fontRef idx="minor">
-          <a:schemeClr val="dk1"/>
-        </a:fontRef>
-      </dsp:style>
-      <dsp:txBody>
-        <a:bodyPr spcFirstLastPara="0" vert="horz" wrap="square" lIns="9525" tIns="9525" rIns="9525" bIns="9525" numCol="1" spcCol="1270" anchor="ctr" anchorCtr="0">
-          <a:noAutofit/>
-        </a:bodyPr>
-        <a:lstStyle/>
-        <a:p>
-          <a:pPr lvl="0" algn="ctr" defTabSz="666750">
-            <a:lnSpc>
-              <a:spcPct val="90000"/>
-            </a:lnSpc>
-            <a:spcBef>
-              <a:spcPct val="0"/>
-            </a:spcBef>
-            <a:spcAft>
-              <a:spcPct val="35000"/>
-            </a:spcAft>
-          </a:pPr>
-          <a:r>
-            <a:rPr lang="es-CO" sz="1500" b="0" i="0" kern="1200" dirty="0" smtClean="0"/>
-            <a:t>Empoderamiento ciudadano/ Fomento de participación Urna de Cristal</a:t>
-          </a:r>
-          <a:endParaRPr lang="es-CO" sz="1500" kern="1200" dirty="0"/>
-        </a:p>
-      </dsp:txBody>
-      <dsp:txXfrm>
-        <a:off x="6018441" y="2497592"/>
-        <a:ext cx="2074246" cy="1005830"/>
-      </dsp:txXfrm>
-    </dsp:sp>
-    <dsp:sp modelId="{38A8FA4D-FDC7-46C8-ADCC-0E810D28D5B6}">
-      <dsp:nvSpPr>
-        <dsp:cNvPr id="0" name=""/>
-        <dsp:cNvSpPr/>
-      </dsp:nvSpPr>
-      <dsp:spPr>
-        <a:xfrm rot="3310531">
-          <a:off x="4811414" y="3594697"/>
-          <a:ext cx="1496736" cy="40297"/>
-        </a:xfrm>
-        <a:custGeom>
-          <a:avLst/>
-          <a:gdLst/>
-          <a:ahLst/>
-          <a:cxnLst/>
-          <a:rect l="0" t="0" r="0" b="0"/>
-          <a:pathLst>
-            <a:path>
-              <a:moveTo>
-                <a:pt x="0" y="20148"/>
-              </a:moveTo>
-              <a:lnTo>
-                <a:pt x="1496736" y="20148"/>
-              </a:lnTo>
-            </a:path>
-          </a:pathLst>
-        </a:custGeom>
-        <a:noFill/>
-        <a:ln w="15875" cap="rnd" cmpd="sng" algn="ctr">
-          <a:solidFill>
-            <a:schemeClr val="accent1">
-              <a:shade val="80000"/>
-              <a:hueOff val="0"/>
-              <a:satOff val="0"/>
-              <a:lumOff val="0"/>
-              <a:alphaOff val="0"/>
-            </a:schemeClr>
-          </a:solidFill>
-          <a:prstDash val="solid"/>
-        </a:ln>
-        <a:effectLst/>
-      </dsp:spPr>
-      <dsp:style>
-        <a:lnRef idx="2">
-          <a:scrgbClr r="0" g="0" b="0"/>
-        </a:lnRef>
-        <a:fillRef idx="0">
-          <a:scrgbClr r="0" g="0" b="0"/>
-        </a:fillRef>
-        <a:effectRef idx="0">
-          <a:scrgbClr r="0" g="0" b="0"/>
-        </a:effectRef>
-        <a:fontRef idx="minor"/>
-      </dsp:style>
-      <dsp:txBody>
-        <a:bodyPr spcFirstLastPara="0" vert="horz" wrap="square" lIns="12700" tIns="0" rIns="12700" bIns="0" numCol="1" spcCol="1270" anchor="ctr" anchorCtr="0">
-          <a:noAutofit/>
-        </a:bodyPr>
-        <a:lstStyle/>
-        <a:p>
-          <a:pPr lvl="0" algn="ctr" defTabSz="222250">
-            <a:lnSpc>
-              <a:spcPct val="90000"/>
-            </a:lnSpc>
-            <a:spcBef>
-              <a:spcPct val="0"/>
-            </a:spcBef>
-            <a:spcAft>
-              <a:spcPct val="35000"/>
-            </a:spcAft>
-          </a:pPr>
-          <a:endParaRPr lang="es-CO" sz="500" kern="1200"/>
-        </a:p>
-      </dsp:txBody>
-      <dsp:txXfrm>
-        <a:off x="5522364" y="3577428"/>
-        <a:ext cx="74836" cy="74836"/>
-      </dsp:txXfrm>
-    </dsp:sp>
-    <dsp:sp modelId="{2C698646-C4AD-4442-B43B-A33AA34C8AA7}">
-      <dsp:nvSpPr>
-        <dsp:cNvPr id="0" name=""/>
-        <dsp:cNvSpPr/>
-      </dsp:nvSpPr>
-      <dsp:spPr>
-        <a:xfrm>
-          <a:off x="5987148" y="3694977"/>
-          <a:ext cx="2136832" cy="1068416"/>
-        </a:xfrm>
-        <a:prstGeom prst="roundRect">
-          <a:avLst>
-            <a:gd name="adj" fmla="val 10000"/>
-          </a:avLst>
-        </a:prstGeom>
-        <a:gradFill rotWithShape="0">
-          <a:gsLst>
-            <a:gs pos="0">
-              <a:schemeClr val="accent1">
-                <a:hueOff val="0"/>
-                <a:satOff val="0"/>
-                <a:lumOff val="0"/>
-                <a:alphaOff val="0"/>
-                <a:tint val="80000"/>
-                <a:lumMod val="105000"/>
-              </a:schemeClr>
-            </a:gs>
-            <a:gs pos="100000">
-              <a:schemeClr val="accent1">
-                <a:hueOff val="0"/>
-                <a:satOff val="0"/>
-                <a:lumOff val="0"/>
-                <a:alphaOff val="0"/>
-                <a:tint val="90000"/>
-              </a:schemeClr>
-            </a:gs>
-          </a:gsLst>
-          <a:lin ang="5400000" scaled="0"/>
-        </a:gradFill>
-        <a:ln>
-          <a:noFill/>
-        </a:ln>
-        <a:effectLst/>
-        <a:scene3d>
-          <a:camera prst="orthographicFront"/>
-          <a:lightRig rig="flat" dir="t"/>
-        </a:scene3d>
-        <a:sp3d prstMaterial="dkEdge">
-          <a:bevelT w="8200" h="38100"/>
-        </a:sp3d>
-      </dsp:spPr>
-      <dsp:style>
-        <a:lnRef idx="0">
-          <a:scrgbClr r="0" g="0" b="0"/>
-        </a:lnRef>
-        <a:fillRef idx="2">
-          <a:scrgbClr r="0" g="0" b="0"/>
-        </a:fillRef>
-        <a:effectRef idx="1">
-          <a:scrgbClr r="0" g="0" b="0"/>
-        </a:effectRef>
-        <a:fontRef idx="minor">
-          <a:schemeClr val="dk1"/>
-        </a:fontRef>
-      </dsp:style>
-      <dsp:txBody>
-        <a:bodyPr spcFirstLastPara="0" vert="horz" wrap="square" lIns="9525" tIns="9525" rIns="9525" bIns="9525" numCol="1" spcCol="1270" anchor="ctr" anchorCtr="0">
-          <a:noAutofit/>
-        </a:bodyPr>
-        <a:lstStyle/>
-        <a:p>
-          <a:pPr lvl="0" algn="ctr" defTabSz="666750">
-            <a:lnSpc>
-              <a:spcPct val="90000"/>
-            </a:lnSpc>
-            <a:spcBef>
-              <a:spcPct val="0"/>
-            </a:spcBef>
-            <a:spcAft>
-              <a:spcPct val="35000"/>
-            </a:spcAft>
-          </a:pPr>
-          <a:r>
-            <a:rPr lang="es-CO" sz="1500" b="0" i="0" kern="1200" dirty="0" smtClean="0"/>
-            <a:t>Potenciamiento de datos abiertos</a:t>
-          </a:r>
-        </a:p>
-      </dsp:txBody>
-      <dsp:txXfrm>
-        <a:off x="6018441" y="3726270"/>
-        <a:ext cx="2074246" cy="1005830"/>
-      </dsp:txXfrm>
-    </dsp:sp>
   </dsp:spTree>
 </dsp:drawing>
 </file>
@@ -20457,1146 +16172,6 @@
       <dsp:cNvGrpSpPr/>
     </dsp:nvGrpSpPr>
     <dsp:grpSpPr/>
-    <dsp:sp modelId="{D92DDBA8-F4FE-4937-89A1-7E9D55A6F4ED}">
-      <dsp:nvSpPr>
-        <dsp:cNvPr id="0" name=""/>
-        <dsp:cNvSpPr/>
-      </dsp:nvSpPr>
-      <dsp:spPr>
-        <a:xfrm>
-          <a:off x="4019" y="2466299"/>
-          <a:ext cx="2136832" cy="1068416"/>
-        </a:xfrm>
-        <a:prstGeom prst="roundRect">
-          <a:avLst>
-            <a:gd name="adj" fmla="val 10000"/>
-          </a:avLst>
-        </a:prstGeom>
-        <a:gradFill rotWithShape="0">
-          <a:gsLst>
-            <a:gs pos="0">
-              <a:schemeClr val="accent1">
-                <a:hueOff val="0"/>
-                <a:satOff val="0"/>
-                <a:lumOff val="0"/>
-                <a:alphaOff val="0"/>
-                <a:tint val="80000"/>
-                <a:lumMod val="105000"/>
-              </a:schemeClr>
-            </a:gs>
-            <a:gs pos="100000">
-              <a:schemeClr val="accent1">
-                <a:hueOff val="0"/>
-                <a:satOff val="0"/>
-                <a:lumOff val="0"/>
-                <a:alphaOff val="0"/>
-                <a:tint val="90000"/>
-              </a:schemeClr>
-            </a:gs>
-          </a:gsLst>
-          <a:lin ang="5400000" scaled="0"/>
-        </a:gradFill>
-        <a:ln>
-          <a:noFill/>
-        </a:ln>
-        <a:effectLst/>
-        <a:scene3d>
-          <a:camera prst="orthographicFront"/>
-          <a:lightRig rig="flat" dir="t"/>
-        </a:scene3d>
-        <a:sp3d prstMaterial="dkEdge">
-          <a:bevelT w="8200" h="38100"/>
-        </a:sp3d>
-      </dsp:spPr>
-      <dsp:style>
-        <a:lnRef idx="0">
-          <a:scrgbClr r="0" g="0" b="0"/>
-        </a:lnRef>
-        <a:fillRef idx="2">
-          <a:scrgbClr r="0" g="0" b="0"/>
-        </a:fillRef>
-        <a:effectRef idx="1">
-          <a:scrgbClr r="0" g="0" b="0"/>
-        </a:effectRef>
-        <a:fontRef idx="minor">
-          <a:schemeClr val="dk1"/>
-        </a:fontRef>
-      </dsp:style>
-      <dsp:txBody>
-        <a:bodyPr spcFirstLastPara="0" vert="horz" wrap="square" lIns="8890" tIns="8890" rIns="8890" bIns="8890" numCol="1" spcCol="1270" anchor="ctr" anchorCtr="0">
-          <a:noAutofit/>
-        </a:bodyPr>
-        <a:lstStyle/>
-        <a:p>
-          <a:pPr lvl="0" algn="ctr" defTabSz="622300">
-            <a:lnSpc>
-              <a:spcPct val="90000"/>
-            </a:lnSpc>
-            <a:spcBef>
-              <a:spcPct val="0"/>
-            </a:spcBef>
-            <a:spcAft>
-              <a:spcPct val="35000"/>
-            </a:spcAft>
-          </a:pPr>
-          <a:r>
-            <a:rPr lang="es-CO" sz="1400" kern="1200" dirty="0" smtClean="0"/>
-            <a:t>Innovación</a:t>
-          </a:r>
-          <a:endParaRPr lang="es-CO" sz="1400" kern="1200" dirty="0"/>
-        </a:p>
-      </dsp:txBody>
-      <dsp:txXfrm>
-        <a:off x="35312" y="2497592"/>
-        <a:ext cx="2074246" cy="1005830"/>
-      </dsp:txXfrm>
-    </dsp:sp>
-    <dsp:sp modelId="{CE08125B-C286-46FE-BBE8-6B846F681671}">
-      <dsp:nvSpPr>
-        <dsp:cNvPr id="0" name=""/>
-        <dsp:cNvSpPr/>
-      </dsp:nvSpPr>
-      <dsp:spPr>
-        <a:xfrm rot="18289469">
-          <a:off x="1819849" y="2366019"/>
-          <a:ext cx="1496736" cy="40297"/>
-        </a:xfrm>
-        <a:custGeom>
-          <a:avLst/>
-          <a:gdLst/>
-          <a:ahLst/>
-          <a:cxnLst/>
-          <a:rect l="0" t="0" r="0" b="0"/>
-          <a:pathLst>
-            <a:path>
-              <a:moveTo>
-                <a:pt x="0" y="20148"/>
-              </a:moveTo>
-              <a:lnTo>
-                <a:pt x="1496736" y="20148"/>
-              </a:lnTo>
-            </a:path>
-          </a:pathLst>
-        </a:custGeom>
-        <a:noFill/>
-        <a:ln w="15875" cap="rnd" cmpd="sng" algn="ctr">
-          <a:solidFill>
-            <a:schemeClr val="accent1">
-              <a:shade val="60000"/>
-              <a:hueOff val="0"/>
-              <a:satOff val="0"/>
-              <a:lumOff val="0"/>
-              <a:alphaOff val="0"/>
-            </a:schemeClr>
-          </a:solidFill>
-          <a:prstDash val="solid"/>
-        </a:ln>
-        <a:effectLst/>
-      </dsp:spPr>
-      <dsp:style>
-        <a:lnRef idx="2">
-          <a:scrgbClr r="0" g="0" b="0"/>
-        </a:lnRef>
-        <a:fillRef idx="0">
-          <a:scrgbClr r="0" g="0" b="0"/>
-        </a:fillRef>
-        <a:effectRef idx="0">
-          <a:scrgbClr r="0" g="0" b="0"/>
-        </a:effectRef>
-        <a:fontRef idx="minor"/>
-      </dsp:style>
-      <dsp:txBody>
-        <a:bodyPr spcFirstLastPara="0" vert="horz" wrap="square" lIns="12700" tIns="0" rIns="12700" bIns="0" numCol="1" spcCol="1270" anchor="ctr" anchorCtr="0">
-          <a:noAutofit/>
-        </a:bodyPr>
-        <a:lstStyle/>
-        <a:p>
-          <a:pPr lvl="0" algn="ctr" defTabSz="222250">
-            <a:lnSpc>
-              <a:spcPct val="90000"/>
-            </a:lnSpc>
-            <a:spcBef>
-              <a:spcPct val="0"/>
-            </a:spcBef>
-            <a:spcAft>
-              <a:spcPct val="35000"/>
-            </a:spcAft>
-          </a:pPr>
-          <a:endParaRPr lang="es-CO" sz="500" kern="1200"/>
-        </a:p>
-      </dsp:txBody>
-      <dsp:txXfrm>
-        <a:off x="2530799" y="2348749"/>
-        <a:ext cx="74836" cy="74836"/>
-      </dsp:txXfrm>
-    </dsp:sp>
-    <dsp:sp modelId="{066DB53C-5FCE-4F56-8F4C-A3292C306081}">
-      <dsp:nvSpPr>
-        <dsp:cNvPr id="0" name=""/>
-        <dsp:cNvSpPr/>
-      </dsp:nvSpPr>
-      <dsp:spPr>
-        <a:xfrm>
-          <a:off x="2995583" y="1237620"/>
-          <a:ext cx="2136832" cy="1068416"/>
-        </a:xfrm>
-        <a:prstGeom prst="roundRect">
-          <a:avLst>
-            <a:gd name="adj" fmla="val 10000"/>
-          </a:avLst>
-        </a:prstGeom>
-        <a:gradFill rotWithShape="0">
-          <a:gsLst>
-            <a:gs pos="0">
-              <a:schemeClr val="accent1">
-                <a:hueOff val="0"/>
-                <a:satOff val="0"/>
-                <a:lumOff val="0"/>
-                <a:alphaOff val="0"/>
-                <a:tint val="80000"/>
-                <a:lumMod val="105000"/>
-              </a:schemeClr>
-            </a:gs>
-            <a:gs pos="100000">
-              <a:schemeClr val="accent1">
-                <a:hueOff val="0"/>
-                <a:satOff val="0"/>
-                <a:lumOff val="0"/>
-                <a:alphaOff val="0"/>
-                <a:tint val="90000"/>
-              </a:schemeClr>
-            </a:gs>
-          </a:gsLst>
-          <a:lin ang="5400000" scaled="0"/>
-        </a:gradFill>
-        <a:ln>
-          <a:noFill/>
-        </a:ln>
-        <a:effectLst/>
-        <a:scene3d>
-          <a:camera prst="orthographicFront"/>
-          <a:lightRig rig="flat" dir="t"/>
-        </a:scene3d>
-        <a:sp3d prstMaterial="dkEdge">
-          <a:bevelT w="8200" h="38100"/>
-        </a:sp3d>
-      </dsp:spPr>
-      <dsp:style>
-        <a:lnRef idx="0">
-          <a:scrgbClr r="0" g="0" b="0"/>
-        </a:lnRef>
-        <a:fillRef idx="2">
-          <a:scrgbClr r="0" g="0" b="0"/>
-        </a:fillRef>
-        <a:effectRef idx="1">
-          <a:scrgbClr r="0" g="0" b="0"/>
-        </a:effectRef>
-        <a:fontRef idx="minor">
-          <a:schemeClr val="dk1"/>
-        </a:fontRef>
-      </dsp:style>
-      <dsp:txBody>
-        <a:bodyPr spcFirstLastPara="0" vert="horz" wrap="square" lIns="8890" tIns="8890" rIns="8890" bIns="8890" numCol="1" spcCol="1270" anchor="ctr" anchorCtr="0">
-          <a:noAutofit/>
-        </a:bodyPr>
-        <a:lstStyle/>
-        <a:p>
-          <a:pPr lvl="0" algn="ctr" defTabSz="622300">
-            <a:lnSpc>
-              <a:spcPct val="90000"/>
-            </a:lnSpc>
-            <a:spcBef>
-              <a:spcPct val="0"/>
-            </a:spcBef>
-            <a:spcAft>
-              <a:spcPct val="35000"/>
-            </a:spcAft>
-          </a:pPr>
-          <a:r>
-            <a:rPr lang="es-CO" sz="1400" b="0" i="0" kern="1200" dirty="0" smtClean="0"/>
-            <a:t>Industria de contenidos digitales</a:t>
-          </a:r>
-          <a:endParaRPr lang="es-CO" sz="1400" kern="1200" dirty="0"/>
-        </a:p>
-      </dsp:txBody>
-      <dsp:txXfrm>
-        <a:off x="3026876" y="1268913"/>
-        <a:ext cx="2074246" cy="1005830"/>
-      </dsp:txXfrm>
-    </dsp:sp>
-    <dsp:sp modelId="{13757ABE-23C5-4629-B686-1A01712DB1ED}">
-      <dsp:nvSpPr>
-        <dsp:cNvPr id="0" name=""/>
-        <dsp:cNvSpPr/>
-      </dsp:nvSpPr>
-      <dsp:spPr>
-        <a:xfrm rot="18289469">
-          <a:off x="4811414" y="1137340"/>
-          <a:ext cx="1496736" cy="40297"/>
-        </a:xfrm>
-        <a:custGeom>
-          <a:avLst/>
-          <a:gdLst/>
-          <a:ahLst/>
-          <a:cxnLst/>
-          <a:rect l="0" t="0" r="0" b="0"/>
-          <a:pathLst>
-            <a:path>
-              <a:moveTo>
-                <a:pt x="0" y="20148"/>
-              </a:moveTo>
-              <a:lnTo>
-                <a:pt x="1496736" y="20148"/>
-              </a:lnTo>
-            </a:path>
-          </a:pathLst>
-        </a:custGeom>
-        <a:noFill/>
-        <a:ln w="15875" cap="rnd" cmpd="sng" algn="ctr">
-          <a:solidFill>
-            <a:schemeClr val="accent1">
-              <a:shade val="80000"/>
-              <a:hueOff val="0"/>
-              <a:satOff val="0"/>
-              <a:lumOff val="0"/>
-              <a:alphaOff val="0"/>
-            </a:schemeClr>
-          </a:solidFill>
-          <a:prstDash val="solid"/>
-        </a:ln>
-        <a:effectLst/>
-      </dsp:spPr>
-      <dsp:style>
-        <a:lnRef idx="2">
-          <a:scrgbClr r="0" g="0" b="0"/>
-        </a:lnRef>
-        <a:fillRef idx="0">
-          <a:scrgbClr r="0" g="0" b="0"/>
-        </a:fillRef>
-        <a:effectRef idx="0">
-          <a:scrgbClr r="0" g="0" b="0"/>
-        </a:effectRef>
-        <a:fontRef idx="minor"/>
-      </dsp:style>
-      <dsp:txBody>
-        <a:bodyPr spcFirstLastPara="0" vert="horz" wrap="square" lIns="12700" tIns="0" rIns="12700" bIns="0" numCol="1" spcCol="1270" anchor="ctr" anchorCtr="0">
-          <a:noAutofit/>
-        </a:bodyPr>
-        <a:lstStyle/>
-        <a:p>
-          <a:pPr lvl="0" algn="ctr" defTabSz="222250">
-            <a:lnSpc>
-              <a:spcPct val="90000"/>
-            </a:lnSpc>
-            <a:spcBef>
-              <a:spcPct val="0"/>
-            </a:spcBef>
-            <a:spcAft>
-              <a:spcPct val="35000"/>
-            </a:spcAft>
-          </a:pPr>
-          <a:endParaRPr lang="es-CO" sz="500" kern="1200"/>
-        </a:p>
-      </dsp:txBody>
-      <dsp:txXfrm>
-        <a:off x="5522364" y="1120071"/>
-        <a:ext cx="74836" cy="74836"/>
-      </dsp:txXfrm>
-    </dsp:sp>
-    <dsp:sp modelId="{D4BD73A5-53EA-4D7E-83A7-989C2DF34EA0}">
-      <dsp:nvSpPr>
-        <dsp:cNvPr id="0" name=""/>
-        <dsp:cNvSpPr/>
-      </dsp:nvSpPr>
-      <dsp:spPr>
-        <a:xfrm>
-          <a:off x="5987148" y="8942"/>
-          <a:ext cx="2136832" cy="1068416"/>
-        </a:xfrm>
-        <a:prstGeom prst="roundRect">
-          <a:avLst>
-            <a:gd name="adj" fmla="val 10000"/>
-          </a:avLst>
-        </a:prstGeom>
-        <a:gradFill rotWithShape="0">
-          <a:gsLst>
-            <a:gs pos="0">
-              <a:schemeClr val="accent1">
-                <a:hueOff val="0"/>
-                <a:satOff val="0"/>
-                <a:lumOff val="0"/>
-                <a:alphaOff val="0"/>
-                <a:tint val="80000"/>
-                <a:lumMod val="105000"/>
-              </a:schemeClr>
-            </a:gs>
-            <a:gs pos="100000">
-              <a:schemeClr val="accent1">
-                <a:hueOff val="0"/>
-                <a:satOff val="0"/>
-                <a:lumOff val="0"/>
-                <a:alphaOff val="0"/>
-                <a:tint val="90000"/>
-              </a:schemeClr>
-            </a:gs>
-          </a:gsLst>
-          <a:lin ang="5400000" scaled="0"/>
-        </a:gradFill>
-        <a:ln>
-          <a:noFill/>
-        </a:ln>
-        <a:effectLst/>
-        <a:scene3d>
-          <a:camera prst="orthographicFront"/>
-          <a:lightRig rig="flat" dir="t"/>
-        </a:scene3d>
-        <a:sp3d prstMaterial="dkEdge">
-          <a:bevelT w="8200" h="38100"/>
-        </a:sp3d>
-      </dsp:spPr>
-      <dsp:style>
-        <a:lnRef idx="0">
-          <a:scrgbClr r="0" g="0" b="0"/>
-        </a:lnRef>
-        <a:fillRef idx="2">
-          <a:scrgbClr r="0" g="0" b="0"/>
-        </a:fillRef>
-        <a:effectRef idx="1">
-          <a:scrgbClr r="0" g="0" b="0"/>
-        </a:effectRef>
-        <a:fontRef idx="minor">
-          <a:schemeClr val="dk1"/>
-        </a:fontRef>
-      </dsp:style>
-      <dsp:txBody>
-        <a:bodyPr spcFirstLastPara="0" vert="horz" wrap="square" lIns="8890" tIns="8890" rIns="8890" bIns="8890" numCol="1" spcCol="1270" anchor="ctr" anchorCtr="0">
-          <a:noAutofit/>
-        </a:bodyPr>
-        <a:lstStyle/>
-        <a:p>
-          <a:pPr lvl="0" algn="ctr" defTabSz="622300">
-            <a:lnSpc>
-              <a:spcPct val="90000"/>
-            </a:lnSpc>
-            <a:spcBef>
-              <a:spcPct val="0"/>
-            </a:spcBef>
-            <a:spcAft>
-              <a:spcPct val="35000"/>
-            </a:spcAft>
-          </a:pPr>
-          <a:r>
-            <a:rPr lang="es-CO" sz="1400" b="0" i="0" kern="1200" dirty="0" smtClean="0"/>
-            <a:t>Revisión y fomento de los contenidos digitales desarrollados</a:t>
-          </a:r>
-          <a:endParaRPr lang="es-CO" sz="1400" kern="1200" dirty="0"/>
-        </a:p>
-      </dsp:txBody>
-      <dsp:txXfrm>
-        <a:off x="6018441" y="40235"/>
-        <a:ext cx="2074246" cy="1005830"/>
-      </dsp:txXfrm>
-    </dsp:sp>
-    <dsp:sp modelId="{053866E8-5FCE-446F-A611-7B1EA3754B8F}">
-      <dsp:nvSpPr>
-        <dsp:cNvPr id="0" name=""/>
-        <dsp:cNvSpPr/>
-      </dsp:nvSpPr>
-      <dsp:spPr>
-        <a:xfrm>
-          <a:off x="5132416" y="1751679"/>
-          <a:ext cx="854732" cy="40297"/>
-        </a:xfrm>
-        <a:custGeom>
-          <a:avLst/>
-          <a:gdLst/>
-          <a:ahLst/>
-          <a:cxnLst/>
-          <a:rect l="0" t="0" r="0" b="0"/>
-          <a:pathLst>
-            <a:path>
-              <a:moveTo>
-                <a:pt x="0" y="20148"/>
-              </a:moveTo>
-              <a:lnTo>
-                <a:pt x="854732" y="20148"/>
-              </a:lnTo>
-            </a:path>
-          </a:pathLst>
-        </a:custGeom>
-        <a:noFill/>
-        <a:ln w="15875" cap="rnd" cmpd="sng" algn="ctr">
-          <a:solidFill>
-            <a:schemeClr val="accent1">
-              <a:shade val="80000"/>
-              <a:hueOff val="0"/>
-              <a:satOff val="0"/>
-              <a:lumOff val="0"/>
-              <a:alphaOff val="0"/>
-            </a:schemeClr>
-          </a:solidFill>
-          <a:prstDash val="solid"/>
-        </a:ln>
-        <a:effectLst/>
-      </dsp:spPr>
-      <dsp:style>
-        <a:lnRef idx="2">
-          <a:scrgbClr r="0" g="0" b="0"/>
-        </a:lnRef>
-        <a:fillRef idx="0">
-          <a:scrgbClr r="0" g="0" b="0"/>
-        </a:fillRef>
-        <a:effectRef idx="0">
-          <a:scrgbClr r="0" g="0" b="0"/>
-        </a:effectRef>
-        <a:fontRef idx="minor"/>
-      </dsp:style>
-      <dsp:txBody>
-        <a:bodyPr spcFirstLastPara="0" vert="horz" wrap="square" lIns="12700" tIns="0" rIns="12700" bIns="0" numCol="1" spcCol="1270" anchor="ctr" anchorCtr="0">
-          <a:noAutofit/>
-        </a:bodyPr>
-        <a:lstStyle/>
-        <a:p>
-          <a:pPr lvl="0" algn="ctr" defTabSz="222250">
-            <a:lnSpc>
-              <a:spcPct val="90000"/>
-            </a:lnSpc>
-            <a:spcBef>
-              <a:spcPct val="0"/>
-            </a:spcBef>
-            <a:spcAft>
-              <a:spcPct val="35000"/>
-            </a:spcAft>
-          </a:pPr>
-          <a:endParaRPr lang="es-CO" sz="500" kern="1200"/>
-        </a:p>
-      </dsp:txBody>
-      <dsp:txXfrm>
-        <a:off x="5538414" y="1750460"/>
-        <a:ext cx="42736" cy="42736"/>
-      </dsp:txXfrm>
-    </dsp:sp>
-    <dsp:sp modelId="{7966A8E5-A8B1-4217-9DFB-9031F4BC7607}">
-      <dsp:nvSpPr>
-        <dsp:cNvPr id="0" name=""/>
-        <dsp:cNvSpPr/>
-      </dsp:nvSpPr>
-      <dsp:spPr>
-        <a:xfrm>
-          <a:off x="5987148" y="1237620"/>
-          <a:ext cx="2136832" cy="1068416"/>
-        </a:xfrm>
-        <a:prstGeom prst="roundRect">
-          <a:avLst>
-            <a:gd name="adj" fmla="val 10000"/>
-          </a:avLst>
-        </a:prstGeom>
-        <a:gradFill rotWithShape="0">
-          <a:gsLst>
-            <a:gs pos="0">
-              <a:schemeClr val="accent1">
-                <a:hueOff val="0"/>
-                <a:satOff val="0"/>
-                <a:lumOff val="0"/>
-                <a:alphaOff val="0"/>
-                <a:tint val="80000"/>
-                <a:lumMod val="105000"/>
-              </a:schemeClr>
-            </a:gs>
-            <a:gs pos="100000">
-              <a:schemeClr val="accent1">
-                <a:hueOff val="0"/>
-                <a:satOff val="0"/>
-                <a:lumOff val="0"/>
-                <a:alphaOff val="0"/>
-                <a:tint val="90000"/>
-              </a:schemeClr>
-            </a:gs>
-          </a:gsLst>
-          <a:lin ang="5400000" scaled="0"/>
-        </a:gradFill>
-        <a:ln>
-          <a:noFill/>
-        </a:ln>
-        <a:effectLst/>
-        <a:scene3d>
-          <a:camera prst="orthographicFront"/>
-          <a:lightRig rig="flat" dir="t"/>
-        </a:scene3d>
-        <a:sp3d prstMaterial="dkEdge">
-          <a:bevelT w="8200" h="38100"/>
-        </a:sp3d>
-      </dsp:spPr>
-      <dsp:style>
-        <a:lnRef idx="0">
-          <a:scrgbClr r="0" g="0" b="0"/>
-        </a:lnRef>
-        <a:fillRef idx="2">
-          <a:scrgbClr r="0" g="0" b="0"/>
-        </a:fillRef>
-        <a:effectRef idx="1">
-          <a:scrgbClr r="0" g="0" b="0"/>
-        </a:effectRef>
-        <a:fontRef idx="minor">
-          <a:schemeClr val="dk1"/>
-        </a:fontRef>
-      </dsp:style>
-      <dsp:txBody>
-        <a:bodyPr spcFirstLastPara="0" vert="horz" wrap="square" lIns="8890" tIns="8890" rIns="8890" bIns="8890" numCol="1" spcCol="1270" anchor="ctr" anchorCtr="0">
-          <a:noAutofit/>
-        </a:bodyPr>
-        <a:lstStyle/>
-        <a:p>
-          <a:pPr lvl="0" algn="ctr" defTabSz="622300">
-            <a:lnSpc>
-              <a:spcPct val="90000"/>
-            </a:lnSpc>
-            <a:spcBef>
-              <a:spcPct val="0"/>
-            </a:spcBef>
-            <a:spcAft>
-              <a:spcPct val="35000"/>
-            </a:spcAft>
-          </a:pPr>
-          <a:r>
-            <a:rPr lang="es-CO" sz="1400" b="0" i="0" kern="1200" dirty="0" smtClean="0"/>
-            <a:t>Fortalecimiento de habilidades de negocio y promoción </a:t>
-          </a:r>
-          <a:r>
-            <a:rPr lang="es-CO" sz="1400" b="0" i="0" kern="1200" dirty="0" err="1" smtClean="0"/>
-            <a:t>internac</a:t>
-          </a:r>
-          <a:r>
-            <a:rPr lang="es-CO" sz="1400" b="0" i="0" kern="1200" dirty="0" smtClean="0"/>
-            <a:t>. de contenidos digitales</a:t>
-          </a:r>
-          <a:endParaRPr lang="es-CO" sz="1400" kern="1200" dirty="0"/>
-        </a:p>
-      </dsp:txBody>
-      <dsp:txXfrm>
-        <a:off x="6018441" y="1268913"/>
-        <a:ext cx="2074246" cy="1005830"/>
-      </dsp:txXfrm>
-    </dsp:sp>
-    <dsp:sp modelId="{5AD9C7DE-57D4-497A-A66A-5D8BD752B164}">
-      <dsp:nvSpPr>
-        <dsp:cNvPr id="0" name=""/>
-        <dsp:cNvSpPr/>
-      </dsp:nvSpPr>
-      <dsp:spPr>
-        <a:xfrm rot="3310531">
-          <a:off x="4811414" y="2366019"/>
-          <a:ext cx="1496736" cy="40297"/>
-        </a:xfrm>
-        <a:custGeom>
-          <a:avLst/>
-          <a:gdLst/>
-          <a:ahLst/>
-          <a:cxnLst/>
-          <a:rect l="0" t="0" r="0" b="0"/>
-          <a:pathLst>
-            <a:path>
-              <a:moveTo>
-                <a:pt x="0" y="20148"/>
-              </a:moveTo>
-              <a:lnTo>
-                <a:pt x="1496736" y="20148"/>
-              </a:lnTo>
-            </a:path>
-          </a:pathLst>
-        </a:custGeom>
-        <a:noFill/>
-        <a:ln w="15875" cap="rnd" cmpd="sng" algn="ctr">
-          <a:solidFill>
-            <a:schemeClr val="accent1">
-              <a:shade val="80000"/>
-              <a:hueOff val="0"/>
-              <a:satOff val="0"/>
-              <a:lumOff val="0"/>
-              <a:alphaOff val="0"/>
-            </a:schemeClr>
-          </a:solidFill>
-          <a:prstDash val="solid"/>
-        </a:ln>
-        <a:effectLst/>
-      </dsp:spPr>
-      <dsp:style>
-        <a:lnRef idx="2">
-          <a:scrgbClr r="0" g="0" b="0"/>
-        </a:lnRef>
-        <a:fillRef idx="0">
-          <a:scrgbClr r="0" g="0" b="0"/>
-        </a:fillRef>
-        <a:effectRef idx="0">
-          <a:scrgbClr r="0" g="0" b="0"/>
-        </a:effectRef>
-        <a:fontRef idx="minor"/>
-      </dsp:style>
-      <dsp:txBody>
-        <a:bodyPr spcFirstLastPara="0" vert="horz" wrap="square" lIns="12700" tIns="0" rIns="12700" bIns="0" numCol="1" spcCol="1270" anchor="ctr" anchorCtr="0">
-          <a:noAutofit/>
-        </a:bodyPr>
-        <a:lstStyle/>
-        <a:p>
-          <a:pPr lvl="0" algn="ctr" defTabSz="222250">
-            <a:lnSpc>
-              <a:spcPct val="90000"/>
-            </a:lnSpc>
-            <a:spcBef>
-              <a:spcPct val="0"/>
-            </a:spcBef>
-            <a:spcAft>
-              <a:spcPct val="35000"/>
-            </a:spcAft>
-          </a:pPr>
-          <a:endParaRPr lang="es-CO" sz="500" kern="1200"/>
-        </a:p>
-      </dsp:txBody>
-      <dsp:txXfrm>
-        <a:off x="5522364" y="2348749"/>
-        <a:ext cx="74836" cy="74836"/>
-      </dsp:txXfrm>
-    </dsp:sp>
-    <dsp:sp modelId="{B27A7FC6-D936-4343-AD3D-6BDC1AC12A4F}">
-      <dsp:nvSpPr>
-        <dsp:cNvPr id="0" name=""/>
-        <dsp:cNvSpPr/>
-      </dsp:nvSpPr>
-      <dsp:spPr>
-        <a:xfrm>
-          <a:off x="5987148" y="2466299"/>
-          <a:ext cx="2136832" cy="1068416"/>
-        </a:xfrm>
-        <a:prstGeom prst="roundRect">
-          <a:avLst>
-            <a:gd name="adj" fmla="val 10000"/>
-          </a:avLst>
-        </a:prstGeom>
-        <a:gradFill rotWithShape="0">
-          <a:gsLst>
-            <a:gs pos="0">
-              <a:schemeClr val="accent1">
-                <a:hueOff val="0"/>
-                <a:satOff val="0"/>
-                <a:lumOff val="0"/>
-                <a:alphaOff val="0"/>
-                <a:tint val="80000"/>
-                <a:lumMod val="105000"/>
-              </a:schemeClr>
-            </a:gs>
-            <a:gs pos="100000">
-              <a:schemeClr val="accent1">
-                <a:hueOff val="0"/>
-                <a:satOff val="0"/>
-                <a:lumOff val="0"/>
-                <a:alphaOff val="0"/>
-                <a:tint val="90000"/>
-              </a:schemeClr>
-            </a:gs>
-          </a:gsLst>
-          <a:lin ang="5400000" scaled="0"/>
-        </a:gradFill>
-        <a:ln>
-          <a:noFill/>
-        </a:ln>
-        <a:effectLst/>
-        <a:scene3d>
-          <a:camera prst="orthographicFront"/>
-          <a:lightRig rig="flat" dir="t"/>
-        </a:scene3d>
-        <a:sp3d prstMaterial="dkEdge">
-          <a:bevelT w="8200" h="38100"/>
-        </a:sp3d>
-      </dsp:spPr>
-      <dsp:style>
-        <a:lnRef idx="0">
-          <a:scrgbClr r="0" g="0" b="0"/>
-        </a:lnRef>
-        <a:fillRef idx="2">
-          <a:scrgbClr r="0" g="0" b="0"/>
-        </a:fillRef>
-        <a:effectRef idx="1">
-          <a:scrgbClr r="0" g="0" b="0"/>
-        </a:effectRef>
-        <a:fontRef idx="minor">
-          <a:schemeClr val="dk1"/>
-        </a:fontRef>
-      </dsp:style>
-      <dsp:txBody>
-        <a:bodyPr spcFirstLastPara="0" vert="horz" wrap="square" lIns="8890" tIns="8890" rIns="8890" bIns="8890" numCol="1" spcCol="1270" anchor="ctr" anchorCtr="0">
-          <a:noAutofit/>
-        </a:bodyPr>
-        <a:lstStyle/>
-        <a:p>
-          <a:pPr lvl="0" algn="ctr" defTabSz="622300">
-            <a:lnSpc>
-              <a:spcPct val="90000"/>
-            </a:lnSpc>
-            <a:spcBef>
-              <a:spcPct val="0"/>
-            </a:spcBef>
-            <a:spcAft>
-              <a:spcPct val="35000"/>
-            </a:spcAft>
-          </a:pPr>
-          <a:r>
-            <a:rPr lang="es-CO" sz="1400" b="0" i="0" kern="1200" dirty="0" smtClean="0"/>
-            <a:t>Uso responsable de las TIC</a:t>
-          </a:r>
-          <a:endParaRPr lang="es-CO" sz="1400" kern="1200" dirty="0"/>
-        </a:p>
-      </dsp:txBody>
-      <dsp:txXfrm>
-        <a:off x="6018441" y="2497592"/>
-        <a:ext cx="2074246" cy="1005830"/>
-      </dsp:txXfrm>
-    </dsp:sp>
-    <dsp:sp modelId="{FF8146E6-2FFC-4BF4-AF8F-8565293F6C1F}">
-      <dsp:nvSpPr>
-        <dsp:cNvPr id="0" name=""/>
-        <dsp:cNvSpPr/>
-      </dsp:nvSpPr>
-      <dsp:spPr>
-        <a:xfrm>
-          <a:off x="2140851" y="2980358"/>
-          <a:ext cx="854732" cy="40297"/>
-        </a:xfrm>
-        <a:custGeom>
-          <a:avLst/>
-          <a:gdLst/>
-          <a:ahLst/>
-          <a:cxnLst/>
-          <a:rect l="0" t="0" r="0" b="0"/>
-          <a:pathLst>
-            <a:path>
-              <a:moveTo>
-                <a:pt x="0" y="20148"/>
-              </a:moveTo>
-              <a:lnTo>
-                <a:pt x="854732" y="20148"/>
-              </a:lnTo>
-            </a:path>
-          </a:pathLst>
-        </a:custGeom>
-        <a:noFill/>
-        <a:ln w="15875" cap="rnd" cmpd="sng" algn="ctr">
-          <a:solidFill>
-            <a:schemeClr val="accent1">
-              <a:shade val="60000"/>
-              <a:hueOff val="0"/>
-              <a:satOff val="0"/>
-              <a:lumOff val="0"/>
-              <a:alphaOff val="0"/>
-            </a:schemeClr>
-          </a:solidFill>
-          <a:prstDash val="solid"/>
-        </a:ln>
-        <a:effectLst/>
-      </dsp:spPr>
-      <dsp:style>
-        <a:lnRef idx="2">
-          <a:scrgbClr r="0" g="0" b="0"/>
-        </a:lnRef>
-        <a:fillRef idx="0">
-          <a:scrgbClr r="0" g="0" b="0"/>
-        </a:fillRef>
-        <a:effectRef idx="0">
-          <a:scrgbClr r="0" g="0" b="0"/>
-        </a:effectRef>
-        <a:fontRef idx="minor"/>
-      </dsp:style>
-      <dsp:txBody>
-        <a:bodyPr spcFirstLastPara="0" vert="horz" wrap="square" lIns="12700" tIns="0" rIns="12700" bIns="0" numCol="1" spcCol="1270" anchor="ctr" anchorCtr="0">
-          <a:noAutofit/>
-        </a:bodyPr>
-        <a:lstStyle/>
-        <a:p>
-          <a:pPr lvl="0" algn="ctr" defTabSz="222250">
-            <a:lnSpc>
-              <a:spcPct val="90000"/>
-            </a:lnSpc>
-            <a:spcBef>
-              <a:spcPct val="0"/>
-            </a:spcBef>
-            <a:spcAft>
-              <a:spcPct val="35000"/>
-            </a:spcAft>
-          </a:pPr>
-          <a:endParaRPr lang="es-CO" sz="500" kern="1200"/>
-        </a:p>
-      </dsp:txBody>
-      <dsp:txXfrm>
-        <a:off x="2546849" y="2979138"/>
-        <a:ext cx="42736" cy="42736"/>
-      </dsp:txXfrm>
-    </dsp:sp>
-    <dsp:sp modelId="{1D290996-8D66-4EFC-AB7D-66B3B639557E}">
-      <dsp:nvSpPr>
-        <dsp:cNvPr id="0" name=""/>
-        <dsp:cNvSpPr/>
-      </dsp:nvSpPr>
-      <dsp:spPr>
-        <a:xfrm>
-          <a:off x="2995583" y="2466299"/>
-          <a:ext cx="2136832" cy="1068416"/>
-        </a:xfrm>
-        <a:prstGeom prst="roundRect">
-          <a:avLst>
-            <a:gd name="adj" fmla="val 10000"/>
-          </a:avLst>
-        </a:prstGeom>
-        <a:gradFill rotWithShape="0">
-          <a:gsLst>
-            <a:gs pos="0">
-              <a:schemeClr val="accent1">
-                <a:hueOff val="0"/>
-                <a:satOff val="0"/>
-                <a:lumOff val="0"/>
-                <a:alphaOff val="0"/>
-                <a:tint val="80000"/>
-                <a:lumMod val="105000"/>
-              </a:schemeClr>
-            </a:gs>
-            <a:gs pos="100000">
-              <a:schemeClr val="accent1">
-                <a:hueOff val="0"/>
-                <a:satOff val="0"/>
-                <a:lumOff val="0"/>
-                <a:alphaOff val="0"/>
-                <a:tint val="90000"/>
-              </a:schemeClr>
-            </a:gs>
-          </a:gsLst>
-          <a:lin ang="5400000" scaled="0"/>
-        </a:gradFill>
-        <a:ln>
-          <a:noFill/>
-        </a:ln>
-        <a:effectLst/>
-        <a:scene3d>
-          <a:camera prst="orthographicFront"/>
-          <a:lightRig rig="flat" dir="t"/>
-        </a:scene3d>
-        <a:sp3d prstMaterial="dkEdge">
-          <a:bevelT w="8200" h="38100"/>
-        </a:sp3d>
-      </dsp:spPr>
-      <dsp:style>
-        <a:lnRef idx="0">
-          <a:scrgbClr r="0" g="0" b="0"/>
-        </a:lnRef>
-        <a:fillRef idx="2">
-          <a:scrgbClr r="0" g="0" b="0"/>
-        </a:fillRef>
-        <a:effectRef idx="1">
-          <a:scrgbClr r="0" g="0" b="0"/>
-        </a:effectRef>
-        <a:fontRef idx="minor">
-          <a:schemeClr val="dk1"/>
-        </a:fontRef>
-      </dsp:style>
-      <dsp:txBody>
-        <a:bodyPr spcFirstLastPara="0" vert="horz" wrap="square" lIns="8890" tIns="8890" rIns="8890" bIns="8890" numCol="1" spcCol="1270" anchor="ctr" anchorCtr="0">
-          <a:noAutofit/>
-        </a:bodyPr>
-        <a:lstStyle/>
-        <a:p>
-          <a:pPr lvl="0" algn="ctr" defTabSz="622300">
-            <a:lnSpc>
-              <a:spcPct val="90000"/>
-            </a:lnSpc>
-            <a:spcBef>
-              <a:spcPct val="0"/>
-            </a:spcBef>
-            <a:spcAft>
-              <a:spcPct val="35000"/>
-            </a:spcAft>
-          </a:pPr>
-          <a:r>
-            <a:rPr lang="es-CO" sz="1400" b="0" i="0" kern="1200" dirty="0" smtClean="0"/>
-            <a:t>TIC para discapacitados</a:t>
-          </a:r>
-          <a:endParaRPr lang="es-CO" sz="1400" kern="1200" dirty="0"/>
-        </a:p>
-      </dsp:txBody>
-      <dsp:txXfrm>
-        <a:off x="3026876" y="2497592"/>
-        <a:ext cx="2074246" cy="1005830"/>
-      </dsp:txXfrm>
-    </dsp:sp>
-    <dsp:sp modelId="{722CFEB5-906E-4F90-9F68-1827E91FF12D}">
-      <dsp:nvSpPr>
-        <dsp:cNvPr id="0" name=""/>
-        <dsp:cNvSpPr/>
-      </dsp:nvSpPr>
-      <dsp:spPr>
-        <a:xfrm rot="3310531">
-          <a:off x="1819849" y="3594697"/>
-          <a:ext cx="1496736" cy="40297"/>
-        </a:xfrm>
-        <a:custGeom>
-          <a:avLst/>
-          <a:gdLst/>
-          <a:ahLst/>
-          <a:cxnLst/>
-          <a:rect l="0" t="0" r="0" b="0"/>
-          <a:pathLst>
-            <a:path>
-              <a:moveTo>
-                <a:pt x="0" y="20148"/>
-              </a:moveTo>
-              <a:lnTo>
-                <a:pt x="1496736" y="20148"/>
-              </a:lnTo>
-            </a:path>
-          </a:pathLst>
-        </a:custGeom>
-        <a:noFill/>
-        <a:ln w="15875" cap="rnd" cmpd="sng" algn="ctr">
-          <a:solidFill>
-            <a:schemeClr val="accent1">
-              <a:shade val="60000"/>
-              <a:hueOff val="0"/>
-              <a:satOff val="0"/>
-              <a:lumOff val="0"/>
-              <a:alphaOff val="0"/>
-            </a:schemeClr>
-          </a:solidFill>
-          <a:prstDash val="solid"/>
-        </a:ln>
-        <a:effectLst/>
-      </dsp:spPr>
-      <dsp:style>
-        <a:lnRef idx="2">
-          <a:scrgbClr r="0" g="0" b="0"/>
-        </a:lnRef>
-        <a:fillRef idx="0">
-          <a:scrgbClr r="0" g="0" b="0"/>
-        </a:fillRef>
-        <a:effectRef idx="0">
-          <a:scrgbClr r="0" g="0" b="0"/>
-        </a:effectRef>
-        <a:fontRef idx="minor"/>
-      </dsp:style>
-      <dsp:txBody>
-        <a:bodyPr spcFirstLastPara="0" vert="horz" wrap="square" lIns="12700" tIns="0" rIns="12700" bIns="0" numCol="1" spcCol="1270" anchor="ctr" anchorCtr="0">
-          <a:noAutofit/>
-        </a:bodyPr>
-        <a:lstStyle/>
-        <a:p>
-          <a:pPr lvl="0" algn="ctr" defTabSz="222250">
-            <a:lnSpc>
-              <a:spcPct val="90000"/>
-            </a:lnSpc>
-            <a:spcBef>
-              <a:spcPct val="0"/>
-            </a:spcBef>
-            <a:spcAft>
-              <a:spcPct val="35000"/>
-            </a:spcAft>
-          </a:pPr>
-          <a:endParaRPr lang="es-CO" sz="500" kern="1200"/>
-        </a:p>
-      </dsp:txBody>
-      <dsp:txXfrm>
-        <a:off x="2530799" y="3577428"/>
-        <a:ext cx="74836" cy="74836"/>
-      </dsp:txXfrm>
-    </dsp:sp>
-    <dsp:sp modelId="{743F1041-63E4-4E9E-9920-58BAC180E5EA}">
-      <dsp:nvSpPr>
-        <dsp:cNvPr id="0" name=""/>
-        <dsp:cNvSpPr/>
-      </dsp:nvSpPr>
-      <dsp:spPr>
-        <a:xfrm>
-          <a:off x="2995583" y="3694977"/>
-          <a:ext cx="2136832" cy="1068416"/>
-        </a:xfrm>
-        <a:prstGeom prst="roundRect">
-          <a:avLst>
-            <a:gd name="adj" fmla="val 10000"/>
-          </a:avLst>
-        </a:prstGeom>
-        <a:gradFill rotWithShape="0">
-          <a:gsLst>
-            <a:gs pos="0">
-              <a:schemeClr val="accent1">
-                <a:hueOff val="0"/>
-                <a:satOff val="0"/>
-                <a:lumOff val="0"/>
-                <a:alphaOff val="0"/>
-                <a:tint val="80000"/>
-                <a:lumMod val="105000"/>
-              </a:schemeClr>
-            </a:gs>
-            <a:gs pos="100000">
-              <a:schemeClr val="accent1">
-                <a:hueOff val="0"/>
-                <a:satOff val="0"/>
-                <a:lumOff val="0"/>
-                <a:alphaOff val="0"/>
-                <a:tint val="90000"/>
-              </a:schemeClr>
-            </a:gs>
-          </a:gsLst>
-          <a:lin ang="5400000" scaled="0"/>
-        </a:gradFill>
-        <a:ln>
-          <a:noFill/>
-        </a:ln>
-        <a:effectLst/>
-        <a:scene3d>
-          <a:camera prst="orthographicFront"/>
-          <a:lightRig rig="flat" dir="t"/>
-        </a:scene3d>
-        <a:sp3d prstMaterial="dkEdge">
-          <a:bevelT w="8200" h="38100"/>
-        </a:sp3d>
-      </dsp:spPr>
-      <dsp:style>
-        <a:lnRef idx="0">
-          <a:scrgbClr r="0" g="0" b="0"/>
-        </a:lnRef>
-        <a:fillRef idx="2">
-          <a:scrgbClr r="0" g="0" b="0"/>
-        </a:fillRef>
-        <a:effectRef idx="1">
-          <a:scrgbClr r="0" g="0" b="0"/>
-        </a:effectRef>
-        <a:fontRef idx="minor">
-          <a:schemeClr val="dk1"/>
-        </a:fontRef>
-      </dsp:style>
-      <dsp:txBody>
-        <a:bodyPr spcFirstLastPara="0" vert="horz" wrap="square" lIns="8890" tIns="8890" rIns="8890" bIns="8890" numCol="1" spcCol="1270" anchor="ctr" anchorCtr="0">
-          <a:noAutofit/>
-        </a:bodyPr>
-        <a:lstStyle/>
-        <a:p>
-          <a:pPr lvl="0" algn="ctr" defTabSz="622300">
-            <a:lnSpc>
-              <a:spcPct val="90000"/>
-            </a:lnSpc>
-            <a:spcBef>
-              <a:spcPct val="0"/>
-            </a:spcBef>
-            <a:spcAft>
-              <a:spcPct val="35000"/>
-            </a:spcAft>
-          </a:pPr>
-          <a:r>
-            <a:rPr lang="es-CO" sz="1400" b="0" i="0" kern="1200" dirty="0" smtClean="0"/>
-            <a:t>TIC para el medio ambiente</a:t>
-          </a:r>
-          <a:endParaRPr lang="es-CO" sz="1400" kern="1200" dirty="0"/>
-        </a:p>
-      </dsp:txBody>
-      <dsp:txXfrm>
-        <a:off x="3026876" y="3726270"/>
-        <a:ext cx="2074246" cy="1005830"/>
-      </dsp:txXfrm>
-    </dsp:sp>
   </dsp:spTree>
 </dsp:drawing>
 </file>
@@ -21609,1142 +16184,6 @@
       <dsp:cNvGrpSpPr/>
     </dsp:nvGrpSpPr>
     <dsp:grpSpPr/>
-    <dsp:sp modelId="{D92DDBA8-F4FE-4937-89A1-7E9D55A6F4ED}">
-      <dsp:nvSpPr>
-        <dsp:cNvPr id="0" name=""/>
-        <dsp:cNvSpPr/>
-      </dsp:nvSpPr>
-      <dsp:spPr>
-        <a:xfrm>
-          <a:off x="4019" y="1851959"/>
-          <a:ext cx="2136832" cy="1068416"/>
-        </a:xfrm>
-        <a:prstGeom prst="roundRect">
-          <a:avLst>
-            <a:gd name="adj" fmla="val 10000"/>
-          </a:avLst>
-        </a:prstGeom>
-        <a:gradFill rotWithShape="0">
-          <a:gsLst>
-            <a:gs pos="0">
-              <a:schemeClr val="accent1">
-                <a:hueOff val="0"/>
-                <a:satOff val="0"/>
-                <a:lumOff val="0"/>
-                <a:alphaOff val="0"/>
-                <a:tint val="80000"/>
-                <a:lumMod val="105000"/>
-              </a:schemeClr>
-            </a:gs>
-            <a:gs pos="100000">
-              <a:schemeClr val="accent1">
-                <a:hueOff val="0"/>
-                <a:satOff val="0"/>
-                <a:lumOff val="0"/>
-                <a:alphaOff val="0"/>
-                <a:tint val="90000"/>
-              </a:schemeClr>
-            </a:gs>
-          </a:gsLst>
-          <a:lin ang="5400000" scaled="0"/>
-        </a:gradFill>
-        <a:ln>
-          <a:noFill/>
-        </a:ln>
-        <a:effectLst/>
-        <a:scene3d>
-          <a:camera prst="orthographicFront"/>
-          <a:lightRig rig="flat" dir="t"/>
-        </a:scene3d>
-        <a:sp3d prstMaterial="dkEdge">
-          <a:bevelT w="8200" h="38100"/>
-        </a:sp3d>
-      </dsp:spPr>
-      <dsp:style>
-        <a:lnRef idx="0">
-          <a:scrgbClr r="0" g="0" b="0"/>
-        </a:lnRef>
-        <a:fillRef idx="2">
-          <a:scrgbClr r="0" g="0" b="0"/>
-        </a:fillRef>
-        <a:effectRef idx="1">
-          <a:scrgbClr r="0" g="0" b="0"/>
-        </a:effectRef>
-        <a:fontRef idx="minor">
-          <a:schemeClr val="dk1"/>
-        </a:fontRef>
-      </dsp:style>
-      <dsp:txBody>
-        <a:bodyPr spcFirstLastPara="0" vert="horz" wrap="square" lIns="10795" tIns="10795" rIns="10795" bIns="10795" numCol="1" spcCol="1270" anchor="ctr" anchorCtr="0">
-          <a:noAutofit/>
-        </a:bodyPr>
-        <a:lstStyle/>
-        <a:p>
-          <a:pPr lvl="0" algn="ctr" defTabSz="755650">
-            <a:lnSpc>
-              <a:spcPct val="90000"/>
-            </a:lnSpc>
-            <a:spcBef>
-              <a:spcPct val="0"/>
-            </a:spcBef>
-            <a:spcAft>
-              <a:spcPct val="35000"/>
-            </a:spcAft>
-          </a:pPr>
-          <a:r>
-            <a:rPr lang="es-CO" sz="1700" kern="1200" dirty="0" smtClean="0"/>
-            <a:t>Innovación</a:t>
-          </a:r>
-          <a:endParaRPr lang="es-CO" sz="1700" kern="1200" dirty="0"/>
-        </a:p>
-      </dsp:txBody>
-      <dsp:txXfrm>
-        <a:off x="35312" y="1883252"/>
-        <a:ext cx="2074246" cy="1005830"/>
-      </dsp:txXfrm>
-    </dsp:sp>
-    <dsp:sp modelId="{CE08125B-C286-46FE-BBE8-6B846F681671}">
-      <dsp:nvSpPr>
-        <dsp:cNvPr id="0" name=""/>
-        <dsp:cNvSpPr/>
-      </dsp:nvSpPr>
-      <dsp:spPr>
-        <a:xfrm rot="18289469">
-          <a:off x="1819849" y="1751679"/>
-          <a:ext cx="1496736" cy="40297"/>
-        </a:xfrm>
-        <a:custGeom>
-          <a:avLst/>
-          <a:gdLst/>
-          <a:ahLst/>
-          <a:cxnLst/>
-          <a:rect l="0" t="0" r="0" b="0"/>
-          <a:pathLst>
-            <a:path>
-              <a:moveTo>
-                <a:pt x="0" y="20148"/>
-              </a:moveTo>
-              <a:lnTo>
-                <a:pt x="1496736" y="20148"/>
-              </a:lnTo>
-            </a:path>
-          </a:pathLst>
-        </a:custGeom>
-        <a:noFill/>
-        <a:ln w="15875" cap="rnd" cmpd="sng" algn="ctr">
-          <a:solidFill>
-            <a:schemeClr val="accent1">
-              <a:shade val="60000"/>
-              <a:hueOff val="0"/>
-              <a:satOff val="0"/>
-              <a:lumOff val="0"/>
-              <a:alphaOff val="0"/>
-            </a:schemeClr>
-          </a:solidFill>
-          <a:prstDash val="solid"/>
-        </a:ln>
-        <a:effectLst/>
-      </dsp:spPr>
-      <dsp:style>
-        <a:lnRef idx="2">
-          <a:scrgbClr r="0" g="0" b="0"/>
-        </a:lnRef>
-        <a:fillRef idx="0">
-          <a:scrgbClr r="0" g="0" b="0"/>
-        </a:fillRef>
-        <a:effectRef idx="0">
-          <a:scrgbClr r="0" g="0" b="0"/>
-        </a:effectRef>
-        <a:fontRef idx="minor"/>
-      </dsp:style>
-      <dsp:txBody>
-        <a:bodyPr spcFirstLastPara="0" vert="horz" wrap="square" lIns="12700" tIns="0" rIns="12700" bIns="0" numCol="1" spcCol="1270" anchor="ctr" anchorCtr="0">
-          <a:noAutofit/>
-        </a:bodyPr>
-        <a:lstStyle/>
-        <a:p>
-          <a:pPr lvl="0" algn="ctr" defTabSz="222250">
-            <a:lnSpc>
-              <a:spcPct val="90000"/>
-            </a:lnSpc>
-            <a:spcBef>
-              <a:spcPct val="0"/>
-            </a:spcBef>
-            <a:spcAft>
-              <a:spcPct val="35000"/>
-            </a:spcAft>
-          </a:pPr>
-          <a:endParaRPr lang="es-CO" sz="500" kern="1200"/>
-        </a:p>
-      </dsp:txBody>
-      <dsp:txXfrm>
-        <a:off x="2530799" y="1734410"/>
-        <a:ext cx="74836" cy="74836"/>
-      </dsp:txXfrm>
-    </dsp:sp>
-    <dsp:sp modelId="{066DB53C-5FCE-4F56-8F4C-A3292C306081}">
-      <dsp:nvSpPr>
-        <dsp:cNvPr id="0" name=""/>
-        <dsp:cNvSpPr/>
-      </dsp:nvSpPr>
-      <dsp:spPr>
-        <a:xfrm>
-          <a:off x="2995583" y="623281"/>
-          <a:ext cx="2136832" cy="1068416"/>
-        </a:xfrm>
-        <a:prstGeom prst="roundRect">
-          <a:avLst>
-            <a:gd name="adj" fmla="val 10000"/>
-          </a:avLst>
-        </a:prstGeom>
-        <a:gradFill rotWithShape="0">
-          <a:gsLst>
-            <a:gs pos="0">
-              <a:schemeClr val="accent1">
-                <a:hueOff val="0"/>
-                <a:satOff val="0"/>
-                <a:lumOff val="0"/>
-                <a:alphaOff val="0"/>
-                <a:tint val="80000"/>
-                <a:lumMod val="105000"/>
-              </a:schemeClr>
-            </a:gs>
-            <a:gs pos="100000">
-              <a:schemeClr val="accent1">
-                <a:hueOff val="0"/>
-                <a:satOff val="0"/>
-                <a:lumOff val="0"/>
-                <a:alphaOff val="0"/>
-                <a:tint val="90000"/>
-              </a:schemeClr>
-            </a:gs>
-          </a:gsLst>
-          <a:lin ang="5400000" scaled="0"/>
-        </a:gradFill>
-        <a:ln>
-          <a:noFill/>
-        </a:ln>
-        <a:effectLst/>
-        <a:scene3d>
-          <a:camera prst="orthographicFront"/>
-          <a:lightRig rig="flat" dir="t"/>
-        </a:scene3d>
-        <a:sp3d prstMaterial="dkEdge">
-          <a:bevelT w="8200" h="38100"/>
-        </a:sp3d>
-      </dsp:spPr>
-      <dsp:style>
-        <a:lnRef idx="0">
-          <a:scrgbClr r="0" g="0" b="0"/>
-        </a:lnRef>
-        <a:fillRef idx="2">
-          <a:scrgbClr r="0" g="0" b="0"/>
-        </a:fillRef>
-        <a:effectRef idx="1">
-          <a:scrgbClr r="0" g="0" b="0"/>
-        </a:effectRef>
-        <a:fontRef idx="minor">
-          <a:schemeClr val="dk1"/>
-        </a:fontRef>
-      </dsp:style>
-      <dsp:txBody>
-        <a:bodyPr spcFirstLastPara="0" vert="horz" wrap="square" lIns="10795" tIns="10795" rIns="10795" bIns="10795" numCol="1" spcCol="1270" anchor="ctr" anchorCtr="0">
-          <a:noAutofit/>
-        </a:bodyPr>
-        <a:lstStyle/>
-        <a:p>
-          <a:pPr lvl="0" algn="ctr" defTabSz="755650">
-            <a:lnSpc>
-              <a:spcPct val="90000"/>
-            </a:lnSpc>
-            <a:spcBef>
-              <a:spcPct val="0"/>
-            </a:spcBef>
-            <a:spcAft>
-              <a:spcPct val="35000"/>
-            </a:spcAft>
-          </a:pPr>
-          <a:r>
-            <a:rPr lang="es-CO" sz="1700" b="0" i="0" kern="1200" dirty="0" smtClean="0"/>
-            <a:t>Industria de contenidos digitales</a:t>
-          </a:r>
-          <a:endParaRPr lang="es-CO" sz="1700" kern="1200" dirty="0"/>
-        </a:p>
-      </dsp:txBody>
-      <dsp:txXfrm>
-        <a:off x="3026876" y="654574"/>
-        <a:ext cx="2074246" cy="1005830"/>
-      </dsp:txXfrm>
-    </dsp:sp>
-    <dsp:sp modelId="{FF8146E6-2FFC-4BF4-AF8F-8565293F6C1F}">
-      <dsp:nvSpPr>
-        <dsp:cNvPr id="0" name=""/>
-        <dsp:cNvSpPr/>
-      </dsp:nvSpPr>
-      <dsp:spPr>
-        <a:xfrm>
-          <a:off x="2140851" y="2366019"/>
-          <a:ext cx="854732" cy="40297"/>
-        </a:xfrm>
-        <a:custGeom>
-          <a:avLst/>
-          <a:gdLst/>
-          <a:ahLst/>
-          <a:cxnLst/>
-          <a:rect l="0" t="0" r="0" b="0"/>
-          <a:pathLst>
-            <a:path>
-              <a:moveTo>
-                <a:pt x="0" y="20148"/>
-              </a:moveTo>
-              <a:lnTo>
-                <a:pt x="854732" y="20148"/>
-              </a:lnTo>
-            </a:path>
-          </a:pathLst>
-        </a:custGeom>
-        <a:noFill/>
-        <a:ln w="15875" cap="rnd" cmpd="sng" algn="ctr">
-          <a:solidFill>
-            <a:schemeClr val="accent1">
-              <a:shade val="60000"/>
-              <a:hueOff val="0"/>
-              <a:satOff val="0"/>
-              <a:lumOff val="0"/>
-              <a:alphaOff val="0"/>
-            </a:schemeClr>
-          </a:solidFill>
-          <a:prstDash val="solid"/>
-        </a:ln>
-        <a:effectLst/>
-      </dsp:spPr>
-      <dsp:style>
-        <a:lnRef idx="2">
-          <a:scrgbClr r="0" g="0" b="0"/>
-        </a:lnRef>
-        <a:fillRef idx="0">
-          <a:scrgbClr r="0" g="0" b="0"/>
-        </a:fillRef>
-        <a:effectRef idx="0">
-          <a:scrgbClr r="0" g="0" b="0"/>
-        </a:effectRef>
-        <a:fontRef idx="minor"/>
-      </dsp:style>
-      <dsp:txBody>
-        <a:bodyPr spcFirstLastPara="0" vert="horz" wrap="square" lIns="12700" tIns="0" rIns="12700" bIns="0" numCol="1" spcCol="1270" anchor="ctr" anchorCtr="0">
-          <a:noAutofit/>
-        </a:bodyPr>
-        <a:lstStyle/>
-        <a:p>
-          <a:pPr lvl="0" algn="ctr" defTabSz="222250">
-            <a:lnSpc>
-              <a:spcPct val="90000"/>
-            </a:lnSpc>
-            <a:spcBef>
-              <a:spcPct val="0"/>
-            </a:spcBef>
-            <a:spcAft>
-              <a:spcPct val="35000"/>
-            </a:spcAft>
-          </a:pPr>
-          <a:endParaRPr lang="es-CO" sz="500" kern="1200"/>
-        </a:p>
-      </dsp:txBody>
-      <dsp:txXfrm>
-        <a:off x="2546849" y="2364799"/>
-        <a:ext cx="42736" cy="42736"/>
-      </dsp:txXfrm>
-    </dsp:sp>
-    <dsp:sp modelId="{1D290996-8D66-4EFC-AB7D-66B3B639557E}">
-      <dsp:nvSpPr>
-        <dsp:cNvPr id="0" name=""/>
-        <dsp:cNvSpPr/>
-      </dsp:nvSpPr>
-      <dsp:spPr>
-        <a:xfrm>
-          <a:off x="2995583" y="1851959"/>
-          <a:ext cx="2136832" cy="1068416"/>
-        </a:xfrm>
-        <a:prstGeom prst="roundRect">
-          <a:avLst>
-            <a:gd name="adj" fmla="val 10000"/>
-          </a:avLst>
-        </a:prstGeom>
-        <a:gradFill rotWithShape="0">
-          <a:gsLst>
-            <a:gs pos="0">
-              <a:schemeClr val="accent1">
-                <a:hueOff val="0"/>
-                <a:satOff val="0"/>
-                <a:lumOff val="0"/>
-                <a:alphaOff val="0"/>
-                <a:tint val="80000"/>
-                <a:lumMod val="105000"/>
-              </a:schemeClr>
-            </a:gs>
-            <a:gs pos="100000">
-              <a:schemeClr val="accent1">
-                <a:hueOff val="0"/>
-                <a:satOff val="0"/>
-                <a:lumOff val="0"/>
-                <a:alphaOff val="0"/>
-                <a:tint val="90000"/>
-              </a:schemeClr>
-            </a:gs>
-          </a:gsLst>
-          <a:lin ang="5400000" scaled="0"/>
-        </a:gradFill>
-        <a:ln>
-          <a:noFill/>
-        </a:ln>
-        <a:effectLst/>
-        <a:scene3d>
-          <a:camera prst="orthographicFront"/>
-          <a:lightRig rig="flat" dir="t"/>
-        </a:scene3d>
-        <a:sp3d prstMaterial="dkEdge">
-          <a:bevelT w="8200" h="38100"/>
-        </a:sp3d>
-      </dsp:spPr>
-      <dsp:style>
-        <a:lnRef idx="0">
-          <a:scrgbClr r="0" g="0" b="0"/>
-        </a:lnRef>
-        <a:fillRef idx="2">
-          <a:scrgbClr r="0" g="0" b="0"/>
-        </a:fillRef>
-        <a:effectRef idx="1">
-          <a:scrgbClr r="0" g="0" b="0"/>
-        </a:effectRef>
-        <a:fontRef idx="minor">
-          <a:schemeClr val="dk1"/>
-        </a:fontRef>
-      </dsp:style>
-      <dsp:txBody>
-        <a:bodyPr spcFirstLastPara="0" vert="horz" wrap="square" lIns="10795" tIns="10795" rIns="10795" bIns="10795" numCol="1" spcCol="1270" anchor="ctr" anchorCtr="0">
-          <a:noAutofit/>
-        </a:bodyPr>
-        <a:lstStyle/>
-        <a:p>
-          <a:pPr lvl="0" algn="ctr" defTabSz="755650">
-            <a:lnSpc>
-              <a:spcPct val="90000"/>
-            </a:lnSpc>
-            <a:spcBef>
-              <a:spcPct val="0"/>
-            </a:spcBef>
-            <a:spcAft>
-              <a:spcPct val="35000"/>
-            </a:spcAft>
-          </a:pPr>
-          <a:r>
-            <a:rPr lang="es-CO" sz="1700" b="0" i="0" kern="1200" dirty="0" smtClean="0"/>
-            <a:t>TIC para discapacitados</a:t>
-          </a:r>
-          <a:endParaRPr lang="es-CO" sz="1700" kern="1200" dirty="0"/>
-        </a:p>
-      </dsp:txBody>
-      <dsp:txXfrm>
-        <a:off x="3026876" y="1883252"/>
-        <a:ext cx="2074246" cy="1005830"/>
-      </dsp:txXfrm>
-    </dsp:sp>
-    <dsp:sp modelId="{11731D20-832D-451D-9342-021548B7DCE8}">
-      <dsp:nvSpPr>
-        <dsp:cNvPr id="0" name=""/>
-        <dsp:cNvSpPr/>
-      </dsp:nvSpPr>
-      <dsp:spPr>
-        <a:xfrm rot="18289469">
-          <a:off x="4811414" y="1751679"/>
-          <a:ext cx="1496736" cy="40297"/>
-        </a:xfrm>
-        <a:custGeom>
-          <a:avLst/>
-          <a:gdLst/>
-          <a:ahLst/>
-          <a:cxnLst/>
-          <a:rect l="0" t="0" r="0" b="0"/>
-          <a:pathLst>
-            <a:path>
-              <a:moveTo>
-                <a:pt x="0" y="20148"/>
-              </a:moveTo>
-              <a:lnTo>
-                <a:pt x="1496736" y="20148"/>
-              </a:lnTo>
-            </a:path>
-          </a:pathLst>
-        </a:custGeom>
-        <a:noFill/>
-        <a:ln w="15875" cap="rnd" cmpd="sng" algn="ctr">
-          <a:solidFill>
-            <a:schemeClr val="accent1">
-              <a:shade val="80000"/>
-              <a:hueOff val="0"/>
-              <a:satOff val="0"/>
-              <a:lumOff val="0"/>
-              <a:alphaOff val="0"/>
-            </a:schemeClr>
-          </a:solidFill>
-          <a:prstDash val="solid"/>
-        </a:ln>
-        <a:effectLst/>
-      </dsp:spPr>
-      <dsp:style>
-        <a:lnRef idx="2">
-          <a:scrgbClr r="0" g="0" b="0"/>
-        </a:lnRef>
-        <a:fillRef idx="0">
-          <a:scrgbClr r="0" g="0" b="0"/>
-        </a:fillRef>
-        <a:effectRef idx="0">
-          <a:scrgbClr r="0" g="0" b="0"/>
-        </a:effectRef>
-        <a:fontRef idx="minor"/>
-      </dsp:style>
-      <dsp:txBody>
-        <a:bodyPr spcFirstLastPara="0" vert="horz" wrap="square" lIns="12700" tIns="0" rIns="12700" bIns="0" numCol="1" spcCol="1270" anchor="ctr" anchorCtr="0">
-          <a:noAutofit/>
-        </a:bodyPr>
-        <a:lstStyle/>
-        <a:p>
-          <a:pPr lvl="0" algn="ctr" defTabSz="222250">
-            <a:lnSpc>
-              <a:spcPct val="90000"/>
-            </a:lnSpc>
-            <a:spcBef>
-              <a:spcPct val="0"/>
-            </a:spcBef>
-            <a:spcAft>
-              <a:spcPct val="35000"/>
-            </a:spcAft>
-          </a:pPr>
-          <a:endParaRPr lang="es-CO" sz="500" kern="1200"/>
-        </a:p>
-      </dsp:txBody>
-      <dsp:txXfrm>
-        <a:off x="5522364" y="1734410"/>
-        <a:ext cx="74836" cy="74836"/>
-      </dsp:txXfrm>
-    </dsp:sp>
-    <dsp:sp modelId="{FCECD67A-0148-4E55-BEB7-E757CF0A75A8}">
-      <dsp:nvSpPr>
-        <dsp:cNvPr id="0" name=""/>
-        <dsp:cNvSpPr/>
-      </dsp:nvSpPr>
-      <dsp:spPr>
-        <a:xfrm>
-          <a:off x="5987148" y="623281"/>
-          <a:ext cx="2136832" cy="1068416"/>
-        </a:xfrm>
-        <a:prstGeom prst="roundRect">
-          <a:avLst>
-            <a:gd name="adj" fmla="val 10000"/>
-          </a:avLst>
-        </a:prstGeom>
-        <a:gradFill rotWithShape="0">
-          <a:gsLst>
-            <a:gs pos="0">
-              <a:schemeClr val="accent1">
-                <a:hueOff val="0"/>
-                <a:satOff val="0"/>
-                <a:lumOff val="0"/>
-                <a:alphaOff val="0"/>
-                <a:tint val="80000"/>
-                <a:lumMod val="105000"/>
-              </a:schemeClr>
-            </a:gs>
-            <a:gs pos="100000">
-              <a:schemeClr val="accent1">
-                <a:hueOff val="0"/>
-                <a:satOff val="0"/>
-                <a:lumOff val="0"/>
-                <a:alphaOff val="0"/>
-                <a:tint val="90000"/>
-              </a:schemeClr>
-            </a:gs>
-          </a:gsLst>
-          <a:lin ang="5400000" scaled="0"/>
-        </a:gradFill>
-        <a:ln>
-          <a:noFill/>
-        </a:ln>
-        <a:effectLst/>
-        <a:scene3d>
-          <a:camera prst="orthographicFront"/>
-          <a:lightRig rig="flat" dir="t"/>
-        </a:scene3d>
-        <a:sp3d prstMaterial="dkEdge">
-          <a:bevelT w="8200" h="38100"/>
-        </a:sp3d>
-      </dsp:spPr>
-      <dsp:style>
-        <a:lnRef idx="0">
-          <a:scrgbClr r="0" g="0" b="0"/>
-        </a:lnRef>
-        <a:fillRef idx="2">
-          <a:scrgbClr r="0" g="0" b="0"/>
-        </a:fillRef>
-        <a:effectRef idx="1">
-          <a:scrgbClr r="0" g="0" b="0"/>
-        </a:effectRef>
-        <a:fontRef idx="minor">
-          <a:schemeClr val="dk1"/>
-        </a:fontRef>
-      </dsp:style>
-      <dsp:txBody>
-        <a:bodyPr spcFirstLastPara="0" vert="horz" wrap="square" lIns="10795" tIns="10795" rIns="10795" bIns="10795" numCol="1" spcCol="1270" anchor="ctr" anchorCtr="0">
-          <a:noAutofit/>
-        </a:bodyPr>
-        <a:lstStyle/>
-        <a:p>
-          <a:pPr lvl="0" algn="ctr" defTabSz="755650">
-            <a:lnSpc>
-              <a:spcPct val="90000"/>
-            </a:lnSpc>
-            <a:spcBef>
-              <a:spcPct val="0"/>
-            </a:spcBef>
-            <a:spcAft>
-              <a:spcPct val="35000"/>
-            </a:spcAft>
-          </a:pPr>
-          <a:r>
-            <a:rPr lang="es-CO" sz="1700" b="0" i="0" kern="1200" dirty="0" smtClean="0"/>
-            <a:t>Contratación y evaluación de iniciativas y proveedores</a:t>
-          </a:r>
-          <a:endParaRPr lang="es-CO" sz="1700" kern="1200" dirty="0"/>
-        </a:p>
-      </dsp:txBody>
-      <dsp:txXfrm>
-        <a:off x="6018441" y="654574"/>
-        <a:ext cx="2074246" cy="1005830"/>
-      </dsp:txXfrm>
-    </dsp:sp>
-    <dsp:sp modelId="{D71ADF09-217C-4040-A623-7F904668AE73}">
-      <dsp:nvSpPr>
-        <dsp:cNvPr id="0" name=""/>
-        <dsp:cNvSpPr/>
-      </dsp:nvSpPr>
-      <dsp:spPr>
-        <a:xfrm>
-          <a:off x="5132416" y="2366019"/>
-          <a:ext cx="854732" cy="40297"/>
-        </a:xfrm>
-        <a:custGeom>
-          <a:avLst/>
-          <a:gdLst/>
-          <a:ahLst/>
-          <a:cxnLst/>
-          <a:rect l="0" t="0" r="0" b="0"/>
-          <a:pathLst>
-            <a:path>
-              <a:moveTo>
-                <a:pt x="0" y="20148"/>
-              </a:moveTo>
-              <a:lnTo>
-                <a:pt x="854732" y="20148"/>
-              </a:lnTo>
-            </a:path>
-          </a:pathLst>
-        </a:custGeom>
-        <a:noFill/>
-        <a:ln w="15875" cap="rnd" cmpd="sng" algn="ctr">
-          <a:solidFill>
-            <a:schemeClr val="accent1">
-              <a:shade val="80000"/>
-              <a:hueOff val="0"/>
-              <a:satOff val="0"/>
-              <a:lumOff val="0"/>
-              <a:alphaOff val="0"/>
-            </a:schemeClr>
-          </a:solidFill>
-          <a:prstDash val="solid"/>
-        </a:ln>
-        <a:effectLst/>
-      </dsp:spPr>
-      <dsp:style>
-        <a:lnRef idx="2">
-          <a:scrgbClr r="0" g="0" b="0"/>
-        </a:lnRef>
-        <a:fillRef idx="0">
-          <a:scrgbClr r="0" g="0" b="0"/>
-        </a:fillRef>
-        <a:effectRef idx="0">
-          <a:scrgbClr r="0" g="0" b="0"/>
-        </a:effectRef>
-        <a:fontRef idx="minor"/>
-      </dsp:style>
-      <dsp:txBody>
-        <a:bodyPr spcFirstLastPara="0" vert="horz" wrap="square" lIns="12700" tIns="0" rIns="12700" bIns="0" numCol="1" spcCol="1270" anchor="ctr" anchorCtr="0">
-          <a:noAutofit/>
-        </a:bodyPr>
-        <a:lstStyle/>
-        <a:p>
-          <a:pPr lvl="0" algn="ctr" defTabSz="222250">
-            <a:lnSpc>
-              <a:spcPct val="90000"/>
-            </a:lnSpc>
-            <a:spcBef>
-              <a:spcPct val="0"/>
-            </a:spcBef>
-            <a:spcAft>
-              <a:spcPct val="35000"/>
-            </a:spcAft>
-          </a:pPr>
-          <a:endParaRPr lang="es-CO" sz="500" kern="1200"/>
-        </a:p>
-      </dsp:txBody>
-      <dsp:txXfrm>
-        <a:off x="5538414" y="2364799"/>
-        <a:ext cx="42736" cy="42736"/>
-      </dsp:txXfrm>
-    </dsp:sp>
-    <dsp:sp modelId="{106594D5-8D3C-475D-A2E9-B93FDDF38576}">
-      <dsp:nvSpPr>
-        <dsp:cNvPr id="0" name=""/>
-        <dsp:cNvSpPr/>
-      </dsp:nvSpPr>
-      <dsp:spPr>
-        <a:xfrm>
-          <a:off x="5987148" y="1851959"/>
-          <a:ext cx="2136832" cy="1068416"/>
-        </a:xfrm>
-        <a:prstGeom prst="roundRect">
-          <a:avLst>
-            <a:gd name="adj" fmla="val 10000"/>
-          </a:avLst>
-        </a:prstGeom>
-        <a:gradFill rotWithShape="0">
-          <a:gsLst>
-            <a:gs pos="0">
-              <a:schemeClr val="accent1">
-                <a:hueOff val="0"/>
-                <a:satOff val="0"/>
-                <a:lumOff val="0"/>
-                <a:alphaOff val="0"/>
-                <a:tint val="80000"/>
-                <a:lumMod val="105000"/>
-              </a:schemeClr>
-            </a:gs>
-            <a:gs pos="100000">
-              <a:schemeClr val="accent1">
-                <a:hueOff val="0"/>
-                <a:satOff val="0"/>
-                <a:lumOff val="0"/>
-                <a:alphaOff val="0"/>
-                <a:tint val="90000"/>
-              </a:schemeClr>
-            </a:gs>
-          </a:gsLst>
-          <a:lin ang="5400000" scaled="0"/>
-        </a:gradFill>
-        <a:ln>
-          <a:noFill/>
-        </a:ln>
-        <a:effectLst/>
-        <a:scene3d>
-          <a:camera prst="orthographicFront"/>
-          <a:lightRig rig="flat" dir="t"/>
-        </a:scene3d>
-        <a:sp3d prstMaterial="dkEdge">
-          <a:bevelT w="8200" h="38100"/>
-        </a:sp3d>
-      </dsp:spPr>
-      <dsp:style>
-        <a:lnRef idx="0">
-          <a:scrgbClr r="0" g="0" b="0"/>
-        </a:lnRef>
-        <a:fillRef idx="2">
-          <a:scrgbClr r="0" g="0" b="0"/>
-        </a:fillRef>
-        <a:effectRef idx="1">
-          <a:scrgbClr r="0" g="0" b="0"/>
-        </a:effectRef>
-        <a:fontRef idx="minor">
-          <a:schemeClr val="dk1"/>
-        </a:fontRef>
-      </dsp:style>
-      <dsp:txBody>
-        <a:bodyPr spcFirstLastPara="0" vert="horz" wrap="square" lIns="10795" tIns="10795" rIns="10795" bIns="10795" numCol="1" spcCol="1270" anchor="ctr" anchorCtr="0">
-          <a:noAutofit/>
-        </a:bodyPr>
-        <a:lstStyle/>
-        <a:p>
-          <a:pPr lvl="0" algn="ctr" defTabSz="755650">
-            <a:lnSpc>
-              <a:spcPct val="90000"/>
-            </a:lnSpc>
-            <a:spcBef>
-              <a:spcPct val="0"/>
-            </a:spcBef>
-            <a:spcAft>
-              <a:spcPct val="35000"/>
-            </a:spcAft>
-          </a:pPr>
-          <a:r>
-            <a:rPr lang="es-CO" sz="1700" b="0" i="0" kern="1200" dirty="0" smtClean="0"/>
-            <a:t>Proyecto Guíame y  </a:t>
-          </a:r>
-          <a:r>
-            <a:rPr lang="es-CO" sz="1700" b="0" i="0" kern="1200" dirty="0" err="1" smtClean="0"/>
-            <a:t>ConVertic</a:t>
-          </a:r>
-          <a:endParaRPr lang="es-CO" sz="1700" kern="1200" dirty="0"/>
-        </a:p>
-      </dsp:txBody>
-      <dsp:txXfrm>
-        <a:off x="6018441" y="1883252"/>
-        <a:ext cx="2074246" cy="1005830"/>
-      </dsp:txXfrm>
-    </dsp:sp>
-    <dsp:sp modelId="{E860FBF0-51F0-402D-8701-2211C46AB0CB}">
-      <dsp:nvSpPr>
-        <dsp:cNvPr id="0" name=""/>
-        <dsp:cNvSpPr/>
-      </dsp:nvSpPr>
-      <dsp:spPr>
-        <a:xfrm rot="3310531">
-          <a:off x="4811414" y="2980358"/>
-          <a:ext cx="1496736" cy="40297"/>
-        </a:xfrm>
-        <a:custGeom>
-          <a:avLst/>
-          <a:gdLst/>
-          <a:ahLst/>
-          <a:cxnLst/>
-          <a:rect l="0" t="0" r="0" b="0"/>
-          <a:pathLst>
-            <a:path>
-              <a:moveTo>
-                <a:pt x="0" y="20148"/>
-              </a:moveTo>
-              <a:lnTo>
-                <a:pt x="1496736" y="20148"/>
-              </a:lnTo>
-            </a:path>
-          </a:pathLst>
-        </a:custGeom>
-        <a:noFill/>
-        <a:ln w="15875" cap="rnd" cmpd="sng" algn="ctr">
-          <a:solidFill>
-            <a:schemeClr val="accent1">
-              <a:shade val="80000"/>
-              <a:hueOff val="0"/>
-              <a:satOff val="0"/>
-              <a:lumOff val="0"/>
-              <a:alphaOff val="0"/>
-            </a:schemeClr>
-          </a:solidFill>
-          <a:prstDash val="solid"/>
-        </a:ln>
-        <a:effectLst/>
-      </dsp:spPr>
-      <dsp:style>
-        <a:lnRef idx="2">
-          <a:scrgbClr r="0" g="0" b="0"/>
-        </a:lnRef>
-        <a:fillRef idx="0">
-          <a:scrgbClr r="0" g="0" b="0"/>
-        </a:fillRef>
-        <a:effectRef idx="0">
-          <a:scrgbClr r="0" g="0" b="0"/>
-        </a:effectRef>
-        <a:fontRef idx="minor"/>
-      </dsp:style>
-      <dsp:txBody>
-        <a:bodyPr spcFirstLastPara="0" vert="horz" wrap="square" lIns="12700" tIns="0" rIns="12700" bIns="0" numCol="1" spcCol="1270" anchor="ctr" anchorCtr="0">
-          <a:noAutofit/>
-        </a:bodyPr>
-        <a:lstStyle/>
-        <a:p>
-          <a:pPr lvl="0" algn="ctr" defTabSz="222250">
-            <a:lnSpc>
-              <a:spcPct val="90000"/>
-            </a:lnSpc>
-            <a:spcBef>
-              <a:spcPct val="0"/>
-            </a:spcBef>
-            <a:spcAft>
-              <a:spcPct val="35000"/>
-            </a:spcAft>
-          </a:pPr>
-          <a:endParaRPr lang="es-CO" sz="500" kern="1200"/>
-        </a:p>
-      </dsp:txBody>
-      <dsp:txXfrm>
-        <a:off x="5522364" y="2963088"/>
-        <a:ext cx="74836" cy="74836"/>
-      </dsp:txXfrm>
-    </dsp:sp>
-    <dsp:sp modelId="{59A10109-6C7C-44AC-83D1-7913080A9A31}">
-      <dsp:nvSpPr>
-        <dsp:cNvPr id="0" name=""/>
-        <dsp:cNvSpPr/>
-      </dsp:nvSpPr>
-      <dsp:spPr>
-        <a:xfrm>
-          <a:off x="5987148" y="3080638"/>
-          <a:ext cx="2136832" cy="1068416"/>
-        </a:xfrm>
-        <a:prstGeom prst="roundRect">
-          <a:avLst>
-            <a:gd name="adj" fmla="val 10000"/>
-          </a:avLst>
-        </a:prstGeom>
-        <a:gradFill rotWithShape="0">
-          <a:gsLst>
-            <a:gs pos="0">
-              <a:schemeClr val="accent1">
-                <a:hueOff val="0"/>
-                <a:satOff val="0"/>
-                <a:lumOff val="0"/>
-                <a:alphaOff val="0"/>
-                <a:tint val="80000"/>
-                <a:lumMod val="105000"/>
-              </a:schemeClr>
-            </a:gs>
-            <a:gs pos="100000">
-              <a:schemeClr val="accent1">
-                <a:hueOff val="0"/>
-                <a:satOff val="0"/>
-                <a:lumOff val="0"/>
-                <a:alphaOff val="0"/>
-                <a:tint val="90000"/>
-              </a:schemeClr>
-            </a:gs>
-          </a:gsLst>
-          <a:lin ang="5400000" scaled="0"/>
-        </a:gradFill>
-        <a:ln>
-          <a:noFill/>
-        </a:ln>
-        <a:effectLst/>
-        <a:scene3d>
-          <a:camera prst="orthographicFront"/>
-          <a:lightRig rig="flat" dir="t"/>
-        </a:scene3d>
-        <a:sp3d prstMaterial="dkEdge">
-          <a:bevelT w="8200" h="38100"/>
-        </a:sp3d>
-      </dsp:spPr>
-      <dsp:style>
-        <a:lnRef idx="0">
-          <a:scrgbClr r="0" g="0" b="0"/>
-        </a:lnRef>
-        <a:fillRef idx="2">
-          <a:scrgbClr r="0" g="0" b="0"/>
-        </a:fillRef>
-        <a:effectRef idx="1">
-          <a:scrgbClr r="0" g="0" b="0"/>
-        </a:effectRef>
-        <a:fontRef idx="minor">
-          <a:schemeClr val="dk1"/>
-        </a:fontRef>
-      </dsp:style>
-      <dsp:txBody>
-        <a:bodyPr spcFirstLastPara="0" vert="horz" wrap="square" lIns="10795" tIns="10795" rIns="10795" bIns="10795" numCol="1" spcCol="1270" anchor="ctr" anchorCtr="0">
-          <a:noAutofit/>
-        </a:bodyPr>
-        <a:lstStyle/>
-        <a:p>
-          <a:pPr lvl="0" algn="ctr" defTabSz="755650">
-            <a:lnSpc>
-              <a:spcPct val="90000"/>
-            </a:lnSpc>
-            <a:spcBef>
-              <a:spcPct val="0"/>
-            </a:spcBef>
-            <a:spcAft>
-              <a:spcPct val="35000"/>
-            </a:spcAft>
-          </a:pPr>
-          <a:r>
-            <a:rPr lang="es-CO" sz="1700" b="0" i="0" kern="1200" dirty="0" smtClean="0"/>
-            <a:t>Contenidos y formación TIC para discapacitados</a:t>
-          </a:r>
-          <a:endParaRPr lang="es-CO" sz="1700" kern="1200" dirty="0"/>
-        </a:p>
-      </dsp:txBody>
-      <dsp:txXfrm>
-        <a:off x="6018441" y="3111931"/>
-        <a:ext cx="2074246" cy="1005830"/>
-      </dsp:txXfrm>
-    </dsp:sp>
-    <dsp:sp modelId="{90CA5F66-BBE9-410A-BCB4-279610FC218F}">
-      <dsp:nvSpPr>
-        <dsp:cNvPr id="0" name=""/>
-        <dsp:cNvSpPr/>
-      </dsp:nvSpPr>
-      <dsp:spPr>
-        <a:xfrm rot="3310531">
-          <a:off x="1819849" y="2980358"/>
-          <a:ext cx="1496736" cy="40297"/>
-        </a:xfrm>
-        <a:custGeom>
-          <a:avLst/>
-          <a:gdLst/>
-          <a:ahLst/>
-          <a:cxnLst/>
-          <a:rect l="0" t="0" r="0" b="0"/>
-          <a:pathLst>
-            <a:path>
-              <a:moveTo>
-                <a:pt x="0" y="20148"/>
-              </a:moveTo>
-              <a:lnTo>
-                <a:pt x="1496736" y="20148"/>
-              </a:lnTo>
-            </a:path>
-          </a:pathLst>
-        </a:custGeom>
-        <a:noFill/>
-        <a:ln w="15875" cap="rnd" cmpd="sng" algn="ctr">
-          <a:solidFill>
-            <a:schemeClr val="accent1">
-              <a:shade val="60000"/>
-              <a:hueOff val="0"/>
-              <a:satOff val="0"/>
-              <a:lumOff val="0"/>
-              <a:alphaOff val="0"/>
-            </a:schemeClr>
-          </a:solidFill>
-          <a:prstDash val="solid"/>
-        </a:ln>
-        <a:effectLst/>
-      </dsp:spPr>
-      <dsp:style>
-        <a:lnRef idx="2">
-          <a:scrgbClr r="0" g="0" b="0"/>
-        </a:lnRef>
-        <a:fillRef idx="0">
-          <a:scrgbClr r="0" g="0" b="0"/>
-        </a:fillRef>
-        <a:effectRef idx="0">
-          <a:scrgbClr r="0" g="0" b="0"/>
-        </a:effectRef>
-        <a:fontRef idx="minor"/>
-      </dsp:style>
-      <dsp:txBody>
-        <a:bodyPr spcFirstLastPara="0" vert="horz" wrap="square" lIns="12700" tIns="0" rIns="12700" bIns="0" numCol="1" spcCol="1270" anchor="ctr" anchorCtr="0">
-          <a:noAutofit/>
-        </a:bodyPr>
-        <a:lstStyle/>
-        <a:p>
-          <a:pPr lvl="0" algn="ctr" defTabSz="222250">
-            <a:lnSpc>
-              <a:spcPct val="90000"/>
-            </a:lnSpc>
-            <a:spcBef>
-              <a:spcPct val="0"/>
-            </a:spcBef>
-            <a:spcAft>
-              <a:spcPct val="35000"/>
-            </a:spcAft>
-          </a:pPr>
-          <a:endParaRPr lang="es-CO" sz="500" kern="1200"/>
-        </a:p>
-      </dsp:txBody>
-      <dsp:txXfrm>
-        <a:off x="2530799" y="2963088"/>
-        <a:ext cx="74836" cy="74836"/>
-      </dsp:txXfrm>
-    </dsp:sp>
-    <dsp:sp modelId="{63C2DD31-6981-43F0-B921-16F7740A67D4}">
-      <dsp:nvSpPr>
-        <dsp:cNvPr id="0" name=""/>
-        <dsp:cNvSpPr/>
-      </dsp:nvSpPr>
-      <dsp:spPr>
-        <a:xfrm>
-          <a:off x="2995583" y="3080638"/>
-          <a:ext cx="2136832" cy="1068416"/>
-        </a:xfrm>
-        <a:prstGeom prst="roundRect">
-          <a:avLst>
-            <a:gd name="adj" fmla="val 10000"/>
-          </a:avLst>
-        </a:prstGeom>
-        <a:gradFill rotWithShape="0">
-          <a:gsLst>
-            <a:gs pos="0">
-              <a:schemeClr val="accent1">
-                <a:hueOff val="0"/>
-                <a:satOff val="0"/>
-                <a:lumOff val="0"/>
-                <a:alphaOff val="0"/>
-                <a:tint val="80000"/>
-                <a:lumMod val="105000"/>
-              </a:schemeClr>
-            </a:gs>
-            <a:gs pos="100000">
-              <a:schemeClr val="accent1">
-                <a:hueOff val="0"/>
-                <a:satOff val="0"/>
-                <a:lumOff val="0"/>
-                <a:alphaOff val="0"/>
-                <a:tint val="90000"/>
-              </a:schemeClr>
-            </a:gs>
-          </a:gsLst>
-          <a:lin ang="5400000" scaled="0"/>
-        </a:gradFill>
-        <a:ln>
-          <a:noFill/>
-        </a:ln>
-        <a:effectLst/>
-        <a:scene3d>
-          <a:camera prst="orthographicFront"/>
-          <a:lightRig rig="flat" dir="t"/>
-        </a:scene3d>
-        <a:sp3d prstMaterial="dkEdge">
-          <a:bevelT w="8200" h="38100"/>
-        </a:sp3d>
-      </dsp:spPr>
-      <dsp:style>
-        <a:lnRef idx="0">
-          <a:scrgbClr r="0" g="0" b="0"/>
-        </a:lnRef>
-        <a:fillRef idx="2">
-          <a:scrgbClr r="0" g="0" b="0"/>
-        </a:fillRef>
-        <a:effectRef idx="1">
-          <a:scrgbClr r="0" g="0" b="0"/>
-        </a:effectRef>
-        <a:fontRef idx="minor">
-          <a:schemeClr val="dk1"/>
-        </a:fontRef>
-      </dsp:style>
-      <dsp:txBody>
-        <a:bodyPr spcFirstLastPara="0" vert="horz" wrap="square" lIns="10795" tIns="10795" rIns="10795" bIns="10795" numCol="1" spcCol="1270" anchor="ctr" anchorCtr="0">
-          <a:noAutofit/>
-        </a:bodyPr>
-        <a:lstStyle/>
-        <a:p>
-          <a:pPr lvl="0" algn="ctr" defTabSz="755650">
-            <a:lnSpc>
-              <a:spcPct val="90000"/>
-            </a:lnSpc>
-            <a:spcBef>
-              <a:spcPct val="0"/>
-            </a:spcBef>
-            <a:spcAft>
-              <a:spcPct val="35000"/>
-            </a:spcAft>
-          </a:pPr>
-          <a:r>
-            <a:rPr lang="es-CO" sz="1700" b="0" i="0" kern="1200" smtClean="0"/>
-            <a:t>TIC para el medio ambiente</a:t>
-          </a:r>
-          <a:endParaRPr lang="es-CO" sz="1700" kern="1200" dirty="0"/>
-        </a:p>
-      </dsp:txBody>
-      <dsp:txXfrm>
-        <a:off x="3026876" y="3111931"/>
-        <a:ext cx="2074246" cy="1005830"/>
-      </dsp:txXfrm>
-    </dsp:sp>
   </dsp:spTree>
 </dsp:drawing>
 </file>
@@ -22757,1138 +16196,6 @@
       <dsp:cNvGrpSpPr/>
     </dsp:nvGrpSpPr>
     <dsp:grpSpPr/>
-    <dsp:sp modelId="{D92DDBA8-F4FE-4937-89A1-7E9D55A6F4ED}">
-      <dsp:nvSpPr>
-        <dsp:cNvPr id="0" name=""/>
-        <dsp:cNvSpPr/>
-      </dsp:nvSpPr>
-      <dsp:spPr>
-        <a:xfrm>
-          <a:off x="4019" y="1237620"/>
-          <a:ext cx="2136832" cy="1068416"/>
-        </a:xfrm>
-        <a:prstGeom prst="roundRect">
-          <a:avLst>
-            <a:gd name="adj" fmla="val 10000"/>
-          </a:avLst>
-        </a:prstGeom>
-        <a:gradFill rotWithShape="0">
-          <a:gsLst>
-            <a:gs pos="0">
-              <a:schemeClr val="accent1">
-                <a:hueOff val="0"/>
-                <a:satOff val="0"/>
-                <a:lumOff val="0"/>
-                <a:alphaOff val="0"/>
-                <a:tint val="80000"/>
-                <a:lumMod val="105000"/>
-              </a:schemeClr>
-            </a:gs>
-            <a:gs pos="100000">
-              <a:schemeClr val="accent1">
-                <a:hueOff val="0"/>
-                <a:satOff val="0"/>
-                <a:lumOff val="0"/>
-                <a:alphaOff val="0"/>
-                <a:tint val="90000"/>
-              </a:schemeClr>
-            </a:gs>
-          </a:gsLst>
-          <a:lin ang="5400000" scaled="0"/>
-        </a:gradFill>
-        <a:ln>
-          <a:noFill/>
-        </a:ln>
-        <a:effectLst/>
-        <a:scene3d>
-          <a:camera prst="orthographicFront"/>
-          <a:lightRig rig="flat" dir="t"/>
-        </a:scene3d>
-        <a:sp3d prstMaterial="dkEdge">
-          <a:bevelT w="8200" h="38100"/>
-        </a:sp3d>
-      </dsp:spPr>
-      <dsp:style>
-        <a:lnRef idx="0">
-          <a:scrgbClr r="0" g="0" b="0"/>
-        </a:lnRef>
-        <a:fillRef idx="2">
-          <a:scrgbClr r="0" g="0" b="0"/>
-        </a:fillRef>
-        <a:effectRef idx="1">
-          <a:scrgbClr r="0" g="0" b="0"/>
-        </a:effectRef>
-        <a:fontRef idx="minor">
-          <a:schemeClr val="dk1"/>
-        </a:fontRef>
-      </dsp:style>
-      <dsp:txBody>
-        <a:bodyPr spcFirstLastPara="0" vert="horz" wrap="square" lIns="9525" tIns="9525" rIns="9525" bIns="9525" numCol="1" spcCol="1270" anchor="ctr" anchorCtr="0">
-          <a:noAutofit/>
-        </a:bodyPr>
-        <a:lstStyle/>
-        <a:p>
-          <a:pPr lvl="0" algn="ctr" defTabSz="666750">
-            <a:lnSpc>
-              <a:spcPct val="90000"/>
-            </a:lnSpc>
-            <a:spcBef>
-              <a:spcPct val="0"/>
-            </a:spcBef>
-            <a:spcAft>
-              <a:spcPct val="35000"/>
-            </a:spcAft>
-          </a:pPr>
-          <a:r>
-            <a:rPr lang="es-CO" sz="1500" kern="1200" dirty="0" smtClean="0"/>
-            <a:t>Innovación</a:t>
-          </a:r>
-          <a:endParaRPr lang="es-CO" sz="1500" kern="1200" dirty="0"/>
-        </a:p>
-      </dsp:txBody>
-      <dsp:txXfrm>
-        <a:off x="35312" y="1268913"/>
-        <a:ext cx="2074246" cy="1005830"/>
-      </dsp:txXfrm>
-    </dsp:sp>
-    <dsp:sp modelId="{CE08125B-C286-46FE-BBE8-6B846F681671}">
-      <dsp:nvSpPr>
-        <dsp:cNvPr id="0" name=""/>
-        <dsp:cNvSpPr/>
-      </dsp:nvSpPr>
-      <dsp:spPr>
-        <a:xfrm rot="18289469">
-          <a:off x="1819849" y="1137340"/>
-          <a:ext cx="1496736" cy="40297"/>
-        </a:xfrm>
-        <a:custGeom>
-          <a:avLst/>
-          <a:gdLst/>
-          <a:ahLst/>
-          <a:cxnLst/>
-          <a:rect l="0" t="0" r="0" b="0"/>
-          <a:pathLst>
-            <a:path>
-              <a:moveTo>
-                <a:pt x="0" y="20148"/>
-              </a:moveTo>
-              <a:lnTo>
-                <a:pt x="1496736" y="20148"/>
-              </a:lnTo>
-            </a:path>
-          </a:pathLst>
-        </a:custGeom>
-        <a:noFill/>
-        <a:ln w="15875" cap="rnd" cmpd="sng" algn="ctr">
-          <a:solidFill>
-            <a:schemeClr val="accent1">
-              <a:shade val="60000"/>
-              <a:hueOff val="0"/>
-              <a:satOff val="0"/>
-              <a:lumOff val="0"/>
-              <a:alphaOff val="0"/>
-            </a:schemeClr>
-          </a:solidFill>
-          <a:prstDash val="solid"/>
-        </a:ln>
-        <a:effectLst/>
-      </dsp:spPr>
-      <dsp:style>
-        <a:lnRef idx="2">
-          <a:scrgbClr r="0" g="0" b="0"/>
-        </a:lnRef>
-        <a:fillRef idx="0">
-          <a:scrgbClr r="0" g="0" b="0"/>
-        </a:fillRef>
-        <a:effectRef idx="0">
-          <a:scrgbClr r="0" g="0" b="0"/>
-        </a:effectRef>
-        <a:fontRef idx="minor"/>
-      </dsp:style>
-      <dsp:txBody>
-        <a:bodyPr spcFirstLastPara="0" vert="horz" wrap="square" lIns="12700" tIns="0" rIns="12700" bIns="0" numCol="1" spcCol="1270" anchor="ctr" anchorCtr="0">
-          <a:noAutofit/>
-        </a:bodyPr>
-        <a:lstStyle/>
-        <a:p>
-          <a:pPr lvl="0" algn="ctr" defTabSz="222250">
-            <a:lnSpc>
-              <a:spcPct val="90000"/>
-            </a:lnSpc>
-            <a:spcBef>
-              <a:spcPct val="0"/>
-            </a:spcBef>
-            <a:spcAft>
-              <a:spcPct val="35000"/>
-            </a:spcAft>
-          </a:pPr>
-          <a:endParaRPr lang="es-CO" sz="500" kern="1200"/>
-        </a:p>
-      </dsp:txBody>
-      <dsp:txXfrm>
-        <a:off x="2530799" y="1120071"/>
-        <a:ext cx="74836" cy="74836"/>
-      </dsp:txXfrm>
-    </dsp:sp>
-    <dsp:sp modelId="{066DB53C-5FCE-4F56-8F4C-A3292C306081}">
-      <dsp:nvSpPr>
-        <dsp:cNvPr id="0" name=""/>
-        <dsp:cNvSpPr/>
-      </dsp:nvSpPr>
-      <dsp:spPr>
-        <a:xfrm>
-          <a:off x="2995583" y="8942"/>
-          <a:ext cx="2136832" cy="1068416"/>
-        </a:xfrm>
-        <a:prstGeom prst="roundRect">
-          <a:avLst>
-            <a:gd name="adj" fmla="val 10000"/>
-          </a:avLst>
-        </a:prstGeom>
-        <a:gradFill rotWithShape="0">
-          <a:gsLst>
-            <a:gs pos="0">
-              <a:schemeClr val="accent1">
-                <a:hueOff val="0"/>
-                <a:satOff val="0"/>
-                <a:lumOff val="0"/>
-                <a:alphaOff val="0"/>
-                <a:tint val="80000"/>
-                <a:lumMod val="105000"/>
-              </a:schemeClr>
-            </a:gs>
-            <a:gs pos="100000">
-              <a:schemeClr val="accent1">
-                <a:hueOff val="0"/>
-                <a:satOff val="0"/>
-                <a:lumOff val="0"/>
-                <a:alphaOff val="0"/>
-                <a:tint val="90000"/>
-              </a:schemeClr>
-            </a:gs>
-          </a:gsLst>
-          <a:lin ang="5400000" scaled="0"/>
-        </a:gradFill>
-        <a:ln>
-          <a:noFill/>
-        </a:ln>
-        <a:effectLst/>
-        <a:scene3d>
-          <a:camera prst="orthographicFront"/>
-          <a:lightRig rig="flat" dir="t"/>
-        </a:scene3d>
-        <a:sp3d prstMaterial="dkEdge">
-          <a:bevelT w="8200" h="38100"/>
-        </a:sp3d>
-      </dsp:spPr>
-      <dsp:style>
-        <a:lnRef idx="0">
-          <a:scrgbClr r="0" g="0" b="0"/>
-        </a:lnRef>
-        <a:fillRef idx="2">
-          <a:scrgbClr r="0" g="0" b="0"/>
-        </a:fillRef>
-        <a:effectRef idx="1">
-          <a:scrgbClr r="0" g="0" b="0"/>
-        </a:effectRef>
-        <a:fontRef idx="minor">
-          <a:schemeClr val="dk1"/>
-        </a:fontRef>
-      </dsp:style>
-      <dsp:txBody>
-        <a:bodyPr spcFirstLastPara="0" vert="horz" wrap="square" lIns="9525" tIns="9525" rIns="9525" bIns="9525" numCol="1" spcCol="1270" anchor="ctr" anchorCtr="0">
-          <a:noAutofit/>
-        </a:bodyPr>
-        <a:lstStyle/>
-        <a:p>
-          <a:pPr lvl="0" algn="ctr" defTabSz="666750">
-            <a:lnSpc>
-              <a:spcPct val="90000"/>
-            </a:lnSpc>
-            <a:spcBef>
-              <a:spcPct val="0"/>
-            </a:spcBef>
-            <a:spcAft>
-              <a:spcPct val="35000"/>
-            </a:spcAft>
-          </a:pPr>
-          <a:r>
-            <a:rPr lang="es-CO" sz="1500" b="0" i="0" kern="1200" dirty="0" smtClean="0"/>
-            <a:t>Industria de contenidos digitales</a:t>
-          </a:r>
-          <a:endParaRPr lang="es-CO" sz="1500" kern="1200" dirty="0"/>
-        </a:p>
-      </dsp:txBody>
-      <dsp:txXfrm>
-        <a:off x="3026876" y="40235"/>
-        <a:ext cx="2074246" cy="1005830"/>
-      </dsp:txXfrm>
-    </dsp:sp>
-    <dsp:sp modelId="{FF8146E6-2FFC-4BF4-AF8F-8565293F6C1F}">
-      <dsp:nvSpPr>
-        <dsp:cNvPr id="0" name=""/>
-        <dsp:cNvSpPr/>
-      </dsp:nvSpPr>
-      <dsp:spPr>
-        <a:xfrm>
-          <a:off x="2140851" y="1751679"/>
-          <a:ext cx="854732" cy="40297"/>
-        </a:xfrm>
-        <a:custGeom>
-          <a:avLst/>
-          <a:gdLst/>
-          <a:ahLst/>
-          <a:cxnLst/>
-          <a:rect l="0" t="0" r="0" b="0"/>
-          <a:pathLst>
-            <a:path>
-              <a:moveTo>
-                <a:pt x="0" y="20148"/>
-              </a:moveTo>
-              <a:lnTo>
-                <a:pt x="854732" y="20148"/>
-              </a:lnTo>
-            </a:path>
-          </a:pathLst>
-        </a:custGeom>
-        <a:noFill/>
-        <a:ln w="15875" cap="rnd" cmpd="sng" algn="ctr">
-          <a:solidFill>
-            <a:schemeClr val="accent1">
-              <a:shade val="60000"/>
-              <a:hueOff val="0"/>
-              <a:satOff val="0"/>
-              <a:lumOff val="0"/>
-              <a:alphaOff val="0"/>
-            </a:schemeClr>
-          </a:solidFill>
-          <a:prstDash val="solid"/>
-        </a:ln>
-        <a:effectLst/>
-      </dsp:spPr>
-      <dsp:style>
-        <a:lnRef idx="2">
-          <a:scrgbClr r="0" g="0" b="0"/>
-        </a:lnRef>
-        <a:fillRef idx="0">
-          <a:scrgbClr r="0" g="0" b="0"/>
-        </a:fillRef>
-        <a:effectRef idx="0">
-          <a:scrgbClr r="0" g="0" b="0"/>
-        </a:effectRef>
-        <a:fontRef idx="minor"/>
-      </dsp:style>
-      <dsp:txBody>
-        <a:bodyPr spcFirstLastPara="0" vert="horz" wrap="square" lIns="12700" tIns="0" rIns="12700" bIns="0" numCol="1" spcCol="1270" anchor="ctr" anchorCtr="0">
-          <a:noAutofit/>
-        </a:bodyPr>
-        <a:lstStyle/>
-        <a:p>
-          <a:pPr lvl="0" algn="ctr" defTabSz="222250">
-            <a:lnSpc>
-              <a:spcPct val="90000"/>
-            </a:lnSpc>
-            <a:spcBef>
-              <a:spcPct val="0"/>
-            </a:spcBef>
-            <a:spcAft>
-              <a:spcPct val="35000"/>
-            </a:spcAft>
-          </a:pPr>
-          <a:endParaRPr lang="es-CO" sz="500" kern="1200"/>
-        </a:p>
-      </dsp:txBody>
-      <dsp:txXfrm>
-        <a:off x="2546849" y="1750460"/>
-        <a:ext cx="42736" cy="42736"/>
-      </dsp:txXfrm>
-    </dsp:sp>
-    <dsp:sp modelId="{1D290996-8D66-4EFC-AB7D-66B3B639557E}">
-      <dsp:nvSpPr>
-        <dsp:cNvPr id="0" name=""/>
-        <dsp:cNvSpPr/>
-      </dsp:nvSpPr>
-      <dsp:spPr>
-        <a:xfrm>
-          <a:off x="2995583" y="1237620"/>
-          <a:ext cx="2136832" cy="1068416"/>
-        </a:xfrm>
-        <a:prstGeom prst="roundRect">
-          <a:avLst>
-            <a:gd name="adj" fmla="val 10000"/>
-          </a:avLst>
-        </a:prstGeom>
-        <a:gradFill rotWithShape="0">
-          <a:gsLst>
-            <a:gs pos="0">
-              <a:schemeClr val="accent1">
-                <a:hueOff val="0"/>
-                <a:satOff val="0"/>
-                <a:lumOff val="0"/>
-                <a:alphaOff val="0"/>
-                <a:tint val="80000"/>
-                <a:lumMod val="105000"/>
-              </a:schemeClr>
-            </a:gs>
-            <a:gs pos="100000">
-              <a:schemeClr val="accent1">
-                <a:hueOff val="0"/>
-                <a:satOff val="0"/>
-                <a:lumOff val="0"/>
-                <a:alphaOff val="0"/>
-                <a:tint val="90000"/>
-              </a:schemeClr>
-            </a:gs>
-          </a:gsLst>
-          <a:lin ang="5400000" scaled="0"/>
-        </a:gradFill>
-        <a:ln>
-          <a:noFill/>
-        </a:ln>
-        <a:effectLst/>
-        <a:scene3d>
-          <a:camera prst="orthographicFront"/>
-          <a:lightRig rig="flat" dir="t"/>
-        </a:scene3d>
-        <a:sp3d prstMaterial="dkEdge">
-          <a:bevelT w="8200" h="38100"/>
-        </a:sp3d>
-      </dsp:spPr>
-      <dsp:style>
-        <a:lnRef idx="0">
-          <a:scrgbClr r="0" g="0" b="0"/>
-        </a:lnRef>
-        <a:fillRef idx="2">
-          <a:scrgbClr r="0" g="0" b="0"/>
-        </a:fillRef>
-        <a:effectRef idx="1">
-          <a:scrgbClr r="0" g="0" b="0"/>
-        </a:effectRef>
-        <a:fontRef idx="minor">
-          <a:schemeClr val="dk1"/>
-        </a:fontRef>
-      </dsp:style>
-      <dsp:txBody>
-        <a:bodyPr spcFirstLastPara="0" vert="horz" wrap="square" lIns="9525" tIns="9525" rIns="9525" bIns="9525" numCol="1" spcCol="1270" anchor="ctr" anchorCtr="0">
-          <a:noAutofit/>
-        </a:bodyPr>
-        <a:lstStyle/>
-        <a:p>
-          <a:pPr lvl="0" algn="ctr" defTabSz="666750">
-            <a:lnSpc>
-              <a:spcPct val="90000"/>
-            </a:lnSpc>
-            <a:spcBef>
-              <a:spcPct val="0"/>
-            </a:spcBef>
-            <a:spcAft>
-              <a:spcPct val="35000"/>
-            </a:spcAft>
-          </a:pPr>
-          <a:r>
-            <a:rPr lang="es-CO" sz="1500" b="0" i="0" kern="1200" dirty="0" smtClean="0"/>
-            <a:t>TIC para discapacitados</a:t>
-          </a:r>
-          <a:endParaRPr lang="es-CO" sz="1500" kern="1200" dirty="0"/>
-        </a:p>
-      </dsp:txBody>
-      <dsp:txXfrm>
-        <a:off x="3026876" y="1268913"/>
-        <a:ext cx="2074246" cy="1005830"/>
-      </dsp:txXfrm>
-    </dsp:sp>
-    <dsp:sp modelId="{90CA5F66-BBE9-410A-BCB4-279610FC218F}">
-      <dsp:nvSpPr>
-        <dsp:cNvPr id="0" name=""/>
-        <dsp:cNvSpPr/>
-      </dsp:nvSpPr>
-      <dsp:spPr>
-        <a:xfrm rot="3310531">
-          <a:off x="1819849" y="2366019"/>
-          <a:ext cx="1496736" cy="40297"/>
-        </a:xfrm>
-        <a:custGeom>
-          <a:avLst/>
-          <a:gdLst/>
-          <a:ahLst/>
-          <a:cxnLst/>
-          <a:rect l="0" t="0" r="0" b="0"/>
-          <a:pathLst>
-            <a:path>
-              <a:moveTo>
-                <a:pt x="0" y="20148"/>
-              </a:moveTo>
-              <a:lnTo>
-                <a:pt x="1496736" y="20148"/>
-              </a:lnTo>
-            </a:path>
-          </a:pathLst>
-        </a:custGeom>
-        <a:noFill/>
-        <a:ln w="15875" cap="rnd" cmpd="sng" algn="ctr">
-          <a:solidFill>
-            <a:schemeClr val="accent1">
-              <a:shade val="60000"/>
-              <a:hueOff val="0"/>
-              <a:satOff val="0"/>
-              <a:lumOff val="0"/>
-              <a:alphaOff val="0"/>
-            </a:schemeClr>
-          </a:solidFill>
-          <a:prstDash val="solid"/>
-        </a:ln>
-        <a:effectLst/>
-      </dsp:spPr>
-      <dsp:style>
-        <a:lnRef idx="2">
-          <a:scrgbClr r="0" g="0" b="0"/>
-        </a:lnRef>
-        <a:fillRef idx="0">
-          <a:scrgbClr r="0" g="0" b="0"/>
-        </a:fillRef>
-        <a:effectRef idx="0">
-          <a:scrgbClr r="0" g="0" b="0"/>
-        </a:effectRef>
-        <a:fontRef idx="minor"/>
-      </dsp:style>
-      <dsp:txBody>
-        <a:bodyPr spcFirstLastPara="0" vert="horz" wrap="square" lIns="12700" tIns="0" rIns="12700" bIns="0" numCol="1" spcCol="1270" anchor="ctr" anchorCtr="0">
-          <a:noAutofit/>
-        </a:bodyPr>
-        <a:lstStyle/>
-        <a:p>
-          <a:pPr lvl="0" algn="ctr" defTabSz="222250">
-            <a:lnSpc>
-              <a:spcPct val="90000"/>
-            </a:lnSpc>
-            <a:spcBef>
-              <a:spcPct val="0"/>
-            </a:spcBef>
-            <a:spcAft>
-              <a:spcPct val="35000"/>
-            </a:spcAft>
-          </a:pPr>
-          <a:endParaRPr lang="es-CO" sz="500" kern="1200"/>
-        </a:p>
-      </dsp:txBody>
-      <dsp:txXfrm>
-        <a:off x="2530799" y="2348749"/>
-        <a:ext cx="74836" cy="74836"/>
-      </dsp:txXfrm>
-    </dsp:sp>
-    <dsp:sp modelId="{63C2DD31-6981-43F0-B921-16F7740A67D4}">
-      <dsp:nvSpPr>
-        <dsp:cNvPr id="0" name=""/>
-        <dsp:cNvSpPr/>
-      </dsp:nvSpPr>
-      <dsp:spPr>
-        <a:xfrm>
-          <a:off x="2995583" y="2466299"/>
-          <a:ext cx="2136832" cy="1068416"/>
-        </a:xfrm>
-        <a:prstGeom prst="roundRect">
-          <a:avLst>
-            <a:gd name="adj" fmla="val 10000"/>
-          </a:avLst>
-        </a:prstGeom>
-        <a:gradFill rotWithShape="0">
-          <a:gsLst>
-            <a:gs pos="0">
-              <a:schemeClr val="accent1">
-                <a:hueOff val="0"/>
-                <a:satOff val="0"/>
-                <a:lumOff val="0"/>
-                <a:alphaOff val="0"/>
-                <a:tint val="80000"/>
-                <a:lumMod val="105000"/>
-              </a:schemeClr>
-            </a:gs>
-            <a:gs pos="100000">
-              <a:schemeClr val="accent1">
-                <a:hueOff val="0"/>
-                <a:satOff val="0"/>
-                <a:lumOff val="0"/>
-                <a:alphaOff val="0"/>
-                <a:tint val="90000"/>
-              </a:schemeClr>
-            </a:gs>
-          </a:gsLst>
-          <a:lin ang="5400000" scaled="0"/>
-        </a:gradFill>
-        <a:ln>
-          <a:noFill/>
-        </a:ln>
-        <a:effectLst/>
-        <a:scene3d>
-          <a:camera prst="orthographicFront"/>
-          <a:lightRig rig="flat" dir="t"/>
-        </a:scene3d>
-        <a:sp3d prstMaterial="dkEdge">
-          <a:bevelT w="8200" h="38100"/>
-        </a:sp3d>
-      </dsp:spPr>
-      <dsp:style>
-        <a:lnRef idx="0">
-          <a:scrgbClr r="0" g="0" b="0"/>
-        </a:lnRef>
-        <a:fillRef idx="2">
-          <a:scrgbClr r="0" g="0" b="0"/>
-        </a:fillRef>
-        <a:effectRef idx="1">
-          <a:scrgbClr r="0" g="0" b="0"/>
-        </a:effectRef>
-        <a:fontRef idx="minor">
-          <a:schemeClr val="dk1"/>
-        </a:fontRef>
-      </dsp:style>
-      <dsp:txBody>
-        <a:bodyPr spcFirstLastPara="0" vert="horz" wrap="square" lIns="9525" tIns="9525" rIns="9525" bIns="9525" numCol="1" spcCol="1270" anchor="ctr" anchorCtr="0">
-          <a:noAutofit/>
-        </a:bodyPr>
-        <a:lstStyle/>
-        <a:p>
-          <a:pPr lvl="0" algn="ctr" defTabSz="666750">
-            <a:lnSpc>
-              <a:spcPct val="90000"/>
-            </a:lnSpc>
-            <a:spcBef>
-              <a:spcPct val="0"/>
-            </a:spcBef>
-            <a:spcAft>
-              <a:spcPct val="35000"/>
-            </a:spcAft>
-          </a:pPr>
-          <a:r>
-            <a:rPr lang="es-CO" sz="1500" b="0" i="0" kern="1200" dirty="0" smtClean="0"/>
-            <a:t>TIC para el medio ambiente</a:t>
-          </a:r>
-          <a:endParaRPr lang="es-CO" sz="1500" kern="1200" dirty="0"/>
-        </a:p>
-      </dsp:txBody>
-      <dsp:txXfrm>
-        <a:off x="3026876" y="2497592"/>
-        <a:ext cx="2074246" cy="1005830"/>
-      </dsp:txXfrm>
-    </dsp:sp>
-    <dsp:sp modelId="{B53AAAFD-540B-4F4B-B104-0C5E3D2CED7E}">
-      <dsp:nvSpPr>
-        <dsp:cNvPr id="0" name=""/>
-        <dsp:cNvSpPr/>
-      </dsp:nvSpPr>
-      <dsp:spPr>
-        <a:xfrm rot="18289469">
-          <a:off x="4811414" y="2366019"/>
-          <a:ext cx="1496736" cy="40297"/>
-        </a:xfrm>
-        <a:custGeom>
-          <a:avLst/>
-          <a:gdLst/>
-          <a:ahLst/>
-          <a:cxnLst/>
-          <a:rect l="0" t="0" r="0" b="0"/>
-          <a:pathLst>
-            <a:path>
-              <a:moveTo>
-                <a:pt x="0" y="20148"/>
-              </a:moveTo>
-              <a:lnTo>
-                <a:pt x="1496736" y="20148"/>
-              </a:lnTo>
-            </a:path>
-          </a:pathLst>
-        </a:custGeom>
-        <a:noFill/>
-        <a:ln w="15875" cap="rnd" cmpd="sng" algn="ctr">
-          <a:solidFill>
-            <a:schemeClr val="accent1">
-              <a:shade val="80000"/>
-              <a:hueOff val="0"/>
-              <a:satOff val="0"/>
-              <a:lumOff val="0"/>
-              <a:alphaOff val="0"/>
-            </a:schemeClr>
-          </a:solidFill>
-          <a:prstDash val="solid"/>
-        </a:ln>
-        <a:effectLst/>
-      </dsp:spPr>
-      <dsp:style>
-        <a:lnRef idx="2">
-          <a:scrgbClr r="0" g="0" b="0"/>
-        </a:lnRef>
-        <a:fillRef idx="0">
-          <a:scrgbClr r="0" g="0" b="0"/>
-        </a:fillRef>
-        <a:effectRef idx="0">
-          <a:scrgbClr r="0" g="0" b="0"/>
-        </a:effectRef>
-        <a:fontRef idx="minor"/>
-      </dsp:style>
-      <dsp:txBody>
-        <a:bodyPr spcFirstLastPara="0" vert="horz" wrap="square" lIns="12700" tIns="0" rIns="12700" bIns="0" numCol="1" spcCol="1270" anchor="ctr" anchorCtr="0">
-          <a:noAutofit/>
-        </a:bodyPr>
-        <a:lstStyle/>
-        <a:p>
-          <a:pPr lvl="0" algn="ctr" defTabSz="222250">
-            <a:lnSpc>
-              <a:spcPct val="90000"/>
-            </a:lnSpc>
-            <a:spcBef>
-              <a:spcPct val="0"/>
-            </a:spcBef>
-            <a:spcAft>
-              <a:spcPct val="35000"/>
-            </a:spcAft>
-          </a:pPr>
-          <a:endParaRPr lang="es-CO" sz="500" kern="1200"/>
-        </a:p>
-      </dsp:txBody>
-      <dsp:txXfrm>
-        <a:off x="5522364" y="2348749"/>
-        <a:ext cx="74836" cy="74836"/>
-      </dsp:txXfrm>
-    </dsp:sp>
-    <dsp:sp modelId="{E7EE268B-8515-4B19-A2B1-45E7FA1E9DC3}">
-      <dsp:nvSpPr>
-        <dsp:cNvPr id="0" name=""/>
-        <dsp:cNvSpPr/>
-      </dsp:nvSpPr>
-      <dsp:spPr>
-        <a:xfrm>
-          <a:off x="5987148" y="1237620"/>
-          <a:ext cx="2136832" cy="1068416"/>
-        </a:xfrm>
-        <a:prstGeom prst="roundRect">
-          <a:avLst>
-            <a:gd name="adj" fmla="val 10000"/>
-          </a:avLst>
-        </a:prstGeom>
-        <a:gradFill rotWithShape="0">
-          <a:gsLst>
-            <a:gs pos="0">
-              <a:schemeClr val="accent1">
-                <a:hueOff val="0"/>
-                <a:satOff val="0"/>
-                <a:lumOff val="0"/>
-                <a:alphaOff val="0"/>
-                <a:tint val="80000"/>
-                <a:lumMod val="105000"/>
-              </a:schemeClr>
-            </a:gs>
-            <a:gs pos="100000">
-              <a:schemeClr val="accent1">
-                <a:hueOff val="0"/>
-                <a:satOff val="0"/>
-                <a:lumOff val="0"/>
-                <a:alphaOff val="0"/>
-                <a:tint val="90000"/>
-              </a:schemeClr>
-            </a:gs>
-          </a:gsLst>
-          <a:lin ang="5400000" scaled="0"/>
-        </a:gradFill>
-        <a:ln>
-          <a:noFill/>
-        </a:ln>
-        <a:effectLst/>
-        <a:scene3d>
-          <a:camera prst="orthographicFront"/>
-          <a:lightRig rig="flat" dir="t"/>
-        </a:scene3d>
-        <a:sp3d prstMaterial="dkEdge">
-          <a:bevelT w="8200" h="38100"/>
-        </a:sp3d>
-      </dsp:spPr>
-      <dsp:style>
-        <a:lnRef idx="0">
-          <a:scrgbClr r="0" g="0" b="0"/>
-        </a:lnRef>
-        <a:fillRef idx="2">
-          <a:scrgbClr r="0" g="0" b="0"/>
-        </a:fillRef>
-        <a:effectRef idx="1">
-          <a:scrgbClr r="0" g="0" b="0"/>
-        </a:effectRef>
-        <a:fontRef idx="minor">
-          <a:schemeClr val="dk1"/>
-        </a:fontRef>
-      </dsp:style>
-      <dsp:txBody>
-        <a:bodyPr spcFirstLastPara="0" vert="horz" wrap="square" lIns="9525" tIns="9525" rIns="9525" bIns="9525" numCol="1" spcCol="1270" anchor="ctr" anchorCtr="0">
-          <a:noAutofit/>
-        </a:bodyPr>
-        <a:lstStyle/>
-        <a:p>
-          <a:pPr lvl="0" algn="ctr" defTabSz="666750">
-            <a:lnSpc>
-              <a:spcPct val="90000"/>
-            </a:lnSpc>
-            <a:spcBef>
-              <a:spcPct val="0"/>
-            </a:spcBef>
-            <a:spcAft>
-              <a:spcPct val="35000"/>
-            </a:spcAft>
-          </a:pPr>
-          <a:r>
-            <a:rPr lang="es-CO" sz="1500" b="0" i="0" kern="1200" dirty="0" smtClean="0"/>
-            <a:t>Programas de donación de terminales obsoletos</a:t>
-          </a:r>
-          <a:endParaRPr lang="es-CO" sz="1500" kern="1200" dirty="0"/>
-        </a:p>
-      </dsp:txBody>
-      <dsp:txXfrm>
-        <a:off x="6018441" y="1268913"/>
-        <a:ext cx="2074246" cy="1005830"/>
-      </dsp:txXfrm>
-    </dsp:sp>
-    <dsp:sp modelId="{D7204C39-7686-4BD8-ADC7-2F7858812C7E}">
-      <dsp:nvSpPr>
-        <dsp:cNvPr id="0" name=""/>
-        <dsp:cNvSpPr/>
-      </dsp:nvSpPr>
-      <dsp:spPr>
-        <a:xfrm>
-          <a:off x="5132416" y="2980358"/>
-          <a:ext cx="854732" cy="40297"/>
-        </a:xfrm>
-        <a:custGeom>
-          <a:avLst/>
-          <a:gdLst/>
-          <a:ahLst/>
-          <a:cxnLst/>
-          <a:rect l="0" t="0" r="0" b="0"/>
-          <a:pathLst>
-            <a:path>
-              <a:moveTo>
-                <a:pt x="0" y="20148"/>
-              </a:moveTo>
-              <a:lnTo>
-                <a:pt x="854732" y="20148"/>
-              </a:lnTo>
-            </a:path>
-          </a:pathLst>
-        </a:custGeom>
-        <a:noFill/>
-        <a:ln w="15875" cap="rnd" cmpd="sng" algn="ctr">
-          <a:solidFill>
-            <a:schemeClr val="accent1">
-              <a:shade val="80000"/>
-              <a:hueOff val="0"/>
-              <a:satOff val="0"/>
-              <a:lumOff val="0"/>
-              <a:alphaOff val="0"/>
-            </a:schemeClr>
-          </a:solidFill>
-          <a:prstDash val="solid"/>
-        </a:ln>
-        <a:effectLst/>
-      </dsp:spPr>
-      <dsp:style>
-        <a:lnRef idx="2">
-          <a:scrgbClr r="0" g="0" b="0"/>
-        </a:lnRef>
-        <a:fillRef idx="0">
-          <a:scrgbClr r="0" g="0" b="0"/>
-        </a:fillRef>
-        <a:effectRef idx="0">
-          <a:scrgbClr r="0" g="0" b="0"/>
-        </a:effectRef>
-        <a:fontRef idx="minor"/>
-      </dsp:style>
-      <dsp:txBody>
-        <a:bodyPr spcFirstLastPara="0" vert="horz" wrap="square" lIns="12700" tIns="0" rIns="12700" bIns="0" numCol="1" spcCol="1270" anchor="ctr" anchorCtr="0">
-          <a:noAutofit/>
-        </a:bodyPr>
-        <a:lstStyle/>
-        <a:p>
-          <a:pPr lvl="0" algn="ctr" defTabSz="222250">
-            <a:lnSpc>
-              <a:spcPct val="90000"/>
-            </a:lnSpc>
-            <a:spcBef>
-              <a:spcPct val="0"/>
-            </a:spcBef>
-            <a:spcAft>
-              <a:spcPct val="35000"/>
-            </a:spcAft>
-          </a:pPr>
-          <a:endParaRPr lang="es-CO" sz="500" kern="1200"/>
-        </a:p>
-      </dsp:txBody>
-      <dsp:txXfrm>
-        <a:off x="5538414" y="2979138"/>
-        <a:ext cx="42736" cy="42736"/>
-      </dsp:txXfrm>
-    </dsp:sp>
-    <dsp:sp modelId="{087834E7-2147-4D53-8553-476BCD1C6B0B}">
-      <dsp:nvSpPr>
-        <dsp:cNvPr id="0" name=""/>
-        <dsp:cNvSpPr/>
-      </dsp:nvSpPr>
-      <dsp:spPr>
-        <a:xfrm>
-          <a:off x="5987148" y="2466299"/>
-          <a:ext cx="2136832" cy="1068416"/>
-        </a:xfrm>
-        <a:prstGeom prst="roundRect">
-          <a:avLst>
-            <a:gd name="adj" fmla="val 10000"/>
-          </a:avLst>
-        </a:prstGeom>
-        <a:gradFill rotWithShape="0">
-          <a:gsLst>
-            <a:gs pos="0">
-              <a:schemeClr val="accent1">
-                <a:hueOff val="0"/>
-                <a:satOff val="0"/>
-                <a:lumOff val="0"/>
-                <a:alphaOff val="0"/>
-                <a:tint val="80000"/>
-                <a:lumMod val="105000"/>
-              </a:schemeClr>
-            </a:gs>
-            <a:gs pos="100000">
-              <a:schemeClr val="accent1">
-                <a:hueOff val="0"/>
-                <a:satOff val="0"/>
-                <a:lumOff val="0"/>
-                <a:alphaOff val="0"/>
-                <a:tint val="90000"/>
-              </a:schemeClr>
-            </a:gs>
-          </a:gsLst>
-          <a:lin ang="5400000" scaled="0"/>
-        </a:gradFill>
-        <a:ln>
-          <a:noFill/>
-        </a:ln>
-        <a:effectLst/>
-        <a:scene3d>
-          <a:camera prst="orthographicFront"/>
-          <a:lightRig rig="flat" dir="t"/>
-        </a:scene3d>
-        <a:sp3d prstMaterial="dkEdge">
-          <a:bevelT w="8200" h="38100"/>
-        </a:sp3d>
-      </dsp:spPr>
-      <dsp:style>
-        <a:lnRef idx="0">
-          <a:scrgbClr r="0" g="0" b="0"/>
-        </a:lnRef>
-        <a:fillRef idx="2">
-          <a:scrgbClr r="0" g="0" b="0"/>
-        </a:fillRef>
-        <a:effectRef idx="1">
-          <a:scrgbClr r="0" g="0" b="0"/>
-        </a:effectRef>
-        <a:fontRef idx="minor">
-          <a:schemeClr val="dk1"/>
-        </a:fontRef>
-      </dsp:style>
-      <dsp:txBody>
-        <a:bodyPr spcFirstLastPara="0" vert="horz" wrap="square" lIns="9525" tIns="9525" rIns="9525" bIns="9525" numCol="1" spcCol="1270" anchor="ctr" anchorCtr="0">
-          <a:noAutofit/>
-        </a:bodyPr>
-        <a:lstStyle/>
-        <a:p>
-          <a:pPr lvl="0" algn="ctr" defTabSz="666750">
-            <a:lnSpc>
-              <a:spcPct val="90000"/>
-            </a:lnSpc>
-            <a:spcBef>
-              <a:spcPct val="0"/>
-            </a:spcBef>
-            <a:spcAft>
-              <a:spcPct val="35000"/>
-            </a:spcAft>
-          </a:pPr>
-          <a:r>
-            <a:rPr lang="es-CO" sz="1500" b="0" i="0" kern="1200" dirty="0" smtClean="0"/>
-            <a:t>Retoma y disposición de dispositivos en centros y sedes educativas, etc.</a:t>
-          </a:r>
-          <a:endParaRPr lang="es-CO" sz="1500" kern="1200" dirty="0"/>
-        </a:p>
-      </dsp:txBody>
-      <dsp:txXfrm>
-        <a:off x="6018441" y="2497592"/>
-        <a:ext cx="2074246" cy="1005830"/>
-      </dsp:txXfrm>
-    </dsp:sp>
-    <dsp:sp modelId="{6CE21E44-9D6B-4175-B82E-AFFFA7CFBFAB}">
-      <dsp:nvSpPr>
-        <dsp:cNvPr id="0" name=""/>
-        <dsp:cNvSpPr/>
-      </dsp:nvSpPr>
-      <dsp:spPr>
-        <a:xfrm rot="3310531">
-          <a:off x="4811414" y="3594697"/>
-          <a:ext cx="1496736" cy="40297"/>
-        </a:xfrm>
-        <a:custGeom>
-          <a:avLst/>
-          <a:gdLst/>
-          <a:ahLst/>
-          <a:cxnLst/>
-          <a:rect l="0" t="0" r="0" b="0"/>
-          <a:pathLst>
-            <a:path>
-              <a:moveTo>
-                <a:pt x="0" y="20148"/>
-              </a:moveTo>
-              <a:lnTo>
-                <a:pt x="1496736" y="20148"/>
-              </a:lnTo>
-            </a:path>
-          </a:pathLst>
-        </a:custGeom>
-        <a:noFill/>
-        <a:ln w="15875" cap="rnd" cmpd="sng" algn="ctr">
-          <a:solidFill>
-            <a:schemeClr val="accent1">
-              <a:shade val="80000"/>
-              <a:hueOff val="0"/>
-              <a:satOff val="0"/>
-              <a:lumOff val="0"/>
-              <a:alphaOff val="0"/>
-            </a:schemeClr>
-          </a:solidFill>
-          <a:prstDash val="solid"/>
-        </a:ln>
-        <a:effectLst/>
-      </dsp:spPr>
-      <dsp:style>
-        <a:lnRef idx="2">
-          <a:scrgbClr r="0" g="0" b="0"/>
-        </a:lnRef>
-        <a:fillRef idx="0">
-          <a:scrgbClr r="0" g="0" b="0"/>
-        </a:fillRef>
-        <a:effectRef idx="0">
-          <a:scrgbClr r="0" g="0" b="0"/>
-        </a:effectRef>
-        <a:fontRef idx="minor"/>
-      </dsp:style>
-      <dsp:txBody>
-        <a:bodyPr spcFirstLastPara="0" vert="horz" wrap="square" lIns="12700" tIns="0" rIns="12700" bIns="0" numCol="1" spcCol="1270" anchor="ctr" anchorCtr="0">
-          <a:noAutofit/>
-        </a:bodyPr>
-        <a:lstStyle/>
-        <a:p>
-          <a:pPr lvl="0" algn="ctr" defTabSz="222250">
-            <a:lnSpc>
-              <a:spcPct val="90000"/>
-            </a:lnSpc>
-            <a:spcBef>
-              <a:spcPct val="0"/>
-            </a:spcBef>
-            <a:spcAft>
-              <a:spcPct val="35000"/>
-            </a:spcAft>
-          </a:pPr>
-          <a:endParaRPr lang="es-CO" sz="500" kern="1200"/>
-        </a:p>
-      </dsp:txBody>
-      <dsp:txXfrm>
-        <a:off x="5522364" y="3577428"/>
-        <a:ext cx="74836" cy="74836"/>
-      </dsp:txXfrm>
-    </dsp:sp>
-    <dsp:sp modelId="{61D2BDDA-5E4F-4B3A-9D0B-D890DEA59FC5}">
-      <dsp:nvSpPr>
-        <dsp:cNvPr id="0" name=""/>
-        <dsp:cNvSpPr/>
-      </dsp:nvSpPr>
-      <dsp:spPr>
-        <a:xfrm>
-          <a:off x="5987148" y="3694977"/>
-          <a:ext cx="2136832" cy="1068416"/>
-        </a:xfrm>
-        <a:prstGeom prst="roundRect">
-          <a:avLst>
-            <a:gd name="adj" fmla="val 10000"/>
-          </a:avLst>
-        </a:prstGeom>
-        <a:gradFill rotWithShape="0">
-          <a:gsLst>
-            <a:gs pos="0">
-              <a:schemeClr val="accent1">
-                <a:hueOff val="0"/>
-                <a:satOff val="0"/>
-                <a:lumOff val="0"/>
-                <a:alphaOff val="0"/>
-                <a:tint val="80000"/>
-                <a:lumMod val="105000"/>
-              </a:schemeClr>
-            </a:gs>
-            <a:gs pos="100000">
-              <a:schemeClr val="accent1">
-                <a:hueOff val="0"/>
-                <a:satOff val="0"/>
-                <a:lumOff val="0"/>
-                <a:alphaOff val="0"/>
-                <a:tint val="90000"/>
-              </a:schemeClr>
-            </a:gs>
-          </a:gsLst>
-          <a:lin ang="5400000" scaled="0"/>
-        </a:gradFill>
-        <a:ln>
-          <a:noFill/>
-        </a:ln>
-        <a:effectLst/>
-        <a:scene3d>
-          <a:camera prst="orthographicFront"/>
-          <a:lightRig rig="flat" dir="t"/>
-        </a:scene3d>
-        <a:sp3d prstMaterial="dkEdge">
-          <a:bevelT w="8200" h="38100"/>
-        </a:sp3d>
-      </dsp:spPr>
-      <dsp:style>
-        <a:lnRef idx="0">
-          <a:scrgbClr r="0" g="0" b="0"/>
-        </a:lnRef>
-        <a:fillRef idx="2">
-          <a:scrgbClr r="0" g="0" b="0"/>
-        </a:fillRef>
-        <a:effectRef idx="1">
-          <a:scrgbClr r="0" g="0" b="0"/>
-        </a:effectRef>
-        <a:fontRef idx="minor">
-          <a:schemeClr val="dk1"/>
-        </a:fontRef>
-      </dsp:style>
-      <dsp:txBody>
-        <a:bodyPr spcFirstLastPara="0" vert="horz" wrap="square" lIns="9525" tIns="9525" rIns="9525" bIns="9525" numCol="1" spcCol="1270" anchor="ctr" anchorCtr="0">
-          <a:noAutofit/>
-        </a:bodyPr>
-        <a:lstStyle/>
-        <a:p>
-          <a:pPr lvl="0" algn="ctr" defTabSz="666750">
-            <a:lnSpc>
-              <a:spcPct val="90000"/>
-            </a:lnSpc>
-            <a:spcBef>
-              <a:spcPct val="0"/>
-            </a:spcBef>
-            <a:spcAft>
-              <a:spcPct val="35000"/>
-            </a:spcAft>
-          </a:pPr>
-          <a:r>
-            <a:rPr lang="es-CO" sz="1500" b="0" i="0" kern="1200" dirty="0" smtClean="0"/>
-            <a:t>Manejo racional y de- manufacturación de residuos electrónicos</a:t>
-          </a:r>
-          <a:endParaRPr lang="es-CO" sz="1500" kern="1200" dirty="0"/>
-        </a:p>
-      </dsp:txBody>
-      <dsp:txXfrm>
-        <a:off x="6018441" y="3726270"/>
-        <a:ext cx="2074246" cy="1005830"/>
-      </dsp:txXfrm>
-    </dsp:sp>
   </dsp:spTree>
 </dsp:drawing>
 </file>
@@ -39012,7 +31319,7 @@
           <a:p>
             <a:fld id="{911F008C-E19B-4087-B0C0-746826CAD4AC}" type="datetimeFigureOut">
               <a:rPr lang="es-CO" smtClean="0"/>
-              <a:t>05/08/2016</a:t>
+              <a:t>03/10/2016</a:t>
             </a:fld>
             <a:endParaRPr lang="es-CO"/>
           </a:p>
@@ -39559,7 +31866,7 @@
           <a:effectLst/>
           <a:extLst>
             <a:ext uri="{91240B29-F687-4f45-9708-019B960494DF}">
-              <a14:hiddenLine xmlns="" xmlns:a14="http://schemas.microsoft.com/office/drawing/2010/main" w="9525">
+              <a14:hiddenLine xmlns:a14="http://schemas.microsoft.com/office/drawing/2010/main" xmlns="" w="9525">
                 <a:solidFill>
                   <a:srgbClr val="000000"/>
                 </a:solidFill>
@@ -39752,7 +32059,7 @@
             <a:fld id="{08B9EBBA-996F-894A-B54A-D6246ED52CEA}" type="datetimeFigureOut">
               <a:rPr lang="en-US" dirty="0"/>
               <a:pPr/>
-              <a:t>8/5/2016</a:t>
+              <a:t>10/3/2016</a:t>
             </a:fld>
             <a:endParaRPr lang="en-US" dirty="0"/>
           </a:p>
@@ -40067,7 +32374,7 @@
             <a:fld id="{18C79C5D-2A6F-F04D-97DA-BEF2467B64E4}" type="datetimeFigureOut">
               <a:rPr lang="en-US" dirty="0"/>
               <a:pPr/>
-              <a:t>8/5/2016</a:t>
+              <a:t>10/3/2016</a:t>
             </a:fld>
             <a:endParaRPr lang="en-US" dirty="0"/>
           </a:p>
@@ -40552,7 +32859,7 @@
             <a:fld id="{8DFA1846-DA80-1C48-A609-854EA85C59AD}" type="datetimeFigureOut">
               <a:rPr lang="en-US" dirty="0"/>
               <a:pPr/>
-              <a:t>8/5/2016</a:t>
+              <a:t>10/3/2016</a:t>
             </a:fld>
             <a:endParaRPr lang="en-US" dirty="0"/>
           </a:p>
@@ -40918,7 +33225,7 @@
             <a:fld id="{FBF54567-0DE4-3F47-BF90-CB84690072F9}" type="datetimeFigureOut">
               <a:rPr lang="en-US" dirty="0"/>
               <a:pPr/>
-              <a:t>8/5/2016</a:t>
+              <a:t>10/3/2016</a:t>
             </a:fld>
             <a:endParaRPr lang="en-US" dirty="0"/>
           </a:p>
@@ -41069,7 +33376,7 @@
           <a:ln/>
           <a:extLst>
             <a:ext uri="{91240B29-F687-4f45-9708-019B960494DF}">
-              <a14:hiddenLine xmlns="" xmlns:a14="http://schemas.microsoft.com/office/drawing/2010/main" w="9525">
+              <a14:hiddenLine xmlns:a14="http://schemas.microsoft.com/office/drawing/2010/main" xmlns="" w="9525">
                 <a:solidFill>
                   <a:srgbClr val="000000"/>
                 </a:solidFill>
@@ -41188,7 +33495,7 @@
             <a:fld id="{C6C52C72-DE31-F449-A4ED-4C594FD91407}" type="datetimeFigureOut">
               <a:rPr lang="en-US" dirty="0"/>
               <a:pPr/>
-              <a:t>8/5/2016</a:t>
+              <a:t>10/3/2016</a:t>
             </a:fld>
             <a:endParaRPr lang="en-US" dirty="0"/>
           </a:p>
@@ -41341,7 +33648,7 @@
           <a:ln/>
           <a:extLst>
             <a:ext uri="{91240B29-F687-4f45-9708-019B960494DF}">
-              <a14:hiddenLine xmlns="" xmlns:a14="http://schemas.microsoft.com/office/drawing/2010/main" w="9525">
+              <a14:hiddenLine xmlns:a14="http://schemas.microsoft.com/office/drawing/2010/main" xmlns="" w="9525">
                 <a:solidFill>
                   <a:srgbClr val="000000"/>
                 </a:solidFill>
@@ -41470,7 +33777,7 @@
             <a:fld id="{ED62726E-379B-B349-9EED-81ED093FA806}" type="datetimeFigureOut">
               <a:rPr lang="en-US" dirty="0"/>
               <a:pPr/>
-              <a:t>8/5/2016</a:t>
+              <a:t>10/3/2016</a:t>
             </a:fld>
             <a:endParaRPr lang="en-US" dirty="0"/>
           </a:p>
@@ -41621,7 +33928,7 @@
           <a:ln/>
           <a:extLst>
             <a:ext uri="{91240B29-F687-4f45-9708-019B960494DF}">
-              <a14:hiddenLine xmlns="" xmlns:a14="http://schemas.microsoft.com/office/drawing/2010/main" w="9525">
+              <a14:hiddenLine xmlns:a14="http://schemas.microsoft.com/office/drawing/2010/main" xmlns="" w="9525">
                 <a:solidFill>
                   <a:srgbClr val="000000"/>
                 </a:solidFill>
@@ -41750,7 +34057,7 @@
             <a:fld id="{9B3A1323-8D79-1946-B0D7-40001CF92E9D}" type="datetimeFigureOut">
               <a:rPr lang="en-US" dirty="0"/>
               <a:pPr/>
-              <a:t>8/5/2016</a:t>
+              <a:t>10/3/2016</a:t>
             </a:fld>
             <a:endParaRPr lang="en-US" dirty="0"/>
           </a:p>
@@ -42090,7 +34397,7 @@
             <a:fld id="{8DFA1846-DA80-1C48-A609-854EA85C59AD}" type="datetimeFigureOut">
               <a:rPr lang="en-US" dirty="0"/>
               <a:pPr/>
-              <a:t>8/5/2016</a:t>
+              <a:t>10/3/2016</a:t>
             </a:fld>
             <a:endParaRPr lang="en-US" dirty="0"/>
           </a:p>
@@ -42241,7 +34548,7 @@
           <a:ln/>
           <a:extLst>
             <a:ext uri="{91240B29-F687-4f45-9708-019B960494DF}">
-              <a14:hiddenLine xmlns="" xmlns:a14="http://schemas.microsoft.com/office/drawing/2010/main" w="9525">
+              <a14:hiddenLine xmlns:a14="http://schemas.microsoft.com/office/drawing/2010/main" xmlns="" w="9525">
                 <a:solidFill>
                   <a:srgbClr val="000000"/>
                 </a:solidFill>
@@ -42426,7 +34733,7 @@
             <a:fld id="{57302355-E14B-8545-A8F8-0FE83CC9D524}" type="datetimeFigureOut">
               <a:rPr lang="en-US" dirty="0"/>
               <a:pPr/>
-              <a:t>8/5/2016</a:t>
+              <a:t>10/3/2016</a:t>
             </a:fld>
             <a:endParaRPr lang="en-US" dirty="0"/>
           </a:p>
@@ -42577,7 +34884,7 @@
           <a:ln/>
           <a:extLst>
             <a:ext uri="{91240B29-F687-4f45-9708-019B960494DF}">
-              <a14:hiddenLine xmlns="" xmlns:a14="http://schemas.microsoft.com/office/drawing/2010/main" w="9525">
+              <a14:hiddenLine xmlns:a14="http://schemas.microsoft.com/office/drawing/2010/main" xmlns="" w="9525">
                 <a:solidFill>
                   <a:srgbClr val="000000"/>
                 </a:solidFill>
@@ -42900,7 +35207,7 @@
             <a:fld id="{02640F58-564D-2B4F-AE67-E407BA4FCF45}" type="datetimeFigureOut">
               <a:rPr lang="en-US" dirty="0"/>
               <a:pPr/>
-              <a:t>8/5/2016</a:t>
+              <a:t>10/3/2016</a:t>
             </a:fld>
             <a:endParaRPr lang="en-US" dirty="0"/>
           </a:p>
@@ -43051,7 +35358,7 @@
           <a:ln/>
           <a:extLst>
             <a:ext uri="{91240B29-F687-4f45-9708-019B960494DF}">
-              <a14:hiddenLine xmlns="" xmlns:a14="http://schemas.microsoft.com/office/drawing/2010/main" w="9525">
+              <a14:hiddenLine xmlns:a14="http://schemas.microsoft.com/office/drawing/2010/main" xmlns="" w="9525">
                 <a:solidFill>
                   <a:srgbClr val="000000"/>
                 </a:solidFill>
@@ -43118,7 +35425,7 @@
             <a:fld id="{F13A34C8-038E-2045-AF43-DF7DBB8E0E9E}" type="datetimeFigureOut">
               <a:rPr lang="en-US" dirty="0"/>
               <a:pPr/>
-              <a:t>8/5/2016</a:t>
+              <a:t>10/3/2016</a:t>
             </a:fld>
             <a:endParaRPr lang="en-US" dirty="0"/>
           </a:p>
@@ -43210,7 +35517,7 @@
             <a:fld id="{8818C68F-D26B-8F47-958C-23B49CF8A634}" type="datetimeFigureOut">
               <a:rPr lang="en-US" dirty="0"/>
               <a:pPr/>
-              <a:t>8/5/2016</a:t>
+              <a:t>10/3/2016</a:t>
             </a:fld>
             <a:endParaRPr lang="en-US" dirty="0"/>
           </a:p>
@@ -43474,7 +35781,7 @@
           <a:ln/>
           <a:extLst>
             <a:ext uri="{91240B29-F687-4f45-9708-019B960494DF}">
-              <a14:hiddenLine xmlns="" xmlns:a14="http://schemas.microsoft.com/office/drawing/2010/main" w="9525">
+              <a14:hiddenLine xmlns:a14="http://schemas.microsoft.com/office/drawing/2010/main" xmlns="" w="9525">
                 <a:solidFill>
                   <a:srgbClr val="000000"/>
                 </a:solidFill>
@@ -43674,7 +35981,7 @@
             <a:fld id="{D0DF5E60-9974-AC48-9591-99C2BB44B7CF}" type="datetimeFigureOut">
               <a:rPr lang="en-US" dirty="0"/>
               <a:pPr/>
-              <a:t>8/5/2016</a:t>
+              <a:t>10/3/2016</a:t>
             </a:fld>
             <a:endParaRPr lang="en-US" dirty="0"/>
           </a:p>
@@ -43984,7 +36291,7 @@
             <a:fld id="{18C79C5D-2A6F-F04D-97DA-BEF2467B64E4}" type="datetimeFigureOut">
               <a:rPr lang="en-US" dirty="0"/>
               <a:pPr/>
-              <a:t>8/5/2016</a:t>
+              <a:t>10/3/2016</a:t>
             </a:fld>
             <a:endParaRPr lang="en-US" dirty="0"/>
           </a:p>
@@ -44251,7 +36558,7 @@
             <a:fld id="{09B482E8-6E0E-1B4F-B1FD-C69DB9E858D9}" type="datetimeFigureOut">
               <a:rPr lang="en-US" dirty="0"/>
               <a:pPr/>
-              <a:t>8/5/2016</a:t>
+              <a:t>10/3/2016</a:t>
             </a:fld>
             <a:endParaRPr lang="en-US" dirty="0"/>
           </a:p>
@@ -46778,7 +39085,19 @@
             </a:br>
             <a:r>
               <a:rPr lang="es-CO" sz="2400" dirty="0" smtClean="0"/>
-              <a:t>y algo más…</a:t>
+              <a:t>Programas</a:t>
+            </a:r>
+            <a:r>
+              <a:rPr lang="es-CO" sz="2400" dirty="0"/>
+              <a:t> </a:t>
+            </a:r>
+            <a:r>
+              <a:rPr lang="es-CO" sz="2400" dirty="0" smtClean="0"/>
+              <a:t>e</a:t>
+            </a:r>
+            <a:r>
+              <a:rPr lang="es-CO" sz="2400" dirty="0" smtClean="0"/>
+              <a:t> Iniciativas</a:t>
             </a:r>
             <a:endParaRPr lang="es-CO" sz="3600" dirty="0"/>
           </a:p>
@@ -46791,7 +39110,7 @@
           <p:nvPr>
             <p:extLst>
               <p:ext uri="{D42A27DB-BD31-4B8C-83A1-F6EECF244321}">
-                <p14:modId xmlns:p14="http://schemas.microsoft.com/office/powerpoint/2010/main" val="3994337795"/>
+                <p14:modId xmlns:p14="http://schemas.microsoft.com/office/powerpoint/2010/main" val="1125147154"/>
               </p:ext>
             </p:extLst>
           </p:nvPr>
@@ -46856,8 +39175,8 @@
         </p:nvGrpSpPr>
         <p:grpSpPr>
           <a:xfrm>
-            <a:off x="717862" y="5589811"/>
-            <a:ext cx="1635135" cy="817567"/>
+            <a:off x="717861" y="5789567"/>
+            <a:ext cx="1635135" cy="617811"/>
             <a:chOff x="891517" y="2323017"/>
             <a:chExt cx="1635135" cy="817567"/>
           </a:xfrm>
@@ -46955,8 +39274,8 @@
         </p:nvGrpSpPr>
         <p:grpSpPr>
           <a:xfrm>
-            <a:off x="717861" y="4641439"/>
-            <a:ext cx="1635135" cy="817567"/>
+            <a:off x="717861" y="5061120"/>
+            <a:ext cx="1635135" cy="617811"/>
             <a:chOff x="891517" y="2323017"/>
             <a:chExt cx="1635135" cy="817567"/>
           </a:xfrm>
@@ -47054,8 +39373,8 @@
         </p:nvGrpSpPr>
         <p:grpSpPr>
           <a:xfrm>
-            <a:off x="717860" y="3693067"/>
-            <a:ext cx="1635135" cy="817567"/>
+            <a:off x="717861" y="4332670"/>
+            <a:ext cx="1635135" cy="617811"/>
             <a:chOff x="891517" y="2323017"/>
             <a:chExt cx="1635135" cy="817567"/>
           </a:xfrm>
@@ -47139,6 +39458,105 @@
               <a:r>
                 <a:rPr lang="es-CO" sz="1800" kern="1200" dirty="0" smtClean="0"/>
                 <a:t>FITI</a:t>
+              </a:r>
+              <a:endParaRPr lang="es-CO" sz="1800" kern="1200" dirty="0"/>
+            </a:p>
+          </p:txBody>
+        </p:sp>
+      </p:grpSp>
+      <p:grpSp>
+        <p:nvGrpSpPr>
+          <p:cNvPr id="14" name="Grupo 13"/>
+          <p:cNvGrpSpPr/>
+          <p:nvPr/>
+        </p:nvGrpSpPr>
+        <p:grpSpPr>
+          <a:xfrm>
+            <a:off x="717861" y="3611316"/>
+            <a:ext cx="1635135" cy="617811"/>
+            <a:chOff x="891517" y="2323017"/>
+            <a:chExt cx="1635135" cy="817567"/>
+          </a:xfrm>
+        </p:grpSpPr>
+        <p:sp>
+          <p:nvSpPr>
+            <p:cNvPr id="22" name="Rectángulo 21"/>
+            <p:cNvSpPr/>
+            <p:nvPr/>
+          </p:nvSpPr>
+          <p:spPr>
+            <a:xfrm>
+              <a:off x="891517" y="2323017"/>
+              <a:ext cx="1635135" cy="817567"/>
+            </a:xfrm>
+            <a:prstGeom prst="rect">
+              <a:avLst/>
+            </a:prstGeom>
+          </p:spPr>
+          <p:style>
+            <a:lnRef idx="3">
+              <a:schemeClr val="lt1"/>
+            </a:lnRef>
+            <a:fillRef idx="1">
+              <a:schemeClr val="accent3"/>
+            </a:fillRef>
+            <a:effectRef idx="1">
+              <a:schemeClr val="accent3"/>
+            </a:effectRef>
+            <a:fontRef idx="minor">
+              <a:schemeClr val="lt1"/>
+            </a:fontRef>
+          </p:style>
+        </p:sp>
+        <p:sp>
+          <p:nvSpPr>
+            <p:cNvPr id="26" name="Rectángulo 25"/>
+            <p:cNvSpPr/>
+            <p:nvPr/>
+          </p:nvSpPr>
+          <p:spPr>
+            <a:xfrm>
+              <a:off x="891517" y="2323017"/>
+              <a:ext cx="1635135" cy="817567"/>
+            </a:xfrm>
+            <a:prstGeom prst="rect">
+              <a:avLst/>
+            </a:prstGeom>
+          </p:spPr>
+          <p:style>
+            <a:lnRef idx="3">
+              <a:schemeClr val="lt1"/>
+            </a:lnRef>
+            <a:fillRef idx="1">
+              <a:schemeClr val="accent3"/>
+            </a:fillRef>
+            <a:effectRef idx="1">
+              <a:schemeClr val="accent3"/>
+            </a:effectRef>
+            <a:fontRef idx="minor">
+              <a:schemeClr val="lt1"/>
+            </a:fontRef>
+          </p:style>
+          <p:txBody>
+            <a:bodyPr spcFirstLastPara="0" vert="horz" wrap="square" lIns="11430" tIns="11430" rIns="11430" bIns="11430" numCol="1" spcCol="1270" anchor="ctr" anchorCtr="0">
+              <a:noAutofit/>
+            </a:bodyPr>
+            <a:lstStyle/>
+            <a:p>
+              <a:pPr lvl="0" algn="ctr" defTabSz="800100">
+                <a:lnSpc>
+                  <a:spcPct val="90000"/>
+                </a:lnSpc>
+                <a:spcBef>
+                  <a:spcPct val="0"/>
+                </a:spcBef>
+                <a:spcAft>
+                  <a:spcPct val="35000"/>
+                </a:spcAft>
+              </a:pPr>
+              <a:r>
+                <a:rPr lang="es-CO" sz="1800" kern="1200" dirty="0" smtClean="0"/>
+                <a:t>CPE</a:t>
               </a:r>
               <a:endParaRPr lang="es-CO" sz="1800" kern="1200" dirty="0"/>
             </a:p>
@@ -47327,6 +39745,41 @@
                                         <p:cTn id="18" dur="500"/>
                                         <p:tgtEl>
                                           <p:spTgt spid="23"/>
+                                        </p:tgtEl>
+                                      </p:cBhvr>
+                                    </p:animEffect>
+                                  </p:childTnLst>
+                                </p:cTn>
+                              </p:par>
+                              <p:par>
+                                <p:cTn id="19" presetID="10" presetClass="entr" presetSubtype="0" fill="hold" nodeType="withEffect">
+                                  <p:stCondLst>
+                                    <p:cond delay="0"/>
+                                  </p:stCondLst>
+                                  <p:childTnLst>
+                                    <p:set>
+                                      <p:cBhvr>
+                                        <p:cTn id="20" dur="1" fill="hold">
+                                          <p:stCondLst>
+                                            <p:cond delay="0"/>
+                                          </p:stCondLst>
+                                        </p:cTn>
+                                        <p:tgtEl>
+                                          <p:spTgt spid="14"/>
+                                        </p:tgtEl>
+                                        <p:attrNameLst>
+                                          <p:attrName>style.visibility</p:attrName>
+                                        </p:attrNameLst>
+                                      </p:cBhvr>
+                                      <p:to>
+                                        <p:strVal val="visible"/>
+                                      </p:to>
+                                    </p:set>
+                                    <p:animEffect transition="in" filter="fade">
+                                      <p:cBhvr>
+                                        <p:cTn id="21" dur="500"/>
+                                        <p:tgtEl>
+                                          <p:spTgt spid="14"/>
                                         </p:tgtEl>
                                       </p:cBhvr>
                                     </p:animEffect>
